--- a/CMSIS/DoxyGen/Zone/src/images/CMSIS_Zone.pptx
+++ b/CMSIS/DoxyGen/Zone/src/images/CMSIS_Zone.pptx
@@ -5,18 +5,19 @@
     <p:sldMasterId id="2147483726" r:id="rId5"/>
   </p:sldMasterIdLst>
   <p:notesMasterIdLst>
-    <p:notesMasterId r:id="rId12"/>
+    <p:notesMasterId r:id="rId13"/>
   </p:notesMasterIdLst>
   <p:handoutMasterIdLst>
-    <p:handoutMasterId r:id="rId13"/>
+    <p:handoutMasterId r:id="rId14"/>
   </p:handoutMasterIdLst>
   <p:sldIdLst>
     <p:sldId id="369" r:id="rId6"/>
     <p:sldId id="375" r:id="rId7"/>
     <p:sldId id="373" r:id="rId8"/>
     <p:sldId id="377" r:id="rId9"/>
-    <p:sldId id="374" r:id="rId10"/>
-    <p:sldId id="376" r:id="rId11"/>
+    <p:sldId id="378" r:id="rId10"/>
+    <p:sldId id="374" r:id="rId11"/>
+    <p:sldId id="376" r:id="rId12"/>
   </p:sldIdLst>
   <p:sldSz cx="9144000" cy="5143500" type="screen16x9"/>
   <p:notesSz cx="6858000" cy="9144000"/>
@@ -117,7 +118,7 @@
   </p:defaultTextStyle>
   <p:extLst>
     <p:ext uri="{EFAFB233-063F-42B5-8137-9DF3F51BA10A}">
-      <p15:sldGuideLst xmlns="" xmlns:p15="http://schemas.microsoft.com/office/powerpoint/2012/main">
+      <p15:sldGuideLst xmlns:p15="http://schemas.microsoft.com/office/powerpoint/2012/main">
         <p15:guide id="1" orient="horz" pos="954">
           <p15:clr>
             <a:srgbClr val="A4A3A4"/>
@@ -141,7 +142,7 @@
       </p15:sldGuideLst>
     </p:ext>
     <p:ext uri="{2D200454-40CA-4A62-9FC3-DE9A4176ACB9}">
-      <p15:notesGuideLst xmlns="" xmlns:p15="http://schemas.microsoft.com/office/powerpoint/2012/main">
+      <p15:notesGuideLst xmlns:p15="http://schemas.microsoft.com/office/powerpoint/2012/main">
         <p15:guide id="1" orient="horz" pos="2880">
           <p15:clr>
             <a:srgbClr val="A4A3A4"/>
@@ -251,7 +252,7 @@
               <a:rPr lang="en-US" smtClean="0">
                 <a:latin typeface="Gill Sans MT"/>
               </a:rPr>
-              <a:t>7/5/2017</a:t>
+              <a:t>8/6/2018</a:t>
             </a:fld>
             <a:endParaRPr lang="en-US" dirty="0">
               <a:latin typeface="Gill Sans MT"/>
@@ -430,7 +431,7 @@
             <a:fld id="{49FE4451-D2A5-554E-B842-8C4F3752E2A4}" type="datetimeFigureOut">
               <a:rPr lang="en-US" smtClean="0"/>
               <a:pPr/>
-              <a:t>7/5/2017</a:t>
+              <a:t>8/6/2018</a:t>
             </a:fld>
             <a:endParaRPr lang="en-US" dirty="0"/>
           </a:p>
@@ -749,139 +750,133 @@
           <a:lstStyle/>
           <a:p>
             <a:r>
-              <a:rPr lang="en-US" sz="800" baseline="0" dirty="0" smtClean="0">
+              <a:rPr lang="en-US" sz="800" baseline="0" dirty="0">
                 <a:latin typeface="Gill Sans MT" panose="020B0502020104020203" pitchFamily="34" charset="0"/>
               </a:rPr>
               <a:t>The </a:t>
             </a:r>
             <a:r>
-              <a:rPr lang="en-US" sz="800" baseline="0" dirty="0" err="1" smtClean="0">
+              <a:rPr lang="en-US" sz="800" baseline="0" dirty="0" err="1">
                 <a:latin typeface="Gill Sans MT" panose="020B0502020104020203" pitchFamily="34" charset="0"/>
               </a:rPr>
               <a:t>Cmsis</a:t>
             </a:r>
             <a:r>
-              <a:rPr lang="en-US" sz="800" baseline="0" dirty="0" smtClean="0">
+              <a:rPr lang="en-US" sz="800" baseline="0" dirty="0">
                 <a:latin typeface="Gill Sans MT" panose="020B0502020104020203" pitchFamily="34" charset="0"/>
               </a:rPr>
               <a:t> (Cortex Microcontroller Software Interface Standard) standard is a collection of API definitions, libraries, utilities, and methods that simplify and accelerate the creation of microcontroller applications.  </a:t>
             </a:r>
             <a:r>
-              <a:rPr lang="en-US" sz="800" baseline="0" dirty="0" err="1" smtClean="0">
+              <a:rPr lang="en-US" sz="800" baseline="0" dirty="0" err="1">
                 <a:latin typeface="Gill Sans MT" panose="020B0502020104020203" pitchFamily="34" charset="0"/>
               </a:rPr>
               <a:t>Cmsis</a:t>
             </a:r>
             <a:r>
-              <a:rPr lang="en-US" sz="800" baseline="0" dirty="0" smtClean="0">
+              <a:rPr lang="en-US" sz="800" baseline="0" dirty="0">
                 <a:latin typeface="Gill Sans MT" panose="020B0502020104020203" pitchFamily="34" charset="0"/>
               </a:rPr>
               <a:t> is provided FOC by ARM (and the contributors) with a permissive Apache 2.0 licenses and the software components can be used in any open source and commercial projects.</a:t>
             </a:r>
           </a:p>
           <a:p>
-            <a:endParaRPr lang="en-US" sz="800" baseline="0" dirty="0" smtClean="0">
+            <a:endParaRPr lang="en-US" sz="800" baseline="0" dirty="0">
               <a:latin typeface="Gill Sans MT" panose="020B0502020104020203" pitchFamily="34" charset="0"/>
             </a:endParaRPr>
           </a:p>
           <a:p>
             <a:r>
-              <a:rPr lang="en-US" sz="800" baseline="0" dirty="0" smtClean="0">
+              <a:rPr lang="en-US" sz="800" baseline="0" dirty="0">
                 <a:latin typeface="Gill Sans MT" panose="020B0502020104020203" pitchFamily="34" charset="0"/>
               </a:rPr>
               <a:t>Users (software programmers) benefit from RTOS, DSP-Libraries, consistent access to peripheral, and debug visibility.</a:t>
             </a:r>
           </a:p>
           <a:p>
-            <a:endParaRPr lang="en-US" sz="800" baseline="0" dirty="0" smtClean="0">
+            <a:endParaRPr lang="en-US" sz="800" baseline="0" dirty="0">
               <a:latin typeface="Gill Sans MT" panose="020B0502020104020203" pitchFamily="34" charset="0"/>
             </a:endParaRPr>
           </a:p>
           <a:p>
             <a:r>
-              <a:rPr lang="en-US" sz="800" baseline="0" dirty="0" err="1" smtClean="0">
+              <a:rPr lang="en-US" sz="800" baseline="0" dirty="0" err="1">
                 <a:latin typeface="Gill Sans MT" panose="020B0502020104020203" pitchFamily="34" charset="0"/>
               </a:rPr>
               <a:t>SiPs</a:t>
             </a:r>
             <a:r>
-              <a:rPr lang="en-US" sz="800" baseline="0" dirty="0" smtClean="0">
+              <a:rPr lang="en-US" sz="800" baseline="0" dirty="0">
                 <a:latin typeface="Gill Sans MT" panose="020B0502020104020203" pitchFamily="34" charset="0"/>
               </a:rPr>
               <a:t> (device vendors) have a clear process to deploy support for new devices along with hardware abstraction layers and software libraries. </a:t>
             </a:r>
           </a:p>
           <a:p>
-            <a:endParaRPr lang="en-US" sz="800" baseline="0" dirty="0" smtClean="0">
+            <a:endParaRPr lang="en-US" sz="800" baseline="0" dirty="0">
               <a:latin typeface="Gill Sans MT" panose="020B0502020104020203" pitchFamily="34" charset="0"/>
             </a:endParaRPr>
           </a:p>
           <a:p>
             <a:r>
-              <a:rPr lang="en-US" sz="800" baseline="0" dirty="0" smtClean="0">
+              <a:rPr lang="en-US" sz="800" baseline="0" dirty="0">
                 <a:latin typeface="Gill Sans MT" panose="020B0502020104020203" pitchFamily="34" charset="0"/>
               </a:rPr>
               <a:t>The device support is delivered in Device Family Packs (that typically support a complete family of [many] microcontrollers) and can be used with several main stream tools including ARM Keil MDK and the new DS-MDK.</a:t>
             </a:r>
           </a:p>
           <a:p>
-            <a:r>
-              <a:rPr lang="en-US" sz="800" baseline="0" dirty="0" smtClean="0">
-                <a:latin typeface="Gill Sans MT" panose="020B0502020104020203" pitchFamily="34" charset="0"/>
-              </a:rPr>
-              <a:t/>
-            </a:r>
             <a:br>
-              <a:rPr lang="en-US" sz="800" baseline="0" dirty="0" smtClean="0">
+              <a:rPr lang="en-US" sz="800" baseline="0" dirty="0">
                 <a:latin typeface="Gill Sans MT" panose="020B0502020104020203" pitchFamily="34" charset="0"/>
               </a:rPr>
             </a:br>
             <a:r>
-              <a:rPr lang="en-US" sz="800" baseline="0" dirty="0" smtClean="0">
+              <a:rPr lang="en-US" sz="800" baseline="0" dirty="0">
                 <a:latin typeface="Gill Sans MT" panose="020B0502020104020203" pitchFamily="34" charset="0"/>
               </a:rPr>
               <a:t>CMSIS is supported by all leading toolchains and allows </a:t>
             </a:r>
             <a:r>
-              <a:rPr lang="en-US" sz="800" baseline="0" dirty="0" err="1" smtClean="0">
+              <a:rPr lang="en-US" sz="800" baseline="0" dirty="0" err="1">
                 <a:latin typeface="Gill Sans MT" panose="020B0502020104020203" pitchFamily="34" charset="0"/>
               </a:rPr>
               <a:t>SiPs</a:t>
             </a:r>
             <a:r>
-              <a:rPr lang="en-US" sz="800" baseline="0" dirty="0" smtClean="0">
+              <a:rPr lang="en-US" sz="800" baseline="0" dirty="0">
                 <a:latin typeface="Gill Sans MT" panose="020B0502020104020203" pitchFamily="34" charset="0"/>
               </a:rPr>
               <a:t> to focus on the creation of the device (not on establishing contacts with the members of large ARM Eco-System).</a:t>
             </a:r>
           </a:p>
           <a:p>
-            <a:endParaRPr lang="en-US" sz="800" baseline="0" dirty="0" smtClean="0">
+            <a:endParaRPr lang="en-US" sz="800" baseline="0" dirty="0">
               <a:latin typeface="Gill Sans MT" panose="020B0502020104020203" pitchFamily="34" charset="0"/>
             </a:endParaRPr>
           </a:p>
           <a:p>
             <a:r>
-              <a:rPr lang="en-US" sz="800" baseline="0" dirty="0" smtClean="0">
+              <a:rPr lang="en-US" sz="800" baseline="0" dirty="0">
                 <a:latin typeface="Gill Sans MT" panose="020B0502020104020203" pitchFamily="34" charset="0"/>
               </a:rPr>
               <a:t>That is the reason for our headline: CMSIS – The Pathway to the ARM Eco-System!</a:t>
             </a:r>
           </a:p>
           <a:p>
-            <a:endParaRPr lang="en-US" sz="800" baseline="0" dirty="0" smtClean="0">
+            <a:endParaRPr lang="en-US" sz="800" baseline="0" dirty="0">
               <a:latin typeface="Gill Sans MT" panose="020B0502020104020203" pitchFamily="34" charset="0"/>
             </a:endParaRPr>
           </a:p>
           <a:p>
             <a:r>
-              <a:rPr lang="en-US" sz="800" baseline="0" dirty="0" smtClean="0">
+              <a:rPr lang="en-US" sz="800" baseline="0" dirty="0">
                 <a:latin typeface="Gill Sans MT" panose="020B0502020104020203" pitchFamily="34" charset="0"/>
               </a:rPr>
               <a:t>For more information visit www.arm.com/cmsis</a:t>
             </a:r>
             <a:br>
-              <a:rPr lang="en-US" sz="800" baseline="0" dirty="0" smtClean="0">
+              <a:rPr lang="en-US" sz="800" baseline="0" dirty="0">
                 <a:latin typeface="Gill Sans MT" panose="020B0502020104020203" pitchFamily="34" charset="0"/>
               </a:rPr>
             </a:br>
@@ -1178,7 +1173,7 @@
     </p:spTree>
     <p:extLst>
       <p:ext uri="{BB962C8B-B14F-4D97-AF65-F5344CB8AC3E}">
-        <p14:creationId xmlns:p14="http://schemas.microsoft.com/office/powerpoint/2010/main" val="201014760"/>
+        <p14:creationId xmlns:p14="http://schemas.microsoft.com/office/powerpoint/2010/main" val="1809386468"/>
       </p:ext>
     </p:extLst>
   </p:cSld>
@@ -1254,6 +1249,90 @@
             <a:fld id="{15C21F19-84A7-D347-9BFC-DB9F02D4494D}" type="slidenum">
               <a:rPr lang="en-US" smtClean="0"/>
               <a:t>6</a:t>
+            </a:fld>
+            <a:endParaRPr lang="en-US"/>
+          </a:p>
+        </p:txBody>
+      </p:sp>
+    </p:spTree>
+    <p:extLst>
+      <p:ext uri="{BB962C8B-B14F-4D97-AF65-F5344CB8AC3E}">
+        <p14:creationId xmlns:p14="http://schemas.microsoft.com/office/powerpoint/2010/main" val="201014760"/>
+      </p:ext>
+    </p:extLst>
+  </p:cSld>
+  <p:clrMapOvr>
+    <a:masterClrMapping/>
+  </p:clrMapOvr>
+</p:notes>
+</file>
+
+<file path=ppt/notesSlides/notesSlide6.xml><?xml version="1.0" encoding="utf-8"?>
+<p:notes xmlns:a="http://schemas.openxmlformats.org/drawingml/2006/main" xmlns:r="http://schemas.openxmlformats.org/officeDocument/2006/relationships" xmlns:p="http://schemas.openxmlformats.org/presentationml/2006/main">
+  <p:cSld>
+    <p:spTree>
+      <p:nvGrpSpPr>
+        <p:cNvPr id="1" name=""/>
+        <p:cNvGrpSpPr/>
+        <p:nvPr/>
+      </p:nvGrpSpPr>
+      <p:grpSpPr>
+        <a:xfrm>
+          <a:off x="0" y="0"/>
+          <a:ext cx="0" cy="0"/>
+          <a:chOff x="0" y="0"/>
+          <a:chExt cx="0" cy="0"/>
+        </a:xfrm>
+      </p:grpSpPr>
+      <p:sp>
+        <p:nvSpPr>
+          <p:cNvPr id="2" name="Slide Image Placeholder 1"/>
+          <p:cNvSpPr>
+            <a:spLocks noGrp="1" noRot="1" noChangeAspect="1"/>
+          </p:cNvSpPr>
+          <p:nvPr>
+            <p:ph type="sldImg"/>
+          </p:nvPr>
+        </p:nvSpPr>
+        <p:spPr/>
+      </p:sp>
+      <p:sp>
+        <p:nvSpPr>
+          <p:cNvPr id="3" name="Notes Placeholder 2"/>
+          <p:cNvSpPr>
+            <a:spLocks noGrp="1"/>
+          </p:cNvSpPr>
+          <p:nvPr>
+            <p:ph type="body" idx="1"/>
+          </p:nvPr>
+        </p:nvSpPr>
+        <p:spPr/>
+        <p:txBody>
+          <a:bodyPr/>
+          <a:lstStyle/>
+          <a:p>
+            <a:endParaRPr lang="en-US" baseline="0" dirty="0"/>
+          </a:p>
+        </p:txBody>
+      </p:sp>
+      <p:sp>
+        <p:nvSpPr>
+          <p:cNvPr id="4" name="Slide Number Placeholder 3"/>
+          <p:cNvSpPr>
+            <a:spLocks noGrp="1"/>
+          </p:cNvSpPr>
+          <p:nvPr>
+            <p:ph type="sldNum" sz="quarter" idx="10"/>
+          </p:nvPr>
+        </p:nvSpPr>
+        <p:spPr/>
+        <p:txBody>
+          <a:bodyPr/>
+          <a:lstStyle/>
+          <a:p>
+            <a:fld id="{15C21F19-84A7-D347-9BFC-DB9F02D4494D}" type="slidenum">
+              <a:rPr lang="en-US" smtClean="0"/>
+              <a:t>7</a:t>
             </a:fld>
             <a:endParaRPr lang="en-US"/>
           </a:p>
@@ -1338,17 +1417,16 @@
           </a:lstStyle>
           <a:p>
             <a:r>
-              <a:rPr lang="en-GB" noProof="0" dirty="0" smtClean="0"/>
+              <a:rPr lang="en-GB" noProof="0" dirty="0"/>
               <a:t>Click to edit </a:t>
             </a:r>
             <a:br>
-              <a:rPr lang="en-GB" noProof="0" dirty="0" smtClean="0"/>
+              <a:rPr lang="en-GB" noProof="0" dirty="0"/>
             </a:br>
             <a:r>
-              <a:rPr lang="en-GB" noProof="0" dirty="0" smtClean="0"/>
+              <a:rPr lang="en-GB" noProof="0" dirty="0"/>
               <a:t>master title style</a:t>
             </a:r>
-            <a:endParaRPr lang="en-GB" noProof="0" dirty="0"/>
           </a:p>
         </p:txBody>
       </p:sp>
@@ -1473,13 +1551,13 @@
           <a:p>
             <a:pPr lvl="0"/>
             <a:r>
-              <a:rPr lang="en-GB" noProof="0" dirty="0" smtClean="0"/>
+              <a:rPr lang="en-GB" noProof="0" dirty="0"/>
               <a:t>Speaker name</a:t>
             </a:r>
           </a:p>
           <a:p>
             <a:pPr lvl="0"/>
-            <a:endParaRPr lang="en-GB" noProof="0" dirty="0" smtClean="0"/>
+            <a:endParaRPr lang="en-GB" noProof="0" dirty="0"/>
           </a:p>
         </p:txBody>
       </p:sp>
@@ -1574,7 +1652,7 @@
           <a:p>
             <a:pPr lvl="0"/>
             <a:r>
-              <a:rPr lang="en-GB" noProof="0" dirty="0" smtClean="0"/>
+              <a:rPr lang="en-GB" noProof="0" dirty="0"/>
               <a:t>Location / Meeting / Speaking venue</a:t>
             </a:r>
           </a:p>
@@ -1611,7 +1689,7 @@
           <a:p>
             <a:pPr lvl="0"/>
             <a:r>
-              <a:rPr lang="en-GB" dirty="0" smtClean="0"/>
+              <a:rPr lang="en-GB" dirty="0"/>
               <a:t>Title / Affiliation</a:t>
             </a:r>
             <a:endParaRPr lang="en-US" dirty="0"/>
@@ -1709,7 +1787,7 @@
           <a:p>
             <a:pPr lvl="0"/>
             <a:r>
-              <a:rPr lang="en-GB" noProof="0" dirty="0" smtClean="0"/>
+              <a:rPr lang="en-GB" noProof="0" dirty="0"/>
               <a:t>Month / day / year</a:t>
             </a:r>
           </a:p>
@@ -1739,7 +1817,7 @@
           <a:p>
             <a:pPr algn="r" defTabSz="342916"/>
             <a:r>
-              <a:rPr lang="en-US" sz="1100" dirty="0" smtClean="0">
+              <a:rPr lang="en-US" sz="1100" dirty="0">
                 <a:solidFill>
                   <a:srgbClr val="414444"/>
                 </a:solidFill>
@@ -1773,7 +1851,7 @@
           <a:p>
             <a:pPr algn="r" defTabSz="342916"/>
             <a:r>
-              <a:rPr lang="en-US" sz="1100" dirty="0" smtClean="0">
+              <a:rPr lang="en-US" sz="1100" dirty="0">
                 <a:solidFill>
                   <a:srgbClr val="414444"/>
                 </a:solidFill>
@@ -1807,7 +1885,7 @@
           <a:p>
             <a:pPr algn="r" defTabSz="342916"/>
             <a:r>
-              <a:rPr lang="en-US" sz="1100" dirty="0" smtClean="0">
+              <a:rPr lang="en-US" sz="1100" dirty="0">
                 <a:solidFill>
                   <a:srgbClr val="414444"/>
                 </a:solidFill>
@@ -1938,18 +2016,13 @@
           </a:lstStyle>
           <a:p>
             <a:r>
-              <a:rPr lang="en-GB" sz="900" dirty="0" smtClean="0">
+              <a:rPr lang="en-GB" sz="900" dirty="0">
                 <a:solidFill>
                   <a:srgbClr val="FFFFFF"/>
                 </a:solidFill>
               </a:rPr>
               <a:t>© ARM 2016 </a:t>
             </a:r>
-            <a:endParaRPr lang="en-GB" sz="900" dirty="0">
-              <a:solidFill>
-                <a:srgbClr val="FFFFFF"/>
-              </a:solidFill>
-            </a:endParaRPr>
           </a:p>
         </p:txBody>
       </p:sp>
@@ -1963,13 +2036,6 @@
   <p:clrMapOvr>
     <a:masterClrMapping/>
   </p:clrMapOvr>
-  <p:timing>
-    <p:tnLst>
-      <p:par>
-        <p:cTn id="1" dur="indefinite" restart="never" nodeType="tmRoot"/>
-      </p:par>
-    </p:tnLst>
-  </p:timing>
 </p:sldLayout>
 </file>
 
@@ -2011,10 +2077,9 @@
           <a:lstStyle/>
           <a:p>
             <a:r>
-              <a:rPr lang="en-GB" noProof="0" dirty="0" smtClean="0"/>
+              <a:rPr lang="en-GB" noProof="0" dirty="0"/>
               <a:t>Click to edit master title style</a:t>
             </a:r>
-            <a:endParaRPr lang="en-GB" noProof="0" dirty="0"/>
           </a:p>
         </p:txBody>
       </p:sp>
@@ -2043,7 +2108,7 @@
           </a:lstStyle>
           <a:p>
             <a:r>
-              <a:rPr lang="en-US" noProof="0" smtClean="0"/>
+              <a:rPr lang="en-US" noProof="0"/>
               <a:t>Click icon to add picture</a:t>
             </a:r>
             <a:endParaRPr lang="en-GB" noProof="0" dirty="0"/>
@@ -2118,28 +2183,28 @@
           <a:p>
             <a:pPr lvl="0"/>
             <a:r>
-              <a:rPr lang="en-GB" noProof="0" dirty="0" smtClean="0"/>
+              <a:rPr lang="en-GB" noProof="0" dirty="0"/>
               <a:t>Click to edit master text styles</a:t>
             </a:r>
           </a:p>
           <a:p>
             <a:pPr lvl="1"/>
             <a:r>
-              <a:rPr lang="en-GB" noProof="0" dirty="0" smtClean="0"/>
+              <a:rPr lang="en-GB" noProof="0" dirty="0"/>
               <a:t>Second level</a:t>
             </a:r>
           </a:p>
           <a:p>
             <a:pPr lvl="2"/>
             <a:r>
-              <a:rPr lang="en-GB" noProof="0" dirty="0" smtClean="0"/>
+              <a:rPr lang="en-GB" noProof="0" dirty="0"/>
               <a:t>Third level</a:t>
             </a:r>
           </a:p>
           <a:p>
             <a:pPr lvl="3"/>
             <a:r>
-              <a:rPr lang="en-GB" noProof="0" dirty="0" smtClean="0"/>
+              <a:rPr lang="en-GB" noProof="0" dirty="0"/>
               <a:t>Fourth level</a:t>
             </a:r>
           </a:p>
@@ -2155,13 +2220,6 @@
   <p:clrMapOvr>
     <a:masterClrMapping/>
   </p:clrMapOvr>
-  <p:timing>
-    <p:tnLst>
-      <p:par>
-        <p:cTn id="1" dur="indefinite" restart="never" nodeType="tmRoot"/>
-      </p:par>
-    </p:tnLst>
-  </p:timing>
 </p:sldLayout>
 </file>
 
@@ -2207,7 +2265,7 @@
           </a:lstStyle>
           <a:p>
             <a:r>
-              <a:rPr lang="en-US" noProof="0" smtClean="0"/>
+              <a:rPr lang="en-US" noProof="0"/>
               <a:t>Click icon to add chart</a:t>
             </a:r>
             <a:endParaRPr lang="en-GB" noProof="0" dirty="0"/>
@@ -2235,10 +2293,9 @@
           <a:lstStyle/>
           <a:p>
             <a:r>
-              <a:rPr lang="en-GB" noProof="0" dirty="0" smtClean="0"/>
+              <a:rPr lang="en-GB" noProof="0" dirty="0"/>
               <a:t>Click to edit master title style</a:t>
             </a:r>
-            <a:endParaRPr lang="en-GB" noProof="0" dirty="0"/>
           </a:p>
         </p:txBody>
       </p:sp>
@@ -2310,28 +2367,28 @@
           <a:p>
             <a:pPr lvl="0"/>
             <a:r>
-              <a:rPr lang="en-GB" noProof="0" dirty="0" smtClean="0"/>
+              <a:rPr lang="en-GB" noProof="0" dirty="0"/>
               <a:t>Click to edit master text styles</a:t>
             </a:r>
           </a:p>
           <a:p>
             <a:pPr lvl="1"/>
             <a:r>
-              <a:rPr lang="en-GB" noProof="0" dirty="0" smtClean="0"/>
+              <a:rPr lang="en-GB" noProof="0" dirty="0"/>
               <a:t>Second level</a:t>
             </a:r>
           </a:p>
           <a:p>
             <a:pPr lvl="2"/>
             <a:r>
-              <a:rPr lang="en-GB" noProof="0" dirty="0" smtClean="0"/>
+              <a:rPr lang="en-GB" noProof="0" dirty="0"/>
               <a:t>Third level</a:t>
             </a:r>
           </a:p>
           <a:p>
             <a:pPr lvl="3"/>
             <a:r>
-              <a:rPr lang="en-GB" noProof="0" dirty="0" smtClean="0"/>
+              <a:rPr lang="en-GB" noProof="0" dirty="0"/>
               <a:t>Fourth level</a:t>
             </a:r>
           </a:p>
@@ -2347,13 +2404,6 @@
   <p:clrMapOvr>
     <a:masterClrMapping/>
   </p:clrMapOvr>
-  <p:timing>
-    <p:tnLst>
-      <p:par>
-        <p:cTn id="1" dur="indefinite" restart="never" nodeType="tmRoot"/>
-      </p:par>
-    </p:tnLst>
-  </p:timing>
 </p:sldLayout>
 </file>
 
@@ -2395,10 +2445,9 @@
           <a:lstStyle/>
           <a:p>
             <a:r>
-              <a:rPr lang="en-GB" noProof="0" dirty="0" smtClean="0"/>
+              <a:rPr lang="en-GB" noProof="0" dirty="0"/>
               <a:t>Click to edit master title style</a:t>
             </a:r>
-            <a:endParaRPr lang="en-GB" noProof="0" dirty="0"/>
           </a:p>
         </p:txBody>
       </p:sp>
@@ -2427,7 +2476,7 @@
           </a:lstStyle>
           <a:p>
             <a:r>
-              <a:rPr lang="en-US" noProof="0" smtClean="0"/>
+              <a:rPr lang="en-US" noProof="0"/>
               <a:t>Click icon to add picture</a:t>
             </a:r>
             <a:endParaRPr lang="en-GB" noProof="0" dirty="0"/>
@@ -2444,13 +2493,6 @@
   <p:clrMapOvr>
     <a:masterClrMapping/>
   </p:clrMapOvr>
-  <p:timing>
-    <p:tnLst>
-      <p:par>
-        <p:cTn id="1" dur="indefinite" restart="never" nodeType="tmRoot"/>
-      </p:par>
-    </p:tnLst>
-  </p:timing>
 </p:sldLayout>
 </file>
 
@@ -2492,7 +2534,7 @@
           <a:lstStyle/>
           <a:p>
             <a:r>
-              <a:rPr lang="en-US" noProof="0" smtClean="0"/>
+              <a:rPr lang="en-US" noProof="0"/>
               <a:t>Click icon to add picture</a:t>
             </a:r>
             <a:endParaRPr lang="en-GB" noProof="0"/>
@@ -2520,10 +2562,9 @@
           <a:lstStyle/>
           <a:p>
             <a:r>
-              <a:rPr lang="en-GB" noProof="0" dirty="0" smtClean="0"/>
+              <a:rPr lang="en-GB" noProof="0" dirty="0"/>
               <a:t>Click to edit master title style</a:t>
             </a:r>
-            <a:endParaRPr lang="en-GB" noProof="0" dirty="0"/>
           </a:p>
         </p:txBody>
       </p:sp>
@@ -2537,13 +2578,6 @@
   <p:clrMapOvr>
     <a:masterClrMapping/>
   </p:clrMapOvr>
-  <p:timing>
-    <p:tnLst>
-      <p:par>
-        <p:cTn id="1" dur="indefinite" restart="never" nodeType="tmRoot"/>
-      </p:par>
-    </p:tnLst>
-  </p:timing>
 </p:sldLayout>
 </file>
 
@@ -2585,10 +2619,9 @@
           <a:lstStyle/>
           <a:p>
             <a:r>
-              <a:rPr lang="en-GB" noProof="0" dirty="0" smtClean="0"/>
+              <a:rPr lang="en-GB" noProof="0" dirty="0"/>
               <a:t>Click to edit master title style</a:t>
             </a:r>
-            <a:endParaRPr lang="en-GB" noProof="0" dirty="0"/>
           </a:p>
         </p:txBody>
       </p:sp>
@@ -2622,7 +2655,7 @@
           </a:lstStyle>
           <a:p>
             <a:r>
-              <a:rPr lang="en-US" noProof="0" smtClean="0"/>
+              <a:rPr lang="en-US" noProof="0"/>
               <a:t>Click icon to add table</a:t>
             </a:r>
             <a:endParaRPr lang="en-GB" noProof="0"/>
@@ -2639,13 +2672,6 @@
   <p:clrMapOvr>
     <a:masterClrMapping/>
   </p:clrMapOvr>
-  <p:timing>
-    <p:tnLst>
-      <p:par>
-        <p:cTn id="1" dur="indefinite" restart="never" nodeType="tmRoot"/>
-      </p:par>
-    </p:tnLst>
-  </p:timing>
 </p:sldLayout>
 </file>
 
@@ -2767,7 +2793,7 @@
           <a:p>
             <a:pPr lvl="0"/>
             <a:r>
-              <a:rPr lang="en-GB" noProof="0" dirty="0" smtClean="0"/>
+              <a:rPr lang="en-GB" noProof="0" dirty="0"/>
               <a:t>Click to edit master text styles</a:t>
             </a:r>
           </a:p>
@@ -2836,7 +2862,7 @@
           <a:p>
             <a:pPr lvl="0"/>
             <a:r>
-              <a:rPr lang="en-US" noProof="0" smtClean="0"/>
+              <a:rPr lang="en-US" noProof="0"/>
               <a:t>Click to edit Master text styles</a:t>
             </a:r>
           </a:p>
@@ -2963,18 +2989,13 @@
           </a:lstStyle>
           <a:p>
             <a:r>
-              <a:rPr lang="en-GB" sz="900" dirty="0" smtClean="0">
+              <a:rPr lang="en-GB" sz="900" dirty="0">
                 <a:solidFill>
                   <a:srgbClr val="FFFFFF"/>
                 </a:solidFill>
               </a:rPr>
               <a:t>© ARM 2016 </a:t>
             </a:r>
-            <a:endParaRPr lang="en-GB" sz="900" dirty="0">
-              <a:solidFill>
-                <a:srgbClr val="FFFFFF"/>
-              </a:solidFill>
-            </a:endParaRPr>
           </a:p>
         </p:txBody>
       </p:sp>
@@ -3139,7 +3160,7 @@
           <a:p>
             <a:pPr algn="r" defTabSz="342916"/>
             <a:r>
-              <a:rPr lang="en-US" sz="1100" dirty="0" smtClean="0">
+              <a:rPr lang="en-US" sz="1100" dirty="0">
                 <a:solidFill>
                   <a:srgbClr val="414444"/>
                 </a:solidFill>
@@ -3159,13 +3180,6 @@
   <p:clrMapOvr>
     <a:masterClrMapping/>
   </p:clrMapOvr>
-  <p:timing>
-    <p:tnLst>
-      <p:par>
-        <p:cTn id="1" dur="indefinite" restart="never" nodeType="tmRoot"/>
-      </p:par>
-    </p:tnLst>
-  </p:timing>
 </p:sldLayout>
 </file>
 
@@ -3287,7 +3301,7 @@
           <a:p>
             <a:pPr lvl="0"/>
             <a:r>
-              <a:rPr lang="en-GB" noProof="0" dirty="0" smtClean="0"/>
+              <a:rPr lang="en-GB" noProof="0" dirty="0"/>
               <a:t>Click to edit master text styles</a:t>
             </a:r>
           </a:p>
@@ -3414,18 +3428,13 @@
           </a:lstStyle>
           <a:p>
             <a:r>
-              <a:rPr lang="en-GB" sz="900" dirty="0" smtClean="0">
+              <a:rPr lang="en-GB" sz="900" dirty="0">
                 <a:solidFill>
                   <a:srgbClr val="FFFFFF"/>
                 </a:solidFill>
               </a:rPr>
               <a:t>© ARM 2016 </a:t>
             </a:r>
-            <a:endParaRPr lang="en-GB" sz="900" dirty="0">
-              <a:solidFill>
-                <a:srgbClr val="FFFFFF"/>
-              </a:solidFill>
-            </a:endParaRPr>
           </a:p>
         </p:txBody>
       </p:sp>
@@ -3590,7 +3599,7 @@
           <a:p>
             <a:pPr algn="r" defTabSz="342916"/>
             <a:r>
-              <a:rPr lang="en-US" sz="1100" dirty="0" smtClean="0">
+              <a:rPr lang="en-US" sz="1100" dirty="0">
                 <a:solidFill>
                   <a:srgbClr val="414444"/>
                 </a:solidFill>
@@ -3610,13 +3619,6 @@
   <p:clrMapOvr>
     <a:masterClrMapping/>
   </p:clrMapOvr>
-  <p:timing>
-    <p:tnLst>
-      <p:par>
-        <p:cTn id="1" dur="indefinite" restart="never" nodeType="tmRoot"/>
-      </p:par>
-    </p:tnLst>
-  </p:timing>
 </p:sldLayout>
 </file>
 
@@ -3712,7 +3714,7 @@
               </a:spcAft>
             </a:pPr>
             <a:r>
-              <a:rPr lang="en-GB" sz="1100" dirty="0" smtClean="0">
+              <a:rPr lang="en-GB" sz="1100" dirty="0">
                 <a:solidFill>
                   <a:srgbClr val="FFFFFF"/>
                 </a:solidFill>
@@ -3727,7 +3729,7 @@
               </a:spcAft>
             </a:pPr>
             <a:r>
-              <a:rPr lang="en-US" sz="1100" dirty="0" smtClean="0">
+              <a:rPr lang="en-US" sz="1100" dirty="0">
                 <a:solidFill>
                   <a:srgbClr val="FFFFFF"/>
                 </a:solidFill>
@@ -3870,18 +3872,13 @@
           </a:lstStyle>
           <a:p>
             <a:r>
-              <a:rPr lang="en-GB" sz="900" dirty="0" smtClean="0">
+              <a:rPr lang="en-GB" sz="900" dirty="0">
                 <a:solidFill>
                   <a:srgbClr val="FFFFFF"/>
                 </a:solidFill>
               </a:rPr>
               <a:t>© ARM 2016 </a:t>
             </a:r>
-            <a:endParaRPr lang="en-GB" sz="900" dirty="0">
-              <a:solidFill>
-                <a:srgbClr val="FFFFFF"/>
-              </a:solidFill>
-            </a:endParaRPr>
           </a:p>
         </p:txBody>
       </p:sp>
@@ -3895,13 +3892,6 @@
   <p:clrMapOvr>
     <a:masterClrMapping/>
   </p:clrMapOvr>
-  <p:timing>
-    <p:tnLst>
-      <p:par>
-        <p:cTn id="1" dur="indefinite" restart="never" nodeType="tmRoot"/>
-      </p:par>
-    </p:tnLst>
-  </p:timing>
 </p:sldLayout>
 </file>
 
@@ -3947,10 +3937,9 @@
           </a:lstStyle>
           <a:p>
             <a:r>
-              <a:rPr lang="en-GB" noProof="0" dirty="0" smtClean="0"/>
+              <a:rPr lang="en-GB" noProof="0" dirty="0"/>
               <a:t>Click to edit master title style</a:t>
             </a:r>
-            <a:endParaRPr lang="en-GB" noProof="0" dirty="0"/>
           </a:p>
         </p:txBody>
       </p:sp>
@@ -4011,21 +4000,21 @@
           <a:p>
             <a:pPr lvl="0"/>
             <a:r>
-              <a:rPr lang="en-GB" noProof="0" dirty="0" smtClean="0"/>
+              <a:rPr lang="en-GB" noProof="0" dirty="0"/>
               <a:t>Click to edit master text styles</a:t>
             </a:r>
           </a:p>
           <a:p>
             <a:pPr lvl="1"/>
             <a:r>
-              <a:rPr lang="en-GB" noProof="0" dirty="0" smtClean="0"/>
+              <a:rPr lang="en-GB" noProof="0" dirty="0"/>
               <a:t>Second level</a:t>
             </a:r>
           </a:p>
           <a:p>
             <a:pPr lvl="2"/>
             <a:r>
-              <a:rPr lang="en-GB" noProof="0" dirty="0" smtClean="0"/>
+              <a:rPr lang="en-GB" noProof="0" dirty="0"/>
               <a:t>Third level</a:t>
             </a:r>
           </a:p>
@@ -4050,13 +4039,13 @@
               <a:defRPr/>
             </a:pPr>
             <a:r>
-              <a:rPr lang="en-GB" noProof="0" dirty="0" smtClean="0"/>
+              <a:rPr lang="en-GB" noProof="0" dirty="0"/>
               <a:t>Fourth level</a:t>
             </a:r>
           </a:p>
           <a:p>
             <a:pPr lvl="2"/>
-            <a:endParaRPr lang="en-GB" noProof="0" dirty="0" smtClean="0"/>
+            <a:endParaRPr lang="en-GB" noProof="0" dirty="0"/>
           </a:p>
         </p:txBody>
       </p:sp>
@@ -4091,10 +4080,9 @@
           <a:p>
             <a:pPr lvl="0"/>
             <a:r>
-              <a:rPr lang="en-US" dirty="0" smtClean="0"/>
+              <a:rPr lang="en-US" dirty="0"/>
               <a:t>Click to add subtitle</a:t>
             </a:r>
-            <a:endParaRPr lang="en-US" dirty="0"/>
           </a:p>
         </p:txBody>
       </p:sp>
@@ -4122,7 +4110,7 @@
           <a:p>
             <a:pPr algn="r" defTabSz="342916"/>
             <a:r>
-              <a:rPr lang="en-US" sz="1100" dirty="0" smtClean="0">
+              <a:rPr lang="en-US" sz="1100" dirty="0">
                 <a:solidFill>
                   <a:srgbClr val="414444"/>
                 </a:solidFill>
@@ -4142,13 +4130,6 @@
   <p:clrMapOvr>
     <a:masterClrMapping/>
   </p:clrMapOvr>
-  <p:timing>
-    <p:tnLst>
-      <p:par>
-        <p:cTn id="1" dur="indefinite" restart="never" nodeType="tmRoot"/>
-      </p:par>
-    </p:tnLst>
-  </p:timing>
 </p:sldLayout>
 </file>
 
@@ -4190,10 +4171,9 @@
           <a:lstStyle/>
           <a:p>
             <a:r>
-              <a:rPr lang="en-GB" noProof="0" dirty="0" smtClean="0"/>
+              <a:rPr lang="en-GB" noProof="0" dirty="0"/>
               <a:t>Click to edit master title style</a:t>
             </a:r>
-            <a:endParaRPr lang="en-GB" noProof="0" dirty="0"/>
           </a:p>
         </p:txBody>
       </p:sp>
@@ -4265,21 +4245,21 @@
           <a:p>
             <a:pPr lvl="0"/>
             <a:r>
-              <a:rPr lang="en-GB" noProof="0" dirty="0" smtClean="0"/>
+              <a:rPr lang="en-GB" noProof="0" dirty="0"/>
               <a:t>Click to edit master text styles</a:t>
             </a:r>
           </a:p>
           <a:p>
             <a:pPr lvl="1"/>
             <a:r>
-              <a:rPr lang="en-GB" noProof="0" dirty="0" smtClean="0"/>
+              <a:rPr lang="en-GB" noProof="0" dirty="0"/>
               <a:t>Second level</a:t>
             </a:r>
           </a:p>
           <a:p>
             <a:pPr lvl="2"/>
             <a:r>
-              <a:rPr lang="en-GB" noProof="0" dirty="0" smtClean="0"/>
+              <a:rPr lang="en-GB" noProof="0" dirty="0"/>
               <a:t>Third level</a:t>
             </a:r>
           </a:p>
@@ -4304,7 +4284,7 @@
               <a:defRPr/>
             </a:pPr>
             <a:r>
-              <a:rPr lang="en-GB" noProof="0" dirty="0" smtClean="0"/>
+              <a:rPr lang="en-GB" noProof="0" dirty="0"/>
               <a:t>Fourth level</a:t>
             </a:r>
           </a:p>
@@ -4367,28 +4347,28 @@
           <a:p>
             <a:pPr lvl="0"/>
             <a:r>
-              <a:rPr lang="en-GB" noProof="0" dirty="0" smtClean="0"/>
+              <a:rPr lang="en-GB" noProof="0" dirty="0"/>
               <a:t>Click to edit master text styles</a:t>
             </a:r>
           </a:p>
           <a:p>
             <a:pPr lvl="1"/>
             <a:r>
-              <a:rPr lang="en-GB" noProof="0" dirty="0" smtClean="0"/>
+              <a:rPr lang="en-GB" noProof="0" dirty="0"/>
               <a:t>Second level</a:t>
             </a:r>
           </a:p>
           <a:p>
             <a:pPr lvl="2"/>
             <a:r>
-              <a:rPr lang="en-GB" noProof="0" dirty="0" smtClean="0"/>
+              <a:rPr lang="en-GB" noProof="0" dirty="0"/>
               <a:t>Third level</a:t>
             </a:r>
           </a:p>
           <a:p>
             <a:pPr lvl="3"/>
             <a:r>
-              <a:rPr lang="en-GB" noProof="0" dirty="0" smtClean="0"/>
+              <a:rPr lang="en-GB" noProof="0" dirty="0"/>
               <a:t>Fourth level</a:t>
             </a:r>
           </a:p>
@@ -4425,10 +4405,9 @@
           <a:p>
             <a:pPr lvl="0"/>
             <a:r>
-              <a:rPr lang="en-US" dirty="0" smtClean="0"/>
+              <a:rPr lang="en-US" dirty="0"/>
               <a:t>Click to add subtitle</a:t>
             </a:r>
-            <a:endParaRPr lang="en-US" dirty="0"/>
           </a:p>
         </p:txBody>
       </p:sp>
@@ -4456,7 +4435,7 @@
           <a:p>
             <a:pPr algn="r" defTabSz="342916"/>
             <a:r>
-              <a:rPr lang="en-US" sz="1100" dirty="0" smtClean="0">
+              <a:rPr lang="en-US" sz="1100" dirty="0">
                 <a:solidFill>
                   <a:srgbClr val="414444"/>
                 </a:solidFill>
@@ -4476,13 +4455,6 @@
   <p:clrMapOvr>
     <a:masterClrMapping/>
   </p:clrMapOvr>
-  <p:timing>
-    <p:tnLst>
-      <p:par>
-        <p:cTn id="1" dur="indefinite" restart="never" nodeType="tmRoot"/>
-      </p:par>
-    </p:tnLst>
-  </p:timing>
 </p:sldLayout>
 </file>
 
@@ -4552,17 +4524,16 @@
           </a:lstStyle>
           <a:p>
             <a:r>
-              <a:rPr lang="en-GB" noProof="0" dirty="0" smtClean="0"/>
+              <a:rPr lang="en-GB" noProof="0" dirty="0"/>
               <a:t>Click to edit </a:t>
             </a:r>
             <a:br>
-              <a:rPr lang="en-GB" noProof="0" dirty="0" smtClean="0"/>
+              <a:rPr lang="en-GB" noProof="0" dirty="0"/>
             </a:br>
             <a:r>
-              <a:rPr lang="en-GB" noProof="0" dirty="0" smtClean="0"/>
+              <a:rPr lang="en-GB" noProof="0" dirty="0"/>
               <a:t>master title style</a:t>
             </a:r>
-            <a:endParaRPr lang="en-GB" noProof="0" dirty="0"/>
           </a:p>
         </p:txBody>
       </p:sp>
@@ -4657,14 +4628,14 @@
           <a:p>
             <a:pPr lvl="0"/>
             <a:r>
-              <a:rPr lang="en-GB" noProof="0" dirty="0" smtClean="0"/>
+              <a:rPr lang="en-GB" noProof="0" dirty="0"/>
               <a:t>Click to edit master text styles</a:t>
             </a:r>
           </a:p>
           <a:p>
             <a:pPr lvl="1"/>
             <a:r>
-              <a:rPr lang="en-GB" noProof="0" dirty="0" smtClean="0"/>
+              <a:rPr lang="en-GB" noProof="0" dirty="0"/>
               <a:t>Second level</a:t>
             </a:r>
           </a:p>
@@ -4791,18 +4762,13 @@
           </a:lstStyle>
           <a:p>
             <a:r>
-              <a:rPr lang="en-GB" sz="900" dirty="0" smtClean="0">
+              <a:rPr lang="en-GB" sz="900" dirty="0">
                 <a:solidFill>
                   <a:srgbClr val="FFFFFF"/>
                 </a:solidFill>
               </a:rPr>
               <a:t>© ARM 2016 </a:t>
             </a:r>
-            <a:endParaRPr lang="en-GB" sz="900" dirty="0">
-              <a:solidFill>
-                <a:srgbClr val="FFFFFF"/>
-              </a:solidFill>
-            </a:endParaRPr>
           </a:p>
         </p:txBody>
       </p:sp>
@@ -4816,13 +4782,6 @@
   <p:clrMapOvr>
     <a:masterClrMapping/>
   </p:clrMapOvr>
-  <p:timing>
-    <p:tnLst>
-      <p:par>
-        <p:cTn id="1" dur="indefinite" restart="never" nodeType="tmRoot"/>
-      </p:par>
-    </p:tnLst>
-  </p:timing>
 </p:sldLayout>
 </file>
 
@@ -4864,10 +4823,9 @@
           <a:lstStyle/>
           <a:p>
             <a:r>
-              <a:rPr lang="en-GB" noProof="0" dirty="0" smtClean="0"/>
+              <a:rPr lang="en-GB" noProof="0" dirty="0"/>
               <a:t>Click to edit master title style</a:t>
             </a:r>
-            <a:endParaRPr lang="en-GB" noProof="0" dirty="0"/>
           </a:p>
         </p:txBody>
       </p:sp>
@@ -4939,21 +4897,21 @@
           <a:p>
             <a:pPr lvl="0"/>
             <a:r>
-              <a:rPr lang="en-GB" noProof="0" dirty="0" smtClean="0"/>
+              <a:rPr lang="en-GB" noProof="0" dirty="0"/>
               <a:t>Click to edit master text styles</a:t>
             </a:r>
           </a:p>
           <a:p>
             <a:pPr lvl="1"/>
             <a:r>
-              <a:rPr lang="en-GB" noProof="0" dirty="0" smtClean="0"/>
+              <a:rPr lang="en-GB" noProof="0" dirty="0"/>
               <a:t>Second level</a:t>
             </a:r>
           </a:p>
           <a:p>
             <a:pPr lvl="2"/>
             <a:r>
-              <a:rPr lang="en-GB" noProof="0" dirty="0" smtClean="0"/>
+              <a:rPr lang="en-GB" noProof="0" dirty="0"/>
               <a:t>Third level</a:t>
             </a:r>
           </a:p>
@@ -4978,7 +4936,7 @@
               <a:defRPr/>
             </a:pPr>
             <a:r>
-              <a:rPr lang="en-GB" noProof="0" dirty="0" smtClean="0"/>
+              <a:rPr lang="en-GB" noProof="0" dirty="0"/>
               <a:t>Fourth level</a:t>
             </a:r>
           </a:p>
@@ -5041,28 +4999,28 @@
           <a:p>
             <a:pPr lvl="0"/>
             <a:r>
-              <a:rPr lang="en-GB" noProof="0" dirty="0" smtClean="0"/>
+              <a:rPr lang="en-GB" noProof="0" dirty="0"/>
               <a:t>Click to edit master text styles</a:t>
             </a:r>
           </a:p>
           <a:p>
             <a:pPr lvl="1"/>
             <a:r>
-              <a:rPr lang="en-GB" noProof="0" dirty="0" smtClean="0"/>
+              <a:rPr lang="en-GB" noProof="0" dirty="0"/>
               <a:t>Second level</a:t>
             </a:r>
           </a:p>
           <a:p>
             <a:pPr lvl="2"/>
             <a:r>
-              <a:rPr lang="en-GB" noProof="0" dirty="0" smtClean="0"/>
+              <a:rPr lang="en-GB" noProof="0" dirty="0"/>
               <a:t>Third level</a:t>
             </a:r>
           </a:p>
           <a:p>
             <a:pPr lvl="3"/>
             <a:r>
-              <a:rPr lang="en-GB" noProof="0" dirty="0" smtClean="0"/>
+              <a:rPr lang="en-GB" noProof="0" dirty="0"/>
               <a:t>Fourth level</a:t>
             </a:r>
           </a:p>
@@ -5099,10 +5057,9 @@
           <a:p>
             <a:pPr lvl="0"/>
             <a:r>
-              <a:rPr lang="en-US" dirty="0" smtClean="0"/>
+              <a:rPr lang="en-US" dirty="0"/>
               <a:t>Click to add subtitle</a:t>
             </a:r>
-            <a:endParaRPr lang="en-US" dirty="0"/>
           </a:p>
         </p:txBody>
       </p:sp>
@@ -5137,10 +5094,9 @@
           <a:p>
             <a:pPr lvl="0"/>
             <a:r>
-              <a:rPr lang="en-US" dirty="0" smtClean="0"/>
+              <a:rPr lang="en-US" dirty="0"/>
               <a:t>Click to add subtitle</a:t>
             </a:r>
-            <a:endParaRPr lang="en-US" dirty="0"/>
           </a:p>
         </p:txBody>
       </p:sp>
@@ -5154,13 +5110,6 @@
   <p:clrMapOvr>
     <a:masterClrMapping/>
   </p:clrMapOvr>
-  <p:timing>
-    <p:tnLst>
-      <p:par>
-        <p:cTn id="1" dur="indefinite" restart="never" nodeType="tmRoot"/>
-      </p:par>
-    </p:tnLst>
-  </p:timing>
 </p:sldLayout>
 </file>
 
@@ -5206,10 +5155,9 @@
           </a:lstStyle>
           <a:p>
             <a:r>
-              <a:rPr lang="en-GB" noProof="0" dirty="0" smtClean="0"/>
+              <a:rPr lang="en-GB" noProof="0" dirty="0"/>
               <a:t>Click to edit master title style</a:t>
             </a:r>
-            <a:endParaRPr lang="en-GB" noProof="0" dirty="0"/>
           </a:p>
         </p:txBody>
       </p:sp>
@@ -5270,21 +5218,21 @@
           <a:p>
             <a:pPr lvl="0"/>
             <a:r>
-              <a:rPr lang="en-GB" noProof="0" dirty="0" smtClean="0"/>
+              <a:rPr lang="en-GB" noProof="0" dirty="0"/>
               <a:t>Click to edit master text styles</a:t>
             </a:r>
           </a:p>
           <a:p>
             <a:pPr lvl="1"/>
             <a:r>
-              <a:rPr lang="en-GB" noProof="0" dirty="0" smtClean="0"/>
+              <a:rPr lang="en-GB" noProof="0" dirty="0"/>
               <a:t>Second level</a:t>
             </a:r>
           </a:p>
           <a:p>
             <a:pPr lvl="2"/>
             <a:r>
-              <a:rPr lang="en-GB" noProof="0" dirty="0" smtClean="0"/>
+              <a:rPr lang="en-GB" noProof="0" dirty="0"/>
               <a:t>Third level</a:t>
             </a:r>
           </a:p>
@@ -5309,13 +5257,13 @@
               <a:defRPr/>
             </a:pPr>
             <a:r>
-              <a:rPr lang="en-GB" noProof="0" dirty="0" smtClean="0"/>
+              <a:rPr lang="en-GB" noProof="0" dirty="0"/>
               <a:t>Fourth level</a:t>
             </a:r>
           </a:p>
           <a:p>
             <a:pPr lvl="2"/>
-            <a:endParaRPr lang="en-GB" noProof="0" dirty="0" smtClean="0"/>
+            <a:endParaRPr lang="en-GB" noProof="0" dirty="0"/>
           </a:p>
         </p:txBody>
       </p:sp>
@@ -5329,13 +5277,6 @@
   <p:clrMapOvr>
     <a:masterClrMapping/>
   </p:clrMapOvr>
-  <p:timing>
-    <p:tnLst>
-      <p:par>
-        <p:cTn id="1" dur="indefinite" restart="never" nodeType="tmRoot"/>
-      </p:par>
-    </p:tnLst>
-  </p:timing>
 </p:sldLayout>
 </file>
 
@@ -5377,10 +5318,9 @@
           <a:lstStyle/>
           <a:p>
             <a:r>
-              <a:rPr lang="en-GB" noProof="0" dirty="0" smtClean="0"/>
+              <a:rPr lang="en-GB" noProof="0" dirty="0"/>
               <a:t>Click to edit master title style</a:t>
             </a:r>
-            <a:endParaRPr lang="en-GB" noProof="0" dirty="0"/>
           </a:p>
         </p:txBody>
       </p:sp>
@@ -5452,21 +5392,21 @@
           <a:p>
             <a:pPr lvl="0"/>
             <a:r>
-              <a:rPr lang="en-GB" noProof="0" dirty="0" smtClean="0"/>
+              <a:rPr lang="en-GB" noProof="0" dirty="0"/>
               <a:t>Click to edit master text styles</a:t>
             </a:r>
           </a:p>
           <a:p>
             <a:pPr lvl="1"/>
             <a:r>
-              <a:rPr lang="en-GB" noProof="0" dirty="0" smtClean="0"/>
+              <a:rPr lang="en-GB" noProof="0" dirty="0"/>
               <a:t>Second level</a:t>
             </a:r>
           </a:p>
           <a:p>
             <a:pPr lvl="2"/>
             <a:r>
-              <a:rPr lang="en-GB" noProof="0" dirty="0" smtClean="0"/>
+              <a:rPr lang="en-GB" noProof="0" dirty="0"/>
               <a:t>Third level</a:t>
             </a:r>
           </a:p>
@@ -5491,7 +5431,7 @@
               <a:defRPr/>
             </a:pPr>
             <a:r>
-              <a:rPr lang="en-GB" noProof="0" dirty="0" smtClean="0"/>
+              <a:rPr lang="en-GB" noProof="0" dirty="0"/>
               <a:t>Fourth level</a:t>
             </a:r>
           </a:p>
@@ -5554,28 +5494,28 @@
           <a:p>
             <a:pPr lvl="0"/>
             <a:r>
-              <a:rPr lang="en-GB" noProof="0" dirty="0" smtClean="0"/>
+              <a:rPr lang="en-GB" noProof="0" dirty="0"/>
               <a:t>Click to edit master text styles</a:t>
             </a:r>
           </a:p>
           <a:p>
             <a:pPr lvl="1"/>
             <a:r>
-              <a:rPr lang="en-GB" noProof="0" dirty="0" smtClean="0"/>
+              <a:rPr lang="en-GB" noProof="0" dirty="0"/>
               <a:t>Second level</a:t>
             </a:r>
           </a:p>
           <a:p>
             <a:pPr lvl="2"/>
             <a:r>
-              <a:rPr lang="en-GB" noProof="0" dirty="0" smtClean="0"/>
+              <a:rPr lang="en-GB" noProof="0" dirty="0"/>
               <a:t>Third level</a:t>
             </a:r>
           </a:p>
           <a:p>
             <a:pPr lvl="3"/>
             <a:r>
-              <a:rPr lang="en-GB" noProof="0" dirty="0" smtClean="0"/>
+              <a:rPr lang="en-GB" noProof="0" dirty="0"/>
               <a:t>Fourth level</a:t>
             </a:r>
           </a:p>
@@ -5591,13 +5531,6 @@
   <p:clrMapOvr>
     <a:masterClrMapping/>
   </p:clrMapOvr>
-  <p:timing>
-    <p:tnLst>
-      <p:par>
-        <p:cTn id="1" dur="indefinite" restart="never" nodeType="tmRoot"/>
-      </p:par>
-    </p:tnLst>
-  </p:timing>
 </p:sldLayout>
 </file>
 
@@ -5686,28 +5619,28 @@
           <a:p>
             <a:pPr lvl="0"/>
             <a:r>
-              <a:rPr lang="en-GB" noProof="0" dirty="0" smtClean="0"/>
+              <a:rPr lang="en-GB" noProof="0" dirty="0"/>
               <a:t>Click to edit master text styles</a:t>
             </a:r>
           </a:p>
           <a:p>
             <a:pPr lvl="1"/>
             <a:r>
-              <a:rPr lang="en-GB" noProof="0" dirty="0" smtClean="0"/>
+              <a:rPr lang="en-GB" noProof="0" dirty="0"/>
               <a:t>Second level</a:t>
             </a:r>
           </a:p>
           <a:p>
             <a:pPr lvl="2"/>
             <a:r>
-              <a:rPr lang="en-GB" noProof="0" dirty="0" smtClean="0"/>
+              <a:rPr lang="en-GB" noProof="0" dirty="0"/>
               <a:t>Third level</a:t>
             </a:r>
           </a:p>
           <a:p>
             <a:pPr lvl="3"/>
             <a:r>
-              <a:rPr lang="en-GB" noProof="0" dirty="0" smtClean="0"/>
+              <a:rPr lang="en-GB" noProof="0" dirty="0"/>
               <a:t>Fourth level</a:t>
             </a:r>
           </a:p>
@@ -5781,28 +5714,28 @@
           <a:p>
             <a:pPr lvl="0"/>
             <a:r>
-              <a:rPr lang="en-GB" noProof="0" dirty="0" smtClean="0"/>
+              <a:rPr lang="en-GB" noProof="0" dirty="0"/>
               <a:t>Click to edit master text styles</a:t>
             </a:r>
           </a:p>
           <a:p>
             <a:pPr lvl="1"/>
             <a:r>
-              <a:rPr lang="en-GB" noProof="0" dirty="0" smtClean="0"/>
+              <a:rPr lang="en-GB" noProof="0" dirty="0"/>
               <a:t>Second level</a:t>
             </a:r>
           </a:p>
           <a:p>
             <a:pPr lvl="2"/>
             <a:r>
-              <a:rPr lang="en-GB" noProof="0" dirty="0" smtClean="0"/>
+              <a:rPr lang="en-GB" noProof="0" dirty="0"/>
               <a:t>Third level</a:t>
             </a:r>
           </a:p>
           <a:p>
             <a:pPr lvl="3"/>
             <a:r>
-              <a:rPr lang="en-GB" noProof="0" dirty="0" smtClean="0"/>
+              <a:rPr lang="en-GB" noProof="0" dirty="0"/>
               <a:t>Fourth level</a:t>
             </a:r>
           </a:p>
@@ -5876,28 +5809,28 @@
           <a:p>
             <a:pPr lvl="0"/>
             <a:r>
-              <a:rPr lang="en-GB" noProof="0" dirty="0" smtClean="0"/>
+              <a:rPr lang="en-GB" noProof="0" dirty="0"/>
               <a:t>Click to edit master text styles</a:t>
             </a:r>
           </a:p>
           <a:p>
             <a:pPr lvl="1"/>
             <a:r>
-              <a:rPr lang="en-GB" noProof="0" dirty="0" smtClean="0"/>
+              <a:rPr lang="en-GB" noProof="0" dirty="0"/>
               <a:t>Second level</a:t>
             </a:r>
           </a:p>
           <a:p>
             <a:pPr lvl="2"/>
             <a:r>
-              <a:rPr lang="en-GB" noProof="0" dirty="0" smtClean="0"/>
+              <a:rPr lang="en-GB" noProof="0" dirty="0"/>
               <a:t>Third level</a:t>
             </a:r>
           </a:p>
           <a:p>
             <a:pPr lvl="3"/>
             <a:r>
-              <a:rPr lang="en-GB" noProof="0" dirty="0" smtClean="0"/>
+              <a:rPr lang="en-GB" noProof="0" dirty="0"/>
               <a:t>Fourth level</a:t>
             </a:r>
           </a:p>
@@ -5924,10 +5857,9 @@
           <a:lstStyle/>
           <a:p>
             <a:r>
-              <a:rPr lang="en-GB" noProof="0" dirty="0" smtClean="0"/>
+              <a:rPr lang="en-GB" noProof="0" dirty="0"/>
               <a:t>Click to edit master title style</a:t>
             </a:r>
-            <a:endParaRPr lang="en-GB" noProof="0" dirty="0"/>
           </a:p>
         </p:txBody>
       </p:sp>
@@ -5941,13 +5873,6 @@
   <p:clrMapOvr>
     <a:masterClrMapping/>
   </p:clrMapOvr>
-  <p:timing>
-    <p:tnLst>
-      <p:par>
-        <p:cTn id="1" dur="indefinite" restart="never" nodeType="tmRoot"/>
-      </p:par>
-    </p:tnLst>
-  </p:timing>
 </p:sldLayout>
 </file>
 
@@ -6024,24 +5949,23 @@
           <a:p>
             <a:pPr lvl="0"/>
             <a:r>
-              <a:rPr lang="en-GB" noProof="0" dirty="0" smtClean="0"/>
+              <a:rPr lang="en-GB" noProof="0" dirty="0"/>
               <a:t>Click to edit master text styles</a:t>
             </a:r>
           </a:p>
           <a:p>
             <a:pPr lvl="1"/>
             <a:r>
-              <a:rPr lang="en-GB" noProof="0" dirty="0" smtClean="0"/>
+              <a:rPr lang="en-GB" noProof="0" dirty="0"/>
               <a:t>Second level</a:t>
             </a:r>
           </a:p>
           <a:p>
             <a:pPr lvl="2"/>
             <a:r>
-              <a:rPr lang="en-GB" noProof="0" dirty="0" smtClean="0"/>
+              <a:rPr lang="en-GB" noProof="0" dirty="0"/>
               <a:t>Third level</a:t>
             </a:r>
-            <a:endParaRPr lang="en-GB" noProof="0" dirty="0"/>
           </a:p>
         </p:txBody>
       </p:sp>
@@ -6066,10 +5990,9 @@
           <a:lstStyle/>
           <a:p>
             <a:r>
-              <a:rPr lang="en-GB" noProof="0" dirty="0" smtClean="0"/>
+              <a:rPr lang="en-GB" noProof="0" dirty="0"/>
               <a:t>Click to edit master title style</a:t>
             </a:r>
-            <a:endParaRPr lang="en-GB" noProof="0" dirty="0"/>
           </a:p>
         </p:txBody>
       </p:sp>
@@ -6129,24 +6052,23 @@
           <a:p>
             <a:pPr lvl="0"/>
             <a:r>
-              <a:rPr lang="en-GB" noProof="0" dirty="0" smtClean="0"/>
+              <a:rPr lang="en-GB" noProof="0" dirty="0"/>
               <a:t>Click to edit master text styles</a:t>
             </a:r>
           </a:p>
           <a:p>
             <a:pPr lvl="1"/>
             <a:r>
-              <a:rPr lang="en-GB" noProof="0" dirty="0" smtClean="0"/>
+              <a:rPr lang="en-GB" noProof="0" dirty="0"/>
               <a:t>Second level</a:t>
             </a:r>
           </a:p>
           <a:p>
             <a:pPr lvl="2"/>
             <a:r>
-              <a:rPr lang="en-GB" noProof="0" dirty="0" smtClean="0"/>
+              <a:rPr lang="en-GB" noProof="0" dirty="0"/>
               <a:t>Third level</a:t>
             </a:r>
-            <a:endParaRPr lang="en-GB" noProof="0" dirty="0"/>
           </a:p>
         </p:txBody>
       </p:sp>
@@ -6160,13 +6082,6 @@
   <p:clrMapOvr>
     <a:masterClrMapping/>
   </p:clrMapOvr>
-  <p:timing>
-    <p:tnLst>
-      <p:par>
-        <p:cTn id="1" dur="indefinite" restart="never" nodeType="tmRoot"/>
-      </p:par>
-    </p:tnLst>
-  </p:timing>
 </p:sldLayout>
 </file>
 
@@ -6208,10 +6123,9 @@
           <a:lstStyle/>
           <a:p>
             <a:r>
-              <a:rPr lang="en-GB" noProof="0" dirty="0" smtClean="0"/>
+              <a:rPr lang="en-GB" noProof="0" dirty="0"/>
               <a:t>Click to edit master title style</a:t>
             </a:r>
-            <a:endParaRPr lang="en-GB" noProof="0" dirty="0"/>
           </a:p>
         </p:txBody>
       </p:sp>
@@ -6271,24 +6185,23 @@
           <a:p>
             <a:pPr lvl="0"/>
             <a:r>
-              <a:rPr lang="en-GB" noProof="0" dirty="0" smtClean="0"/>
+              <a:rPr lang="en-GB" noProof="0" dirty="0"/>
               <a:t>Click to edit master text styles</a:t>
             </a:r>
           </a:p>
           <a:p>
             <a:pPr lvl="1"/>
             <a:r>
-              <a:rPr lang="en-GB" noProof="0" dirty="0" smtClean="0"/>
+              <a:rPr lang="en-GB" noProof="0" dirty="0"/>
               <a:t>Second level</a:t>
             </a:r>
           </a:p>
           <a:p>
             <a:pPr lvl="2"/>
             <a:r>
-              <a:rPr lang="en-GB" noProof="0" dirty="0" smtClean="0"/>
+              <a:rPr lang="en-GB" noProof="0" dirty="0"/>
               <a:t>Third level</a:t>
             </a:r>
-            <a:endParaRPr lang="en-GB" noProof="0" dirty="0"/>
           </a:p>
         </p:txBody>
       </p:sp>
@@ -6348,24 +6261,23 @@
           <a:p>
             <a:pPr lvl="0"/>
             <a:r>
-              <a:rPr lang="en-GB" noProof="0" dirty="0" smtClean="0"/>
+              <a:rPr lang="en-GB" noProof="0" dirty="0"/>
               <a:t>Click to edit master text styles</a:t>
             </a:r>
           </a:p>
           <a:p>
             <a:pPr lvl="1"/>
             <a:r>
-              <a:rPr lang="en-GB" noProof="0" dirty="0" smtClean="0"/>
+              <a:rPr lang="en-GB" noProof="0" dirty="0"/>
               <a:t>Second level</a:t>
             </a:r>
           </a:p>
           <a:p>
             <a:pPr lvl="2"/>
             <a:r>
-              <a:rPr lang="en-GB" noProof="0" dirty="0" smtClean="0"/>
+              <a:rPr lang="en-GB" noProof="0" dirty="0"/>
               <a:t>Third level</a:t>
             </a:r>
-            <a:endParaRPr lang="en-GB" noProof="0" dirty="0"/>
           </a:p>
         </p:txBody>
       </p:sp>
@@ -6379,13 +6291,6 @@
   <p:clrMapOvr>
     <a:masterClrMapping/>
   </p:clrMapOvr>
-  <p:timing>
-    <p:tnLst>
-      <p:par>
-        <p:cTn id="1" dur="indefinite" restart="never" nodeType="tmRoot"/>
-      </p:par>
-    </p:tnLst>
-  </p:timing>
 </p:sldLayout>
 </file>
 
@@ -6427,10 +6332,9 @@
           <a:lstStyle/>
           <a:p>
             <a:r>
-              <a:rPr lang="en-GB" noProof="0" dirty="0" smtClean="0"/>
+              <a:rPr lang="en-GB" noProof="0" dirty="0"/>
               <a:t>Click to edit master title style</a:t>
             </a:r>
-            <a:endParaRPr lang="en-GB" noProof="0" dirty="0"/>
           </a:p>
         </p:txBody>
       </p:sp>
@@ -6490,7 +6394,7 @@
           <a:p>
             <a:pPr lvl="0"/>
             <a:r>
-              <a:rPr lang="en-GB" noProof="0" dirty="0" smtClean="0"/>
+              <a:rPr lang="en-GB" noProof="0" dirty="0"/>
               <a:t>Click to edit master text styles</a:t>
             </a:r>
           </a:p>
@@ -6552,7 +6456,7 @@
           <a:p>
             <a:pPr lvl="0"/>
             <a:r>
-              <a:rPr lang="en-GB" noProof="0" dirty="0" smtClean="0"/>
+              <a:rPr lang="en-GB" noProof="0" dirty="0"/>
               <a:t>Click to edit master text styles</a:t>
             </a:r>
           </a:p>
@@ -6614,7 +6518,7 @@
           <a:p>
             <a:pPr lvl="0"/>
             <a:r>
-              <a:rPr lang="en-GB" noProof="0" dirty="0" smtClean="0"/>
+              <a:rPr lang="en-GB" noProof="0" dirty="0"/>
               <a:t>Click to edit master text styles</a:t>
             </a:r>
           </a:p>
@@ -6645,7 +6549,7 @@
           </a:lstStyle>
           <a:p>
             <a:r>
-              <a:rPr lang="en-US" noProof="0" smtClean="0"/>
+              <a:rPr lang="en-US" noProof="0"/>
               <a:t>Click icon to add picture</a:t>
             </a:r>
             <a:endParaRPr lang="en-GB" noProof="0" dirty="0"/>
@@ -6677,7 +6581,7 @@
           </a:lstStyle>
           <a:p>
             <a:r>
-              <a:rPr lang="en-US" noProof="0" smtClean="0"/>
+              <a:rPr lang="en-US" noProof="0"/>
               <a:t>Click icon to add picture</a:t>
             </a:r>
             <a:endParaRPr lang="en-GB" noProof="0" dirty="0"/>
@@ -6709,7 +6613,7 @@
           </a:lstStyle>
           <a:p>
             <a:r>
-              <a:rPr lang="en-US" noProof="0" smtClean="0"/>
+              <a:rPr lang="en-US" noProof="0"/>
               <a:t>Click icon to add picture</a:t>
             </a:r>
             <a:endParaRPr lang="en-GB" noProof="0" dirty="0"/>
@@ -6726,13 +6630,6 @@
   <p:clrMapOvr>
     <a:masterClrMapping/>
   </p:clrMapOvr>
-  <p:timing>
-    <p:tnLst>
-      <p:par>
-        <p:cTn id="1" dur="indefinite" restart="never" nodeType="tmRoot"/>
-      </p:par>
-    </p:tnLst>
-  </p:timing>
 </p:sldLayout>
 </file>
 
@@ -6821,28 +6718,28 @@
           <a:p>
             <a:pPr lvl="0"/>
             <a:r>
-              <a:rPr lang="en-GB" noProof="0" dirty="0" smtClean="0"/>
+              <a:rPr lang="en-GB" noProof="0" dirty="0"/>
               <a:t>Click to edit master text styles</a:t>
             </a:r>
           </a:p>
           <a:p>
             <a:pPr lvl="1"/>
             <a:r>
-              <a:rPr lang="en-GB" noProof="0" dirty="0" smtClean="0"/>
+              <a:rPr lang="en-GB" noProof="0" dirty="0"/>
               <a:t>Second level</a:t>
             </a:r>
           </a:p>
           <a:p>
             <a:pPr lvl="2"/>
             <a:r>
-              <a:rPr lang="en-GB" noProof="0" dirty="0" smtClean="0"/>
+              <a:rPr lang="en-GB" noProof="0" dirty="0"/>
               <a:t>Third level</a:t>
             </a:r>
           </a:p>
           <a:p>
             <a:pPr lvl="3"/>
             <a:r>
-              <a:rPr lang="en-GB" noProof="0" dirty="0" smtClean="0"/>
+              <a:rPr lang="en-GB" noProof="0" dirty="0"/>
               <a:t>Fourth level</a:t>
             </a:r>
           </a:p>
@@ -6916,28 +6813,28 @@
           <a:p>
             <a:pPr lvl="0"/>
             <a:r>
-              <a:rPr lang="en-GB" noProof="0" dirty="0" smtClean="0"/>
+              <a:rPr lang="en-GB" noProof="0" dirty="0"/>
               <a:t>Click to edit master text styles</a:t>
             </a:r>
           </a:p>
           <a:p>
             <a:pPr lvl="1"/>
             <a:r>
-              <a:rPr lang="en-GB" noProof="0" dirty="0" smtClean="0"/>
+              <a:rPr lang="en-GB" noProof="0" dirty="0"/>
               <a:t>Second level</a:t>
             </a:r>
           </a:p>
           <a:p>
             <a:pPr lvl="2"/>
             <a:r>
-              <a:rPr lang="en-GB" noProof="0" dirty="0" smtClean="0"/>
+              <a:rPr lang="en-GB" noProof="0" dirty="0"/>
               <a:t>Third level</a:t>
             </a:r>
           </a:p>
           <a:p>
             <a:pPr lvl="3"/>
             <a:r>
-              <a:rPr lang="en-GB" noProof="0" dirty="0" smtClean="0"/>
+              <a:rPr lang="en-GB" noProof="0" dirty="0"/>
               <a:t>Fourth level</a:t>
             </a:r>
           </a:p>
@@ -6964,10 +6861,9 @@
           <a:lstStyle/>
           <a:p>
             <a:r>
-              <a:rPr lang="en-GB" noProof="0" dirty="0" smtClean="0"/>
+              <a:rPr lang="en-GB" noProof="0" dirty="0"/>
               <a:t>Click to edit master title style</a:t>
             </a:r>
-            <a:endParaRPr lang="en-GB" noProof="0" dirty="0"/>
           </a:p>
         </p:txBody>
       </p:sp>
@@ -6996,7 +6892,7 @@
           </a:lstStyle>
           <a:p>
             <a:r>
-              <a:rPr lang="en-US" noProof="0" smtClean="0"/>
+              <a:rPr lang="en-US" noProof="0"/>
               <a:t>Click icon to add picture</a:t>
             </a:r>
             <a:endParaRPr lang="en-GB" noProof="0" dirty="0"/>
@@ -7028,7 +6924,7 @@
           </a:lstStyle>
           <a:p>
             <a:r>
-              <a:rPr lang="en-US" noProof="0" smtClean="0"/>
+              <a:rPr lang="en-US" noProof="0"/>
               <a:t>Click icon to add picture</a:t>
             </a:r>
             <a:endParaRPr lang="en-GB" noProof="0" dirty="0"/>
@@ -7060,7 +6956,7 @@
           </a:lstStyle>
           <a:p>
             <a:r>
-              <a:rPr lang="en-US" noProof="0" smtClean="0"/>
+              <a:rPr lang="en-US" noProof="0"/>
               <a:t>Click icon to add picture</a:t>
             </a:r>
             <a:endParaRPr lang="en-GB" noProof="0" dirty="0"/>
@@ -7092,7 +6988,7 @@
           </a:lstStyle>
           <a:p>
             <a:r>
-              <a:rPr lang="en-US" noProof="0" smtClean="0"/>
+              <a:rPr lang="en-US" noProof="0"/>
               <a:t>Click icon to add picture</a:t>
             </a:r>
             <a:endParaRPr lang="en-GB" noProof="0" dirty="0"/>
@@ -7109,13 +7005,6 @@
   <p:clrMapOvr>
     <a:masterClrMapping/>
   </p:clrMapOvr>
-  <p:timing>
-    <p:tnLst>
-      <p:par>
-        <p:cTn id="1" dur="indefinite" restart="never" nodeType="tmRoot"/>
-      </p:par>
-    </p:tnLst>
-  </p:timing>
 </p:sldLayout>
 </file>
 
@@ -7167,7 +7056,7 @@
           <a:lstStyle/>
           <a:p>
             <a:r>
-              <a:rPr lang="en-US" noProof="0" smtClean="0"/>
+              <a:rPr lang="en-US" noProof="0"/>
               <a:t>Click to edit Master title style</a:t>
             </a:r>
             <a:endParaRPr lang="en-GB" noProof="0" dirty="0"/>
@@ -7201,28 +7090,28 @@
           <a:p>
             <a:pPr lvl="0"/>
             <a:r>
-              <a:rPr lang="en-GB" noProof="0" dirty="0" smtClean="0"/>
+              <a:rPr lang="en-GB" noProof="0" dirty="0"/>
               <a:t>Click to edit master text styles</a:t>
             </a:r>
           </a:p>
           <a:p>
             <a:pPr lvl="1"/>
             <a:r>
-              <a:rPr lang="en-GB" noProof="0" dirty="0" smtClean="0"/>
+              <a:rPr lang="en-GB" noProof="0" dirty="0"/>
               <a:t>Second level</a:t>
             </a:r>
           </a:p>
           <a:p>
             <a:pPr lvl="2"/>
             <a:r>
-              <a:rPr lang="en-GB" noProof="0" dirty="0" smtClean="0"/>
+              <a:rPr lang="en-GB" noProof="0" dirty="0"/>
               <a:t>Third level</a:t>
             </a:r>
           </a:p>
           <a:p>
             <a:pPr lvl="3"/>
             <a:r>
-              <a:rPr lang="en-GB" noProof="0" dirty="0" smtClean="0"/>
+              <a:rPr lang="en-GB" noProof="0" dirty="0"/>
               <a:t>Fourth level</a:t>
             </a:r>
           </a:p>
@@ -7379,18 +7268,13 @@
           </a:lstStyle>
           <a:p>
             <a:r>
-              <a:rPr lang="en-GB" sz="900" dirty="0" smtClean="0">
+              <a:rPr lang="en-GB" sz="900" dirty="0">
                 <a:solidFill>
                   <a:srgbClr val="000000"/>
                 </a:solidFill>
               </a:rPr>
               <a:t>© ARM 2016 </a:t>
             </a:r>
-            <a:endParaRPr lang="en-GB" sz="900" dirty="0">
-              <a:solidFill>
-                <a:srgbClr val="000000"/>
-              </a:solidFill>
-            </a:endParaRPr>
           </a:p>
         </p:txBody>
       </p:sp>
@@ -7555,7 +7439,7 @@
           <a:p>
             <a:pPr algn="r" defTabSz="342916"/>
             <a:r>
-              <a:rPr lang="en-US" sz="1100" dirty="0" smtClean="0">
+              <a:rPr lang="en-US" sz="1100" dirty="0">
                 <a:solidFill>
                   <a:srgbClr val="414444"/>
                 </a:solidFill>
@@ -7589,7 +7473,7 @@
           <a:p>
             <a:pPr algn="r" defTabSz="342916"/>
             <a:r>
-              <a:rPr lang="en-US" sz="1100" dirty="0" smtClean="0">
+              <a:rPr lang="en-US" sz="1100" dirty="0">
                 <a:solidFill>
                   <a:srgbClr val="414444"/>
                 </a:solidFill>
@@ -7623,7 +7507,7 @@
           <a:p>
             <a:pPr algn="r" defTabSz="342916"/>
             <a:r>
-              <a:rPr lang="en-US" sz="1100" dirty="0" smtClean="0">
+              <a:rPr lang="en-US" sz="1100" dirty="0">
                 <a:solidFill>
                   <a:srgbClr val="414444"/>
                 </a:solidFill>
@@ -7663,13 +7547,6 @@
     <p:sldLayoutId id="2147483745" r:id="rId19"/>
     <p:sldLayoutId id="2147483746" r:id="rId20"/>
   </p:sldLayoutIdLst>
-  <p:timing>
-    <p:tnLst>
-      <p:par>
-        <p:cTn id="1" dur="indefinite" restart="never" nodeType="tmRoot"/>
-      </p:par>
-    </p:tnLst>
-  </p:timing>
   <p:hf sldNum="0" hdr="0" ftr="0" dt="0"/>
   <p:txStyles>
     <p:titleStyle>
@@ -8031,10 +7908,10 @@
               </a:lnSpc>
             </a:pPr>
             <a:r>
-              <a:rPr lang="en-GB" sz="1400" dirty="0" smtClean="0"/>
+              <a:rPr lang="en-GB" sz="1400" dirty="0"/>
               <a:t>Consistent, generic, and standardized software building blocks</a:t>
             </a:r>
-            <a:endParaRPr lang="en-US" sz="1400" i="1" dirty="0" smtClean="0">
+            <a:endParaRPr lang="en-US" sz="1400" i="1" dirty="0">
               <a:solidFill>
                 <a:schemeClr val="accent1"/>
               </a:solidFill>
@@ -8047,7 +7924,7 @@
               </a:lnSpc>
             </a:pPr>
             <a:r>
-              <a:rPr lang="en-IE" sz="1400" dirty="0" smtClean="0"/>
+              <a:rPr lang="en-IE" sz="1400" dirty="0"/>
               <a:t>Includes full featured RTOS kernel</a:t>
             </a:r>
           </a:p>
@@ -8058,12 +7935,8 @@
               </a:lnSpc>
             </a:pPr>
             <a:r>
-              <a:rPr lang="en-IE" sz="1400" dirty="0" smtClean="0"/>
-              <a:t>Available </a:t>
-            </a:r>
-            <a:r>
               <a:rPr lang="en-IE" sz="1400" dirty="0"/>
-              <a:t>for all Cortex-M processors and Cortex-A5, A7, A9 processors</a:t>
+              <a:t>Available for all Cortex-M processors and Cortex-A5, A7, A9 processors</a:t>
             </a:r>
           </a:p>
           <a:p>
@@ -8073,16 +7946,8 @@
               </a:lnSpc>
             </a:pPr>
             <a:r>
-              <a:rPr lang="en-IE" sz="1400" dirty="0" smtClean="0"/>
-              <a:t>Software Packs </a:t>
-            </a:r>
-            <a:r>
               <a:rPr lang="en-IE" sz="1400" dirty="0"/>
-              <a:t>to distribute </a:t>
-            </a:r>
-            <a:r>
-              <a:rPr lang="en-IE" sz="1400" dirty="0" smtClean="0"/>
-              <a:t>device support and software building blocks</a:t>
+              <a:t>Software Packs to distribute device support and software building blocks</a:t>
             </a:r>
           </a:p>
           <a:p>
@@ -8092,35 +7957,35 @@
               </a:lnSpc>
             </a:pPr>
             <a:r>
-              <a:rPr lang="en-IE" sz="1400" dirty="0" smtClean="0"/>
+              <a:rPr lang="en-IE" sz="1400" dirty="0"/>
               <a:t>Open source – development public on </a:t>
             </a:r>
             <a:r>
-              <a:rPr lang="en-IE" sz="1400" dirty="0" err="1" smtClean="0"/>
+              <a:rPr lang="en-IE" sz="1400" dirty="0" err="1"/>
               <a:t>github</a:t>
             </a:r>
-            <a:endParaRPr lang="en-IE" sz="1400" dirty="0" smtClean="0"/>
+            <a:endParaRPr lang="en-IE" sz="1400" dirty="0"/>
           </a:p>
           <a:p>
             <a:pPr marL="0" lvl="2" indent="0">
               <a:buNone/>
             </a:pPr>
-            <a:endParaRPr lang="en-IE" sz="1200" dirty="0" smtClean="0"/>
-          </a:p>
-          <a:p>
-            <a:endParaRPr lang="en-IE" sz="1400" dirty="0" smtClean="0"/>
+            <a:endParaRPr lang="en-IE" sz="1200" dirty="0"/>
           </a:p>
           <a:p>
             <a:endParaRPr lang="en-IE" sz="1400" dirty="0"/>
           </a:p>
           <a:p>
-            <a:endParaRPr lang="en-IE" sz="1400" dirty="0" smtClean="0"/>
-          </a:p>
-          <a:p>
             <a:endParaRPr lang="en-IE" sz="1400" dirty="0"/>
           </a:p>
           <a:p>
-            <a:endParaRPr lang="en-IE" sz="1400" dirty="0" smtClean="0"/>
+            <a:endParaRPr lang="en-IE" sz="1400" dirty="0"/>
+          </a:p>
+          <a:p>
+            <a:endParaRPr lang="en-IE" sz="1400" dirty="0"/>
+          </a:p>
+          <a:p>
+            <a:endParaRPr lang="en-IE" sz="1400" dirty="0"/>
           </a:p>
           <a:p>
             <a:endParaRPr lang="en-IE" sz="1400" dirty="0"/>
@@ -8678,7 +8543,7 @@
               <a:defRPr/>
             </a:pPr>
             <a:r>
-              <a:rPr lang="en-US" sz="1200" kern="0" dirty="0" smtClean="0">
+              <a:rPr lang="en-US" sz="1200" kern="0" dirty="0">
                 <a:solidFill>
                   <a:sysClr val="windowText" lastClr="000000"/>
                 </a:solidFill>
@@ -8688,14 +8553,6 @@
               </a:rPr>
               <a:t>Q4’2016</a:t>
             </a:r>
-            <a:endParaRPr lang="en-US" sz="1200" kern="0" dirty="0">
-              <a:solidFill>
-                <a:sysClr val="windowText" lastClr="000000"/>
-              </a:solidFill>
-              <a:latin typeface="Gill Sans MT"/>
-              <a:ea typeface="MS PGothic" pitchFamily="34" charset="-128"/>
-              <a:cs typeface="Gill Sans MT"/>
-            </a:endParaRPr>
           </a:p>
         </p:txBody>
       </p:sp>
@@ -8881,7 +8738,7 @@
           <a:p>
             <a:pPr defTabSz="342901"/>
             <a:r>
-              <a:rPr lang="en-GB" sz="1200" kern="0" dirty="0" smtClean="0">
+              <a:rPr lang="en-GB" sz="1200" kern="0" dirty="0">
                 <a:solidFill>
                   <a:sysClr val="windowText" lastClr="000000"/>
                 </a:solidFill>
@@ -8892,7 +8749,7 @@
               <a:t>CMSIS-Zone</a:t>
             </a:r>
             <a:br>
-              <a:rPr lang="en-GB" sz="1200" kern="0" dirty="0" smtClean="0">
+              <a:rPr lang="en-GB" sz="1200" kern="0" dirty="0">
                 <a:solidFill>
                   <a:sysClr val="windowText" lastClr="000000"/>
                 </a:solidFill>
@@ -8902,7 +8759,7 @@
               </a:rPr>
             </a:br>
             <a:r>
-              <a:rPr lang="en-GB" sz="1200" kern="0" dirty="0" smtClean="0">
+              <a:rPr lang="en-GB" sz="1200" kern="0" dirty="0">
                 <a:solidFill>
                   <a:sysClr val="windowText" lastClr="000000"/>
                 </a:solidFill>
@@ -8913,7 +8770,7 @@
               <a:t>MPU Support</a:t>
             </a:r>
             <a:br>
-              <a:rPr lang="en-GB" sz="1200" kern="0" dirty="0" smtClean="0">
+              <a:rPr lang="en-GB" sz="1200" kern="0" dirty="0">
                 <a:solidFill>
                   <a:sysClr val="windowText" lastClr="000000"/>
                 </a:solidFill>
@@ -8923,7 +8780,7 @@
               </a:rPr>
             </a:br>
             <a:r>
-              <a:rPr lang="en-GB" sz="1200" kern="0" dirty="0" smtClean="0">
+              <a:rPr lang="en-GB" sz="1200" kern="0" dirty="0">
                 <a:solidFill>
                   <a:sysClr val="windowText" lastClr="000000"/>
                 </a:solidFill>
@@ -8934,7 +8791,7 @@
               <a:t>RTX5 certification</a:t>
             </a:r>
             <a:br>
-              <a:rPr lang="en-GB" sz="1200" kern="0" dirty="0" smtClean="0">
+              <a:rPr lang="en-GB" sz="1200" kern="0" dirty="0">
                 <a:solidFill>
                   <a:sysClr val="windowText" lastClr="000000"/>
                 </a:solidFill>
@@ -8977,10 +8834,10 @@
           <a:p>
             <a:pPr algn="ctr"/>
             <a:r>
-              <a:rPr lang="de-DE" dirty="0" smtClean="0"/>
+              <a:rPr lang="de-DE" dirty="0"/>
               <a:t>5.2</a:t>
             </a:r>
-            <a:endParaRPr lang="en-US" dirty="0" smtClean="0"/>
+            <a:endParaRPr lang="en-US" dirty="0"/>
           </a:p>
         </p:txBody>
       </p:sp>
@@ -9006,10 +8863,10 @@
           <a:lstStyle/>
           <a:p>
             <a:r>
-              <a:rPr lang="de-DE" dirty="0" smtClean="0"/>
+              <a:rPr lang="de-DE" dirty="0"/>
               <a:t>5.0</a:t>
             </a:r>
-            <a:endParaRPr lang="en-US" dirty="0" smtClean="0"/>
+            <a:endParaRPr lang="en-US" dirty="0"/>
           </a:p>
         </p:txBody>
       </p:sp>
@@ -9097,10 +8954,10 @@
           <a:lstStyle/>
           <a:p>
             <a:r>
-              <a:rPr lang="de-DE" dirty="0" smtClean="0"/>
+              <a:rPr lang="de-DE" dirty="0"/>
               <a:t>5.1</a:t>
             </a:r>
-            <a:endParaRPr lang="en-US" dirty="0" smtClean="0"/>
+            <a:endParaRPr lang="en-US" dirty="0"/>
           </a:p>
         </p:txBody>
       </p:sp>
@@ -9128,7 +8985,7 @@
           <a:p>
             <a:pPr defTabSz="342901"/>
             <a:r>
-              <a:rPr lang="en-GB" sz="1200" kern="0" dirty="0" smtClean="0">
+              <a:rPr lang="en-GB" sz="1200" kern="0" dirty="0">
                 <a:solidFill>
                   <a:sysClr val="windowText" lastClr="000000"/>
                 </a:solidFill>
@@ -9139,7 +8996,7 @@
               <a:t>CMSIS-RTOS2</a:t>
             </a:r>
             <a:br>
-              <a:rPr lang="en-GB" sz="1200" kern="0" dirty="0" smtClean="0">
+              <a:rPr lang="en-GB" sz="1200" kern="0" dirty="0">
                 <a:solidFill>
                   <a:sysClr val="windowText" lastClr="000000"/>
                 </a:solidFill>
@@ -9149,7 +9006,7 @@
               </a:rPr>
             </a:br>
             <a:r>
-              <a:rPr lang="en-GB" sz="1200" kern="0" dirty="0" smtClean="0">
+              <a:rPr lang="en-GB" sz="1200" kern="0" dirty="0">
                 <a:solidFill>
                   <a:sysClr val="windowText" lastClr="000000"/>
                 </a:solidFill>
@@ -9160,7 +9017,7 @@
               <a:t>RTX5</a:t>
             </a:r>
             <a:br>
-              <a:rPr lang="en-GB" sz="1200" kern="0" dirty="0" smtClean="0">
+              <a:rPr lang="en-GB" sz="1200" kern="0" dirty="0">
                 <a:solidFill>
                   <a:sysClr val="windowText" lastClr="000000"/>
                 </a:solidFill>
@@ -9170,7 +9027,7 @@
               </a:rPr>
             </a:br>
             <a:r>
-              <a:rPr lang="en-GB" sz="1200" kern="0" dirty="0" smtClean="0">
+              <a:rPr lang="en-GB" sz="1200" kern="0" dirty="0">
                 <a:solidFill>
                   <a:sysClr val="windowText" lastClr="000000"/>
                 </a:solidFill>
@@ -9207,7 +9064,7 @@
           <a:p>
             <a:pPr defTabSz="342901"/>
             <a:r>
-              <a:rPr lang="en-GB" sz="1200" kern="0" dirty="0" smtClean="0">
+              <a:rPr lang="en-GB" sz="1200" kern="0" dirty="0">
                 <a:solidFill>
                   <a:sysClr val="windowText" lastClr="000000"/>
                 </a:solidFill>
@@ -9220,7 +9077,7 @@
           <a:p>
             <a:pPr defTabSz="342901"/>
             <a:r>
-              <a:rPr lang="en-GB" sz="1200" kern="0" dirty="0" smtClean="0">
+              <a:rPr lang="en-GB" sz="1200" kern="0" dirty="0">
                 <a:solidFill>
                   <a:sysClr val="windowText" lastClr="000000"/>
                 </a:solidFill>
@@ -9280,7 +9137,7 @@
               <a:defRPr/>
             </a:pPr>
             <a:r>
-              <a:rPr lang="en-US" sz="1200" kern="0" dirty="0" smtClean="0">
+              <a:rPr lang="en-US" sz="1200" kern="0" dirty="0">
                 <a:solidFill>
                   <a:sysClr val="windowText" lastClr="000000"/>
                 </a:solidFill>
@@ -9290,14 +9147,6 @@
               </a:rPr>
               <a:t>Q3’2017</a:t>
             </a:r>
-            <a:endParaRPr lang="en-US" sz="1200" kern="0" dirty="0">
-              <a:solidFill>
-                <a:sysClr val="windowText" lastClr="000000"/>
-              </a:solidFill>
-              <a:latin typeface="Gill Sans MT"/>
-              <a:ea typeface="MS PGothic" pitchFamily="34" charset="-128"/>
-              <a:cs typeface="Gill Sans MT"/>
-            </a:endParaRPr>
           </a:p>
         </p:txBody>
       </p:sp>
@@ -9341,7 +9190,7 @@
               <a:defRPr/>
             </a:pPr>
             <a:r>
-              <a:rPr lang="en-US" sz="1200" kern="0" dirty="0" smtClean="0">
+              <a:rPr lang="en-US" sz="1200" kern="0" dirty="0">
                 <a:solidFill>
                   <a:sysClr val="windowText" lastClr="000000"/>
                 </a:solidFill>
@@ -9351,14 +9200,6 @@
               </a:rPr>
               <a:t>Q1’2018</a:t>
             </a:r>
-            <a:endParaRPr lang="en-US" sz="1200" kern="0" dirty="0">
-              <a:solidFill>
-                <a:sysClr val="windowText" lastClr="000000"/>
-              </a:solidFill>
-              <a:latin typeface="Gill Sans MT"/>
-              <a:ea typeface="MS PGothic" pitchFamily="34" charset="-128"/>
-              <a:cs typeface="Gill Sans MT"/>
-            </a:endParaRPr>
           </a:p>
         </p:txBody>
       </p:sp>
@@ -9760,7 +9601,7 @@
               <a:defRPr/>
             </a:pPr>
             <a:r>
-              <a:rPr lang="en-US" sz="1200" b="1" kern="0" dirty="0" smtClean="0">
+              <a:rPr lang="en-US" sz="1200" b="1" kern="0" dirty="0">
                 <a:solidFill>
                   <a:sysClr val="windowText" lastClr="000000"/>
                 </a:solidFill>
@@ -9770,14 +9611,6 @@
               </a:rPr>
               <a:t>CMSIS Roadmap</a:t>
             </a:r>
-            <a:endParaRPr lang="en-US" sz="1200" b="1" kern="0" dirty="0">
-              <a:solidFill>
-                <a:sysClr val="windowText" lastClr="000000"/>
-              </a:solidFill>
-              <a:latin typeface="Gill Sans MT"/>
-              <a:ea typeface="MS PGothic" pitchFamily="34" charset="-128"/>
-              <a:cs typeface="Gill Sans MT"/>
-            </a:endParaRPr>
           </a:p>
         </p:txBody>
       </p:sp>
@@ -9791,13 +9624,6 @@
   <p:clrMapOvr>
     <a:masterClrMapping/>
   </p:clrMapOvr>
-  <p:timing>
-    <p:tnLst>
-      <p:par>
-        <p:cTn id="1" dur="indefinite" restart="never" nodeType="tmRoot"/>
-      </p:par>
-    </p:tnLst>
-  </p:timing>
 </p:sld>
 </file>
 
@@ -9870,7 +9696,7 @@
               </a:lnSpc>
             </a:pPr>
             <a:r>
-              <a:rPr lang="en-US" sz="1200" dirty="0" smtClean="0">
+              <a:rPr lang="en-US" sz="1200" dirty="0">
                 <a:solidFill>
                   <a:schemeClr val="accent4"/>
                 </a:solidFill>
@@ -9879,13 +9705,6 @@
               </a:rPr>
               <a:t>different power domain</a:t>
             </a:r>
-            <a:endParaRPr lang="en-US" sz="1200" dirty="0">
-              <a:solidFill>
-                <a:schemeClr val="accent4"/>
-              </a:solidFill>
-              <a:ea typeface="Calibri" charset="0"/>
-              <a:cs typeface="Calibri" charset="0"/>
-            </a:endParaRPr>
           </a:p>
         </p:txBody>
       </p:sp>
@@ -14313,18 +14132,13 @@
               </a:lnSpc>
             </a:pPr>
             <a:r>
-              <a:rPr lang="en-US" sz="900" dirty="0" smtClean="0">
+              <a:rPr lang="en-US" sz="900" dirty="0">
                 <a:solidFill>
                   <a:schemeClr val="bg2"/>
                 </a:solidFill>
               </a:rPr>
               <a:t>I2C</a:t>
             </a:r>
-            <a:endParaRPr lang="en-US" sz="900" dirty="0">
-              <a:solidFill>
-                <a:schemeClr val="bg2"/>
-              </a:solidFill>
-            </a:endParaRPr>
           </a:p>
           <a:p>
             <a:pPr algn="ctr">
@@ -14614,10 +14428,9 @@
           <a:lstStyle/>
           <a:p>
             <a:r>
-              <a:rPr lang="en-US" dirty="0" smtClean="0"/>
+              <a:rPr lang="en-US" dirty="0"/>
               <a:t>Challenge of system partitioning</a:t>
             </a:r>
-            <a:endParaRPr lang="en-US" dirty="0"/>
           </a:p>
         </p:txBody>
       </p:sp>
@@ -14691,10 +14504,10 @@
               </a:lnSpc>
             </a:pPr>
             <a:r>
-              <a:rPr lang="en-GB" sz="1400" dirty="0" smtClean="0"/>
+              <a:rPr lang="en-GB" sz="1400" dirty="0"/>
               <a:t>Systems with multiple processors or multiple execution domains require consistent partitioning</a:t>
             </a:r>
-            <a:endParaRPr lang="en-US" sz="1400" i="1" dirty="0" smtClean="0">
+            <a:endParaRPr lang="en-US" sz="1400" i="1" dirty="0">
               <a:solidFill>
                 <a:schemeClr val="accent1"/>
               </a:solidFill>
@@ -14707,7 +14520,7 @@
               </a:lnSpc>
             </a:pPr>
             <a:r>
-              <a:rPr lang="en-IE" sz="1400" dirty="0" smtClean="0"/>
+              <a:rPr lang="en-IE" sz="1400" dirty="0"/>
               <a:t>Configurations need to match hardware setup, memory allocation, and peripheral usage</a:t>
             </a:r>
           </a:p>
@@ -14715,22 +14528,22 @@
             <a:pPr marL="0" lvl="2" indent="0">
               <a:buNone/>
             </a:pPr>
-            <a:endParaRPr lang="en-IE" sz="1200" dirty="0" smtClean="0"/>
-          </a:p>
-          <a:p>
-            <a:endParaRPr lang="en-IE" sz="1400" dirty="0" smtClean="0"/>
+            <a:endParaRPr lang="en-IE" sz="1200" dirty="0"/>
           </a:p>
           <a:p>
             <a:endParaRPr lang="en-IE" sz="1400" dirty="0"/>
           </a:p>
           <a:p>
-            <a:endParaRPr lang="en-IE" sz="1400" dirty="0" smtClean="0"/>
-          </a:p>
-          <a:p>
             <a:endParaRPr lang="en-IE" sz="1400" dirty="0"/>
           </a:p>
           <a:p>
-            <a:endParaRPr lang="en-IE" sz="1400" dirty="0" smtClean="0"/>
+            <a:endParaRPr lang="en-IE" sz="1400" dirty="0"/>
+          </a:p>
+          <a:p>
+            <a:endParaRPr lang="en-IE" sz="1400" dirty="0"/>
+          </a:p>
+          <a:p>
+            <a:endParaRPr lang="en-IE" sz="1400" dirty="0"/>
           </a:p>
           <a:p>
             <a:endParaRPr lang="en-IE" sz="1400" dirty="0"/>
@@ -14747,13 +14560,6 @@
   <p:clrMapOvr>
     <a:masterClrMapping/>
   </p:clrMapOvr>
-  <p:timing>
-    <p:tnLst>
-      <p:par>
-        <p:cTn id="1" dur="indefinite" restart="never" nodeType="tmRoot"/>
-      </p:par>
-    </p:tnLst>
-  </p:timing>
 </p:sld>
 </file>
 
@@ -14838,18 +14644,9 @@
           <a:lstStyle/>
           <a:p>
             <a:r>
-              <a:rPr lang="en-US" dirty="0" smtClean="0"/>
-              <a:t>CMSIS-Zone </a:t>
-            </a:r>
-            <a:r>
               <a:rPr lang="en-US" dirty="0"/>
-              <a:t>– </a:t>
-            </a:r>
-            <a:r>
-              <a:rPr lang="en-US" dirty="0" smtClean="0"/>
-              <a:t>making system partitioning easy</a:t>
-            </a:r>
-            <a:endParaRPr lang="en-US" dirty="0"/>
+              <a:t>CMSIS-Zone – making system partitioning easy</a:t>
+            </a:r>
           </a:p>
         </p:txBody>
       </p:sp>
@@ -15046,18 +14843,13 @@
               <a:buNone/>
             </a:pPr>
             <a:r>
-              <a:rPr lang="en-GB" sz="1800" dirty="0" smtClean="0">
+              <a:rPr lang="en-GB" sz="1800" dirty="0">
                 <a:solidFill>
                   <a:schemeClr val="accent3"/>
                 </a:solidFill>
               </a:rPr>
               <a:t>Resource configuration for multi-processor systems and execution regions</a:t>
             </a:r>
-            <a:endParaRPr lang="en-GB" sz="1800" dirty="0">
-              <a:solidFill>
-                <a:schemeClr val="accent3"/>
-              </a:solidFill>
-            </a:endParaRPr>
           </a:p>
         </p:txBody>
       </p:sp>
@@ -15169,21 +14961,16 @@
                 </a:spcAft>
               </a:pPr>
               <a:r>
-                <a:rPr lang="en-GB" sz="1400" kern="1200" dirty="0" smtClean="0"/>
+                <a:rPr lang="en-GB" sz="1400" kern="1200" dirty="0"/>
                 <a:t>System</a:t>
               </a:r>
-              <a:r>
-                <a:rPr lang="en-GB" kern="1200" dirty="0" smtClean="0"/>
-                <a:t/>
-              </a:r>
               <a:br>
-                <a:rPr lang="en-GB" kern="1200" dirty="0" smtClean="0"/>
+                <a:rPr lang="en-GB" kern="1200" dirty="0"/>
               </a:br>
               <a:r>
-                <a:rPr lang="en-GB" sz="1400" kern="1200" dirty="0" smtClean="0"/>
+                <a:rPr lang="en-GB" sz="1400" kern="1200" dirty="0"/>
                 <a:t>Resources</a:t>
               </a:r>
-              <a:endParaRPr lang="en-GB" sz="1400" kern="1200" dirty="0"/>
             </a:p>
           </p:txBody>
         </p:sp>
@@ -15296,17 +15083,16 @@
                 </a:spcAft>
               </a:pPr>
               <a:r>
-                <a:rPr lang="en-GB" sz="1400" kern="1200" dirty="0" smtClean="0"/>
+                <a:rPr lang="en-GB" sz="1400" kern="1200" dirty="0"/>
                 <a:t>Project</a:t>
               </a:r>
               <a:br>
-                <a:rPr lang="en-GB" sz="1400" kern="1200" dirty="0" smtClean="0"/>
+                <a:rPr lang="en-GB" sz="1400" kern="1200" dirty="0"/>
               </a:br>
               <a:r>
-                <a:rPr lang="en-GB" sz="1400" kern="1200" dirty="0" smtClean="0"/>
+                <a:rPr lang="en-GB" sz="1400" kern="1200" dirty="0"/>
                 <a:t>Zones</a:t>
               </a:r>
-              <a:endParaRPr lang="en-GB" sz="1400" kern="1200" dirty="0"/>
             </a:p>
           </p:txBody>
         </p:sp>
@@ -15419,14 +15205,13 @@
                 </a:spcAft>
               </a:pPr>
               <a:r>
-                <a:rPr lang="en-GB" sz="1400" dirty="0" smtClean="0"/>
+                <a:rPr lang="en-GB" sz="1400" dirty="0"/>
                 <a:t>Execution </a:t>
               </a:r>
               <a:r>
-                <a:rPr lang="en-GB" sz="1400" kern="1200" dirty="0" smtClean="0"/>
+                <a:rPr lang="en-GB" sz="1400" kern="1200" dirty="0"/>
                 <a:t>Zones</a:t>
               </a:r>
-              <a:endParaRPr lang="en-GB" sz="1400" kern="1200" dirty="0"/>
             </a:p>
           </p:txBody>
         </p:sp>
@@ -15539,10 +15324,9 @@
                 </a:spcAft>
               </a:pPr>
               <a:r>
-                <a:rPr lang="en-GB" sz="1400" kern="1200" dirty="0" smtClean="0"/>
+                <a:rPr lang="en-GB" sz="1400" kern="1200" dirty="0"/>
                 <a:t>Build</a:t>
               </a:r>
-              <a:endParaRPr lang="en-GB" sz="1400" kern="1200" dirty="0"/>
             </a:p>
           </p:txBody>
         </p:sp>
@@ -15651,17 +15435,16 @@
               </a:spcAft>
             </a:pPr>
             <a:r>
-              <a:rPr lang="en-GB" sz="1400" kern="1200" dirty="0" smtClean="0"/>
+              <a:rPr lang="en-GB" sz="1400" kern="1200" dirty="0"/>
               <a:t>List available system resources</a:t>
             </a:r>
             <a:br>
-              <a:rPr lang="en-GB" sz="1400" kern="1200" dirty="0" smtClean="0"/>
+              <a:rPr lang="en-GB" sz="1400" kern="1200" dirty="0"/>
             </a:br>
             <a:r>
-              <a:rPr lang="en-GB" sz="1400" kern="1200" dirty="0" smtClean="0"/>
+              <a:rPr lang="en-GB" sz="1400" kern="1200" dirty="0"/>
               <a:t>in multi-processor systems</a:t>
             </a:r>
-            <a:endParaRPr lang="en-GB" sz="1400" kern="1200" dirty="0"/>
           </a:p>
         </p:txBody>
       </p:sp>
@@ -15717,11 +15500,11 @@
               </a:spcAft>
             </a:pPr>
             <a:r>
-              <a:rPr lang="en-GB" sz="1600" b="1" kern="1200" dirty="0" smtClean="0"/>
+              <a:rPr lang="en-GB" sz="1600" b="1" kern="1200" dirty="0"/>
               <a:t>CMSIS-Zone development </a:t>
             </a:r>
             <a:r>
-              <a:rPr lang="en-GB" sz="1600" b="1" dirty="0" smtClean="0"/>
+              <a:rPr lang="en-GB" sz="1600" b="1" dirty="0"/>
               <a:t>workflow</a:t>
             </a:r>
             <a:endParaRPr lang="en-GB" sz="1600" b="1" kern="1200" dirty="0"/>
@@ -15846,17 +15629,16 @@
                 </a:spcAft>
               </a:pPr>
               <a:r>
-                <a:rPr lang="en-GB" sz="1400" kern="1200" dirty="0" smtClean="0"/>
+                <a:rPr lang="en-GB" sz="1400" kern="1200" dirty="0"/>
                 <a:t>Select resources for </a:t>
               </a:r>
               <a:br>
-                <a:rPr lang="en-GB" sz="1400" kern="1200" dirty="0" smtClean="0"/>
+                <a:rPr lang="en-GB" sz="1400" kern="1200" dirty="0"/>
               </a:br>
               <a:r>
-                <a:rPr lang="en-GB" sz="1400" kern="1200" dirty="0" smtClean="0"/>
+                <a:rPr lang="en-GB" sz="1400" kern="1200" dirty="0"/>
                 <a:t>independent software projects</a:t>
               </a:r>
-              <a:endParaRPr lang="en-GB" sz="1400" kern="1200" dirty="0"/>
             </a:p>
           </p:txBody>
         </p:sp>
@@ -15979,14 +15761,14 @@
                 </a:spcAft>
               </a:pPr>
               <a:r>
-                <a:rPr lang="en-GB" sz="1400" dirty="0" smtClean="0"/>
+                <a:rPr lang="en-GB" sz="1400" dirty="0"/>
                 <a:t>Partition memory &amp; peripherals</a:t>
               </a:r>
               <a:br>
-                <a:rPr lang="en-GB" sz="1400" dirty="0" smtClean="0"/>
+                <a:rPr lang="en-GB" sz="1400" dirty="0"/>
               </a:br>
               <a:r>
-                <a:rPr lang="en-GB" sz="1400" dirty="0" smtClean="0"/>
+                <a:rPr lang="en-GB" sz="1400" dirty="0"/>
                 <a:t>for safe process execution</a:t>
               </a:r>
               <a:endParaRPr lang="en-GB" sz="1400" kern="1200" dirty="0"/>
@@ -16112,7 +15894,7 @@
                 </a:spcAft>
               </a:pPr>
               <a:r>
-                <a:rPr lang="en-GB" sz="1400" dirty="0" smtClean="0"/>
+                <a:rPr lang="en-GB" sz="1400" dirty="0"/>
                 <a:t>Generate tool setup and</a:t>
               </a:r>
             </a:p>
@@ -16129,7 +15911,7 @@
                 </a:spcAft>
               </a:pPr>
               <a:r>
-                <a:rPr lang="en-GB" sz="1400" dirty="0" smtClean="0"/>
+                <a:rPr lang="en-GB" sz="1400" dirty="0"/>
                 <a:t>hardware configuration</a:t>
               </a:r>
               <a:endParaRPr lang="en-GB" sz="1400" kern="1200" dirty="0"/>
@@ -16147,13 +15929,6 @@
   <p:clrMapOvr>
     <a:masterClrMapping/>
   </p:clrMapOvr>
-  <p:timing>
-    <p:tnLst>
-      <p:par>
-        <p:cTn id="1" dur="indefinite" restart="never" nodeType="tmRoot"/>
-      </p:par>
-    </p:tnLst>
-  </p:timing>
 </p:sld>
 </file>
 
@@ -16217,7 +15992,7 @@
           <a:lstStyle/>
           <a:p>
             <a:pPr algn="ctr"/>
-            <a:endParaRPr lang="en-GB" sz="1400" dirty="0" err="1" smtClean="0">
+            <a:endParaRPr lang="en-GB" sz="1400" dirty="0" err="1">
               <a:solidFill>
                 <a:schemeClr val="tx1"/>
               </a:solidFill>
@@ -16248,18 +16023,9 @@
           <a:lstStyle/>
           <a:p>
             <a:r>
-              <a:rPr lang="en-US" dirty="0" smtClean="0"/>
-              <a:t>CMSIS-Zone </a:t>
-            </a:r>
-            <a:r>
               <a:rPr lang="en-US" dirty="0"/>
-              <a:t>– </a:t>
-            </a:r>
-            <a:r>
-              <a:rPr lang="en-US" dirty="0" smtClean="0"/>
-              <a:t>making system partitioning easy</a:t>
-            </a:r>
-            <a:endParaRPr lang="en-US" dirty="0"/>
+              <a:t>CMSIS-Zone – making system partitioning easy</a:t>
+            </a:r>
           </a:p>
         </p:txBody>
       </p:sp>
@@ -16456,18 +16222,13 @@
               <a:buNone/>
             </a:pPr>
             <a:r>
-              <a:rPr lang="en-GB" sz="1800" dirty="0" smtClean="0">
+              <a:rPr lang="en-GB" sz="1800" dirty="0">
                 <a:solidFill>
                   <a:schemeClr val="accent3"/>
                 </a:solidFill>
               </a:rPr>
               <a:t>Resource configuration for multi-processor systems and execution regions</a:t>
             </a:r>
-            <a:endParaRPr lang="en-GB" sz="1800" dirty="0">
-              <a:solidFill>
-                <a:schemeClr val="accent3"/>
-              </a:solidFill>
-            </a:endParaRPr>
           </a:p>
         </p:txBody>
       </p:sp>
@@ -16518,21 +16279,16 @@
               </a:spcAft>
             </a:pPr>
             <a:r>
-              <a:rPr lang="en-GB" sz="1400" kern="1200" dirty="0" smtClean="0"/>
+              <a:rPr lang="en-GB" sz="1400" kern="1200" dirty="0"/>
               <a:t>System</a:t>
             </a:r>
-            <a:r>
-              <a:rPr lang="en-GB" kern="1200" dirty="0" smtClean="0"/>
-              <a:t/>
-            </a:r>
             <a:br>
-              <a:rPr lang="en-GB" kern="1200" dirty="0" smtClean="0"/>
+              <a:rPr lang="en-GB" kern="1200" dirty="0"/>
             </a:br>
             <a:r>
-              <a:rPr lang="en-GB" sz="1400" kern="1200" dirty="0" smtClean="0"/>
+              <a:rPr lang="en-GB" sz="1400" kern="1200" dirty="0"/>
               <a:t>Resources</a:t>
             </a:r>
-            <a:endParaRPr lang="en-GB" sz="1400" kern="1200" dirty="0"/>
           </a:p>
         </p:txBody>
       </p:sp>
@@ -16640,35 +16396,30 @@
               </a:spcAft>
             </a:pPr>
             <a:r>
-              <a:rPr lang="en-GB" sz="1050" kern="1200" dirty="0" smtClean="0"/>
+              <a:rPr lang="en-GB" sz="1050" kern="1200" dirty="0"/>
               <a:t>Collect available</a:t>
             </a:r>
             <a:br>
-              <a:rPr lang="en-GB" sz="1050" kern="1200" dirty="0" smtClean="0"/>
+              <a:rPr lang="en-GB" sz="1050" kern="1200" dirty="0"/>
             </a:br>
             <a:r>
-              <a:rPr lang="en-GB" sz="1050" kern="1200" dirty="0" smtClean="0"/>
-              <a:t>system </a:t>
-            </a:r>
-            <a:r>
-              <a:rPr lang="en-GB" sz="1050" kern="1200" dirty="0" smtClean="0"/>
-              <a:t>resources</a:t>
+              <a:rPr lang="en-GB" sz="1050" kern="1200" dirty="0"/>
+              <a:t>system resources</a:t>
             </a:r>
             <a:br>
-              <a:rPr lang="en-GB" sz="1050" kern="1200" dirty="0" smtClean="0"/>
+              <a:rPr lang="en-GB" sz="1050" kern="1200" dirty="0"/>
             </a:br>
             <a:r>
-              <a:rPr lang="en-GB" sz="1050" kern="1200" dirty="0" smtClean="0"/>
+              <a:rPr lang="en-GB" sz="1050" kern="1200" dirty="0"/>
               <a:t>of multi-processor</a:t>
             </a:r>
             <a:br>
-              <a:rPr lang="en-GB" sz="1050" kern="1200" dirty="0" smtClean="0"/>
+              <a:rPr lang="en-GB" sz="1050" kern="1200" dirty="0"/>
             </a:br>
             <a:r>
-              <a:rPr lang="en-GB" sz="1050" kern="1200" dirty="0" smtClean="0"/>
+              <a:rPr lang="en-GB" sz="1050" kern="1200" dirty="0"/>
               <a:t>systems</a:t>
             </a:r>
-            <a:endParaRPr lang="en-GB" sz="1050" kern="1200" dirty="0"/>
           </a:p>
         </p:txBody>
       </p:sp>
@@ -16724,11 +16475,11 @@
               </a:spcAft>
             </a:pPr>
             <a:r>
-              <a:rPr lang="en-GB" sz="1600" b="1" kern="1200" dirty="0" smtClean="0"/>
+              <a:rPr lang="en-GB" sz="1600" b="1" kern="1200" dirty="0"/>
               <a:t>CMSIS-Zone development </a:t>
             </a:r>
             <a:r>
-              <a:rPr lang="en-GB" sz="1600" b="1" dirty="0" smtClean="0"/>
+              <a:rPr lang="en-GB" sz="1600" b="1" dirty="0"/>
               <a:t>workflow</a:t>
             </a:r>
             <a:endParaRPr lang="en-GB" sz="1600" b="1" kern="1200" dirty="0"/>
@@ -16844,7 +16595,7 @@
             <a:lstStyle/>
             <a:p>
               <a:pPr algn="ctr"/>
-              <a:endParaRPr lang="en-GB" sz="1400" dirty="0" err="1" smtClean="0">
+              <a:endParaRPr lang="en-GB" sz="1400" dirty="0" err="1">
                 <a:solidFill>
                   <a:schemeClr val="tx1"/>
                 </a:solidFill>
@@ -16899,17 +16650,16 @@
                 </a:spcAft>
               </a:pPr>
               <a:r>
-                <a:rPr lang="en-GB" sz="1400" kern="1200" dirty="0" smtClean="0"/>
+                <a:rPr lang="en-GB" sz="1400" kern="1200" dirty="0"/>
                 <a:t>Project</a:t>
               </a:r>
               <a:br>
-                <a:rPr lang="en-GB" sz="1400" kern="1200" dirty="0" smtClean="0"/>
+                <a:rPr lang="en-GB" sz="1400" kern="1200" dirty="0"/>
               </a:br>
               <a:r>
-                <a:rPr lang="en-GB" sz="1400" kern="1200" dirty="0" smtClean="0"/>
+                <a:rPr lang="en-GB" sz="1400" kern="1200" dirty="0"/>
                 <a:t>Zones</a:t>
               </a:r>
-              <a:endParaRPr lang="en-GB" sz="1400" kern="1200" dirty="0"/>
             </a:p>
           </p:txBody>
         </p:sp>
@@ -16965,25 +16715,16 @@
                 </a:spcAft>
               </a:pPr>
               <a:r>
-                <a:rPr lang="en-GB" sz="1050" kern="1200" dirty="0" smtClean="0"/>
-                <a:t>Select </a:t>
-              </a:r>
-              <a:r>
-                <a:rPr lang="en-GB" sz="1050" kern="1200" dirty="0" smtClean="0"/>
-                <a:t>resources</a:t>
+                <a:rPr lang="en-GB" sz="1050" kern="1200" dirty="0"/>
+                <a:t>Select resources</a:t>
               </a:r>
               <a:br>
-                <a:rPr lang="en-GB" sz="1050" kern="1200" dirty="0" smtClean="0"/>
+                <a:rPr lang="en-GB" sz="1050" kern="1200" dirty="0"/>
               </a:br>
               <a:r>
-                <a:rPr lang="en-GB" sz="1050" kern="1200" dirty="0" smtClean="0"/>
-                <a:t>for independent </a:t>
+                <a:rPr lang="en-GB" sz="1050" kern="1200" dirty="0"/>
+                <a:t>for independent software projects</a:t>
               </a:r>
-              <a:r>
-                <a:rPr lang="en-GB" sz="1050" kern="1200" dirty="0" smtClean="0"/>
-                <a:t>software projects</a:t>
-              </a:r>
-              <a:endParaRPr lang="en-GB" sz="1050" kern="1200" dirty="0"/>
             </a:p>
           </p:txBody>
         </p:sp>
@@ -17035,10 +16776,9 @@
               </a:spcAft>
             </a:pPr>
             <a:r>
-              <a:rPr lang="en-GB" sz="1400" kern="1200" dirty="0" smtClean="0"/>
+              <a:rPr lang="en-GB" sz="1400" kern="1200" dirty="0"/>
               <a:t>Build</a:t>
             </a:r>
-            <a:endParaRPr lang="en-GB" sz="1400" kern="1200" dirty="0"/>
           </a:p>
         </p:txBody>
       </p:sp>
@@ -17151,7 +16891,7 @@
             <a:lstStyle/>
             <a:p>
               <a:pPr algn="ctr"/>
-              <a:endParaRPr lang="en-GB" sz="1400" dirty="0" err="1" smtClean="0">
+              <a:endParaRPr lang="en-GB" sz="1400" dirty="0" err="1">
                 <a:solidFill>
                   <a:schemeClr val="tx1"/>
                 </a:solidFill>
@@ -17206,17 +16946,16 @@
                 </a:spcAft>
               </a:pPr>
               <a:r>
-                <a:rPr lang="en-GB" sz="1400" kern="1200" dirty="0" smtClean="0"/>
+                <a:rPr lang="en-GB" sz="1400" kern="1200" dirty="0"/>
                 <a:t>Execution</a:t>
               </a:r>
               <a:br>
-                <a:rPr lang="en-GB" sz="1400" kern="1200" dirty="0" smtClean="0"/>
+                <a:rPr lang="en-GB" sz="1400" kern="1200" dirty="0"/>
               </a:br>
               <a:r>
-                <a:rPr lang="en-GB" sz="1400" kern="1200" dirty="0" smtClean="0"/>
+                <a:rPr lang="en-GB" sz="1400" kern="1200" dirty="0"/>
                 <a:t>Zones</a:t>
               </a:r>
-              <a:endParaRPr lang="en-GB" sz="1400" kern="1200" dirty="0"/>
             </a:p>
           </p:txBody>
         </p:sp>
@@ -17272,24 +17011,23 @@
                 </a:spcAft>
               </a:pPr>
               <a:r>
-                <a:rPr lang="en-GB" sz="1050" kern="1200" dirty="0" smtClean="0"/>
+                <a:rPr lang="en-GB" sz="1050" kern="1200" dirty="0"/>
                 <a:t>Partition memory and peripherals</a:t>
               </a:r>
               <a:br>
-                <a:rPr lang="en-GB" sz="1050" kern="1200" dirty="0" smtClean="0"/>
+                <a:rPr lang="en-GB" sz="1050" kern="1200" dirty="0"/>
               </a:br>
               <a:r>
-                <a:rPr lang="en-GB" sz="1050" kern="1200" dirty="0" smtClean="0"/>
+                <a:rPr lang="en-GB" sz="1050" kern="1200" dirty="0"/>
                 <a:t>for safe process </a:t>
               </a:r>
               <a:br>
-                <a:rPr lang="en-GB" sz="1050" kern="1200" dirty="0" smtClean="0"/>
+                <a:rPr lang="en-GB" sz="1050" kern="1200" dirty="0"/>
               </a:br>
               <a:r>
-                <a:rPr lang="en-GB" sz="1050" kern="1200" dirty="0" smtClean="0"/>
+                <a:rPr lang="en-GB" sz="1050" kern="1200" dirty="0"/>
                 <a:t>execution</a:t>
               </a:r>
-              <a:endParaRPr lang="en-GB" sz="1050" kern="1200" dirty="0"/>
             </a:p>
           </p:txBody>
         </p:sp>
@@ -17403,7 +17141,7 @@
             <a:lstStyle/>
             <a:p>
               <a:pPr algn="ctr"/>
-              <a:endParaRPr lang="en-GB" sz="1400" dirty="0" err="1" smtClean="0">
+              <a:endParaRPr lang="en-GB" sz="1400" dirty="0" err="1">
                 <a:solidFill>
                   <a:schemeClr val="tx1"/>
                 </a:solidFill>
@@ -17458,10 +17196,9 @@
                 </a:spcAft>
               </a:pPr>
               <a:r>
-                <a:rPr lang="en-GB" sz="1400" kern="1200" dirty="0" smtClean="0"/>
+                <a:rPr lang="en-GB" sz="1400" kern="1200" dirty="0"/>
                 <a:t>Build</a:t>
               </a:r>
-              <a:endParaRPr lang="en-GB" sz="1400" kern="1200" dirty="0"/>
             </a:p>
           </p:txBody>
         </p:sp>
@@ -17517,17 +17254,16 @@
                 </a:spcAft>
               </a:pPr>
               <a:r>
-                <a:rPr lang="en-GB" sz="1050" kern="1200" dirty="0" smtClean="0"/>
+                <a:rPr lang="en-GB" sz="1050" kern="1200" dirty="0"/>
                 <a:t>Generate tool</a:t>
               </a:r>
               <a:br>
-                <a:rPr lang="en-GB" sz="1050" kern="1200" dirty="0" smtClean="0"/>
+                <a:rPr lang="en-GB" sz="1050" kern="1200" dirty="0"/>
               </a:br>
               <a:r>
-                <a:rPr lang="en-GB" sz="1050" kern="1200" dirty="0" smtClean="0"/>
+                <a:rPr lang="en-GB" sz="1050" kern="1200" dirty="0"/>
                 <a:t>setup and hardware configuration</a:t>
               </a:r>
-              <a:endParaRPr lang="en-GB" sz="1050" kern="1200" dirty="0"/>
             </a:p>
           </p:txBody>
         </p:sp>
@@ -17542,13 +17278,6 @@
   <p:clrMapOvr>
     <a:masterClrMapping/>
   </p:clrMapOvr>
-  <p:timing>
-    <p:tnLst>
-      <p:par>
-        <p:cTn id="1" dur="indefinite" restart="never" nodeType="tmRoot"/>
-      </p:par>
-    </p:tnLst>
-  </p:timing>
 </p:sld>
 </file>
 
@@ -17571,1697 +17300,20 @@
       </p:grpSpPr>
       <p:sp>
         <p:nvSpPr>
-          <p:cNvPr id="6" name="Rectangle 5"/>
+          <p:cNvPr id="3" name="Pentagon 2"/>
           <p:cNvSpPr/>
           <p:nvPr/>
         </p:nvSpPr>
         <p:spPr>
           <a:xfrm>
-            <a:off x="2172266" y="1878855"/>
-            <a:ext cx="2067463" cy="2389721"/>
-          </a:xfrm>
-          <a:prstGeom prst="rect">
+            <a:off x="640843" y="1409118"/>
+            <a:ext cx="1481033" cy="484632"/>
+          </a:xfrm>
+          <a:prstGeom prst="homePlate">
             <a:avLst/>
           </a:prstGeom>
           <a:solidFill>
-            <a:schemeClr val="accent1">
-              <a:lumMod val="20000"/>
-              <a:lumOff val="80000"/>
-            </a:schemeClr>
-          </a:solidFill>
-          <a:ln w="6350" cmpd="sng">
-            <a:noFill/>
-          </a:ln>
-          <a:effectLst/>
-        </p:spPr>
-        <p:style>
-          <a:lnRef idx="1">
-            <a:schemeClr val="accent1"/>
-          </a:lnRef>
-          <a:fillRef idx="3">
-            <a:schemeClr val="accent1"/>
-          </a:fillRef>
-          <a:effectRef idx="2">
-            <a:schemeClr val="accent1"/>
-          </a:effectRef>
-          <a:fontRef idx="minor">
-            <a:schemeClr val="lt1"/>
-          </a:fontRef>
-        </p:style>
-        <p:txBody>
-          <a:bodyPr lIns="68589" tIns="34295" rIns="68589" bIns="34295" rtlCol="0" anchor="t"/>
-          <a:lstStyle/>
-          <a:p>
-            <a:pPr algn="ctr"/>
-            <a:endParaRPr lang="en-GB" sz="1100" dirty="0" err="1">
-              <a:solidFill>
-                <a:schemeClr val="tx1"/>
-              </a:solidFill>
-            </a:endParaRPr>
-          </a:p>
-        </p:txBody>
-      </p:sp>
-      <p:sp>
-        <p:nvSpPr>
-          <p:cNvPr id="2" name="Title 1"/>
-          <p:cNvSpPr>
-            <a:spLocks noGrp="1"/>
-          </p:cNvSpPr>
-          <p:nvPr>
-            <p:ph type="title"/>
-          </p:nvPr>
-        </p:nvSpPr>
-        <p:spPr>
-          <a:xfrm>
-            <a:off x="618472" y="268757"/>
-            <a:ext cx="8398308" cy="418865"/>
-          </a:xfrm>
-        </p:spPr>
-        <p:txBody>
-          <a:bodyPr>
-            <a:normAutofit/>
-          </a:bodyPr>
-          <a:lstStyle/>
-          <a:p>
-            <a:r>
-              <a:rPr lang="en-US" dirty="0" smtClean="0"/>
-              <a:t>RTOS MPU extension – easy setup with CMSIS-Zone</a:t>
-            </a:r>
-            <a:endParaRPr lang="en-US" dirty="0"/>
-          </a:p>
-        </p:txBody>
-      </p:sp>
-      <p:sp>
-        <p:nvSpPr>
-          <p:cNvPr id="34" name="TextBox 33"/>
-          <p:cNvSpPr txBox="1"/>
-          <p:nvPr/>
-        </p:nvSpPr>
-        <p:spPr>
-          <a:xfrm>
-            <a:off x="647869" y="1258800"/>
-            <a:ext cx="3591860" cy="315481"/>
-          </a:xfrm>
-          <a:prstGeom prst="rect">
-            <a:avLst/>
-          </a:prstGeom>
-          <a:solidFill>
-            <a:schemeClr val="accent5">
-              <a:lumMod val="75000"/>
-            </a:schemeClr>
-          </a:solidFill>
-          <a:ln>
-            <a:noFill/>
-          </a:ln>
-          <a:effectLst/>
-        </p:spPr>
-        <p:style>
-          <a:lnRef idx="3">
-            <a:schemeClr val="lt1"/>
-          </a:lnRef>
-          <a:fillRef idx="1">
-            <a:schemeClr val="accent1"/>
-          </a:fillRef>
-          <a:effectRef idx="1">
-            <a:schemeClr val="accent1"/>
-          </a:effectRef>
-          <a:fontRef idx="minor">
-            <a:schemeClr val="lt1"/>
-          </a:fontRef>
-        </p:style>
-        <p:txBody>
-          <a:bodyPr wrap="square" lIns="0" tIns="34291" rIns="0" bIns="34291" rtlCol="0">
-            <a:spAutoFit/>
-          </a:bodyPr>
-          <a:lstStyle/>
-          <a:p>
-            <a:pPr algn="ctr"/>
-            <a:r>
-              <a:rPr lang="en-GB" sz="1600" dirty="0">
-                <a:latin typeface="+mj-lt"/>
-              </a:rPr>
-              <a:t>Non-secure state</a:t>
-            </a:r>
-          </a:p>
-        </p:txBody>
-      </p:sp>
-      <p:sp>
-        <p:nvSpPr>
-          <p:cNvPr id="35" name="TextBox 34"/>
-          <p:cNvSpPr txBox="1"/>
-          <p:nvPr/>
-        </p:nvSpPr>
-        <p:spPr>
-          <a:xfrm>
-            <a:off x="4687522" y="1258800"/>
-            <a:ext cx="3498807" cy="315481"/>
-          </a:xfrm>
-          <a:prstGeom prst="rect">
-            <a:avLst/>
-          </a:prstGeom>
-          <a:solidFill>
-            <a:schemeClr val="accent2"/>
-          </a:solidFill>
-          <a:ln>
-            <a:noFill/>
-          </a:ln>
-          <a:effectLst/>
-        </p:spPr>
-        <p:style>
-          <a:lnRef idx="3">
-            <a:schemeClr val="lt1"/>
-          </a:lnRef>
-          <a:fillRef idx="1">
-            <a:schemeClr val="accent2"/>
-          </a:fillRef>
-          <a:effectRef idx="1">
-            <a:schemeClr val="accent2"/>
-          </a:effectRef>
-          <a:fontRef idx="minor">
-            <a:schemeClr val="lt1"/>
-          </a:fontRef>
-        </p:style>
-        <p:txBody>
-          <a:bodyPr wrap="square" lIns="0" tIns="34291" rIns="0" bIns="34291" rtlCol="0">
-            <a:spAutoFit/>
-          </a:bodyPr>
-          <a:lstStyle/>
-          <a:p>
-            <a:pPr algn="ctr"/>
-            <a:r>
-              <a:rPr lang="en-GB" sz="1600" dirty="0">
-                <a:latin typeface="+mj-lt"/>
-              </a:rPr>
-              <a:t>Secure state</a:t>
-            </a:r>
-          </a:p>
-        </p:txBody>
-      </p:sp>
-      <p:sp>
-        <p:nvSpPr>
-          <p:cNvPr id="31" name="TextBox 30"/>
-          <p:cNvSpPr txBox="1"/>
-          <p:nvPr/>
-        </p:nvSpPr>
-        <p:spPr>
-          <a:xfrm>
-            <a:off x="2715333" y="2038752"/>
-            <a:ext cx="1448176" cy="530917"/>
-          </a:xfrm>
-          <a:prstGeom prst="rect">
-            <a:avLst/>
-          </a:prstGeom>
-          <a:solidFill>
-            <a:schemeClr val="accent1">
-              <a:lumMod val="75000"/>
-            </a:schemeClr>
-          </a:solidFill>
-          <a:ln>
-            <a:noFill/>
-          </a:ln>
-          <a:effectLst/>
-        </p:spPr>
-        <p:style>
-          <a:lnRef idx="3">
-            <a:schemeClr val="lt1"/>
-          </a:lnRef>
-          <a:fillRef idx="1">
-            <a:schemeClr val="accent2"/>
-          </a:fillRef>
-          <a:effectRef idx="1">
-            <a:schemeClr val="accent2"/>
-          </a:effectRef>
-          <a:fontRef idx="minor">
-            <a:schemeClr val="lt1"/>
-          </a:fontRef>
-        </p:style>
-        <p:txBody>
-          <a:bodyPr wrap="square" lIns="0" tIns="34291" rIns="0" bIns="34291" rtlCol="0">
-            <a:spAutoFit/>
-          </a:bodyPr>
-          <a:lstStyle/>
-          <a:p>
-            <a:pPr algn="ctr"/>
-            <a:r>
-              <a:rPr lang="en-GB" sz="1600" dirty="0">
-                <a:latin typeface="+mj-lt"/>
-              </a:rPr>
-              <a:t>Process A</a:t>
-            </a:r>
-            <a:br>
-              <a:rPr lang="en-GB" sz="1600" dirty="0">
-                <a:latin typeface="+mj-lt"/>
-              </a:rPr>
-            </a:br>
-            <a:r>
-              <a:rPr lang="en-GB" sz="1400" dirty="0">
-                <a:latin typeface="+mj-lt"/>
-              </a:rPr>
-              <a:t>Thread A0, A1, A2</a:t>
-            </a:r>
-            <a:endParaRPr lang="en-GB" sz="1600" dirty="0">
-              <a:latin typeface="+mj-lt"/>
-            </a:endParaRPr>
-          </a:p>
-        </p:txBody>
-      </p:sp>
-      <p:sp>
-        <p:nvSpPr>
-          <p:cNvPr id="36" name="TextBox 35"/>
-          <p:cNvSpPr txBox="1"/>
-          <p:nvPr/>
-        </p:nvSpPr>
-        <p:spPr>
-          <a:xfrm>
-            <a:off x="2715332" y="2731317"/>
-            <a:ext cx="1448176" cy="530917"/>
-          </a:xfrm>
-          <a:prstGeom prst="rect">
-            <a:avLst/>
-          </a:prstGeom>
-          <a:solidFill>
-            <a:schemeClr val="accent1">
-              <a:lumMod val="75000"/>
-            </a:schemeClr>
-          </a:solidFill>
-          <a:ln>
-            <a:noFill/>
-          </a:ln>
-          <a:effectLst/>
-        </p:spPr>
-        <p:style>
-          <a:lnRef idx="3">
-            <a:schemeClr val="lt1"/>
-          </a:lnRef>
-          <a:fillRef idx="1">
-            <a:schemeClr val="accent2"/>
-          </a:fillRef>
-          <a:effectRef idx="1">
-            <a:schemeClr val="accent2"/>
-          </a:effectRef>
-          <a:fontRef idx="minor">
-            <a:schemeClr val="lt1"/>
-          </a:fontRef>
-        </p:style>
-        <p:txBody>
-          <a:bodyPr wrap="square" lIns="0" tIns="34291" rIns="0" bIns="34291" rtlCol="0">
-            <a:spAutoFit/>
-          </a:bodyPr>
-          <a:lstStyle/>
-          <a:p>
-            <a:pPr algn="ctr"/>
-            <a:r>
-              <a:rPr lang="en-GB" sz="1600" dirty="0">
-                <a:latin typeface="+mj-lt"/>
-              </a:rPr>
-              <a:t>Process B</a:t>
-            </a:r>
-            <a:br>
-              <a:rPr lang="en-GB" sz="1600" dirty="0">
-                <a:latin typeface="+mj-lt"/>
-              </a:rPr>
-            </a:br>
-            <a:r>
-              <a:rPr lang="en-GB" sz="1400" dirty="0">
-                <a:latin typeface="+mj-lt"/>
-              </a:rPr>
-              <a:t>Thread B0, B1</a:t>
-            </a:r>
-            <a:endParaRPr lang="en-GB" sz="1600" dirty="0">
-              <a:latin typeface="+mj-lt"/>
-            </a:endParaRPr>
-          </a:p>
-        </p:txBody>
-      </p:sp>
-      <p:sp>
-        <p:nvSpPr>
-          <p:cNvPr id="38" name="Content Placeholder 2"/>
-          <p:cNvSpPr txBox="1">
-            <a:spLocks/>
-          </p:cNvSpPr>
-          <p:nvPr/>
-        </p:nvSpPr>
-        <p:spPr>
-          <a:xfrm>
-            <a:off x="551779" y="649644"/>
-            <a:ext cx="7598166" cy="273844"/>
-          </a:xfrm>
-          <a:prstGeom prst="rect">
-            <a:avLst/>
-          </a:prstGeom>
-        </p:spPr>
-        <p:txBody>
-          <a:bodyPr lIns="68589" tIns="34295" rIns="68589" bIns="34295"/>
-          <a:lstStyle>
-            <a:lvl1pPr marL="239947" indent="-239947" algn="l" defTabSz="604554" rtl="0" eaLnBrk="1" latinLnBrk="0" hangingPunct="1">
-              <a:lnSpc>
-                <a:spcPct val="100000"/>
-              </a:lnSpc>
-              <a:spcBef>
-                <a:spcPts val="400"/>
-              </a:spcBef>
-              <a:buClr>
-                <a:schemeClr val="accent1"/>
-              </a:buClr>
-              <a:buSzPct val="76000"/>
-              <a:buFont typeface="Wingdings" panose="05000000000000000000" pitchFamily="2" charset="2"/>
-              <a:buChar char="§"/>
-              <a:defRPr sz="2400" kern="1200" spc="0">
-                <a:solidFill>
-                  <a:schemeClr val="tx2"/>
-                </a:solidFill>
-                <a:latin typeface="Gill Sans MT"/>
-                <a:ea typeface="+mn-ea"/>
-                <a:cs typeface="+mn-cs"/>
-              </a:defRPr>
-            </a:lvl1pPr>
-            <a:lvl2pPr marL="479896" indent="-239947" algn="l" defTabSz="604554" rtl="0" eaLnBrk="1" latinLnBrk="0" hangingPunct="1">
-              <a:lnSpc>
-                <a:spcPct val="100000"/>
-              </a:lnSpc>
-              <a:spcBef>
-                <a:spcPts val="400"/>
-              </a:spcBef>
-              <a:buClr>
-                <a:schemeClr val="accent1"/>
-              </a:buClr>
-              <a:buSzPct val="76000"/>
-              <a:buFont typeface="Wingdings" panose="05000000000000000000" pitchFamily="2" charset="2"/>
-              <a:buChar char="§"/>
-              <a:defRPr sz="2000" kern="1200" spc="0">
-                <a:solidFill>
-                  <a:schemeClr val="tx2"/>
-                </a:solidFill>
-                <a:latin typeface="Gill Sans MT"/>
-                <a:ea typeface="+mn-ea"/>
-                <a:cs typeface="+mn-cs"/>
-              </a:defRPr>
-            </a:lvl2pPr>
-            <a:lvl3pPr marL="719843" indent="-239947" algn="l" defTabSz="604554" rtl="0" eaLnBrk="1" latinLnBrk="0" hangingPunct="1">
-              <a:lnSpc>
-                <a:spcPct val="100000"/>
-              </a:lnSpc>
-              <a:spcBef>
-                <a:spcPts val="400"/>
-              </a:spcBef>
-              <a:buClr>
-                <a:schemeClr val="accent1"/>
-              </a:buClr>
-              <a:buSzPct val="76000"/>
-              <a:buFont typeface="Wingdings" panose="05000000000000000000" pitchFamily="2" charset="2"/>
-              <a:buChar char="§"/>
-              <a:defRPr sz="2000" kern="1200" spc="0">
-                <a:solidFill>
-                  <a:schemeClr val="tx2"/>
-                </a:solidFill>
-                <a:latin typeface="Gill Sans MT"/>
-                <a:ea typeface="+mn-ea"/>
-                <a:cs typeface="+mn-cs"/>
-              </a:defRPr>
-            </a:lvl3pPr>
-            <a:lvl4pPr marL="959792" indent="-239947" algn="l" defTabSz="795578" rtl="0" eaLnBrk="1" latinLnBrk="0" hangingPunct="1">
-              <a:lnSpc>
-                <a:spcPct val="100000"/>
-              </a:lnSpc>
-              <a:spcBef>
-                <a:spcPts val="400"/>
-              </a:spcBef>
-              <a:buClr>
-                <a:schemeClr val="accent1"/>
-              </a:buClr>
-              <a:buSzPct val="76000"/>
-              <a:buFont typeface="Wingdings" charset="2"/>
-              <a:buChar char="§"/>
-              <a:defRPr sz="2000" kern="1200" spc="-67">
-                <a:solidFill>
-                  <a:schemeClr val="tx2"/>
-                </a:solidFill>
-                <a:latin typeface="+mn-lt"/>
-                <a:ea typeface="+mn-ea"/>
-                <a:cs typeface="+mn-cs"/>
-              </a:defRPr>
-            </a:lvl4pPr>
-            <a:lvl5pPr marL="237192" indent="-237192" algn="l" defTabSz="-600358" rtl="0" eaLnBrk="1" latinLnBrk="0" hangingPunct="1">
-              <a:lnSpc>
-                <a:spcPts val="3466"/>
-              </a:lnSpc>
-              <a:spcBef>
-                <a:spcPts val="0"/>
-              </a:spcBef>
-              <a:buSzPct val="76000"/>
-              <a:buFont typeface="+mj-lt"/>
-              <a:buAutoNum type="arabicPeriod"/>
-              <a:defRPr sz="3200" kern="1200" spc="-67">
-                <a:solidFill>
-                  <a:schemeClr val="tx1"/>
-                </a:solidFill>
-                <a:latin typeface="+mn-lt"/>
-                <a:ea typeface="+mn-ea"/>
-                <a:cs typeface="+mn-cs"/>
-              </a:defRPr>
-            </a:lvl5pPr>
-            <a:lvl6pPr marL="3325017" indent="-302406" algn="l" defTabSz="604554" rtl="0" eaLnBrk="1" latinLnBrk="0" hangingPunct="1">
-              <a:spcBef>
-                <a:spcPct val="20000"/>
-              </a:spcBef>
-              <a:buFont typeface="Arial"/>
-              <a:buChar char="•"/>
-              <a:defRPr sz="2700" kern="1200">
-                <a:solidFill>
-                  <a:schemeClr val="tx1"/>
-                </a:solidFill>
-                <a:latin typeface="+mn-lt"/>
-                <a:ea typeface="+mn-ea"/>
-                <a:cs typeface="+mn-cs"/>
-              </a:defRPr>
-            </a:lvl6pPr>
-            <a:lvl7pPr marL="3929683" indent="-302406" algn="l" defTabSz="604554" rtl="0" eaLnBrk="1" latinLnBrk="0" hangingPunct="1">
-              <a:spcBef>
-                <a:spcPct val="20000"/>
-              </a:spcBef>
-              <a:buFont typeface="Arial"/>
-              <a:buChar char="•"/>
-              <a:defRPr sz="2700" kern="1200">
-                <a:solidFill>
-                  <a:schemeClr val="tx1"/>
-                </a:solidFill>
-                <a:latin typeface="+mn-lt"/>
-                <a:ea typeface="+mn-ea"/>
-                <a:cs typeface="+mn-cs"/>
-              </a:defRPr>
-            </a:lvl7pPr>
-            <a:lvl8pPr marL="4534190" indent="-302406" algn="l" defTabSz="604554" rtl="0" eaLnBrk="1" latinLnBrk="0" hangingPunct="1">
-              <a:spcBef>
-                <a:spcPct val="20000"/>
-              </a:spcBef>
-              <a:buFont typeface="Arial"/>
-              <a:buChar char="•"/>
-              <a:defRPr sz="2700" kern="1200">
-                <a:solidFill>
-                  <a:schemeClr val="tx1"/>
-                </a:solidFill>
-                <a:latin typeface="+mn-lt"/>
-                <a:ea typeface="+mn-ea"/>
-                <a:cs typeface="+mn-cs"/>
-              </a:defRPr>
-            </a:lvl8pPr>
-            <a:lvl9pPr marL="5138709" indent="-302406" algn="l" defTabSz="604554" rtl="0" eaLnBrk="1" latinLnBrk="0" hangingPunct="1">
-              <a:spcBef>
-                <a:spcPct val="20000"/>
-              </a:spcBef>
-              <a:buFont typeface="Arial"/>
-              <a:buChar char="•"/>
-              <a:defRPr sz="2700" kern="1200">
-                <a:solidFill>
-                  <a:schemeClr val="tx1"/>
-                </a:solidFill>
-                <a:latin typeface="+mn-lt"/>
-                <a:ea typeface="+mn-ea"/>
-                <a:cs typeface="+mn-cs"/>
-              </a:defRPr>
-            </a:lvl9pPr>
-          </a:lstStyle>
-          <a:p>
-            <a:pPr marL="0" indent="0">
-              <a:buNone/>
-            </a:pPr>
-            <a:r>
-              <a:rPr lang="en-GB" sz="1800" dirty="0" smtClean="0">
-                <a:solidFill>
-                  <a:schemeClr val="accent3"/>
-                </a:solidFill>
-              </a:rPr>
-              <a:t>Memory Protection Unit for safe process/thread execution</a:t>
-            </a:r>
-            <a:endParaRPr lang="en-GB" sz="1800" dirty="0">
-              <a:solidFill>
-                <a:schemeClr val="accent3"/>
-              </a:solidFill>
-            </a:endParaRPr>
-          </a:p>
-        </p:txBody>
-      </p:sp>
-      <p:sp>
-        <p:nvSpPr>
-          <p:cNvPr id="27" name="TextBox 26"/>
-          <p:cNvSpPr txBox="1"/>
-          <p:nvPr/>
-        </p:nvSpPr>
-        <p:spPr>
-          <a:xfrm rot="16200000">
-            <a:off x="1439594" y="2842347"/>
-            <a:ext cx="1922663" cy="315473"/>
-          </a:xfrm>
-          <a:prstGeom prst="rect">
-            <a:avLst/>
-          </a:prstGeom>
-          <a:solidFill>
-            <a:schemeClr val="accent1">
-              <a:lumMod val="75000"/>
-            </a:schemeClr>
-          </a:solidFill>
-          <a:ln>
-            <a:noFill/>
-          </a:ln>
-          <a:effectLst/>
-        </p:spPr>
-        <p:style>
-          <a:lnRef idx="3">
-            <a:schemeClr val="lt1"/>
-          </a:lnRef>
-          <a:fillRef idx="1">
-            <a:schemeClr val="accent2"/>
-          </a:fillRef>
-          <a:effectRef idx="1">
-            <a:schemeClr val="accent2"/>
-          </a:effectRef>
-          <a:fontRef idx="minor">
-            <a:schemeClr val="lt1"/>
-          </a:fontRef>
-        </p:style>
-        <p:txBody>
-          <a:bodyPr wrap="square" lIns="0" tIns="34291" rIns="0" bIns="34291" rtlCol="0">
-            <a:spAutoFit/>
-          </a:bodyPr>
-          <a:lstStyle/>
-          <a:p>
-            <a:pPr algn="ctr"/>
-            <a:r>
-              <a:rPr lang="en-US" sz="1600" dirty="0">
-                <a:latin typeface="+mj-lt"/>
-              </a:rPr>
-              <a:t>Shared Interfaces</a:t>
-            </a:r>
-            <a:endParaRPr lang="en-GB" sz="1600" dirty="0">
-              <a:latin typeface="+mj-lt"/>
-            </a:endParaRPr>
-          </a:p>
-        </p:txBody>
-      </p:sp>
-      <p:sp>
-        <p:nvSpPr>
-          <p:cNvPr id="29" name="TextBox 28"/>
-          <p:cNvSpPr txBox="1"/>
-          <p:nvPr/>
-        </p:nvSpPr>
-        <p:spPr>
-          <a:xfrm>
-            <a:off x="2715331" y="3442050"/>
-            <a:ext cx="1448176" cy="530917"/>
-          </a:xfrm>
-          <a:prstGeom prst="rect">
-            <a:avLst/>
-          </a:prstGeom>
-          <a:solidFill>
-            <a:schemeClr val="accent1">
-              <a:lumMod val="75000"/>
-            </a:schemeClr>
-          </a:solidFill>
-          <a:ln>
-            <a:noFill/>
-          </a:ln>
-          <a:effectLst/>
-        </p:spPr>
-        <p:style>
-          <a:lnRef idx="3">
-            <a:schemeClr val="lt1"/>
-          </a:lnRef>
-          <a:fillRef idx="1">
-            <a:schemeClr val="accent2"/>
-          </a:fillRef>
-          <a:effectRef idx="1">
-            <a:schemeClr val="accent2"/>
-          </a:effectRef>
-          <a:fontRef idx="minor">
-            <a:schemeClr val="lt1"/>
-          </a:fontRef>
-        </p:style>
-        <p:txBody>
-          <a:bodyPr wrap="square" lIns="0" tIns="34291" rIns="0" bIns="34291" rtlCol="0">
-            <a:spAutoFit/>
-          </a:bodyPr>
-          <a:lstStyle/>
-          <a:p>
-            <a:pPr algn="ctr"/>
-            <a:r>
-              <a:rPr lang="en-GB" sz="1600" dirty="0">
-                <a:latin typeface="+mj-lt"/>
-              </a:rPr>
-              <a:t>Process C</a:t>
-            </a:r>
-            <a:br>
-              <a:rPr lang="en-GB" sz="1600" dirty="0">
-                <a:latin typeface="+mj-lt"/>
-              </a:rPr>
-            </a:br>
-            <a:r>
-              <a:rPr lang="en-GB" sz="1400" dirty="0">
-                <a:latin typeface="+mj-lt"/>
-              </a:rPr>
-              <a:t>Thread C0 … Cn</a:t>
-            </a:r>
-            <a:endParaRPr lang="en-GB" sz="1600" dirty="0">
-              <a:latin typeface="+mj-lt"/>
-            </a:endParaRPr>
-          </a:p>
-        </p:txBody>
-      </p:sp>
-      <p:sp>
-        <p:nvSpPr>
-          <p:cNvPr id="32" name="TextBox 31"/>
-          <p:cNvSpPr txBox="1"/>
-          <p:nvPr/>
-        </p:nvSpPr>
-        <p:spPr>
-          <a:xfrm>
-            <a:off x="647869" y="1567238"/>
-            <a:ext cx="1362430" cy="315473"/>
-          </a:xfrm>
-          <a:prstGeom prst="rect">
-            <a:avLst/>
-          </a:prstGeom>
-          <a:solidFill>
-            <a:schemeClr val="accent5">
-              <a:lumMod val="50000"/>
-            </a:schemeClr>
-          </a:solidFill>
-          <a:ln>
-            <a:noFill/>
-          </a:ln>
-          <a:effectLst/>
-        </p:spPr>
-        <p:style>
-          <a:lnRef idx="3">
-            <a:schemeClr val="lt1"/>
-          </a:lnRef>
-          <a:fillRef idx="1">
-            <a:schemeClr val="accent1"/>
-          </a:fillRef>
-          <a:effectRef idx="1">
-            <a:schemeClr val="accent1"/>
-          </a:effectRef>
-          <a:fontRef idx="minor">
-            <a:schemeClr val="lt1"/>
-          </a:fontRef>
-        </p:style>
-        <p:txBody>
-          <a:bodyPr wrap="square" lIns="0" tIns="34291" rIns="0" bIns="34291" rtlCol="0">
-            <a:spAutoFit/>
-          </a:bodyPr>
-          <a:lstStyle/>
-          <a:p>
-            <a:pPr algn="ctr"/>
-            <a:r>
-              <a:rPr lang="en-GB" sz="1600" dirty="0">
-                <a:latin typeface="+mj-lt"/>
-              </a:rPr>
-              <a:t>handler mode</a:t>
-            </a:r>
-          </a:p>
-        </p:txBody>
-      </p:sp>
-      <p:sp>
-        <p:nvSpPr>
-          <p:cNvPr id="37" name="TextBox 36"/>
-          <p:cNvSpPr txBox="1"/>
-          <p:nvPr/>
-        </p:nvSpPr>
-        <p:spPr>
-          <a:xfrm>
-            <a:off x="2172266" y="1567238"/>
-            <a:ext cx="2067463" cy="315473"/>
-          </a:xfrm>
-          <a:prstGeom prst="rect">
-            <a:avLst/>
-          </a:prstGeom>
-          <a:solidFill>
-            <a:srgbClr val="D55362"/>
-          </a:solidFill>
-          <a:ln>
-            <a:noFill/>
-          </a:ln>
-          <a:effectLst/>
-        </p:spPr>
-        <p:style>
-          <a:lnRef idx="3">
-            <a:schemeClr val="lt1"/>
-          </a:lnRef>
-          <a:fillRef idx="1">
-            <a:schemeClr val="accent1"/>
-          </a:fillRef>
-          <a:effectRef idx="1">
-            <a:schemeClr val="accent1"/>
-          </a:effectRef>
-          <a:fontRef idx="minor">
-            <a:schemeClr val="lt1"/>
-          </a:fontRef>
-        </p:style>
-        <p:txBody>
-          <a:bodyPr wrap="square" lIns="0" tIns="34291" rIns="0" bIns="34291" rtlCol="0">
-            <a:spAutoFit/>
-          </a:bodyPr>
-          <a:lstStyle/>
-          <a:p>
-            <a:pPr algn="ctr"/>
-            <a:r>
-              <a:rPr lang="en-GB" sz="1600" dirty="0">
-                <a:latin typeface="+mj-lt"/>
-              </a:rPr>
-              <a:t>thread mode</a:t>
-            </a:r>
-          </a:p>
-        </p:txBody>
-      </p:sp>
-      <p:sp>
-        <p:nvSpPr>
-          <p:cNvPr id="7" name="TextBox 6"/>
-          <p:cNvSpPr txBox="1"/>
-          <p:nvPr/>
-        </p:nvSpPr>
-        <p:spPr>
-          <a:xfrm>
-            <a:off x="2245077" y="4026202"/>
-            <a:ext cx="1918431" cy="242374"/>
-          </a:xfrm>
-          <a:prstGeom prst="rect">
-            <a:avLst/>
-          </a:prstGeom>
-          <a:noFill/>
-        </p:spPr>
-        <p:txBody>
-          <a:bodyPr wrap="square" lIns="68589" tIns="34295" rIns="68589" bIns="34295" rtlCol="0">
-            <a:spAutoFit/>
-          </a:bodyPr>
-          <a:lstStyle/>
-          <a:p>
-            <a:pPr algn="ctr"/>
-            <a:r>
-              <a:rPr lang="en-US" sz="1100" dirty="0"/>
-              <a:t>each box is MPU protected</a:t>
-            </a:r>
-            <a:endParaRPr lang="en-GB" sz="1100" dirty="0" err="1"/>
-          </a:p>
-        </p:txBody>
-      </p:sp>
-      <p:sp>
-        <p:nvSpPr>
-          <p:cNvPr id="41" name="TextBox 40"/>
-          <p:cNvSpPr txBox="1"/>
-          <p:nvPr/>
-        </p:nvSpPr>
-        <p:spPr>
-          <a:xfrm rot="16200000">
-            <a:off x="744089" y="2695204"/>
-            <a:ext cx="1922663" cy="609758"/>
-          </a:xfrm>
-          <a:prstGeom prst="rect">
-            <a:avLst/>
-          </a:prstGeom>
-          <a:solidFill>
-            <a:schemeClr val="accent1">
-              <a:lumMod val="75000"/>
-            </a:schemeClr>
-          </a:solidFill>
-          <a:ln>
-            <a:noFill/>
-          </a:ln>
-          <a:effectLst/>
-        </p:spPr>
-        <p:style>
-          <a:lnRef idx="3">
-            <a:schemeClr val="lt1"/>
-          </a:lnRef>
-          <a:fillRef idx="1">
-            <a:schemeClr val="accent2"/>
-          </a:fillRef>
-          <a:effectRef idx="1">
-            <a:schemeClr val="accent2"/>
-          </a:effectRef>
-          <a:fontRef idx="minor">
-            <a:schemeClr val="lt1"/>
-          </a:fontRef>
-        </p:style>
-        <p:txBody>
-          <a:bodyPr wrap="square" lIns="0" tIns="34291" rIns="0" bIns="34291" rtlCol="0" anchor="ctr" anchorCtr="0">
-            <a:noAutofit/>
-          </a:bodyPr>
-          <a:lstStyle/>
-          <a:p>
-            <a:pPr algn="ctr"/>
-            <a:r>
-              <a:rPr lang="en-US" sz="1600" dirty="0">
-                <a:latin typeface="+mj-lt"/>
-              </a:rPr>
-              <a:t>RTX RTOS Kernel</a:t>
-            </a:r>
-            <a:endParaRPr lang="en-GB" sz="1600" dirty="0">
-              <a:latin typeface="+mj-lt"/>
-            </a:endParaRPr>
-          </a:p>
-        </p:txBody>
-      </p:sp>
-      <p:sp>
-        <p:nvSpPr>
-          <p:cNvPr id="42" name="TextBox 41"/>
-          <p:cNvSpPr txBox="1"/>
-          <p:nvPr/>
-        </p:nvSpPr>
-        <p:spPr>
-          <a:xfrm rot="16200000">
-            <a:off x="5711" y="2707726"/>
-            <a:ext cx="1922663" cy="609759"/>
-          </a:xfrm>
-          <a:prstGeom prst="rect">
-            <a:avLst/>
-          </a:prstGeom>
-          <a:solidFill>
-            <a:schemeClr val="accent1">
-              <a:lumMod val="75000"/>
-            </a:schemeClr>
-          </a:solidFill>
-          <a:ln>
-            <a:noFill/>
-          </a:ln>
-          <a:effectLst/>
-        </p:spPr>
-        <p:style>
-          <a:lnRef idx="3">
-            <a:schemeClr val="lt1"/>
-          </a:lnRef>
-          <a:fillRef idx="1">
-            <a:schemeClr val="accent2"/>
-          </a:fillRef>
-          <a:effectRef idx="1">
-            <a:schemeClr val="accent2"/>
-          </a:effectRef>
-          <a:fontRef idx="minor">
-            <a:schemeClr val="lt1"/>
-          </a:fontRef>
-        </p:style>
-        <p:txBody>
-          <a:bodyPr wrap="square" lIns="0" tIns="34291" rIns="0" bIns="34291" rtlCol="0" anchor="ctr" anchorCtr="0">
-            <a:noAutofit/>
-          </a:bodyPr>
-          <a:lstStyle/>
-          <a:p>
-            <a:pPr algn="ctr"/>
-            <a:r>
-              <a:rPr lang="en-US" sz="1600" dirty="0">
-                <a:latin typeface="+mj-lt"/>
-              </a:rPr>
-              <a:t>Interrupt Handlers</a:t>
-            </a:r>
-            <a:endParaRPr lang="en-GB" sz="1600" dirty="0">
-              <a:latin typeface="+mj-lt"/>
-            </a:endParaRPr>
-          </a:p>
-        </p:txBody>
-      </p:sp>
-      <p:sp>
-        <p:nvSpPr>
-          <p:cNvPr id="43" name="TextBox 42"/>
-          <p:cNvSpPr txBox="1"/>
-          <p:nvPr/>
-        </p:nvSpPr>
-        <p:spPr>
-          <a:xfrm>
-            <a:off x="4687522" y="1567238"/>
-            <a:ext cx="1918431" cy="315473"/>
-          </a:xfrm>
-          <a:prstGeom prst="rect">
-            <a:avLst/>
-          </a:prstGeom>
-          <a:solidFill>
-            <a:schemeClr val="accent2">
-              <a:lumMod val="75000"/>
-            </a:schemeClr>
-          </a:solidFill>
-          <a:ln>
-            <a:noFill/>
-          </a:ln>
-          <a:effectLst/>
-        </p:spPr>
-        <p:style>
-          <a:lnRef idx="3">
-            <a:schemeClr val="lt1"/>
-          </a:lnRef>
-          <a:fillRef idx="1">
-            <a:schemeClr val="accent1"/>
-          </a:fillRef>
-          <a:effectRef idx="1">
-            <a:schemeClr val="accent1"/>
-          </a:effectRef>
-          <a:fontRef idx="minor">
-            <a:schemeClr val="lt1"/>
-          </a:fontRef>
-        </p:style>
-        <p:txBody>
-          <a:bodyPr wrap="square" lIns="0" tIns="34291" rIns="0" bIns="34291" rtlCol="0">
-            <a:spAutoFit/>
-          </a:bodyPr>
-          <a:lstStyle/>
-          <a:p>
-            <a:pPr algn="ctr"/>
-            <a:r>
-              <a:rPr lang="en-GB" sz="1600" dirty="0">
-                <a:latin typeface="+mj-lt"/>
-              </a:rPr>
-              <a:t>thread mode</a:t>
-            </a:r>
-          </a:p>
-        </p:txBody>
-      </p:sp>
-      <p:sp>
-        <p:nvSpPr>
-          <p:cNvPr id="44" name="TextBox 43"/>
-          <p:cNvSpPr txBox="1"/>
-          <p:nvPr/>
-        </p:nvSpPr>
-        <p:spPr>
-          <a:xfrm>
-            <a:off x="6823898" y="1570879"/>
-            <a:ext cx="1362430" cy="315473"/>
-          </a:xfrm>
-          <a:prstGeom prst="rect">
-            <a:avLst/>
-          </a:prstGeom>
-          <a:solidFill>
-            <a:schemeClr val="accent2">
-              <a:lumMod val="50000"/>
-            </a:schemeClr>
-          </a:solidFill>
-          <a:ln>
-            <a:noFill/>
-          </a:ln>
-          <a:effectLst/>
-        </p:spPr>
-        <p:style>
-          <a:lnRef idx="3">
-            <a:schemeClr val="lt1"/>
-          </a:lnRef>
-          <a:fillRef idx="1">
-            <a:schemeClr val="accent1"/>
-          </a:fillRef>
-          <a:effectRef idx="1">
-            <a:schemeClr val="accent1"/>
-          </a:effectRef>
-          <a:fontRef idx="minor">
-            <a:schemeClr val="lt1"/>
-          </a:fontRef>
-        </p:style>
-        <p:txBody>
-          <a:bodyPr wrap="square" lIns="0" tIns="34291" rIns="0" bIns="34291" rtlCol="0">
-            <a:spAutoFit/>
-          </a:bodyPr>
-          <a:lstStyle/>
-          <a:p>
-            <a:pPr algn="ctr"/>
-            <a:r>
-              <a:rPr lang="en-GB" sz="1600" dirty="0">
-                <a:latin typeface="+mj-lt"/>
-              </a:rPr>
-              <a:t>handler mode</a:t>
-            </a:r>
-          </a:p>
-        </p:txBody>
-      </p:sp>
-      <p:sp>
-        <p:nvSpPr>
-          <p:cNvPr id="45" name="Rectangle 44"/>
-          <p:cNvSpPr/>
-          <p:nvPr/>
-        </p:nvSpPr>
-        <p:spPr>
-          <a:xfrm>
-            <a:off x="4687522" y="1872968"/>
-            <a:ext cx="1918431" cy="2389721"/>
-          </a:xfrm>
-          <a:prstGeom prst="rect">
-            <a:avLst/>
-          </a:prstGeom>
-          <a:solidFill>
-            <a:schemeClr val="accent2">
-              <a:lumMod val="20000"/>
-              <a:lumOff val="80000"/>
-            </a:schemeClr>
-          </a:solidFill>
-          <a:ln w="6350" cmpd="sng">
-            <a:noFill/>
-          </a:ln>
-          <a:effectLst/>
-        </p:spPr>
-        <p:style>
-          <a:lnRef idx="1">
-            <a:schemeClr val="accent1"/>
-          </a:lnRef>
-          <a:fillRef idx="3">
-            <a:schemeClr val="accent1"/>
-          </a:fillRef>
-          <a:effectRef idx="2">
-            <a:schemeClr val="accent1"/>
-          </a:effectRef>
-          <a:fontRef idx="minor">
-            <a:schemeClr val="lt1"/>
-          </a:fontRef>
-        </p:style>
-        <p:txBody>
-          <a:bodyPr lIns="68589" tIns="34295" rIns="68589" bIns="34295" rtlCol="0" anchor="t"/>
-          <a:lstStyle/>
-          <a:p>
-            <a:pPr algn="ctr"/>
-            <a:endParaRPr lang="en-GB" sz="1100" dirty="0" err="1">
-              <a:solidFill>
-                <a:schemeClr val="tx1"/>
-              </a:solidFill>
-            </a:endParaRPr>
-          </a:p>
-        </p:txBody>
-      </p:sp>
-      <p:sp>
-        <p:nvSpPr>
-          <p:cNvPr id="46" name="TextBox 45"/>
-          <p:cNvSpPr txBox="1"/>
-          <p:nvPr/>
-        </p:nvSpPr>
-        <p:spPr>
-          <a:xfrm>
-            <a:off x="4687522" y="3981574"/>
-            <a:ext cx="1918431" cy="242374"/>
-          </a:xfrm>
-          <a:prstGeom prst="rect">
-            <a:avLst/>
-          </a:prstGeom>
-          <a:noFill/>
-        </p:spPr>
-        <p:txBody>
-          <a:bodyPr wrap="square" lIns="68589" tIns="34295" rIns="68589" bIns="34295" rtlCol="0">
-            <a:spAutoFit/>
-          </a:bodyPr>
-          <a:lstStyle/>
-          <a:p>
-            <a:pPr algn="ctr"/>
-            <a:r>
-              <a:rPr lang="en-US" sz="1100" dirty="0"/>
-              <a:t>each box is MPU protected</a:t>
-            </a:r>
-            <a:endParaRPr lang="en-GB" sz="1100" dirty="0" err="1"/>
-          </a:p>
-        </p:txBody>
-      </p:sp>
-      <p:sp>
-        <p:nvSpPr>
-          <p:cNvPr id="47" name="TextBox 46"/>
-          <p:cNvSpPr txBox="1"/>
-          <p:nvPr/>
-        </p:nvSpPr>
-        <p:spPr>
-          <a:xfrm rot="16200000">
-            <a:off x="7096506" y="2871592"/>
-            <a:ext cx="1891599" cy="288046"/>
-          </a:xfrm>
-          <a:prstGeom prst="rect">
-            <a:avLst/>
-          </a:prstGeom>
-          <a:solidFill>
-            <a:schemeClr val="accent1">
-              <a:lumMod val="75000"/>
-            </a:schemeClr>
-          </a:solidFill>
-          <a:ln>
-            <a:noFill/>
-          </a:ln>
-          <a:effectLst/>
-        </p:spPr>
-        <p:style>
-          <a:lnRef idx="3">
-            <a:schemeClr val="lt1"/>
-          </a:lnRef>
-          <a:fillRef idx="1">
-            <a:schemeClr val="accent2"/>
-          </a:fillRef>
-          <a:effectRef idx="1">
-            <a:schemeClr val="accent2"/>
-          </a:effectRef>
-          <a:fontRef idx="minor">
-            <a:schemeClr val="lt1"/>
-          </a:fontRef>
-        </p:style>
-        <p:txBody>
-          <a:bodyPr wrap="square" lIns="0" tIns="34291" rIns="0" bIns="34291" rtlCol="0" anchor="ctr" anchorCtr="0">
-            <a:noAutofit/>
-          </a:bodyPr>
-          <a:lstStyle/>
-          <a:p>
-            <a:pPr algn="ctr"/>
-            <a:r>
-              <a:rPr lang="en-US" sz="1600" dirty="0">
-                <a:latin typeface="+mj-lt"/>
-              </a:rPr>
-              <a:t>System Start</a:t>
-            </a:r>
-            <a:endParaRPr lang="en-GB" sz="1600" dirty="0">
-              <a:latin typeface="+mj-lt"/>
-            </a:endParaRPr>
-          </a:p>
-        </p:txBody>
-      </p:sp>
-      <p:sp>
-        <p:nvSpPr>
-          <p:cNvPr id="50" name="TextBox 49"/>
-          <p:cNvSpPr txBox="1"/>
-          <p:nvPr/>
-        </p:nvSpPr>
-        <p:spPr>
-          <a:xfrm>
-            <a:off x="4859015" y="3427509"/>
-            <a:ext cx="1577910" cy="533906"/>
-          </a:xfrm>
-          <a:prstGeom prst="rect">
-            <a:avLst/>
-          </a:prstGeom>
-          <a:solidFill>
-            <a:schemeClr val="accent1">
-              <a:lumMod val="75000"/>
-            </a:schemeClr>
-          </a:solidFill>
-          <a:ln>
-            <a:noFill/>
-          </a:ln>
-          <a:effectLst/>
-        </p:spPr>
-        <p:style>
-          <a:lnRef idx="3">
-            <a:schemeClr val="lt1"/>
-          </a:lnRef>
-          <a:fillRef idx="1">
-            <a:schemeClr val="accent2"/>
-          </a:fillRef>
-          <a:effectRef idx="1">
-            <a:schemeClr val="accent2"/>
-          </a:effectRef>
-          <a:fontRef idx="minor">
-            <a:schemeClr val="lt1"/>
-          </a:fontRef>
-        </p:style>
-        <p:txBody>
-          <a:bodyPr wrap="square" lIns="0" tIns="34291" rIns="0" bIns="34291" rtlCol="0" anchor="ctr" anchorCtr="0">
-            <a:noAutofit/>
-          </a:bodyPr>
-          <a:lstStyle/>
-          <a:p>
-            <a:pPr algn="ctr"/>
-            <a:r>
-              <a:rPr lang="en-GB" sz="1600" dirty="0">
-                <a:latin typeface="+mj-lt"/>
-              </a:rPr>
-              <a:t>Secure Storage</a:t>
-            </a:r>
-          </a:p>
-        </p:txBody>
-      </p:sp>
-      <p:sp>
-        <p:nvSpPr>
-          <p:cNvPr id="51" name="TextBox 50"/>
-          <p:cNvSpPr txBox="1"/>
-          <p:nvPr/>
-        </p:nvSpPr>
-        <p:spPr>
-          <a:xfrm>
-            <a:off x="4859015" y="2069817"/>
-            <a:ext cx="1577910" cy="533906"/>
-          </a:xfrm>
-          <a:prstGeom prst="rect">
-            <a:avLst/>
-          </a:prstGeom>
-          <a:solidFill>
-            <a:schemeClr val="accent1">
-              <a:lumMod val="75000"/>
-            </a:schemeClr>
-          </a:solidFill>
-          <a:ln>
-            <a:noFill/>
-          </a:ln>
-          <a:effectLst/>
-        </p:spPr>
-        <p:style>
-          <a:lnRef idx="3">
-            <a:schemeClr val="lt1"/>
-          </a:lnRef>
-          <a:fillRef idx="1">
-            <a:schemeClr val="accent2"/>
-          </a:fillRef>
-          <a:effectRef idx="1">
-            <a:schemeClr val="accent2"/>
-          </a:effectRef>
-          <a:fontRef idx="minor">
-            <a:schemeClr val="lt1"/>
-          </a:fontRef>
-        </p:style>
-        <p:txBody>
-          <a:bodyPr wrap="square" lIns="0" tIns="34291" rIns="0" bIns="34291" rtlCol="0" anchor="ctr" anchorCtr="0">
-            <a:noAutofit/>
-          </a:bodyPr>
-          <a:lstStyle/>
-          <a:p>
-            <a:pPr algn="ctr"/>
-            <a:r>
-              <a:rPr lang="en-GB" sz="1600" dirty="0">
-                <a:latin typeface="+mj-lt"/>
-              </a:rPr>
-              <a:t>Crypto Functions</a:t>
-            </a:r>
-          </a:p>
-        </p:txBody>
-      </p:sp>
-      <p:sp>
-        <p:nvSpPr>
-          <p:cNvPr id="54" name="TextBox 53"/>
-          <p:cNvSpPr txBox="1"/>
-          <p:nvPr/>
-        </p:nvSpPr>
-        <p:spPr>
-          <a:xfrm rot="16200000">
-            <a:off x="6663561" y="2866273"/>
-            <a:ext cx="1891599" cy="298684"/>
-          </a:xfrm>
-          <a:prstGeom prst="rect">
-            <a:avLst/>
-          </a:prstGeom>
-          <a:solidFill>
-            <a:schemeClr val="accent1">
-              <a:lumMod val="75000"/>
-            </a:schemeClr>
-          </a:solidFill>
-          <a:ln>
-            <a:noFill/>
-          </a:ln>
-          <a:effectLst/>
-        </p:spPr>
-        <p:style>
-          <a:lnRef idx="3">
-            <a:schemeClr val="lt1"/>
-          </a:lnRef>
-          <a:fillRef idx="1">
-            <a:schemeClr val="accent2"/>
-          </a:fillRef>
-          <a:effectRef idx="1">
-            <a:schemeClr val="accent2"/>
-          </a:effectRef>
-          <a:fontRef idx="minor">
-            <a:schemeClr val="lt1"/>
-          </a:fontRef>
-        </p:style>
-        <p:txBody>
-          <a:bodyPr wrap="square" lIns="0" tIns="34291" rIns="0" bIns="34291" rtlCol="0" anchor="ctr" anchorCtr="0">
-            <a:noAutofit/>
-          </a:bodyPr>
-          <a:lstStyle/>
-          <a:p>
-            <a:pPr algn="ctr"/>
-            <a:r>
-              <a:rPr lang="en-US" sz="1600" dirty="0">
-                <a:latin typeface="+mj-lt"/>
-              </a:rPr>
-              <a:t>Interrupt Handlers</a:t>
-            </a:r>
-            <a:endParaRPr lang="en-GB" sz="1600" dirty="0">
-              <a:latin typeface="+mj-lt"/>
-            </a:endParaRPr>
-          </a:p>
-        </p:txBody>
-      </p:sp>
-      <p:sp>
-        <p:nvSpPr>
-          <p:cNvPr id="55" name="TextBox 54"/>
-          <p:cNvSpPr txBox="1"/>
-          <p:nvPr/>
-        </p:nvSpPr>
-        <p:spPr>
-          <a:xfrm rot="16200000">
-            <a:off x="6119939" y="2773777"/>
-            <a:ext cx="1891599" cy="483679"/>
-          </a:xfrm>
-          <a:prstGeom prst="rect">
-            <a:avLst/>
-          </a:prstGeom>
-          <a:solidFill>
-            <a:schemeClr val="accent1">
-              <a:lumMod val="75000"/>
-            </a:schemeClr>
-          </a:solidFill>
-          <a:ln>
-            <a:noFill/>
-          </a:ln>
-          <a:effectLst/>
-        </p:spPr>
-        <p:style>
-          <a:lnRef idx="3">
-            <a:schemeClr val="lt1"/>
-          </a:lnRef>
-          <a:fillRef idx="1">
-            <a:schemeClr val="accent2"/>
-          </a:fillRef>
-          <a:effectRef idx="1">
-            <a:schemeClr val="accent2"/>
-          </a:effectRef>
-          <a:fontRef idx="minor">
-            <a:schemeClr val="lt1"/>
-          </a:fontRef>
-        </p:style>
-        <p:txBody>
-          <a:bodyPr wrap="square" lIns="0" tIns="34291" rIns="0" bIns="34291" rtlCol="0" anchor="ctr" anchorCtr="0">
-            <a:noAutofit/>
-          </a:bodyPr>
-          <a:lstStyle/>
-          <a:p>
-            <a:pPr algn="ctr"/>
-            <a:r>
-              <a:rPr lang="en-US" sz="1400" dirty="0">
-                <a:latin typeface="+mj-lt"/>
-              </a:rPr>
-              <a:t>TrustZone RTOS</a:t>
-            </a:r>
-            <a:br>
-              <a:rPr lang="en-US" sz="1400" dirty="0">
-                <a:latin typeface="+mj-lt"/>
-              </a:rPr>
-            </a:br>
-            <a:r>
-              <a:rPr lang="en-US" sz="1400" dirty="0">
-                <a:latin typeface="+mj-lt"/>
-              </a:rPr>
-              <a:t> Context Management</a:t>
-            </a:r>
-            <a:endParaRPr lang="en-GB" dirty="0">
-              <a:latin typeface="+mj-lt"/>
-            </a:endParaRPr>
-          </a:p>
-        </p:txBody>
-      </p:sp>
-      <p:cxnSp>
-        <p:nvCxnSpPr>
-          <p:cNvPr id="56" name="Straight Arrow Connector 55"/>
-          <p:cNvCxnSpPr/>
-          <p:nvPr/>
-        </p:nvCxnSpPr>
-        <p:spPr>
-          <a:xfrm>
-            <a:off x="4166975" y="2253072"/>
-            <a:ext cx="692040" cy="0"/>
-          </a:xfrm>
-          <a:prstGeom prst="straightConnector1">
-            <a:avLst/>
-          </a:prstGeom>
-          <a:ln w="31750">
-            <a:solidFill>
-              <a:schemeClr val="tx1"/>
-            </a:solidFill>
-            <a:tailEnd type="triangle" w="lg" len="med"/>
-          </a:ln>
-          <a:effectLst/>
-        </p:spPr>
-        <p:style>
-          <a:lnRef idx="2">
-            <a:schemeClr val="accent1"/>
-          </a:lnRef>
-          <a:fillRef idx="0">
-            <a:schemeClr val="accent1"/>
-          </a:fillRef>
-          <a:effectRef idx="1">
-            <a:schemeClr val="accent1"/>
-          </a:effectRef>
-          <a:fontRef idx="minor">
-            <a:schemeClr val="tx1"/>
-          </a:fontRef>
-        </p:style>
-      </p:cxnSp>
-      <p:cxnSp>
-        <p:nvCxnSpPr>
-          <p:cNvPr id="57" name="Straight Arrow Connector 56"/>
-          <p:cNvCxnSpPr/>
-          <p:nvPr/>
-        </p:nvCxnSpPr>
-        <p:spPr>
-          <a:xfrm flipH="1">
-            <a:off x="4166975" y="2416303"/>
-            <a:ext cx="692040" cy="0"/>
-          </a:xfrm>
-          <a:prstGeom prst="straightConnector1">
-            <a:avLst/>
-          </a:prstGeom>
-          <a:ln w="31750">
-            <a:solidFill>
-              <a:schemeClr val="tx1"/>
-            </a:solidFill>
-            <a:tailEnd type="triangle" w="lg" len="med"/>
-          </a:ln>
-          <a:effectLst/>
-        </p:spPr>
-        <p:style>
-          <a:lnRef idx="2">
-            <a:schemeClr val="accent1"/>
-          </a:lnRef>
-          <a:fillRef idx="0">
-            <a:schemeClr val="accent1"/>
-          </a:fillRef>
-          <a:effectRef idx="1">
-            <a:schemeClr val="accent1"/>
-          </a:effectRef>
-          <a:fontRef idx="minor">
-            <a:schemeClr val="tx1"/>
-          </a:fontRef>
-        </p:style>
-      </p:cxnSp>
-      <p:cxnSp>
-        <p:nvCxnSpPr>
-          <p:cNvPr id="59" name="Straight Arrow Connector 58"/>
-          <p:cNvCxnSpPr/>
-          <p:nvPr/>
-        </p:nvCxnSpPr>
-        <p:spPr>
-          <a:xfrm>
-            <a:off x="4163507" y="3615147"/>
-            <a:ext cx="692040" cy="0"/>
-          </a:xfrm>
-          <a:prstGeom prst="straightConnector1">
-            <a:avLst/>
-          </a:prstGeom>
-          <a:ln w="31750">
-            <a:solidFill>
-              <a:schemeClr val="tx1"/>
-            </a:solidFill>
-            <a:tailEnd type="triangle" w="lg" len="med"/>
-          </a:ln>
-          <a:effectLst/>
-        </p:spPr>
-        <p:style>
-          <a:lnRef idx="2">
-            <a:schemeClr val="accent1"/>
-          </a:lnRef>
-          <a:fillRef idx="0">
-            <a:schemeClr val="accent1"/>
-          </a:fillRef>
-          <a:effectRef idx="1">
-            <a:schemeClr val="accent1"/>
-          </a:effectRef>
-          <a:fontRef idx="minor">
-            <a:schemeClr val="tx1"/>
-          </a:fontRef>
-        </p:style>
-      </p:cxnSp>
-      <p:cxnSp>
-        <p:nvCxnSpPr>
-          <p:cNvPr id="60" name="Straight Arrow Connector 59"/>
-          <p:cNvCxnSpPr/>
-          <p:nvPr/>
-        </p:nvCxnSpPr>
-        <p:spPr>
-          <a:xfrm flipH="1">
-            <a:off x="4163507" y="3778378"/>
-            <a:ext cx="692040" cy="0"/>
-          </a:xfrm>
-          <a:prstGeom prst="straightConnector1">
-            <a:avLst/>
-          </a:prstGeom>
-          <a:ln w="31750">
-            <a:solidFill>
-              <a:schemeClr val="tx1"/>
-            </a:solidFill>
-            <a:tailEnd type="triangle" w="lg" len="med"/>
-          </a:ln>
-          <a:effectLst/>
-        </p:spPr>
-        <p:style>
-          <a:lnRef idx="2">
-            <a:schemeClr val="accent1"/>
-          </a:lnRef>
-          <a:fillRef idx="0">
-            <a:schemeClr val="accent1"/>
-          </a:fillRef>
-          <a:effectRef idx="1">
-            <a:schemeClr val="accent1"/>
-          </a:effectRef>
-          <a:fontRef idx="minor">
-            <a:schemeClr val="tx1"/>
-          </a:fontRef>
-        </p:style>
-      </p:cxnSp>
-      <p:cxnSp>
-        <p:nvCxnSpPr>
-          <p:cNvPr id="61" name="Straight Arrow Connector 60"/>
-          <p:cNvCxnSpPr/>
-          <p:nvPr/>
-        </p:nvCxnSpPr>
-        <p:spPr>
-          <a:xfrm>
-            <a:off x="6823898" y="4074185"/>
-            <a:ext cx="1362430" cy="0"/>
-          </a:xfrm>
-          <a:prstGeom prst="straightConnector1">
-            <a:avLst/>
-          </a:prstGeom>
-          <a:ln w="31750">
-            <a:solidFill>
-              <a:srgbClr val="FF0000"/>
-            </a:solidFill>
-            <a:tailEnd type="triangle" w="lg" len="med"/>
-          </a:ln>
-          <a:effectLst/>
-        </p:spPr>
-        <p:style>
-          <a:lnRef idx="2">
-            <a:schemeClr val="accent1"/>
-          </a:lnRef>
-          <a:fillRef idx="0">
-            <a:schemeClr val="accent1"/>
-          </a:fillRef>
-          <a:effectRef idx="1">
-            <a:schemeClr val="accent1"/>
-          </a:effectRef>
-          <a:fontRef idx="minor">
-            <a:schemeClr val="tx1"/>
-          </a:fontRef>
-        </p:style>
-      </p:cxnSp>
-      <p:cxnSp>
-        <p:nvCxnSpPr>
-          <p:cNvPr id="63" name="Straight Arrow Connector 62"/>
-          <p:cNvCxnSpPr/>
-          <p:nvPr/>
-        </p:nvCxnSpPr>
-        <p:spPr>
-          <a:xfrm flipH="1">
-            <a:off x="647869" y="4102760"/>
-            <a:ext cx="1362431" cy="0"/>
-          </a:xfrm>
-          <a:prstGeom prst="straightConnector1">
-            <a:avLst/>
-          </a:prstGeom>
-          <a:ln w="31750">
-            <a:solidFill>
-              <a:schemeClr val="accent1">
-                <a:lumMod val="75000"/>
-              </a:schemeClr>
-            </a:solidFill>
-            <a:tailEnd type="triangle" w="lg" len="med"/>
-          </a:ln>
-          <a:effectLst/>
-        </p:spPr>
-        <p:style>
-          <a:lnRef idx="2">
-            <a:schemeClr val="accent1"/>
-          </a:lnRef>
-          <a:fillRef idx="0">
-            <a:schemeClr val="accent1"/>
-          </a:fillRef>
-          <a:effectRef idx="1">
-            <a:schemeClr val="accent1"/>
-          </a:effectRef>
-          <a:fontRef idx="minor">
-            <a:schemeClr val="tx1"/>
-          </a:fontRef>
-        </p:style>
-      </p:cxnSp>
-      <p:sp>
-        <p:nvSpPr>
-          <p:cNvPr id="64" name="TextBox 63"/>
-          <p:cNvSpPr txBox="1"/>
-          <p:nvPr/>
-        </p:nvSpPr>
-        <p:spPr>
-          <a:xfrm>
-            <a:off x="662162" y="4076546"/>
-            <a:ext cx="1348138" cy="242374"/>
-          </a:xfrm>
-          <a:prstGeom prst="rect">
-            <a:avLst/>
-          </a:prstGeom>
-          <a:noFill/>
-        </p:spPr>
-        <p:txBody>
-          <a:bodyPr wrap="square" lIns="68589" tIns="34295" rIns="68589" bIns="34295" rtlCol="0">
-            <a:spAutoFit/>
-          </a:bodyPr>
-          <a:lstStyle/>
-          <a:p>
-            <a:pPr algn="ctr"/>
-            <a:r>
-              <a:rPr lang="en-US" sz="1100" dirty="0"/>
-              <a:t>Priority</a:t>
-            </a:r>
-            <a:endParaRPr lang="en-GB" sz="1100" dirty="0" err="1"/>
-          </a:p>
-        </p:txBody>
-      </p:sp>
-      <p:sp>
-        <p:nvSpPr>
-          <p:cNvPr id="65" name="TextBox 64"/>
-          <p:cNvSpPr txBox="1"/>
-          <p:nvPr/>
-        </p:nvSpPr>
-        <p:spPr>
-          <a:xfrm>
-            <a:off x="6823899" y="4069658"/>
-            <a:ext cx="1348138" cy="242374"/>
-          </a:xfrm>
-          <a:prstGeom prst="rect">
-            <a:avLst/>
-          </a:prstGeom>
-          <a:noFill/>
-        </p:spPr>
-        <p:txBody>
-          <a:bodyPr wrap="square" lIns="68589" tIns="34295" rIns="68589" bIns="34295" rtlCol="0">
-            <a:spAutoFit/>
-          </a:bodyPr>
-          <a:lstStyle/>
-          <a:p>
-            <a:pPr algn="ctr"/>
-            <a:r>
-              <a:rPr lang="en-US" sz="1100" dirty="0"/>
-              <a:t>Priority</a:t>
-            </a:r>
-            <a:endParaRPr lang="en-GB" sz="1100" dirty="0" err="1"/>
-          </a:p>
-        </p:txBody>
-      </p:sp>
-      <p:sp>
-        <p:nvSpPr>
-          <p:cNvPr id="18" name="Left-Right Arrow 17"/>
-          <p:cNvSpPr/>
-          <p:nvPr/>
-        </p:nvSpPr>
-        <p:spPr>
-          <a:xfrm>
-            <a:off x="2556775" y="2229974"/>
-            <a:ext cx="158558" cy="106796"/>
-          </a:xfrm>
-          <a:prstGeom prst="leftRightArrow">
-            <a:avLst/>
-          </a:prstGeom>
-          <a:solidFill>
-            <a:schemeClr val="accent1">
-              <a:lumMod val="75000"/>
-            </a:schemeClr>
+            <a:schemeClr val="accent1"/>
           </a:solidFill>
           <a:ln w="6350" cmpd="sng">
             <a:solidFill>
@@ -19285,11 +17337,11 @@
           </a:fontRef>
         </p:style>
         <p:txBody>
-          <a:bodyPr lIns="68589" tIns="34295" rIns="68589" bIns="34295" rtlCol="0" anchor="t"/>
+          <a:bodyPr rtlCol="0" anchor="t"/>
           <a:lstStyle/>
           <a:p>
             <a:pPr algn="ctr"/>
-            <a:endParaRPr lang="en-GB" sz="1100" dirty="0" err="1">
+            <a:endParaRPr lang="en-GB" sz="1400" dirty="0" err="1">
               <a:solidFill>
                 <a:schemeClr val="tx1"/>
               </a:solidFill>
@@ -19299,127 +17351,629 @@
       </p:sp>
       <p:sp>
         <p:nvSpPr>
-          <p:cNvPr id="67" name="Left-Right Arrow 66"/>
+          <p:cNvPr id="53" name="Chevron 4"/>
           <p:cNvSpPr/>
           <p:nvPr/>
         </p:nvSpPr>
         <p:spPr>
           <a:xfrm>
-            <a:off x="2556775" y="2946684"/>
-            <a:ext cx="158558" cy="106796"/>
-          </a:xfrm>
-          <a:prstGeom prst="leftRightArrow">
+            <a:off x="664290" y="1526527"/>
+            <a:ext cx="1214273" cy="249813"/>
+          </a:xfrm>
+          <a:prstGeom prst="rect">
             <a:avLst/>
           </a:prstGeom>
-          <a:solidFill>
-            <a:schemeClr val="accent1">
-              <a:lumMod val="75000"/>
-            </a:schemeClr>
-          </a:solidFill>
-          <a:ln w="6350" cmpd="sng">
-            <a:solidFill>
-              <a:schemeClr val="accent1"/>
-            </a:solidFill>
-          </a:ln>
-          <a:effectLst/>
         </p:spPr>
         <p:style>
-          <a:lnRef idx="1">
-            <a:schemeClr val="accent1"/>
+          <a:lnRef idx="0">
+            <a:scrgbClr r="0" g="0" b="0"/>
           </a:lnRef>
-          <a:fillRef idx="3">
-            <a:schemeClr val="accent1"/>
+          <a:fillRef idx="0">
+            <a:scrgbClr r="0" g="0" b="0"/>
           </a:fillRef>
-          <a:effectRef idx="2">
-            <a:schemeClr val="accent1"/>
+          <a:effectRef idx="0">
+            <a:scrgbClr r="0" g="0" b="0"/>
           </a:effectRef>
           <a:fontRef idx="minor">
             <a:schemeClr val="lt1"/>
           </a:fontRef>
         </p:style>
         <p:txBody>
-          <a:bodyPr lIns="68589" tIns="34295" rIns="68589" bIns="34295" rtlCol="0" anchor="t"/>
+          <a:bodyPr spcFirstLastPara="0" vert="horz" wrap="square" lIns="6985" tIns="6985" rIns="6985" bIns="6985" numCol="1" spcCol="1270" anchor="ctr" anchorCtr="0">
+            <a:noAutofit/>
+          </a:bodyPr>
           <a:lstStyle/>
           <a:p>
-            <a:pPr algn="ctr"/>
-            <a:endParaRPr lang="en-GB" sz="1100" dirty="0" err="1">
-              <a:solidFill>
-                <a:schemeClr val="tx1"/>
-              </a:solidFill>
-            </a:endParaRPr>
-          </a:p>
-        </p:txBody>
-      </p:sp>
-      <p:sp>
-        <p:nvSpPr>
-          <p:cNvPr id="68" name="Left-Right Arrow 67"/>
+            <a:pPr lvl="0" algn="ctr" defTabSz="488950">
+              <a:lnSpc>
+                <a:spcPct val="90000"/>
+              </a:lnSpc>
+              <a:spcBef>
+                <a:spcPct val="0"/>
+              </a:spcBef>
+              <a:spcAft>
+                <a:spcPct val="35000"/>
+              </a:spcAft>
+            </a:pPr>
+            <a:r>
+              <a:rPr lang="en-GB" sz="1400" kern="1200" dirty="0"/>
+              <a:t>System</a:t>
+            </a:r>
+            <a:br>
+              <a:rPr lang="en-GB" kern="1200" dirty="0"/>
+            </a:br>
+            <a:r>
+              <a:rPr lang="en-GB" sz="1400" kern="1200" dirty="0"/>
+              <a:t>Resources</a:t>
+            </a:r>
+          </a:p>
+        </p:txBody>
+      </p:sp>
+      <p:sp>
+        <p:nvSpPr>
+          <p:cNvPr id="97" name="Round Same Side Corner Rectangle 4"/>
           <p:cNvSpPr/>
           <p:nvPr/>
         </p:nvSpPr>
         <p:spPr>
           <a:xfrm>
-            <a:off x="2556775" y="3644345"/>
-            <a:ext cx="158558" cy="106796"/>
-          </a:xfrm>
-          <a:prstGeom prst="leftRightArrow">
+            <a:off x="1716902" y="4555839"/>
+            <a:ext cx="3822443" cy="286792"/>
+          </a:xfrm>
+          <a:prstGeom prst="rect">
             <a:avLst/>
           </a:prstGeom>
-          <a:solidFill>
-            <a:schemeClr val="accent1">
-              <a:lumMod val="75000"/>
+        </p:spPr>
+        <p:style>
+          <a:lnRef idx="0">
+            <a:scrgbClr r="0" g="0" b="0"/>
+          </a:lnRef>
+          <a:fillRef idx="0">
+            <a:scrgbClr r="0" g="0" b="0"/>
+          </a:fillRef>
+          <a:effectRef idx="0">
+            <a:scrgbClr r="0" g="0" b="0"/>
+          </a:effectRef>
+          <a:fontRef idx="minor">
+            <a:schemeClr val="dk1">
+              <a:hueOff val="0"/>
+              <a:satOff val="0"/>
+              <a:lumOff val="0"/>
+              <a:alphaOff val="0"/>
             </a:schemeClr>
-          </a:solidFill>
-          <a:ln w="6350" cmpd="sng">
+          </a:fontRef>
+        </p:style>
+        <p:txBody>
+          <a:bodyPr spcFirstLastPara="0" vert="horz" wrap="square" lIns="170688" tIns="15240" rIns="15240" bIns="15240" numCol="1" spcCol="1270" anchor="ctr" anchorCtr="0">
+            <a:noAutofit/>
+          </a:bodyPr>
+          <a:lstStyle/>
+          <a:p>
+            <a:pPr marL="0" lvl="1" defTabSz="1066800">
+              <a:lnSpc>
+                <a:spcPct val="90000"/>
+              </a:lnSpc>
+              <a:spcBef>
+                <a:spcPct val="0"/>
+              </a:spcBef>
+              <a:spcAft>
+                <a:spcPct val="15000"/>
+              </a:spcAft>
+            </a:pPr>
+            <a:r>
+              <a:rPr lang="en-GB" sz="1600" b="1" kern="1200" dirty="0"/>
+              <a:t>CMSIS-Zone development </a:t>
+            </a:r>
+            <a:r>
+              <a:rPr lang="en-GB" sz="1600" b="1" dirty="0"/>
+              <a:t>workflow</a:t>
+            </a:r>
+            <a:endParaRPr lang="en-GB" sz="1600" b="1" kern="1200" dirty="0"/>
+          </a:p>
+        </p:txBody>
+      </p:sp>
+      <p:grpSp>
+        <p:nvGrpSpPr>
+          <p:cNvPr id="5" name="Group 4"/>
+          <p:cNvGrpSpPr/>
+          <p:nvPr/>
+        </p:nvGrpSpPr>
+        <p:grpSpPr>
+          <a:xfrm>
+            <a:off x="657023" y="2062142"/>
+            <a:ext cx="1502028" cy="484632"/>
+            <a:chOff x="1962739" y="1404579"/>
+            <a:chExt cx="1502028" cy="484632"/>
+          </a:xfrm>
+        </p:grpSpPr>
+        <p:sp>
+          <p:nvSpPr>
+            <p:cNvPr id="4" name="Chevron 3"/>
+            <p:cNvSpPr/>
+            <p:nvPr/>
+          </p:nvSpPr>
+          <p:spPr>
+            <a:xfrm>
+              <a:off x="1962739" y="1404579"/>
+              <a:ext cx="1502028" cy="484632"/>
+            </a:xfrm>
+            <a:prstGeom prst="chevron">
+              <a:avLst/>
+            </a:prstGeom>
             <a:solidFill>
               <a:schemeClr val="accent1"/>
             </a:solidFill>
-          </a:ln>
-          <a:effectLst/>
+            <a:ln w="6350" cmpd="sng">
+              <a:solidFill>
+                <a:schemeClr val="accent1"/>
+              </a:solidFill>
+            </a:ln>
+            <a:effectLst/>
+          </p:spPr>
+          <p:style>
+            <a:lnRef idx="1">
+              <a:schemeClr val="accent1"/>
+            </a:lnRef>
+            <a:fillRef idx="3">
+              <a:schemeClr val="accent1"/>
+            </a:fillRef>
+            <a:effectRef idx="2">
+              <a:schemeClr val="accent1"/>
+            </a:effectRef>
+            <a:fontRef idx="minor">
+              <a:schemeClr val="lt1"/>
+            </a:fontRef>
+          </p:style>
+          <p:txBody>
+            <a:bodyPr rtlCol="0" anchor="t"/>
+            <a:lstStyle/>
+            <a:p>
+              <a:pPr algn="ctr"/>
+              <a:endParaRPr lang="en-GB" sz="1400" dirty="0" err="1">
+                <a:solidFill>
+                  <a:schemeClr val="tx1"/>
+                </a:solidFill>
+              </a:endParaRPr>
+            </a:p>
+          </p:txBody>
+        </p:sp>
+        <p:sp>
+          <p:nvSpPr>
+            <p:cNvPr id="75" name="Chevron 4"/>
+            <p:cNvSpPr/>
+            <p:nvPr/>
+          </p:nvSpPr>
+          <p:spPr>
+            <a:xfrm>
+              <a:off x="1986842" y="1529548"/>
+              <a:ext cx="1359737" cy="249813"/>
+            </a:xfrm>
+            <a:prstGeom prst="rect">
+              <a:avLst/>
+            </a:prstGeom>
+          </p:spPr>
+          <p:style>
+            <a:lnRef idx="0">
+              <a:scrgbClr r="0" g="0" b="0"/>
+            </a:lnRef>
+            <a:fillRef idx="0">
+              <a:scrgbClr r="0" g="0" b="0"/>
+            </a:fillRef>
+            <a:effectRef idx="0">
+              <a:scrgbClr r="0" g="0" b="0"/>
+            </a:effectRef>
+            <a:fontRef idx="minor">
+              <a:schemeClr val="lt1"/>
+            </a:fontRef>
+          </p:style>
+          <p:txBody>
+            <a:bodyPr spcFirstLastPara="0" vert="horz" wrap="square" lIns="6985" tIns="6985" rIns="6985" bIns="6985" numCol="1" spcCol="1270" anchor="ctr" anchorCtr="0">
+              <a:noAutofit/>
+            </a:bodyPr>
+            <a:lstStyle/>
+            <a:p>
+              <a:pPr lvl="0" algn="ctr" defTabSz="488950">
+                <a:lnSpc>
+                  <a:spcPct val="90000"/>
+                </a:lnSpc>
+                <a:spcBef>
+                  <a:spcPct val="0"/>
+                </a:spcBef>
+                <a:spcAft>
+                  <a:spcPct val="35000"/>
+                </a:spcAft>
+              </a:pPr>
+              <a:r>
+                <a:rPr lang="en-GB" sz="1400" kern="1200" dirty="0"/>
+                <a:t>Project</a:t>
+              </a:r>
+              <a:br>
+                <a:rPr lang="en-GB" sz="1400" kern="1200" dirty="0"/>
+              </a:br>
+              <a:r>
+                <a:rPr lang="en-GB" sz="1400" kern="1200" dirty="0"/>
+                <a:t>Zones</a:t>
+              </a:r>
+            </a:p>
+          </p:txBody>
+        </p:sp>
+      </p:grpSp>
+      <p:sp>
+        <p:nvSpPr>
+          <p:cNvPr id="34" name="Chevron 4"/>
+          <p:cNvSpPr/>
+          <p:nvPr/>
+        </p:nvSpPr>
+        <p:spPr>
+          <a:xfrm>
+            <a:off x="4797088" y="1535185"/>
+            <a:ext cx="882145" cy="249813"/>
+          </a:xfrm>
+          <a:prstGeom prst="rect">
+            <a:avLst/>
+          </a:prstGeom>
         </p:spPr>
         <p:style>
-          <a:lnRef idx="1">
-            <a:schemeClr val="accent1"/>
+          <a:lnRef idx="0">
+            <a:scrgbClr r="0" g="0" b="0"/>
           </a:lnRef>
-          <a:fillRef idx="3">
-            <a:schemeClr val="accent1"/>
+          <a:fillRef idx="0">
+            <a:scrgbClr r="0" g="0" b="0"/>
           </a:fillRef>
-          <a:effectRef idx="2">
-            <a:schemeClr val="accent1"/>
+          <a:effectRef idx="0">
+            <a:scrgbClr r="0" g="0" b="0"/>
           </a:effectRef>
           <a:fontRef idx="minor">
             <a:schemeClr val="lt1"/>
           </a:fontRef>
         </p:style>
         <p:txBody>
-          <a:bodyPr lIns="68589" tIns="34295" rIns="68589" bIns="34295" rtlCol="0" anchor="t"/>
+          <a:bodyPr spcFirstLastPara="0" vert="horz" wrap="square" lIns="6985" tIns="6985" rIns="6985" bIns="6985" numCol="1" spcCol="1270" anchor="ctr" anchorCtr="0">
+            <a:noAutofit/>
+          </a:bodyPr>
           <a:lstStyle/>
           <a:p>
-            <a:pPr algn="ctr"/>
-            <a:endParaRPr lang="en-GB" sz="1100" dirty="0" err="1">
+            <a:pPr lvl="0" algn="ctr" defTabSz="488950">
+              <a:lnSpc>
+                <a:spcPct val="90000"/>
+              </a:lnSpc>
+              <a:spcBef>
+                <a:spcPct val="0"/>
+              </a:spcBef>
+              <a:spcAft>
+                <a:spcPct val="35000"/>
+              </a:spcAft>
+            </a:pPr>
+            <a:r>
+              <a:rPr lang="en-GB" sz="1400" kern="1200" dirty="0"/>
+              <a:t>Build</a:t>
+            </a:r>
+          </a:p>
+        </p:txBody>
+      </p:sp>
+      <p:grpSp>
+        <p:nvGrpSpPr>
+          <p:cNvPr id="37" name="Group 36"/>
+          <p:cNvGrpSpPr/>
+          <p:nvPr/>
+        </p:nvGrpSpPr>
+        <p:grpSpPr>
+          <a:xfrm>
+            <a:off x="681126" y="2721327"/>
+            <a:ext cx="1502028" cy="484632"/>
+            <a:chOff x="1962739" y="1404579"/>
+            <a:chExt cx="1502028" cy="484632"/>
+          </a:xfrm>
+        </p:grpSpPr>
+        <p:sp>
+          <p:nvSpPr>
+            <p:cNvPr id="41" name="Chevron 40"/>
+            <p:cNvSpPr/>
+            <p:nvPr/>
+          </p:nvSpPr>
+          <p:spPr>
+            <a:xfrm>
+              <a:off x="1962739" y="1404579"/>
+              <a:ext cx="1502028" cy="484632"/>
+            </a:xfrm>
+            <a:prstGeom prst="chevron">
+              <a:avLst/>
+            </a:prstGeom>
+            <a:solidFill>
+              <a:schemeClr val="accent1"/>
+            </a:solidFill>
+            <a:ln w="6350" cmpd="sng">
               <a:solidFill>
-                <a:schemeClr val="tx1"/>
+                <a:schemeClr val="accent1"/>
               </a:solidFill>
-            </a:endParaRPr>
+            </a:ln>
+            <a:effectLst/>
+          </p:spPr>
+          <p:style>
+            <a:lnRef idx="1">
+              <a:schemeClr val="accent1"/>
+            </a:lnRef>
+            <a:fillRef idx="3">
+              <a:schemeClr val="accent1"/>
+            </a:fillRef>
+            <a:effectRef idx="2">
+              <a:schemeClr val="accent1"/>
+            </a:effectRef>
+            <a:fontRef idx="minor">
+              <a:schemeClr val="lt1"/>
+            </a:fontRef>
+          </p:style>
+          <p:txBody>
+            <a:bodyPr rtlCol="0" anchor="t"/>
+            <a:lstStyle/>
+            <a:p>
+              <a:pPr algn="ctr"/>
+              <a:endParaRPr lang="en-GB" sz="1400" dirty="0" err="1">
+                <a:solidFill>
+                  <a:schemeClr val="tx1"/>
+                </a:solidFill>
+              </a:endParaRPr>
+            </a:p>
+          </p:txBody>
+        </p:sp>
+        <p:sp>
+          <p:nvSpPr>
+            <p:cNvPr id="42" name="Chevron 4"/>
+            <p:cNvSpPr/>
+            <p:nvPr/>
+          </p:nvSpPr>
+          <p:spPr>
+            <a:xfrm>
+              <a:off x="1986842" y="1529548"/>
+              <a:ext cx="1359737" cy="249813"/>
+            </a:xfrm>
+            <a:prstGeom prst="rect">
+              <a:avLst/>
+            </a:prstGeom>
+          </p:spPr>
+          <p:style>
+            <a:lnRef idx="0">
+              <a:scrgbClr r="0" g="0" b="0"/>
+            </a:lnRef>
+            <a:fillRef idx="0">
+              <a:scrgbClr r="0" g="0" b="0"/>
+            </a:fillRef>
+            <a:effectRef idx="0">
+              <a:scrgbClr r="0" g="0" b="0"/>
+            </a:effectRef>
+            <a:fontRef idx="minor">
+              <a:schemeClr val="lt1"/>
+            </a:fontRef>
+          </p:style>
+          <p:txBody>
+            <a:bodyPr spcFirstLastPara="0" vert="horz" wrap="square" lIns="6985" tIns="6985" rIns="6985" bIns="6985" numCol="1" spcCol="1270" anchor="ctr" anchorCtr="0">
+              <a:noAutofit/>
+            </a:bodyPr>
+            <a:lstStyle/>
+            <a:p>
+              <a:pPr lvl="0" algn="ctr" defTabSz="488950">
+                <a:lnSpc>
+                  <a:spcPct val="90000"/>
+                </a:lnSpc>
+                <a:spcBef>
+                  <a:spcPct val="0"/>
+                </a:spcBef>
+                <a:spcAft>
+                  <a:spcPct val="35000"/>
+                </a:spcAft>
+              </a:pPr>
+              <a:r>
+                <a:rPr lang="en-GB" sz="1400" kern="1200" dirty="0"/>
+                <a:t>Execution</a:t>
+              </a:r>
+              <a:br>
+                <a:rPr lang="en-GB" sz="1400" kern="1200" dirty="0"/>
+              </a:br>
+              <a:r>
+                <a:rPr lang="en-GB" sz="1400" kern="1200" dirty="0"/>
+                <a:t>Zones</a:t>
+              </a:r>
+            </a:p>
+          </p:txBody>
+        </p:sp>
+      </p:grpSp>
+      <p:sp>
+        <p:nvSpPr>
+          <p:cNvPr id="7" name="Title 6">
+            <a:extLst>
+              <a:ext uri="{FF2B5EF4-FFF2-40B4-BE49-F238E27FC236}">
+                <a16:creationId xmlns:a16="http://schemas.microsoft.com/office/drawing/2014/main" id="{6D632EAA-0029-4326-8D8C-FB5E3347A4CF}"/>
+              </a:ext>
+            </a:extLst>
+          </p:cNvPr>
+          <p:cNvSpPr>
+            <a:spLocks noGrp="1"/>
+          </p:cNvSpPr>
+          <p:nvPr>
+            <p:ph type="title"/>
+          </p:nvPr>
+        </p:nvSpPr>
+        <p:spPr/>
+        <p:txBody>
+          <a:bodyPr/>
+          <a:lstStyle/>
+          <a:p>
+            <a:r>
+              <a:rPr lang="en-US" dirty="0"/>
+              <a:t>XML Files</a:t>
+            </a:r>
+            <a:endParaRPr lang="en-GB" dirty="0"/>
+          </a:p>
+        </p:txBody>
+      </p:sp>
+      <p:sp>
+        <p:nvSpPr>
+          <p:cNvPr id="8" name="TextBox 7">
+            <a:extLst>
+              <a:ext uri="{FF2B5EF4-FFF2-40B4-BE49-F238E27FC236}">
+                <a16:creationId xmlns:a16="http://schemas.microsoft.com/office/drawing/2014/main" id="{AAEA06E8-48BC-4B5C-BFB3-8EC7CB7E3DA4}"/>
+              </a:ext>
+            </a:extLst>
+          </p:cNvPr>
+          <p:cNvSpPr txBox="1"/>
+          <p:nvPr/>
+        </p:nvSpPr>
+        <p:spPr>
+          <a:xfrm>
+            <a:off x="2444910" y="1352314"/>
+            <a:ext cx="6699090" cy="523220"/>
+          </a:xfrm>
+          <a:prstGeom prst="rect">
+            <a:avLst/>
+          </a:prstGeom>
+          <a:noFill/>
+        </p:spPr>
+        <p:txBody>
+          <a:bodyPr wrap="square" rtlCol="0">
+            <a:spAutoFit/>
+          </a:bodyPr>
+          <a:lstStyle/>
+          <a:p>
+            <a:r>
+              <a:rPr lang="en-US" sz="1400" dirty="0"/>
+              <a:t>*.</a:t>
+            </a:r>
+            <a:r>
+              <a:rPr lang="en-US" sz="1400" dirty="0" err="1"/>
+              <a:t>szone</a:t>
+            </a:r>
+            <a:r>
+              <a:rPr lang="en-US" sz="1400" dirty="0"/>
+              <a:t> lists all available system resources and stores all project zone assignments</a:t>
+            </a:r>
+            <a:br>
+              <a:rPr lang="en-US" sz="1400" dirty="0"/>
+            </a:br>
+            <a:r>
+              <a:rPr lang="en-US" sz="1400" dirty="0"/>
+              <a:t>in a central file. </a:t>
+            </a:r>
+            <a:endParaRPr lang="en-GB" sz="1400" dirty="0" err="1"/>
+          </a:p>
+        </p:txBody>
+      </p:sp>
+      <p:sp>
+        <p:nvSpPr>
+          <p:cNvPr id="28" name="TextBox 27">
+            <a:extLst>
+              <a:ext uri="{FF2B5EF4-FFF2-40B4-BE49-F238E27FC236}">
+                <a16:creationId xmlns:a16="http://schemas.microsoft.com/office/drawing/2014/main" id="{4FF77E8E-62E9-4BC7-98EB-1DE52542EE91}"/>
+              </a:ext>
+            </a:extLst>
+          </p:cNvPr>
+          <p:cNvSpPr txBox="1"/>
+          <p:nvPr/>
+        </p:nvSpPr>
+        <p:spPr>
+          <a:xfrm>
+            <a:off x="2444910" y="2017005"/>
+            <a:ext cx="6699090" cy="523220"/>
+          </a:xfrm>
+          <a:prstGeom prst="rect">
+            <a:avLst/>
+          </a:prstGeom>
+          <a:noFill/>
+        </p:spPr>
+        <p:txBody>
+          <a:bodyPr wrap="square" rtlCol="0">
+            <a:spAutoFit/>
+          </a:bodyPr>
+          <a:lstStyle/>
+          <a:p>
+            <a:r>
+              <a:rPr lang="en-US" sz="1400" dirty="0"/>
+              <a:t>*.</a:t>
+            </a:r>
+            <a:r>
+              <a:rPr lang="en-US" sz="1400" dirty="0" err="1"/>
+              <a:t>pzone</a:t>
+            </a:r>
+            <a:r>
+              <a:rPr lang="en-US" sz="1400" dirty="0"/>
+              <a:t> is project zone specific and lists only system resources and project zone assignments specific to a project zone (this file may be introduced later).</a:t>
+            </a:r>
+            <a:endParaRPr lang="en-GB" sz="1400" dirty="0" err="1"/>
+          </a:p>
+        </p:txBody>
+      </p:sp>
+      <p:sp>
+        <p:nvSpPr>
+          <p:cNvPr id="29" name="TextBox 28">
+            <a:extLst>
+              <a:ext uri="{FF2B5EF4-FFF2-40B4-BE49-F238E27FC236}">
+                <a16:creationId xmlns:a16="http://schemas.microsoft.com/office/drawing/2014/main" id="{46459E78-DFE6-43C1-AA9D-37FE27BB8F57}"/>
+              </a:ext>
+            </a:extLst>
+          </p:cNvPr>
+          <p:cNvSpPr txBox="1"/>
+          <p:nvPr/>
+        </p:nvSpPr>
+        <p:spPr>
+          <a:xfrm>
+            <a:off x="2444910" y="2681696"/>
+            <a:ext cx="6699090" cy="523220"/>
+          </a:xfrm>
+          <a:prstGeom prst="rect">
+            <a:avLst/>
+          </a:prstGeom>
+          <a:noFill/>
+        </p:spPr>
+        <p:txBody>
+          <a:bodyPr wrap="square" rtlCol="0">
+            <a:spAutoFit/>
+          </a:bodyPr>
+          <a:lstStyle/>
+          <a:p>
+            <a:r>
+              <a:rPr lang="en-US" sz="1400" dirty="0"/>
+              <a:t>*.</a:t>
+            </a:r>
+            <a:r>
+              <a:rPr lang="en-US" sz="1400" dirty="0" err="1"/>
+              <a:t>xzone</a:t>
+            </a:r>
+            <a:r>
+              <a:rPr lang="en-US" sz="1400" dirty="0"/>
+              <a:t> stores assignments specific to a project zone.  As input the *.</a:t>
+            </a:r>
+            <a:r>
+              <a:rPr lang="en-US" sz="1400" dirty="0" err="1"/>
+              <a:t>szone</a:t>
+            </a:r>
+            <a:r>
+              <a:rPr lang="en-US" sz="1400" dirty="0"/>
+              <a:t> or *.</a:t>
+            </a:r>
+            <a:r>
+              <a:rPr lang="en-US" sz="1400" dirty="0" err="1"/>
+              <a:t>pzone</a:t>
+            </a:r>
+            <a:br>
+              <a:rPr lang="en-US" sz="1400" dirty="0"/>
+            </a:br>
+            <a:r>
+              <a:rPr lang="en-US" sz="1400" dirty="0"/>
+              <a:t>file is used</a:t>
+            </a:r>
+            <a:endParaRPr lang="en-GB" sz="1400" dirty="0" err="1"/>
           </a:p>
         </p:txBody>
       </p:sp>
     </p:spTree>
     <p:extLst>
       <p:ext uri="{BB962C8B-B14F-4D97-AF65-F5344CB8AC3E}">
-        <p14:creationId xmlns:p14="http://schemas.microsoft.com/office/powerpoint/2010/main" val="3311838336"/>
+        <p14:creationId xmlns:p14="http://schemas.microsoft.com/office/powerpoint/2010/main" val="2124386994"/>
       </p:ext>
     </p:extLst>
   </p:cSld>
   <p:clrMapOvr>
     <a:masterClrMapping/>
   </p:clrMapOvr>
-  <p:timing>
-    <p:tnLst>
-      <p:par>
-        <p:cTn id="1" dur="indefinite" restart="never" nodeType="tmRoot"/>
-      </p:par>
-    </p:tnLst>
-  </p:timing>
 </p:sld>
 </file>
 
@@ -19442,6 +17996,58 @@
       </p:grpSpPr>
       <p:sp>
         <p:nvSpPr>
+          <p:cNvPr id="6" name="Rectangle 5"/>
+          <p:cNvSpPr/>
+          <p:nvPr/>
+        </p:nvSpPr>
+        <p:spPr>
+          <a:xfrm>
+            <a:off x="2172266" y="1878855"/>
+            <a:ext cx="2067463" cy="2389721"/>
+          </a:xfrm>
+          <a:prstGeom prst="rect">
+            <a:avLst/>
+          </a:prstGeom>
+          <a:solidFill>
+            <a:schemeClr val="accent1">
+              <a:lumMod val="20000"/>
+              <a:lumOff val="80000"/>
+            </a:schemeClr>
+          </a:solidFill>
+          <a:ln w="6350" cmpd="sng">
+            <a:noFill/>
+          </a:ln>
+          <a:effectLst/>
+        </p:spPr>
+        <p:style>
+          <a:lnRef idx="1">
+            <a:schemeClr val="accent1"/>
+          </a:lnRef>
+          <a:fillRef idx="3">
+            <a:schemeClr val="accent1"/>
+          </a:fillRef>
+          <a:effectRef idx="2">
+            <a:schemeClr val="accent1"/>
+          </a:effectRef>
+          <a:fontRef idx="minor">
+            <a:schemeClr val="lt1"/>
+          </a:fontRef>
+        </p:style>
+        <p:txBody>
+          <a:bodyPr lIns="68589" tIns="34295" rIns="68589" bIns="34295" rtlCol="0" anchor="t"/>
+          <a:lstStyle/>
+          <a:p>
+            <a:pPr algn="ctr"/>
+            <a:endParaRPr lang="en-GB" sz="1100" dirty="0" err="1">
+              <a:solidFill>
+                <a:schemeClr val="tx1"/>
+              </a:solidFill>
+            </a:endParaRPr>
+          </a:p>
+        </p:txBody>
+      </p:sp>
+      <p:sp>
+        <p:nvSpPr>
           <p:cNvPr id="2" name="Title 1"/>
           <p:cNvSpPr>
             <a:spLocks noGrp="1"/>
@@ -19463,18 +18069,251 @@
           <a:lstStyle/>
           <a:p>
             <a:r>
-              <a:rPr lang="en-US" dirty="0" smtClean="0"/>
-              <a:t>CMSIS-Zone </a:t>
-            </a:r>
-            <a:r>
               <a:rPr lang="en-US" dirty="0"/>
-              <a:t>– </a:t>
-            </a:r>
-            <a:r>
-              <a:rPr lang="en-US" dirty="0" smtClean="0"/>
-              <a:t>data export for projects</a:t>
-            </a:r>
-            <a:endParaRPr lang="en-US" dirty="0"/>
+              <a:t>RTOS MPU extension – easy setup with CMSIS-Zone</a:t>
+            </a:r>
+          </a:p>
+        </p:txBody>
+      </p:sp>
+      <p:sp>
+        <p:nvSpPr>
+          <p:cNvPr id="34" name="TextBox 33"/>
+          <p:cNvSpPr txBox="1"/>
+          <p:nvPr/>
+        </p:nvSpPr>
+        <p:spPr>
+          <a:xfrm>
+            <a:off x="647869" y="1258800"/>
+            <a:ext cx="3591860" cy="315481"/>
+          </a:xfrm>
+          <a:prstGeom prst="rect">
+            <a:avLst/>
+          </a:prstGeom>
+          <a:solidFill>
+            <a:schemeClr val="accent5">
+              <a:lumMod val="75000"/>
+            </a:schemeClr>
+          </a:solidFill>
+          <a:ln>
+            <a:noFill/>
+          </a:ln>
+          <a:effectLst/>
+        </p:spPr>
+        <p:style>
+          <a:lnRef idx="3">
+            <a:schemeClr val="lt1"/>
+          </a:lnRef>
+          <a:fillRef idx="1">
+            <a:schemeClr val="accent1"/>
+          </a:fillRef>
+          <a:effectRef idx="1">
+            <a:schemeClr val="accent1"/>
+          </a:effectRef>
+          <a:fontRef idx="minor">
+            <a:schemeClr val="lt1"/>
+          </a:fontRef>
+        </p:style>
+        <p:txBody>
+          <a:bodyPr wrap="square" lIns="0" tIns="34291" rIns="0" bIns="34291" rtlCol="0">
+            <a:spAutoFit/>
+          </a:bodyPr>
+          <a:lstStyle/>
+          <a:p>
+            <a:pPr algn="ctr"/>
+            <a:r>
+              <a:rPr lang="en-GB" sz="1600" dirty="0">
+                <a:latin typeface="+mj-lt"/>
+              </a:rPr>
+              <a:t>Non-secure state</a:t>
+            </a:r>
+          </a:p>
+        </p:txBody>
+      </p:sp>
+      <p:sp>
+        <p:nvSpPr>
+          <p:cNvPr id="35" name="TextBox 34"/>
+          <p:cNvSpPr txBox="1"/>
+          <p:nvPr/>
+        </p:nvSpPr>
+        <p:spPr>
+          <a:xfrm>
+            <a:off x="4687522" y="1258800"/>
+            <a:ext cx="3498807" cy="315481"/>
+          </a:xfrm>
+          <a:prstGeom prst="rect">
+            <a:avLst/>
+          </a:prstGeom>
+          <a:solidFill>
+            <a:schemeClr val="accent2"/>
+          </a:solidFill>
+          <a:ln>
+            <a:noFill/>
+          </a:ln>
+          <a:effectLst/>
+        </p:spPr>
+        <p:style>
+          <a:lnRef idx="3">
+            <a:schemeClr val="lt1"/>
+          </a:lnRef>
+          <a:fillRef idx="1">
+            <a:schemeClr val="accent2"/>
+          </a:fillRef>
+          <a:effectRef idx="1">
+            <a:schemeClr val="accent2"/>
+          </a:effectRef>
+          <a:fontRef idx="minor">
+            <a:schemeClr val="lt1"/>
+          </a:fontRef>
+        </p:style>
+        <p:txBody>
+          <a:bodyPr wrap="square" lIns="0" tIns="34291" rIns="0" bIns="34291" rtlCol="0">
+            <a:spAutoFit/>
+          </a:bodyPr>
+          <a:lstStyle/>
+          <a:p>
+            <a:pPr algn="ctr"/>
+            <a:r>
+              <a:rPr lang="en-GB" sz="1600" dirty="0">
+                <a:latin typeface="+mj-lt"/>
+              </a:rPr>
+              <a:t>Secure state</a:t>
+            </a:r>
+          </a:p>
+        </p:txBody>
+      </p:sp>
+      <p:sp>
+        <p:nvSpPr>
+          <p:cNvPr id="31" name="TextBox 30"/>
+          <p:cNvSpPr txBox="1"/>
+          <p:nvPr/>
+        </p:nvSpPr>
+        <p:spPr>
+          <a:xfrm>
+            <a:off x="2715333" y="2038752"/>
+            <a:ext cx="1448176" cy="530917"/>
+          </a:xfrm>
+          <a:prstGeom prst="rect">
+            <a:avLst/>
+          </a:prstGeom>
+          <a:solidFill>
+            <a:schemeClr val="accent1">
+              <a:lumMod val="75000"/>
+            </a:schemeClr>
+          </a:solidFill>
+          <a:ln>
+            <a:noFill/>
+          </a:ln>
+          <a:effectLst/>
+        </p:spPr>
+        <p:style>
+          <a:lnRef idx="3">
+            <a:schemeClr val="lt1"/>
+          </a:lnRef>
+          <a:fillRef idx="1">
+            <a:schemeClr val="accent2"/>
+          </a:fillRef>
+          <a:effectRef idx="1">
+            <a:schemeClr val="accent2"/>
+          </a:effectRef>
+          <a:fontRef idx="minor">
+            <a:schemeClr val="lt1"/>
+          </a:fontRef>
+        </p:style>
+        <p:txBody>
+          <a:bodyPr wrap="square" lIns="0" tIns="34291" rIns="0" bIns="34291" rtlCol="0">
+            <a:spAutoFit/>
+          </a:bodyPr>
+          <a:lstStyle/>
+          <a:p>
+            <a:pPr algn="ctr"/>
+            <a:r>
+              <a:rPr lang="en-GB" sz="1600" dirty="0">
+                <a:latin typeface="+mj-lt"/>
+              </a:rPr>
+              <a:t>Process A</a:t>
+            </a:r>
+            <a:br>
+              <a:rPr lang="en-GB" sz="1600" dirty="0">
+                <a:latin typeface="+mj-lt"/>
+              </a:rPr>
+            </a:br>
+            <a:r>
+              <a:rPr lang="en-GB" sz="1400" dirty="0">
+                <a:latin typeface="+mj-lt"/>
+              </a:rPr>
+              <a:t>Thread A0, A1, A2</a:t>
+            </a:r>
+            <a:endParaRPr lang="en-GB" sz="1600" dirty="0">
+              <a:latin typeface="+mj-lt"/>
+            </a:endParaRPr>
+          </a:p>
+        </p:txBody>
+      </p:sp>
+      <p:sp>
+        <p:nvSpPr>
+          <p:cNvPr id="36" name="TextBox 35"/>
+          <p:cNvSpPr txBox="1"/>
+          <p:nvPr/>
+        </p:nvSpPr>
+        <p:spPr>
+          <a:xfrm>
+            <a:off x="2715332" y="2731317"/>
+            <a:ext cx="1448176" cy="530917"/>
+          </a:xfrm>
+          <a:prstGeom prst="rect">
+            <a:avLst/>
+          </a:prstGeom>
+          <a:solidFill>
+            <a:schemeClr val="accent1">
+              <a:lumMod val="75000"/>
+            </a:schemeClr>
+          </a:solidFill>
+          <a:ln>
+            <a:noFill/>
+          </a:ln>
+          <a:effectLst/>
+        </p:spPr>
+        <p:style>
+          <a:lnRef idx="3">
+            <a:schemeClr val="lt1"/>
+          </a:lnRef>
+          <a:fillRef idx="1">
+            <a:schemeClr val="accent2"/>
+          </a:fillRef>
+          <a:effectRef idx="1">
+            <a:schemeClr val="accent2"/>
+          </a:effectRef>
+          <a:fontRef idx="minor">
+            <a:schemeClr val="lt1"/>
+          </a:fontRef>
+        </p:style>
+        <p:txBody>
+          <a:bodyPr wrap="square" lIns="0" tIns="34291" rIns="0" bIns="34291" rtlCol="0">
+            <a:spAutoFit/>
+          </a:bodyPr>
+          <a:lstStyle/>
+          <a:p>
+            <a:pPr algn="ctr"/>
+            <a:r>
+              <a:rPr lang="en-GB" sz="1600" dirty="0">
+                <a:latin typeface="+mj-lt"/>
+              </a:rPr>
+              <a:t>Process B</a:t>
+            </a:r>
+            <a:br>
+              <a:rPr lang="en-GB" sz="1600" dirty="0">
+                <a:latin typeface="+mj-lt"/>
+              </a:rPr>
+            </a:br>
+            <a:r>
+              <a:rPr lang="en-GB" sz="1400" dirty="0">
+                <a:latin typeface="+mj-lt"/>
+              </a:rPr>
+              <a:t>Thread B0, B1</a:t>
+            </a:r>
+            <a:endParaRPr lang="en-GB" sz="1600" dirty="0">
+              <a:latin typeface="+mj-lt"/>
+            </a:endParaRPr>
           </a:p>
         </p:txBody>
       </p:sp>
@@ -19671,7 +18510,1571 @@
               <a:buNone/>
             </a:pPr>
             <a:r>
-              <a:rPr lang="en-US" sz="1800" dirty="0" err="1" smtClean="0">
+              <a:rPr lang="en-GB" sz="1800" dirty="0">
+                <a:solidFill>
+                  <a:schemeClr val="accent3"/>
+                </a:solidFill>
+              </a:rPr>
+              <a:t>Memory Protection Unit for safe process/thread execution</a:t>
+            </a:r>
+          </a:p>
+        </p:txBody>
+      </p:sp>
+      <p:sp>
+        <p:nvSpPr>
+          <p:cNvPr id="27" name="TextBox 26"/>
+          <p:cNvSpPr txBox="1"/>
+          <p:nvPr/>
+        </p:nvSpPr>
+        <p:spPr>
+          <a:xfrm rot="16200000">
+            <a:off x="1439594" y="2842347"/>
+            <a:ext cx="1922663" cy="315473"/>
+          </a:xfrm>
+          <a:prstGeom prst="rect">
+            <a:avLst/>
+          </a:prstGeom>
+          <a:solidFill>
+            <a:schemeClr val="accent1">
+              <a:lumMod val="75000"/>
+            </a:schemeClr>
+          </a:solidFill>
+          <a:ln>
+            <a:noFill/>
+          </a:ln>
+          <a:effectLst/>
+        </p:spPr>
+        <p:style>
+          <a:lnRef idx="3">
+            <a:schemeClr val="lt1"/>
+          </a:lnRef>
+          <a:fillRef idx="1">
+            <a:schemeClr val="accent2"/>
+          </a:fillRef>
+          <a:effectRef idx="1">
+            <a:schemeClr val="accent2"/>
+          </a:effectRef>
+          <a:fontRef idx="minor">
+            <a:schemeClr val="lt1"/>
+          </a:fontRef>
+        </p:style>
+        <p:txBody>
+          <a:bodyPr wrap="square" lIns="0" tIns="34291" rIns="0" bIns="34291" rtlCol="0">
+            <a:spAutoFit/>
+          </a:bodyPr>
+          <a:lstStyle/>
+          <a:p>
+            <a:pPr algn="ctr"/>
+            <a:r>
+              <a:rPr lang="en-US" sz="1600" dirty="0">
+                <a:latin typeface="+mj-lt"/>
+              </a:rPr>
+              <a:t>Shared Interfaces</a:t>
+            </a:r>
+            <a:endParaRPr lang="en-GB" sz="1600" dirty="0">
+              <a:latin typeface="+mj-lt"/>
+            </a:endParaRPr>
+          </a:p>
+        </p:txBody>
+      </p:sp>
+      <p:sp>
+        <p:nvSpPr>
+          <p:cNvPr id="29" name="TextBox 28"/>
+          <p:cNvSpPr txBox="1"/>
+          <p:nvPr/>
+        </p:nvSpPr>
+        <p:spPr>
+          <a:xfrm>
+            <a:off x="2715331" y="3442050"/>
+            <a:ext cx="1448176" cy="530917"/>
+          </a:xfrm>
+          <a:prstGeom prst="rect">
+            <a:avLst/>
+          </a:prstGeom>
+          <a:solidFill>
+            <a:schemeClr val="accent1">
+              <a:lumMod val="75000"/>
+            </a:schemeClr>
+          </a:solidFill>
+          <a:ln>
+            <a:noFill/>
+          </a:ln>
+          <a:effectLst/>
+        </p:spPr>
+        <p:style>
+          <a:lnRef idx="3">
+            <a:schemeClr val="lt1"/>
+          </a:lnRef>
+          <a:fillRef idx="1">
+            <a:schemeClr val="accent2"/>
+          </a:fillRef>
+          <a:effectRef idx="1">
+            <a:schemeClr val="accent2"/>
+          </a:effectRef>
+          <a:fontRef idx="minor">
+            <a:schemeClr val="lt1"/>
+          </a:fontRef>
+        </p:style>
+        <p:txBody>
+          <a:bodyPr wrap="square" lIns="0" tIns="34291" rIns="0" bIns="34291" rtlCol="0">
+            <a:spAutoFit/>
+          </a:bodyPr>
+          <a:lstStyle/>
+          <a:p>
+            <a:pPr algn="ctr"/>
+            <a:r>
+              <a:rPr lang="en-GB" sz="1600" dirty="0">
+                <a:latin typeface="+mj-lt"/>
+              </a:rPr>
+              <a:t>Process C</a:t>
+            </a:r>
+            <a:br>
+              <a:rPr lang="en-GB" sz="1600" dirty="0">
+                <a:latin typeface="+mj-lt"/>
+              </a:rPr>
+            </a:br>
+            <a:r>
+              <a:rPr lang="en-GB" sz="1400" dirty="0">
+                <a:latin typeface="+mj-lt"/>
+              </a:rPr>
+              <a:t>Thread C0 … Cn</a:t>
+            </a:r>
+            <a:endParaRPr lang="en-GB" sz="1600" dirty="0">
+              <a:latin typeface="+mj-lt"/>
+            </a:endParaRPr>
+          </a:p>
+        </p:txBody>
+      </p:sp>
+      <p:sp>
+        <p:nvSpPr>
+          <p:cNvPr id="32" name="TextBox 31"/>
+          <p:cNvSpPr txBox="1"/>
+          <p:nvPr/>
+        </p:nvSpPr>
+        <p:spPr>
+          <a:xfrm>
+            <a:off x="647869" y="1567238"/>
+            <a:ext cx="1362430" cy="315473"/>
+          </a:xfrm>
+          <a:prstGeom prst="rect">
+            <a:avLst/>
+          </a:prstGeom>
+          <a:solidFill>
+            <a:schemeClr val="accent5">
+              <a:lumMod val="50000"/>
+            </a:schemeClr>
+          </a:solidFill>
+          <a:ln>
+            <a:noFill/>
+          </a:ln>
+          <a:effectLst/>
+        </p:spPr>
+        <p:style>
+          <a:lnRef idx="3">
+            <a:schemeClr val="lt1"/>
+          </a:lnRef>
+          <a:fillRef idx="1">
+            <a:schemeClr val="accent1"/>
+          </a:fillRef>
+          <a:effectRef idx="1">
+            <a:schemeClr val="accent1"/>
+          </a:effectRef>
+          <a:fontRef idx="minor">
+            <a:schemeClr val="lt1"/>
+          </a:fontRef>
+        </p:style>
+        <p:txBody>
+          <a:bodyPr wrap="square" lIns="0" tIns="34291" rIns="0" bIns="34291" rtlCol="0">
+            <a:spAutoFit/>
+          </a:bodyPr>
+          <a:lstStyle/>
+          <a:p>
+            <a:pPr algn="ctr"/>
+            <a:r>
+              <a:rPr lang="en-GB" sz="1600" dirty="0">
+                <a:latin typeface="+mj-lt"/>
+              </a:rPr>
+              <a:t>handler mode</a:t>
+            </a:r>
+          </a:p>
+        </p:txBody>
+      </p:sp>
+      <p:sp>
+        <p:nvSpPr>
+          <p:cNvPr id="37" name="TextBox 36"/>
+          <p:cNvSpPr txBox="1"/>
+          <p:nvPr/>
+        </p:nvSpPr>
+        <p:spPr>
+          <a:xfrm>
+            <a:off x="2172266" y="1567238"/>
+            <a:ext cx="2067463" cy="315473"/>
+          </a:xfrm>
+          <a:prstGeom prst="rect">
+            <a:avLst/>
+          </a:prstGeom>
+          <a:solidFill>
+            <a:srgbClr val="D55362"/>
+          </a:solidFill>
+          <a:ln>
+            <a:noFill/>
+          </a:ln>
+          <a:effectLst/>
+        </p:spPr>
+        <p:style>
+          <a:lnRef idx="3">
+            <a:schemeClr val="lt1"/>
+          </a:lnRef>
+          <a:fillRef idx="1">
+            <a:schemeClr val="accent1"/>
+          </a:fillRef>
+          <a:effectRef idx="1">
+            <a:schemeClr val="accent1"/>
+          </a:effectRef>
+          <a:fontRef idx="minor">
+            <a:schemeClr val="lt1"/>
+          </a:fontRef>
+        </p:style>
+        <p:txBody>
+          <a:bodyPr wrap="square" lIns="0" tIns="34291" rIns="0" bIns="34291" rtlCol="0">
+            <a:spAutoFit/>
+          </a:bodyPr>
+          <a:lstStyle/>
+          <a:p>
+            <a:pPr algn="ctr"/>
+            <a:r>
+              <a:rPr lang="en-GB" sz="1600" dirty="0">
+                <a:latin typeface="+mj-lt"/>
+              </a:rPr>
+              <a:t>thread mode</a:t>
+            </a:r>
+          </a:p>
+        </p:txBody>
+      </p:sp>
+      <p:sp>
+        <p:nvSpPr>
+          <p:cNvPr id="7" name="TextBox 6"/>
+          <p:cNvSpPr txBox="1"/>
+          <p:nvPr/>
+        </p:nvSpPr>
+        <p:spPr>
+          <a:xfrm>
+            <a:off x="2245077" y="4026202"/>
+            <a:ext cx="1918431" cy="242374"/>
+          </a:xfrm>
+          <a:prstGeom prst="rect">
+            <a:avLst/>
+          </a:prstGeom>
+          <a:noFill/>
+        </p:spPr>
+        <p:txBody>
+          <a:bodyPr wrap="square" lIns="68589" tIns="34295" rIns="68589" bIns="34295" rtlCol="0">
+            <a:spAutoFit/>
+          </a:bodyPr>
+          <a:lstStyle/>
+          <a:p>
+            <a:pPr algn="ctr"/>
+            <a:r>
+              <a:rPr lang="en-US" sz="1100" dirty="0"/>
+              <a:t>each box is MPU protected</a:t>
+            </a:r>
+            <a:endParaRPr lang="en-GB" sz="1100" dirty="0" err="1"/>
+          </a:p>
+        </p:txBody>
+      </p:sp>
+      <p:sp>
+        <p:nvSpPr>
+          <p:cNvPr id="41" name="TextBox 40"/>
+          <p:cNvSpPr txBox="1"/>
+          <p:nvPr/>
+        </p:nvSpPr>
+        <p:spPr>
+          <a:xfrm rot="16200000">
+            <a:off x="744089" y="2695204"/>
+            <a:ext cx="1922663" cy="609758"/>
+          </a:xfrm>
+          <a:prstGeom prst="rect">
+            <a:avLst/>
+          </a:prstGeom>
+          <a:solidFill>
+            <a:schemeClr val="accent1">
+              <a:lumMod val="75000"/>
+            </a:schemeClr>
+          </a:solidFill>
+          <a:ln>
+            <a:noFill/>
+          </a:ln>
+          <a:effectLst/>
+        </p:spPr>
+        <p:style>
+          <a:lnRef idx="3">
+            <a:schemeClr val="lt1"/>
+          </a:lnRef>
+          <a:fillRef idx="1">
+            <a:schemeClr val="accent2"/>
+          </a:fillRef>
+          <a:effectRef idx="1">
+            <a:schemeClr val="accent2"/>
+          </a:effectRef>
+          <a:fontRef idx="minor">
+            <a:schemeClr val="lt1"/>
+          </a:fontRef>
+        </p:style>
+        <p:txBody>
+          <a:bodyPr wrap="square" lIns="0" tIns="34291" rIns="0" bIns="34291" rtlCol="0" anchor="ctr" anchorCtr="0">
+            <a:noAutofit/>
+          </a:bodyPr>
+          <a:lstStyle/>
+          <a:p>
+            <a:pPr algn="ctr"/>
+            <a:r>
+              <a:rPr lang="en-US" sz="1600" dirty="0">
+                <a:latin typeface="+mj-lt"/>
+              </a:rPr>
+              <a:t>RTX RTOS Kernel</a:t>
+            </a:r>
+            <a:endParaRPr lang="en-GB" sz="1600" dirty="0">
+              <a:latin typeface="+mj-lt"/>
+            </a:endParaRPr>
+          </a:p>
+        </p:txBody>
+      </p:sp>
+      <p:sp>
+        <p:nvSpPr>
+          <p:cNvPr id="42" name="TextBox 41"/>
+          <p:cNvSpPr txBox="1"/>
+          <p:nvPr/>
+        </p:nvSpPr>
+        <p:spPr>
+          <a:xfrm rot="16200000">
+            <a:off x="5711" y="2707726"/>
+            <a:ext cx="1922663" cy="609759"/>
+          </a:xfrm>
+          <a:prstGeom prst="rect">
+            <a:avLst/>
+          </a:prstGeom>
+          <a:solidFill>
+            <a:schemeClr val="accent1">
+              <a:lumMod val="75000"/>
+            </a:schemeClr>
+          </a:solidFill>
+          <a:ln>
+            <a:noFill/>
+          </a:ln>
+          <a:effectLst/>
+        </p:spPr>
+        <p:style>
+          <a:lnRef idx="3">
+            <a:schemeClr val="lt1"/>
+          </a:lnRef>
+          <a:fillRef idx="1">
+            <a:schemeClr val="accent2"/>
+          </a:fillRef>
+          <a:effectRef idx="1">
+            <a:schemeClr val="accent2"/>
+          </a:effectRef>
+          <a:fontRef idx="minor">
+            <a:schemeClr val="lt1"/>
+          </a:fontRef>
+        </p:style>
+        <p:txBody>
+          <a:bodyPr wrap="square" lIns="0" tIns="34291" rIns="0" bIns="34291" rtlCol="0" anchor="ctr" anchorCtr="0">
+            <a:noAutofit/>
+          </a:bodyPr>
+          <a:lstStyle/>
+          <a:p>
+            <a:pPr algn="ctr"/>
+            <a:r>
+              <a:rPr lang="en-US" sz="1600" dirty="0">
+                <a:latin typeface="+mj-lt"/>
+              </a:rPr>
+              <a:t>Interrupt Handlers</a:t>
+            </a:r>
+            <a:endParaRPr lang="en-GB" sz="1600" dirty="0">
+              <a:latin typeface="+mj-lt"/>
+            </a:endParaRPr>
+          </a:p>
+        </p:txBody>
+      </p:sp>
+      <p:sp>
+        <p:nvSpPr>
+          <p:cNvPr id="43" name="TextBox 42"/>
+          <p:cNvSpPr txBox="1"/>
+          <p:nvPr/>
+        </p:nvSpPr>
+        <p:spPr>
+          <a:xfrm>
+            <a:off x="4687522" y="1567238"/>
+            <a:ext cx="1918431" cy="315473"/>
+          </a:xfrm>
+          <a:prstGeom prst="rect">
+            <a:avLst/>
+          </a:prstGeom>
+          <a:solidFill>
+            <a:schemeClr val="accent2">
+              <a:lumMod val="75000"/>
+            </a:schemeClr>
+          </a:solidFill>
+          <a:ln>
+            <a:noFill/>
+          </a:ln>
+          <a:effectLst/>
+        </p:spPr>
+        <p:style>
+          <a:lnRef idx="3">
+            <a:schemeClr val="lt1"/>
+          </a:lnRef>
+          <a:fillRef idx="1">
+            <a:schemeClr val="accent1"/>
+          </a:fillRef>
+          <a:effectRef idx="1">
+            <a:schemeClr val="accent1"/>
+          </a:effectRef>
+          <a:fontRef idx="minor">
+            <a:schemeClr val="lt1"/>
+          </a:fontRef>
+        </p:style>
+        <p:txBody>
+          <a:bodyPr wrap="square" lIns="0" tIns="34291" rIns="0" bIns="34291" rtlCol="0">
+            <a:spAutoFit/>
+          </a:bodyPr>
+          <a:lstStyle/>
+          <a:p>
+            <a:pPr algn="ctr"/>
+            <a:r>
+              <a:rPr lang="en-GB" sz="1600" dirty="0">
+                <a:latin typeface="+mj-lt"/>
+              </a:rPr>
+              <a:t>thread mode</a:t>
+            </a:r>
+          </a:p>
+        </p:txBody>
+      </p:sp>
+      <p:sp>
+        <p:nvSpPr>
+          <p:cNvPr id="44" name="TextBox 43"/>
+          <p:cNvSpPr txBox="1"/>
+          <p:nvPr/>
+        </p:nvSpPr>
+        <p:spPr>
+          <a:xfrm>
+            <a:off x="6823898" y="1570879"/>
+            <a:ext cx="1362430" cy="315473"/>
+          </a:xfrm>
+          <a:prstGeom prst="rect">
+            <a:avLst/>
+          </a:prstGeom>
+          <a:solidFill>
+            <a:schemeClr val="accent2">
+              <a:lumMod val="50000"/>
+            </a:schemeClr>
+          </a:solidFill>
+          <a:ln>
+            <a:noFill/>
+          </a:ln>
+          <a:effectLst/>
+        </p:spPr>
+        <p:style>
+          <a:lnRef idx="3">
+            <a:schemeClr val="lt1"/>
+          </a:lnRef>
+          <a:fillRef idx="1">
+            <a:schemeClr val="accent1"/>
+          </a:fillRef>
+          <a:effectRef idx="1">
+            <a:schemeClr val="accent1"/>
+          </a:effectRef>
+          <a:fontRef idx="minor">
+            <a:schemeClr val="lt1"/>
+          </a:fontRef>
+        </p:style>
+        <p:txBody>
+          <a:bodyPr wrap="square" lIns="0" tIns="34291" rIns="0" bIns="34291" rtlCol="0">
+            <a:spAutoFit/>
+          </a:bodyPr>
+          <a:lstStyle/>
+          <a:p>
+            <a:pPr algn="ctr"/>
+            <a:r>
+              <a:rPr lang="en-GB" sz="1600" dirty="0">
+                <a:latin typeface="+mj-lt"/>
+              </a:rPr>
+              <a:t>handler mode</a:t>
+            </a:r>
+          </a:p>
+        </p:txBody>
+      </p:sp>
+      <p:sp>
+        <p:nvSpPr>
+          <p:cNvPr id="45" name="Rectangle 44"/>
+          <p:cNvSpPr/>
+          <p:nvPr/>
+        </p:nvSpPr>
+        <p:spPr>
+          <a:xfrm>
+            <a:off x="4687522" y="1872968"/>
+            <a:ext cx="1918431" cy="2389721"/>
+          </a:xfrm>
+          <a:prstGeom prst="rect">
+            <a:avLst/>
+          </a:prstGeom>
+          <a:solidFill>
+            <a:schemeClr val="accent2">
+              <a:lumMod val="20000"/>
+              <a:lumOff val="80000"/>
+            </a:schemeClr>
+          </a:solidFill>
+          <a:ln w="6350" cmpd="sng">
+            <a:noFill/>
+          </a:ln>
+          <a:effectLst/>
+        </p:spPr>
+        <p:style>
+          <a:lnRef idx="1">
+            <a:schemeClr val="accent1"/>
+          </a:lnRef>
+          <a:fillRef idx="3">
+            <a:schemeClr val="accent1"/>
+          </a:fillRef>
+          <a:effectRef idx="2">
+            <a:schemeClr val="accent1"/>
+          </a:effectRef>
+          <a:fontRef idx="minor">
+            <a:schemeClr val="lt1"/>
+          </a:fontRef>
+        </p:style>
+        <p:txBody>
+          <a:bodyPr lIns="68589" tIns="34295" rIns="68589" bIns="34295" rtlCol="0" anchor="t"/>
+          <a:lstStyle/>
+          <a:p>
+            <a:pPr algn="ctr"/>
+            <a:endParaRPr lang="en-GB" sz="1100" dirty="0" err="1">
+              <a:solidFill>
+                <a:schemeClr val="tx1"/>
+              </a:solidFill>
+            </a:endParaRPr>
+          </a:p>
+        </p:txBody>
+      </p:sp>
+      <p:sp>
+        <p:nvSpPr>
+          <p:cNvPr id="46" name="TextBox 45"/>
+          <p:cNvSpPr txBox="1"/>
+          <p:nvPr/>
+        </p:nvSpPr>
+        <p:spPr>
+          <a:xfrm>
+            <a:off x="4687522" y="3981574"/>
+            <a:ext cx="1918431" cy="242374"/>
+          </a:xfrm>
+          <a:prstGeom prst="rect">
+            <a:avLst/>
+          </a:prstGeom>
+          <a:noFill/>
+        </p:spPr>
+        <p:txBody>
+          <a:bodyPr wrap="square" lIns="68589" tIns="34295" rIns="68589" bIns="34295" rtlCol="0">
+            <a:spAutoFit/>
+          </a:bodyPr>
+          <a:lstStyle/>
+          <a:p>
+            <a:pPr algn="ctr"/>
+            <a:r>
+              <a:rPr lang="en-US" sz="1100" dirty="0"/>
+              <a:t>each box is MPU protected</a:t>
+            </a:r>
+            <a:endParaRPr lang="en-GB" sz="1100" dirty="0" err="1"/>
+          </a:p>
+        </p:txBody>
+      </p:sp>
+      <p:sp>
+        <p:nvSpPr>
+          <p:cNvPr id="47" name="TextBox 46"/>
+          <p:cNvSpPr txBox="1"/>
+          <p:nvPr/>
+        </p:nvSpPr>
+        <p:spPr>
+          <a:xfrm rot="16200000">
+            <a:off x="7096506" y="2871592"/>
+            <a:ext cx="1891599" cy="288046"/>
+          </a:xfrm>
+          <a:prstGeom prst="rect">
+            <a:avLst/>
+          </a:prstGeom>
+          <a:solidFill>
+            <a:schemeClr val="accent1">
+              <a:lumMod val="75000"/>
+            </a:schemeClr>
+          </a:solidFill>
+          <a:ln>
+            <a:noFill/>
+          </a:ln>
+          <a:effectLst/>
+        </p:spPr>
+        <p:style>
+          <a:lnRef idx="3">
+            <a:schemeClr val="lt1"/>
+          </a:lnRef>
+          <a:fillRef idx="1">
+            <a:schemeClr val="accent2"/>
+          </a:fillRef>
+          <a:effectRef idx="1">
+            <a:schemeClr val="accent2"/>
+          </a:effectRef>
+          <a:fontRef idx="minor">
+            <a:schemeClr val="lt1"/>
+          </a:fontRef>
+        </p:style>
+        <p:txBody>
+          <a:bodyPr wrap="square" lIns="0" tIns="34291" rIns="0" bIns="34291" rtlCol="0" anchor="ctr" anchorCtr="0">
+            <a:noAutofit/>
+          </a:bodyPr>
+          <a:lstStyle/>
+          <a:p>
+            <a:pPr algn="ctr"/>
+            <a:r>
+              <a:rPr lang="en-US" sz="1600" dirty="0">
+                <a:latin typeface="+mj-lt"/>
+              </a:rPr>
+              <a:t>System Start</a:t>
+            </a:r>
+            <a:endParaRPr lang="en-GB" sz="1600" dirty="0">
+              <a:latin typeface="+mj-lt"/>
+            </a:endParaRPr>
+          </a:p>
+        </p:txBody>
+      </p:sp>
+      <p:sp>
+        <p:nvSpPr>
+          <p:cNvPr id="50" name="TextBox 49"/>
+          <p:cNvSpPr txBox="1"/>
+          <p:nvPr/>
+        </p:nvSpPr>
+        <p:spPr>
+          <a:xfrm>
+            <a:off x="4859015" y="3427509"/>
+            <a:ext cx="1577910" cy="533906"/>
+          </a:xfrm>
+          <a:prstGeom prst="rect">
+            <a:avLst/>
+          </a:prstGeom>
+          <a:solidFill>
+            <a:schemeClr val="accent1">
+              <a:lumMod val="75000"/>
+            </a:schemeClr>
+          </a:solidFill>
+          <a:ln>
+            <a:noFill/>
+          </a:ln>
+          <a:effectLst/>
+        </p:spPr>
+        <p:style>
+          <a:lnRef idx="3">
+            <a:schemeClr val="lt1"/>
+          </a:lnRef>
+          <a:fillRef idx="1">
+            <a:schemeClr val="accent2"/>
+          </a:fillRef>
+          <a:effectRef idx="1">
+            <a:schemeClr val="accent2"/>
+          </a:effectRef>
+          <a:fontRef idx="minor">
+            <a:schemeClr val="lt1"/>
+          </a:fontRef>
+        </p:style>
+        <p:txBody>
+          <a:bodyPr wrap="square" lIns="0" tIns="34291" rIns="0" bIns="34291" rtlCol="0" anchor="ctr" anchorCtr="0">
+            <a:noAutofit/>
+          </a:bodyPr>
+          <a:lstStyle/>
+          <a:p>
+            <a:pPr algn="ctr"/>
+            <a:r>
+              <a:rPr lang="en-GB" sz="1600" dirty="0">
+                <a:latin typeface="+mj-lt"/>
+              </a:rPr>
+              <a:t>Secure Storage</a:t>
+            </a:r>
+          </a:p>
+        </p:txBody>
+      </p:sp>
+      <p:sp>
+        <p:nvSpPr>
+          <p:cNvPr id="51" name="TextBox 50"/>
+          <p:cNvSpPr txBox="1"/>
+          <p:nvPr/>
+        </p:nvSpPr>
+        <p:spPr>
+          <a:xfrm>
+            <a:off x="4859015" y="2069817"/>
+            <a:ext cx="1577910" cy="533906"/>
+          </a:xfrm>
+          <a:prstGeom prst="rect">
+            <a:avLst/>
+          </a:prstGeom>
+          <a:solidFill>
+            <a:schemeClr val="accent1">
+              <a:lumMod val="75000"/>
+            </a:schemeClr>
+          </a:solidFill>
+          <a:ln>
+            <a:noFill/>
+          </a:ln>
+          <a:effectLst/>
+        </p:spPr>
+        <p:style>
+          <a:lnRef idx="3">
+            <a:schemeClr val="lt1"/>
+          </a:lnRef>
+          <a:fillRef idx="1">
+            <a:schemeClr val="accent2"/>
+          </a:fillRef>
+          <a:effectRef idx="1">
+            <a:schemeClr val="accent2"/>
+          </a:effectRef>
+          <a:fontRef idx="minor">
+            <a:schemeClr val="lt1"/>
+          </a:fontRef>
+        </p:style>
+        <p:txBody>
+          <a:bodyPr wrap="square" lIns="0" tIns="34291" rIns="0" bIns="34291" rtlCol="0" anchor="ctr" anchorCtr="0">
+            <a:noAutofit/>
+          </a:bodyPr>
+          <a:lstStyle/>
+          <a:p>
+            <a:pPr algn="ctr"/>
+            <a:r>
+              <a:rPr lang="en-GB" sz="1600" dirty="0">
+                <a:latin typeface="+mj-lt"/>
+              </a:rPr>
+              <a:t>Crypto Functions</a:t>
+            </a:r>
+          </a:p>
+        </p:txBody>
+      </p:sp>
+      <p:sp>
+        <p:nvSpPr>
+          <p:cNvPr id="54" name="TextBox 53"/>
+          <p:cNvSpPr txBox="1"/>
+          <p:nvPr/>
+        </p:nvSpPr>
+        <p:spPr>
+          <a:xfrm rot="16200000">
+            <a:off x="6663561" y="2866273"/>
+            <a:ext cx="1891599" cy="298684"/>
+          </a:xfrm>
+          <a:prstGeom prst="rect">
+            <a:avLst/>
+          </a:prstGeom>
+          <a:solidFill>
+            <a:schemeClr val="accent1">
+              <a:lumMod val="75000"/>
+            </a:schemeClr>
+          </a:solidFill>
+          <a:ln>
+            <a:noFill/>
+          </a:ln>
+          <a:effectLst/>
+        </p:spPr>
+        <p:style>
+          <a:lnRef idx="3">
+            <a:schemeClr val="lt1"/>
+          </a:lnRef>
+          <a:fillRef idx="1">
+            <a:schemeClr val="accent2"/>
+          </a:fillRef>
+          <a:effectRef idx="1">
+            <a:schemeClr val="accent2"/>
+          </a:effectRef>
+          <a:fontRef idx="minor">
+            <a:schemeClr val="lt1"/>
+          </a:fontRef>
+        </p:style>
+        <p:txBody>
+          <a:bodyPr wrap="square" lIns="0" tIns="34291" rIns="0" bIns="34291" rtlCol="0" anchor="ctr" anchorCtr="0">
+            <a:noAutofit/>
+          </a:bodyPr>
+          <a:lstStyle/>
+          <a:p>
+            <a:pPr algn="ctr"/>
+            <a:r>
+              <a:rPr lang="en-US" sz="1600" dirty="0">
+                <a:latin typeface="+mj-lt"/>
+              </a:rPr>
+              <a:t>Interrupt Handlers</a:t>
+            </a:r>
+            <a:endParaRPr lang="en-GB" sz="1600" dirty="0">
+              <a:latin typeface="+mj-lt"/>
+            </a:endParaRPr>
+          </a:p>
+        </p:txBody>
+      </p:sp>
+      <p:sp>
+        <p:nvSpPr>
+          <p:cNvPr id="55" name="TextBox 54"/>
+          <p:cNvSpPr txBox="1"/>
+          <p:nvPr/>
+        </p:nvSpPr>
+        <p:spPr>
+          <a:xfrm rot="16200000">
+            <a:off x="6119939" y="2773777"/>
+            <a:ext cx="1891599" cy="483679"/>
+          </a:xfrm>
+          <a:prstGeom prst="rect">
+            <a:avLst/>
+          </a:prstGeom>
+          <a:solidFill>
+            <a:schemeClr val="accent1">
+              <a:lumMod val="75000"/>
+            </a:schemeClr>
+          </a:solidFill>
+          <a:ln>
+            <a:noFill/>
+          </a:ln>
+          <a:effectLst/>
+        </p:spPr>
+        <p:style>
+          <a:lnRef idx="3">
+            <a:schemeClr val="lt1"/>
+          </a:lnRef>
+          <a:fillRef idx="1">
+            <a:schemeClr val="accent2"/>
+          </a:fillRef>
+          <a:effectRef idx="1">
+            <a:schemeClr val="accent2"/>
+          </a:effectRef>
+          <a:fontRef idx="minor">
+            <a:schemeClr val="lt1"/>
+          </a:fontRef>
+        </p:style>
+        <p:txBody>
+          <a:bodyPr wrap="square" lIns="0" tIns="34291" rIns="0" bIns="34291" rtlCol="0" anchor="ctr" anchorCtr="0">
+            <a:noAutofit/>
+          </a:bodyPr>
+          <a:lstStyle/>
+          <a:p>
+            <a:pPr algn="ctr"/>
+            <a:r>
+              <a:rPr lang="en-US" sz="1400" dirty="0">
+                <a:latin typeface="+mj-lt"/>
+              </a:rPr>
+              <a:t>TrustZone RTOS</a:t>
+            </a:r>
+            <a:br>
+              <a:rPr lang="en-US" sz="1400" dirty="0">
+                <a:latin typeface="+mj-lt"/>
+              </a:rPr>
+            </a:br>
+            <a:r>
+              <a:rPr lang="en-US" sz="1400" dirty="0">
+                <a:latin typeface="+mj-lt"/>
+              </a:rPr>
+              <a:t> Context Management</a:t>
+            </a:r>
+            <a:endParaRPr lang="en-GB" dirty="0">
+              <a:latin typeface="+mj-lt"/>
+            </a:endParaRPr>
+          </a:p>
+        </p:txBody>
+      </p:sp>
+      <p:cxnSp>
+        <p:nvCxnSpPr>
+          <p:cNvPr id="56" name="Straight Arrow Connector 55"/>
+          <p:cNvCxnSpPr/>
+          <p:nvPr/>
+        </p:nvCxnSpPr>
+        <p:spPr>
+          <a:xfrm>
+            <a:off x="4166975" y="2253072"/>
+            <a:ext cx="692040" cy="0"/>
+          </a:xfrm>
+          <a:prstGeom prst="straightConnector1">
+            <a:avLst/>
+          </a:prstGeom>
+          <a:ln w="31750">
+            <a:solidFill>
+              <a:schemeClr val="tx1"/>
+            </a:solidFill>
+            <a:tailEnd type="triangle" w="lg" len="med"/>
+          </a:ln>
+          <a:effectLst/>
+        </p:spPr>
+        <p:style>
+          <a:lnRef idx="2">
+            <a:schemeClr val="accent1"/>
+          </a:lnRef>
+          <a:fillRef idx="0">
+            <a:schemeClr val="accent1"/>
+          </a:fillRef>
+          <a:effectRef idx="1">
+            <a:schemeClr val="accent1"/>
+          </a:effectRef>
+          <a:fontRef idx="minor">
+            <a:schemeClr val="tx1"/>
+          </a:fontRef>
+        </p:style>
+      </p:cxnSp>
+      <p:cxnSp>
+        <p:nvCxnSpPr>
+          <p:cNvPr id="57" name="Straight Arrow Connector 56"/>
+          <p:cNvCxnSpPr/>
+          <p:nvPr/>
+        </p:nvCxnSpPr>
+        <p:spPr>
+          <a:xfrm flipH="1">
+            <a:off x="4166975" y="2416303"/>
+            <a:ext cx="692040" cy="0"/>
+          </a:xfrm>
+          <a:prstGeom prst="straightConnector1">
+            <a:avLst/>
+          </a:prstGeom>
+          <a:ln w="31750">
+            <a:solidFill>
+              <a:schemeClr val="tx1"/>
+            </a:solidFill>
+            <a:tailEnd type="triangle" w="lg" len="med"/>
+          </a:ln>
+          <a:effectLst/>
+        </p:spPr>
+        <p:style>
+          <a:lnRef idx="2">
+            <a:schemeClr val="accent1"/>
+          </a:lnRef>
+          <a:fillRef idx="0">
+            <a:schemeClr val="accent1"/>
+          </a:fillRef>
+          <a:effectRef idx="1">
+            <a:schemeClr val="accent1"/>
+          </a:effectRef>
+          <a:fontRef idx="minor">
+            <a:schemeClr val="tx1"/>
+          </a:fontRef>
+        </p:style>
+      </p:cxnSp>
+      <p:cxnSp>
+        <p:nvCxnSpPr>
+          <p:cNvPr id="59" name="Straight Arrow Connector 58"/>
+          <p:cNvCxnSpPr/>
+          <p:nvPr/>
+        </p:nvCxnSpPr>
+        <p:spPr>
+          <a:xfrm>
+            <a:off x="4163507" y="3615147"/>
+            <a:ext cx="692040" cy="0"/>
+          </a:xfrm>
+          <a:prstGeom prst="straightConnector1">
+            <a:avLst/>
+          </a:prstGeom>
+          <a:ln w="31750">
+            <a:solidFill>
+              <a:schemeClr val="tx1"/>
+            </a:solidFill>
+            <a:tailEnd type="triangle" w="lg" len="med"/>
+          </a:ln>
+          <a:effectLst/>
+        </p:spPr>
+        <p:style>
+          <a:lnRef idx="2">
+            <a:schemeClr val="accent1"/>
+          </a:lnRef>
+          <a:fillRef idx="0">
+            <a:schemeClr val="accent1"/>
+          </a:fillRef>
+          <a:effectRef idx="1">
+            <a:schemeClr val="accent1"/>
+          </a:effectRef>
+          <a:fontRef idx="minor">
+            <a:schemeClr val="tx1"/>
+          </a:fontRef>
+        </p:style>
+      </p:cxnSp>
+      <p:cxnSp>
+        <p:nvCxnSpPr>
+          <p:cNvPr id="60" name="Straight Arrow Connector 59"/>
+          <p:cNvCxnSpPr/>
+          <p:nvPr/>
+        </p:nvCxnSpPr>
+        <p:spPr>
+          <a:xfrm flipH="1">
+            <a:off x="4163507" y="3778378"/>
+            <a:ext cx="692040" cy="0"/>
+          </a:xfrm>
+          <a:prstGeom prst="straightConnector1">
+            <a:avLst/>
+          </a:prstGeom>
+          <a:ln w="31750">
+            <a:solidFill>
+              <a:schemeClr val="tx1"/>
+            </a:solidFill>
+            <a:tailEnd type="triangle" w="lg" len="med"/>
+          </a:ln>
+          <a:effectLst/>
+        </p:spPr>
+        <p:style>
+          <a:lnRef idx="2">
+            <a:schemeClr val="accent1"/>
+          </a:lnRef>
+          <a:fillRef idx="0">
+            <a:schemeClr val="accent1"/>
+          </a:fillRef>
+          <a:effectRef idx="1">
+            <a:schemeClr val="accent1"/>
+          </a:effectRef>
+          <a:fontRef idx="minor">
+            <a:schemeClr val="tx1"/>
+          </a:fontRef>
+        </p:style>
+      </p:cxnSp>
+      <p:cxnSp>
+        <p:nvCxnSpPr>
+          <p:cNvPr id="61" name="Straight Arrow Connector 60"/>
+          <p:cNvCxnSpPr/>
+          <p:nvPr/>
+        </p:nvCxnSpPr>
+        <p:spPr>
+          <a:xfrm>
+            <a:off x="6823898" y="4074185"/>
+            <a:ext cx="1362430" cy="0"/>
+          </a:xfrm>
+          <a:prstGeom prst="straightConnector1">
+            <a:avLst/>
+          </a:prstGeom>
+          <a:ln w="31750">
+            <a:solidFill>
+              <a:srgbClr val="FF0000"/>
+            </a:solidFill>
+            <a:tailEnd type="triangle" w="lg" len="med"/>
+          </a:ln>
+          <a:effectLst/>
+        </p:spPr>
+        <p:style>
+          <a:lnRef idx="2">
+            <a:schemeClr val="accent1"/>
+          </a:lnRef>
+          <a:fillRef idx="0">
+            <a:schemeClr val="accent1"/>
+          </a:fillRef>
+          <a:effectRef idx="1">
+            <a:schemeClr val="accent1"/>
+          </a:effectRef>
+          <a:fontRef idx="minor">
+            <a:schemeClr val="tx1"/>
+          </a:fontRef>
+        </p:style>
+      </p:cxnSp>
+      <p:cxnSp>
+        <p:nvCxnSpPr>
+          <p:cNvPr id="63" name="Straight Arrow Connector 62"/>
+          <p:cNvCxnSpPr/>
+          <p:nvPr/>
+        </p:nvCxnSpPr>
+        <p:spPr>
+          <a:xfrm flipH="1">
+            <a:off x="647869" y="4102760"/>
+            <a:ext cx="1362431" cy="0"/>
+          </a:xfrm>
+          <a:prstGeom prst="straightConnector1">
+            <a:avLst/>
+          </a:prstGeom>
+          <a:ln w="31750">
+            <a:solidFill>
+              <a:schemeClr val="accent1">
+                <a:lumMod val="75000"/>
+              </a:schemeClr>
+            </a:solidFill>
+            <a:tailEnd type="triangle" w="lg" len="med"/>
+          </a:ln>
+          <a:effectLst/>
+        </p:spPr>
+        <p:style>
+          <a:lnRef idx="2">
+            <a:schemeClr val="accent1"/>
+          </a:lnRef>
+          <a:fillRef idx="0">
+            <a:schemeClr val="accent1"/>
+          </a:fillRef>
+          <a:effectRef idx="1">
+            <a:schemeClr val="accent1"/>
+          </a:effectRef>
+          <a:fontRef idx="minor">
+            <a:schemeClr val="tx1"/>
+          </a:fontRef>
+        </p:style>
+      </p:cxnSp>
+      <p:sp>
+        <p:nvSpPr>
+          <p:cNvPr id="64" name="TextBox 63"/>
+          <p:cNvSpPr txBox="1"/>
+          <p:nvPr/>
+        </p:nvSpPr>
+        <p:spPr>
+          <a:xfrm>
+            <a:off x="662162" y="4076546"/>
+            <a:ext cx="1348138" cy="242374"/>
+          </a:xfrm>
+          <a:prstGeom prst="rect">
+            <a:avLst/>
+          </a:prstGeom>
+          <a:noFill/>
+        </p:spPr>
+        <p:txBody>
+          <a:bodyPr wrap="square" lIns="68589" tIns="34295" rIns="68589" bIns="34295" rtlCol="0">
+            <a:spAutoFit/>
+          </a:bodyPr>
+          <a:lstStyle/>
+          <a:p>
+            <a:pPr algn="ctr"/>
+            <a:r>
+              <a:rPr lang="en-US" sz="1100" dirty="0"/>
+              <a:t>Priority</a:t>
+            </a:r>
+            <a:endParaRPr lang="en-GB" sz="1100" dirty="0" err="1"/>
+          </a:p>
+        </p:txBody>
+      </p:sp>
+      <p:sp>
+        <p:nvSpPr>
+          <p:cNvPr id="65" name="TextBox 64"/>
+          <p:cNvSpPr txBox="1"/>
+          <p:nvPr/>
+        </p:nvSpPr>
+        <p:spPr>
+          <a:xfrm>
+            <a:off x="6823899" y="4069658"/>
+            <a:ext cx="1348138" cy="242374"/>
+          </a:xfrm>
+          <a:prstGeom prst="rect">
+            <a:avLst/>
+          </a:prstGeom>
+          <a:noFill/>
+        </p:spPr>
+        <p:txBody>
+          <a:bodyPr wrap="square" lIns="68589" tIns="34295" rIns="68589" bIns="34295" rtlCol="0">
+            <a:spAutoFit/>
+          </a:bodyPr>
+          <a:lstStyle/>
+          <a:p>
+            <a:pPr algn="ctr"/>
+            <a:r>
+              <a:rPr lang="en-US" sz="1100" dirty="0"/>
+              <a:t>Priority</a:t>
+            </a:r>
+            <a:endParaRPr lang="en-GB" sz="1100" dirty="0" err="1"/>
+          </a:p>
+        </p:txBody>
+      </p:sp>
+      <p:sp>
+        <p:nvSpPr>
+          <p:cNvPr id="18" name="Left-Right Arrow 17"/>
+          <p:cNvSpPr/>
+          <p:nvPr/>
+        </p:nvSpPr>
+        <p:spPr>
+          <a:xfrm>
+            <a:off x="2556775" y="2229974"/>
+            <a:ext cx="158558" cy="106796"/>
+          </a:xfrm>
+          <a:prstGeom prst="leftRightArrow">
+            <a:avLst/>
+          </a:prstGeom>
+          <a:solidFill>
+            <a:schemeClr val="accent1">
+              <a:lumMod val="75000"/>
+            </a:schemeClr>
+          </a:solidFill>
+          <a:ln w="6350" cmpd="sng">
+            <a:solidFill>
+              <a:schemeClr val="accent1"/>
+            </a:solidFill>
+          </a:ln>
+          <a:effectLst/>
+        </p:spPr>
+        <p:style>
+          <a:lnRef idx="1">
+            <a:schemeClr val="accent1"/>
+          </a:lnRef>
+          <a:fillRef idx="3">
+            <a:schemeClr val="accent1"/>
+          </a:fillRef>
+          <a:effectRef idx="2">
+            <a:schemeClr val="accent1"/>
+          </a:effectRef>
+          <a:fontRef idx="minor">
+            <a:schemeClr val="lt1"/>
+          </a:fontRef>
+        </p:style>
+        <p:txBody>
+          <a:bodyPr lIns="68589" tIns="34295" rIns="68589" bIns="34295" rtlCol="0" anchor="t"/>
+          <a:lstStyle/>
+          <a:p>
+            <a:pPr algn="ctr"/>
+            <a:endParaRPr lang="en-GB" sz="1100" dirty="0" err="1">
+              <a:solidFill>
+                <a:schemeClr val="tx1"/>
+              </a:solidFill>
+            </a:endParaRPr>
+          </a:p>
+        </p:txBody>
+      </p:sp>
+      <p:sp>
+        <p:nvSpPr>
+          <p:cNvPr id="67" name="Left-Right Arrow 66"/>
+          <p:cNvSpPr/>
+          <p:nvPr/>
+        </p:nvSpPr>
+        <p:spPr>
+          <a:xfrm>
+            <a:off x="2556775" y="2946684"/>
+            <a:ext cx="158558" cy="106796"/>
+          </a:xfrm>
+          <a:prstGeom prst="leftRightArrow">
+            <a:avLst/>
+          </a:prstGeom>
+          <a:solidFill>
+            <a:schemeClr val="accent1">
+              <a:lumMod val="75000"/>
+            </a:schemeClr>
+          </a:solidFill>
+          <a:ln w="6350" cmpd="sng">
+            <a:solidFill>
+              <a:schemeClr val="accent1"/>
+            </a:solidFill>
+          </a:ln>
+          <a:effectLst/>
+        </p:spPr>
+        <p:style>
+          <a:lnRef idx="1">
+            <a:schemeClr val="accent1"/>
+          </a:lnRef>
+          <a:fillRef idx="3">
+            <a:schemeClr val="accent1"/>
+          </a:fillRef>
+          <a:effectRef idx="2">
+            <a:schemeClr val="accent1"/>
+          </a:effectRef>
+          <a:fontRef idx="minor">
+            <a:schemeClr val="lt1"/>
+          </a:fontRef>
+        </p:style>
+        <p:txBody>
+          <a:bodyPr lIns="68589" tIns="34295" rIns="68589" bIns="34295" rtlCol="0" anchor="t"/>
+          <a:lstStyle/>
+          <a:p>
+            <a:pPr algn="ctr"/>
+            <a:endParaRPr lang="en-GB" sz="1100" dirty="0" err="1">
+              <a:solidFill>
+                <a:schemeClr val="tx1"/>
+              </a:solidFill>
+            </a:endParaRPr>
+          </a:p>
+        </p:txBody>
+      </p:sp>
+      <p:sp>
+        <p:nvSpPr>
+          <p:cNvPr id="68" name="Left-Right Arrow 67"/>
+          <p:cNvSpPr/>
+          <p:nvPr/>
+        </p:nvSpPr>
+        <p:spPr>
+          <a:xfrm>
+            <a:off x="2556775" y="3644345"/>
+            <a:ext cx="158558" cy="106796"/>
+          </a:xfrm>
+          <a:prstGeom prst="leftRightArrow">
+            <a:avLst/>
+          </a:prstGeom>
+          <a:solidFill>
+            <a:schemeClr val="accent1">
+              <a:lumMod val="75000"/>
+            </a:schemeClr>
+          </a:solidFill>
+          <a:ln w="6350" cmpd="sng">
+            <a:solidFill>
+              <a:schemeClr val="accent1"/>
+            </a:solidFill>
+          </a:ln>
+          <a:effectLst/>
+        </p:spPr>
+        <p:style>
+          <a:lnRef idx="1">
+            <a:schemeClr val="accent1"/>
+          </a:lnRef>
+          <a:fillRef idx="3">
+            <a:schemeClr val="accent1"/>
+          </a:fillRef>
+          <a:effectRef idx="2">
+            <a:schemeClr val="accent1"/>
+          </a:effectRef>
+          <a:fontRef idx="minor">
+            <a:schemeClr val="lt1"/>
+          </a:fontRef>
+        </p:style>
+        <p:txBody>
+          <a:bodyPr lIns="68589" tIns="34295" rIns="68589" bIns="34295" rtlCol="0" anchor="t"/>
+          <a:lstStyle/>
+          <a:p>
+            <a:pPr algn="ctr"/>
+            <a:endParaRPr lang="en-GB" sz="1100" dirty="0" err="1">
+              <a:solidFill>
+                <a:schemeClr val="tx1"/>
+              </a:solidFill>
+            </a:endParaRPr>
+          </a:p>
+        </p:txBody>
+      </p:sp>
+    </p:spTree>
+    <p:extLst>
+      <p:ext uri="{BB962C8B-B14F-4D97-AF65-F5344CB8AC3E}">
+        <p14:creationId xmlns:p14="http://schemas.microsoft.com/office/powerpoint/2010/main" val="3311838336"/>
+      </p:ext>
+    </p:extLst>
+  </p:cSld>
+  <p:clrMapOvr>
+    <a:masterClrMapping/>
+  </p:clrMapOvr>
+</p:sld>
+</file>
+
+<file path=ppt/slides/slide7.xml><?xml version="1.0" encoding="utf-8"?>
+<p:sld xmlns:a="http://schemas.openxmlformats.org/drawingml/2006/main" xmlns:r="http://schemas.openxmlformats.org/officeDocument/2006/relationships" xmlns:p="http://schemas.openxmlformats.org/presentationml/2006/main">
+  <p:cSld>
+    <p:spTree>
+      <p:nvGrpSpPr>
+        <p:cNvPr id="1" name=""/>
+        <p:cNvGrpSpPr/>
+        <p:nvPr/>
+      </p:nvGrpSpPr>
+      <p:grpSpPr>
+        <a:xfrm>
+          <a:off x="0" y="0"/>
+          <a:ext cx="0" cy="0"/>
+          <a:chOff x="0" y="0"/>
+          <a:chExt cx="0" cy="0"/>
+        </a:xfrm>
+      </p:grpSpPr>
+      <p:sp>
+        <p:nvSpPr>
+          <p:cNvPr id="2" name="Title 1"/>
+          <p:cNvSpPr>
+            <a:spLocks noGrp="1"/>
+          </p:cNvSpPr>
+          <p:nvPr>
+            <p:ph type="title"/>
+          </p:nvPr>
+        </p:nvSpPr>
+        <p:spPr>
+          <a:xfrm>
+            <a:off x="618472" y="268757"/>
+            <a:ext cx="8398308" cy="418865"/>
+          </a:xfrm>
+        </p:spPr>
+        <p:txBody>
+          <a:bodyPr>
+            <a:normAutofit/>
+          </a:bodyPr>
+          <a:lstStyle/>
+          <a:p>
+            <a:r>
+              <a:rPr lang="en-US" dirty="0"/>
+              <a:t>CMSIS-Zone – data export for projects</a:t>
+            </a:r>
+          </a:p>
+        </p:txBody>
+      </p:sp>
+      <p:sp>
+        <p:nvSpPr>
+          <p:cNvPr id="38" name="Content Placeholder 2"/>
+          <p:cNvSpPr txBox="1">
+            <a:spLocks/>
+          </p:cNvSpPr>
+          <p:nvPr/>
+        </p:nvSpPr>
+        <p:spPr>
+          <a:xfrm>
+            <a:off x="551779" y="649644"/>
+            <a:ext cx="7598166" cy="273844"/>
+          </a:xfrm>
+          <a:prstGeom prst="rect">
+            <a:avLst/>
+          </a:prstGeom>
+        </p:spPr>
+        <p:txBody>
+          <a:bodyPr lIns="68589" tIns="34295" rIns="68589" bIns="34295"/>
+          <a:lstStyle>
+            <a:lvl1pPr marL="239947" indent="-239947" algn="l" defTabSz="604554" rtl="0" eaLnBrk="1" latinLnBrk="0" hangingPunct="1">
+              <a:lnSpc>
+                <a:spcPct val="100000"/>
+              </a:lnSpc>
+              <a:spcBef>
+                <a:spcPts val="400"/>
+              </a:spcBef>
+              <a:buClr>
+                <a:schemeClr val="accent1"/>
+              </a:buClr>
+              <a:buSzPct val="76000"/>
+              <a:buFont typeface="Wingdings" panose="05000000000000000000" pitchFamily="2" charset="2"/>
+              <a:buChar char="§"/>
+              <a:defRPr sz="2400" kern="1200" spc="0">
+                <a:solidFill>
+                  <a:schemeClr val="tx2"/>
+                </a:solidFill>
+                <a:latin typeface="Gill Sans MT"/>
+                <a:ea typeface="+mn-ea"/>
+                <a:cs typeface="+mn-cs"/>
+              </a:defRPr>
+            </a:lvl1pPr>
+            <a:lvl2pPr marL="479896" indent="-239947" algn="l" defTabSz="604554" rtl="0" eaLnBrk="1" latinLnBrk="0" hangingPunct="1">
+              <a:lnSpc>
+                <a:spcPct val="100000"/>
+              </a:lnSpc>
+              <a:spcBef>
+                <a:spcPts val="400"/>
+              </a:spcBef>
+              <a:buClr>
+                <a:schemeClr val="accent1"/>
+              </a:buClr>
+              <a:buSzPct val="76000"/>
+              <a:buFont typeface="Wingdings" panose="05000000000000000000" pitchFamily="2" charset="2"/>
+              <a:buChar char="§"/>
+              <a:defRPr sz="2000" kern="1200" spc="0">
+                <a:solidFill>
+                  <a:schemeClr val="tx2"/>
+                </a:solidFill>
+                <a:latin typeface="Gill Sans MT"/>
+                <a:ea typeface="+mn-ea"/>
+                <a:cs typeface="+mn-cs"/>
+              </a:defRPr>
+            </a:lvl2pPr>
+            <a:lvl3pPr marL="719843" indent="-239947" algn="l" defTabSz="604554" rtl="0" eaLnBrk="1" latinLnBrk="0" hangingPunct="1">
+              <a:lnSpc>
+                <a:spcPct val="100000"/>
+              </a:lnSpc>
+              <a:spcBef>
+                <a:spcPts val="400"/>
+              </a:spcBef>
+              <a:buClr>
+                <a:schemeClr val="accent1"/>
+              </a:buClr>
+              <a:buSzPct val="76000"/>
+              <a:buFont typeface="Wingdings" panose="05000000000000000000" pitchFamily="2" charset="2"/>
+              <a:buChar char="§"/>
+              <a:defRPr sz="2000" kern="1200" spc="0">
+                <a:solidFill>
+                  <a:schemeClr val="tx2"/>
+                </a:solidFill>
+                <a:latin typeface="Gill Sans MT"/>
+                <a:ea typeface="+mn-ea"/>
+                <a:cs typeface="+mn-cs"/>
+              </a:defRPr>
+            </a:lvl3pPr>
+            <a:lvl4pPr marL="959792" indent="-239947" algn="l" defTabSz="795578" rtl="0" eaLnBrk="1" latinLnBrk="0" hangingPunct="1">
+              <a:lnSpc>
+                <a:spcPct val="100000"/>
+              </a:lnSpc>
+              <a:spcBef>
+                <a:spcPts val="400"/>
+              </a:spcBef>
+              <a:buClr>
+                <a:schemeClr val="accent1"/>
+              </a:buClr>
+              <a:buSzPct val="76000"/>
+              <a:buFont typeface="Wingdings" charset="2"/>
+              <a:buChar char="§"/>
+              <a:defRPr sz="2000" kern="1200" spc="-67">
+                <a:solidFill>
+                  <a:schemeClr val="tx2"/>
+                </a:solidFill>
+                <a:latin typeface="+mn-lt"/>
+                <a:ea typeface="+mn-ea"/>
+                <a:cs typeface="+mn-cs"/>
+              </a:defRPr>
+            </a:lvl4pPr>
+            <a:lvl5pPr marL="237192" indent="-237192" algn="l" defTabSz="-600358" rtl="0" eaLnBrk="1" latinLnBrk="0" hangingPunct="1">
+              <a:lnSpc>
+                <a:spcPts val="3466"/>
+              </a:lnSpc>
+              <a:spcBef>
+                <a:spcPts val="0"/>
+              </a:spcBef>
+              <a:buSzPct val="76000"/>
+              <a:buFont typeface="+mj-lt"/>
+              <a:buAutoNum type="arabicPeriod"/>
+              <a:defRPr sz="3200" kern="1200" spc="-67">
+                <a:solidFill>
+                  <a:schemeClr val="tx1"/>
+                </a:solidFill>
+                <a:latin typeface="+mn-lt"/>
+                <a:ea typeface="+mn-ea"/>
+                <a:cs typeface="+mn-cs"/>
+              </a:defRPr>
+            </a:lvl5pPr>
+            <a:lvl6pPr marL="3325017" indent="-302406" algn="l" defTabSz="604554" rtl="0" eaLnBrk="1" latinLnBrk="0" hangingPunct="1">
+              <a:spcBef>
+                <a:spcPct val="20000"/>
+              </a:spcBef>
+              <a:buFont typeface="Arial"/>
+              <a:buChar char="•"/>
+              <a:defRPr sz="2700" kern="1200">
+                <a:solidFill>
+                  <a:schemeClr val="tx1"/>
+                </a:solidFill>
+                <a:latin typeface="+mn-lt"/>
+                <a:ea typeface="+mn-ea"/>
+                <a:cs typeface="+mn-cs"/>
+              </a:defRPr>
+            </a:lvl6pPr>
+            <a:lvl7pPr marL="3929683" indent="-302406" algn="l" defTabSz="604554" rtl="0" eaLnBrk="1" latinLnBrk="0" hangingPunct="1">
+              <a:spcBef>
+                <a:spcPct val="20000"/>
+              </a:spcBef>
+              <a:buFont typeface="Arial"/>
+              <a:buChar char="•"/>
+              <a:defRPr sz="2700" kern="1200">
+                <a:solidFill>
+                  <a:schemeClr val="tx1"/>
+                </a:solidFill>
+                <a:latin typeface="+mn-lt"/>
+                <a:ea typeface="+mn-ea"/>
+                <a:cs typeface="+mn-cs"/>
+              </a:defRPr>
+            </a:lvl7pPr>
+            <a:lvl8pPr marL="4534190" indent="-302406" algn="l" defTabSz="604554" rtl="0" eaLnBrk="1" latinLnBrk="0" hangingPunct="1">
+              <a:spcBef>
+                <a:spcPct val="20000"/>
+              </a:spcBef>
+              <a:buFont typeface="Arial"/>
+              <a:buChar char="•"/>
+              <a:defRPr sz="2700" kern="1200">
+                <a:solidFill>
+                  <a:schemeClr val="tx1"/>
+                </a:solidFill>
+                <a:latin typeface="+mn-lt"/>
+                <a:ea typeface="+mn-ea"/>
+                <a:cs typeface="+mn-cs"/>
+              </a:defRPr>
+            </a:lvl8pPr>
+            <a:lvl9pPr marL="5138709" indent="-302406" algn="l" defTabSz="604554" rtl="0" eaLnBrk="1" latinLnBrk="0" hangingPunct="1">
+              <a:spcBef>
+                <a:spcPct val="20000"/>
+              </a:spcBef>
+              <a:buFont typeface="Arial"/>
+              <a:buChar char="•"/>
+              <a:defRPr sz="2700" kern="1200">
+                <a:solidFill>
+                  <a:schemeClr val="tx1"/>
+                </a:solidFill>
+                <a:latin typeface="+mn-lt"/>
+                <a:ea typeface="+mn-ea"/>
+                <a:cs typeface="+mn-cs"/>
+              </a:defRPr>
+            </a:lvl9pPr>
+          </a:lstStyle>
+          <a:p>
+            <a:pPr marL="0" indent="0">
+              <a:buNone/>
+            </a:pPr>
+            <a:r>
+              <a:rPr lang="en-US" sz="1800" dirty="0" err="1">
                 <a:solidFill>
                   <a:schemeClr val="accent3"/>
                 </a:solidFill>
@@ -19679,7 +20082,7 @@
               <a:t>FreeMarker</a:t>
             </a:r>
             <a:r>
-              <a:rPr lang="en-US" sz="1800" dirty="0" smtClean="0">
+              <a:rPr lang="en-US" sz="1800" dirty="0">
                 <a:solidFill>
                   <a:schemeClr val="accent3"/>
                 </a:solidFill>
@@ -19802,10 +20205,9 @@
                 </a:spcAft>
               </a:pPr>
               <a:r>
-                <a:rPr lang="en-GB" sz="1400" kern="1200" dirty="0" smtClean="0"/>
+                <a:rPr lang="en-GB" sz="1400" kern="1200" dirty="0"/>
                 <a:t>Build</a:t>
               </a:r>
-              <a:endParaRPr lang="en-GB" sz="1400" kern="1200" dirty="0"/>
             </a:p>
           </p:txBody>
         </p:sp>
@@ -19928,14 +20330,14 @@
                 </a:spcAft>
               </a:pPr>
               <a:r>
-                <a:rPr lang="en-GB" sz="1400" dirty="0" smtClean="0"/>
+                <a:rPr lang="en-GB" sz="1400" dirty="0"/>
                 <a:t>Flexible data export for project build supports many different use cases: </a:t>
               </a:r>
               <a:br>
-                <a:rPr lang="en-GB" sz="1400" dirty="0" smtClean="0"/>
+                <a:rPr lang="en-GB" sz="1400" dirty="0"/>
               </a:br>
               <a:r>
-                <a:rPr lang="en-GB" sz="1400" dirty="0" smtClean="0"/>
+                <a:rPr lang="en-GB" sz="1400" dirty="0"/>
                 <a:t>i.e. device configuration, MPU setup, linker scripts, etc.</a:t>
               </a:r>
               <a:endParaRPr lang="en-GB" sz="1400" kern="1200" dirty="0"/>
@@ -19989,7 +20391,7 @@
           <a:lstStyle/>
           <a:p>
             <a:pPr algn="ctr"/>
-            <a:endParaRPr lang="en-GB" sz="1400" dirty="0" err="1" smtClean="0">
+            <a:endParaRPr lang="en-GB" sz="1400" dirty="0" err="1">
               <a:solidFill>
                 <a:schemeClr val="tx1"/>
               </a:solidFill>
@@ -20020,10 +20422,10 @@
           <a:lstStyle/>
           <a:p>
             <a:r>
-              <a:rPr lang="en-US" sz="1400" dirty="0" smtClean="0"/>
+              <a:rPr lang="en-US" sz="1400" dirty="0"/>
               <a:t>file templates</a:t>
             </a:r>
-            <a:endParaRPr lang="en-GB" sz="1400" dirty="0" err="1" smtClean="0"/>
+            <a:endParaRPr lang="en-GB" sz="1400" dirty="0" err="1"/>
           </a:p>
         </p:txBody>
       </p:sp>
@@ -20073,7 +20475,7 @@
           <a:lstStyle/>
           <a:p>
             <a:pPr algn="ctr"/>
-            <a:endParaRPr lang="en-GB" sz="1400" dirty="0" err="1" smtClean="0">
+            <a:endParaRPr lang="en-GB" sz="1400" dirty="0" err="1">
               <a:solidFill>
                 <a:schemeClr val="tx1"/>
               </a:solidFill>
@@ -20104,17 +20506,17 @@
           <a:lstStyle/>
           <a:p>
             <a:r>
-              <a:rPr lang="en-US" sz="1400" dirty="0" smtClean="0"/>
+              <a:rPr lang="en-US" sz="1400" dirty="0"/>
               <a:t>CMSIS-Zone</a:t>
             </a:r>
             <a:br>
-              <a:rPr lang="en-US" sz="1400" dirty="0" smtClean="0"/>
+              <a:rPr lang="en-US" sz="1400" dirty="0"/>
             </a:br>
             <a:r>
-              <a:rPr lang="en-US" sz="1400" dirty="0" smtClean="0"/>
+              <a:rPr lang="en-US" sz="1400" dirty="0"/>
               <a:t>data</a:t>
             </a:r>
-            <a:endParaRPr lang="en-GB" sz="1400" dirty="0" err="1" smtClean="0"/>
+            <a:endParaRPr lang="en-GB" sz="1400" dirty="0" err="1"/>
           </a:p>
         </p:txBody>
       </p:sp>
@@ -20161,7 +20563,7 @@
           <a:lstStyle/>
           <a:p>
             <a:pPr algn="ctr"/>
-            <a:endParaRPr lang="en-GB" sz="1400" dirty="0" err="1" smtClean="0">
+            <a:endParaRPr lang="en-GB" sz="1400" dirty="0" err="1">
               <a:solidFill>
                 <a:schemeClr val="tx1"/>
               </a:solidFill>
@@ -20192,10 +20594,10 @@
           <a:lstStyle/>
           <a:p>
             <a:r>
-              <a:rPr lang="en-US" sz="1400" dirty="0" err="1" smtClean="0"/>
+              <a:rPr lang="en-US" sz="1400" dirty="0" err="1"/>
               <a:t>FreeMarker</a:t>
             </a:r>
-            <a:endParaRPr lang="en-GB" sz="1400" dirty="0" err="1" smtClean="0"/>
+            <a:endParaRPr lang="en-GB" sz="1400" dirty="0" err="1"/>
           </a:p>
         </p:txBody>
       </p:sp>
@@ -20387,10 +20789,10 @@
               <a:buNone/>
             </a:pPr>
             <a:r>
-              <a:rPr lang="en-US" sz="1400" b="1" dirty="0" smtClean="0"/>
+              <a:rPr lang="en-US" sz="1400" b="1" dirty="0"/>
               <a:t>Project files for:</a:t>
             </a:r>
-            <a:endParaRPr lang="en-GB" sz="1400" b="1" dirty="0" smtClean="0"/>
+            <a:endParaRPr lang="en-GB" sz="1400" b="1" dirty="0"/>
           </a:p>
           <a:p>
             <a:pPr marL="174625" lvl="2" indent="-174625">
@@ -20399,10 +20801,10 @@
               </a:lnSpc>
             </a:pPr>
             <a:r>
-              <a:rPr lang="en-GB" sz="1400" dirty="0" smtClean="0"/>
+              <a:rPr lang="en-GB" sz="1400" dirty="0"/>
               <a:t>Memory assignments and linker configuration</a:t>
             </a:r>
-            <a:endParaRPr lang="en-IE" sz="1400" dirty="0" smtClean="0"/>
+            <a:endParaRPr lang="en-IE" sz="1400" dirty="0"/>
           </a:p>
           <a:p>
             <a:pPr marL="171450" lvl="2" indent="-171450">
@@ -20411,7 +20813,7 @@
               </a:lnSpc>
             </a:pPr>
             <a:r>
-              <a:rPr lang="en-IE" sz="1400" dirty="0" smtClean="0"/>
+              <a:rPr lang="en-IE" sz="1400" dirty="0"/>
               <a:t>SAU, MPU configuration</a:t>
             </a:r>
           </a:p>
@@ -20422,25 +20824,25 @@
               </a:lnSpc>
             </a:pPr>
             <a:r>
-              <a:rPr lang="en-IE" sz="1400" dirty="0" smtClean="0"/>
+              <a:rPr lang="en-IE" sz="1400" dirty="0"/>
               <a:t>Peripheral assignments</a:t>
             </a:r>
-            <a:endParaRPr lang="en-IE" sz="1200" dirty="0" smtClean="0"/>
-          </a:p>
-          <a:p>
-            <a:endParaRPr lang="en-IE" sz="1400" dirty="0" smtClean="0"/>
+            <a:endParaRPr lang="en-IE" sz="1200" dirty="0"/>
           </a:p>
           <a:p>
             <a:endParaRPr lang="en-IE" sz="1400" dirty="0"/>
           </a:p>
           <a:p>
-            <a:endParaRPr lang="en-IE" sz="1400" dirty="0" smtClean="0"/>
-          </a:p>
-          <a:p>
             <a:endParaRPr lang="en-IE" sz="1400" dirty="0"/>
           </a:p>
           <a:p>
-            <a:endParaRPr lang="en-IE" sz="1400" dirty="0" smtClean="0"/>
+            <a:endParaRPr lang="en-IE" sz="1400" dirty="0"/>
+          </a:p>
+          <a:p>
+            <a:endParaRPr lang="en-IE" sz="1400" dirty="0"/>
+          </a:p>
+          <a:p>
+            <a:endParaRPr lang="en-IE" sz="1400" dirty="0"/>
           </a:p>
           <a:p>
             <a:endParaRPr lang="en-IE" sz="1400" dirty="0"/>
@@ -20457,13 +20859,6 @@
   <p:clrMapOvr>
     <a:masterClrMapping/>
   </p:clrMapOvr>
-  <p:timing>
-    <p:tnLst>
-      <p:par>
-        <p:cTn id="1" dur="indefinite" restart="never" nodeType="tmRoot"/>
-      </p:par>
-    </p:tnLst>
-  </p:timing>
 </p:sld>
 </file>
 
@@ -21468,27 +21863,6 @@
 </file>
 
 <file path=customXml/item1.xml><?xml version="1.0" encoding="utf-8"?>
-<p:properties xmlns:p="http://schemas.microsoft.com/office/2006/metadata/properties" xmlns:xsi="http://www.w3.org/2001/XMLSchema-instance" xmlns:pc="http://schemas.microsoft.com/office/infopath/2007/PartnerControls">
-  <documentManagement>
-    <_dlc_DocId xmlns="f2ad5090-61a8-4b8c-ab70-68f4ff4d1933">ARM-ECM-0491503</_dlc_DocId>
-    <_dlc_DocIdUrl xmlns="f2ad5090-61a8-4b8c-ab70-68f4ff4d1933">
-      <Url>http://teamsites.arm.com/sites/Corpmktg/graphics/_layouts/DocIdRedir.aspx?ID=ARM-ECM-0491503</Url>
-      <Description>ARM-ECM-0491503</Description>
-    </_dlc_DocIdUrl>
-  </documentManagement>
-</p:properties>
-</file>
-
-<file path=customXml/item2.xml><?xml version="1.0" encoding="utf-8"?>
-<?mso-contentType ?>
-<FormTemplates xmlns="http://schemas.microsoft.com/sharepoint/v3/contenttype/forms">
-  <Display>DocumentLibraryForm</Display>
-  <Edit>DocumentLibraryForm</Edit>
-  <New>DocumentLibraryForm</New>
-</FormTemplates>
-</file>
-
-<file path=customXml/item3.xml><?xml version="1.0" encoding="utf-8"?>
 <?mso-contentType ?>
 <spe:Receivers xmlns:spe="http://schemas.microsoft.com/sharepoint/events">
   <Receiver>
@@ -21532,6 +21906,27 @@
     <Filter/>
   </Receiver>
 </spe:Receivers>
+</file>
+
+<file path=customXml/item2.xml><?xml version="1.0" encoding="utf-8"?>
+<?mso-contentType ?>
+<FormTemplates xmlns="http://schemas.microsoft.com/sharepoint/v3/contenttype/forms">
+  <Display>DocumentLibraryForm</Display>
+  <Edit>DocumentLibraryForm</Edit>
+  <New>DocumentLibraryForm</New>
+</FormTemplates>
+</file>
+
+<file path=customXml/item3.xml><?xml version="1.0" encoding="utf-8"?>
+<p:properties xmlns:p="http://schemas.microsoft.com/office/2006/metadata/properties" xmlns:xsi="http://www.w3.org/2001/XMLSchema-instance" xmlns:pc="http://schemas.microsoft.com/office/infopath/2007/PartnerControls">
+  <documentManagement>
+    <_dlc_DocId xmlns="f2ad5090-61a8-4b8c-ab70-68f4ff4d1933">ARM-ECM-0491503</_dlc_DocId>
+    <_dlc_DocIdUrl xmlns="f2ad5090-61a8-4b8c-ab70-68f4ff4d1933">
+      <Url>http://teamsites.arm.com/sites/Corpmktg/graphics/_layouts/DocIdRedir.aspx?ID=ARM-ECM-0491503</Url>
+      <Description>ARM-ECM-0491503</Description>
+    </_dlc_DocIdUrl>
+  </documentManagement>
+</p:properties>
 </file>
 
 <file path=customXml/item4.xml><?xml version="1.0" encoding="utf-8"?>
@@ -21680,17 +22075,9 @@
 </file>
 
 <file path=customXml/itemProps1.xml><?xml version="1.0" encoding="utf-8"?>
-<ds:datastoreItem xmlns:ds="http://schemas.openxmlformats.org/officeDocument/2006/customXml" ds:itemID="{659AFC57-EF78-4135-9503-D857AFA49F8B}">
+<ds:datastoreItem xmlns:ds="http://schemas.openxmlformats.org/officeDocument/2006/customXml" ds:itemID="{75E05AB7-3B6A-492F-8FD0-7267B59BB88B}">
   <ds:schemaRefs>
-    <ds:schemaRef ds:uri="http://schemas.microsoft.com/office/2006/documentManagement/types"/>
-    <ds:schemaRef ds:uri="f2ad5090-61a8-4b8c-ab70-68f4ff4d1933"/>
-    <ds:schemaRef ds:uri="http://purl.org/dc/elements/1.1/"/>
-    <ds:schemaRef ds:uri="http://www.w3.org/XML/1998/namespace"/>
-    <ds:schemaRef ds:uri="http://purl.org/dc/terms/"/>
-    <ds:schemaRef ds:uri="http://schemas.microsoft.com/office/infopath/2007/PartnerControls"/>
-    <ds:schemaRef ds:uri="http://schemas.openxmlformats.org/package/2006/metadata/core-properties"/>
-    <ds:schemaRef ds:uri="http://schemas.microsoft.com/office/2006/metadata/properties"/>
-    <ds:schemaRef ds:uri="http://purl.org/dc/dcmitype/"/>
+    <ds:schemaRef ds:uri="http://schemas.microsoft.com/sharepoint/events"/>
   </ds:schemaRefs>
 </ds:datastoreItem>
 </file>
@@ -21704,9 +22091,17 @@
 </file>
 
 <file path=customXml/itemProps3.xml><?xml version="1.0" encoding="utf-8"?>
-<ds:datastoreItem xmlns:ds="http://schemas.openxmlformats.org/officeDocument/2006/customXml" ds:itemID="{75E05AB7-3B6A-492F-8FD0-7267B59BB88B}">
+<ds:datastoreItem xmlns:ds="http://schemas.openxmlformats.org/officeDocument/2006/customXml" ds:itemID="{659AFC57-EF78-4135-9503-D857AFA49F8B}">
   <ds:schemaRefs>
-    <ds:schemaRef ds:uri="http://schemas.microsoft.com/sharepoint/events"/>
+    <ds:schemaRef ds:uri="http://schemas.microsoft.com/office/2006/documentManagement/types"/>
+    <ds:schemaRef ds:uri="f2ad5090-61a8-4b8c-ab70-68f4ff4d1933"/>
+    <ds:schemaRef ds:uri="http://purl.org/dc/elements/1.1/"/>
+    <ds:schemaRef ds:uri="http://www.w3.org/XML/1998/namespace"/>
+    <ds:schemaRef ds:uri="http://purl.org/dc/terms/"/>
+    <ds:schemaRef ds:uri="http://schemas.microsoft.com/office/infopath/2007/PartnerControls"/>
+    <ds:schemaRef ds:uri="http://schemas.openxmlformats.org/package/2006/metadata/core-properties"/>
+    <ds:schemaRef ds:uri="http://schemas.microsoft.com/office/2006/metadata/properties"/>
+    <ds:schemaRef ds:uri="http://purl.org/dc/dcmitype/"/>
   </ds:schemaRefs>
 </ds:datastoreItem>
 </file>

--- a/CMSIS/DoxyGen/Zone/src/images/CMSIS_Zone.pptx
+++ b/CMSIS/DoxyGen/Zone/src/images/CMSIS_Zone.pptx
@@ -5,10 +5,10 @@
     <p:sldMasterId id="2147483726" r:id="rId5"/>
   </p:sldMasterIdLst>
   <p:notesMasterIdLst>
-    <p:notesMasterId r:id="rId13"/>
+    <p:notesMasterId r:id="rId14"/>
   </p:notesMasterIdLst>
   <p:handoutMasterIdLst>
-    <p:handoutMasterId r:id="rId14"/>
+    <p:handoutMasterId r:id="rId15"/>
   </p:handoutMasterIdLst>
   <p:sldIdLst>
     <p:sldId id="369" r:id="rId6"/>
@@ -18,6 +18,7 @@
     <p:sldId id="378" r:id="rId10"/>
     <p:sldId id="374" r:id="rId11"/>
     <p:sldId id="376" r:id="rId12"/>
+    <p:sldId id="379" r:id="rId13"/>
   </p:sldIdLst>
   <p:sldSz cx="9144000" cy="5143500" type="screen16x9"/>
   <p:notesSz cx="6858000" cy="9144000"/>
@@ -252,7 +253,7 @@
               <a:rPr lang="en-US" smtClean="0">
                 <a:latin typeface="Gill Sans MT"/>
               </a:rPr>
-              <a:t>8/6/2018</a:t>
+              <a:t>2019-07-04</a:t>
             </a:fld>
             <a:endParaRPr lang="en-US" dirty="0">
               <a:latin typeface="Gill Sans MT"/>
@@ -431,7 +432,7 @@
             <a:fld id="{49FE4451-D2A5-554E-B842-8C4F3752E2A4}" type="datetimeFigureOut">
               <a:rPr lang="en-US" smtClean="0"/>
               <a:pPr/>
-              <a:t>8/6/2018</a:t>
+              <a:t>2019-07-04</a:t>
             </a:fld>
             <a:endParaRPr lang="en-US" dirty="0"/>
           </a:p>
@@ -20853,6 +20854,1148 @@
     <p:extLst>
       <p:ext uri="{BB962C8B-B14F-4D97-AF65-F5344CB8AC3E}">
         <p14:creationId xmlns:p14="http://schemas.microsoft.com/office/powerpoint/2010/main" val="3269818"/>
+      </p:ext>
+    </p:extLst>
+  </p:cSld>
+  <p:clrMapOvr>
+    <a:masterClrMapping/>
+  </p:clrMapOvr>
+</p:sld>
+</file>
+
+<file path=ppt/slides/slide8.xml><?xml version="1.0" encoding="utf-8"?>
+<p:sld xmlns:a="http://schemas.openxmlformats.org/drawingml/2006/main" xmlns:r="http://schemas.openxmlformats.org/officeDocument/2006/relationships" xmlns:p="http://schemas.openxmlformats.org/presentationml/2006/main">
+  <p:cSld>
+    <p:spTree>
+      <p:nvGrpSpPr>
+        <p:cNvPr id="1" name=""/>
+        <p:cNvGrpSpPr/>
+        <p:nvPr/>
+      </p:nvGrpSpPr>
+      <p:grpSpPr>
+        <a:xfrm>
+          <a:off x="0" y="0"/>
+          <a:ext cx="0" cy="0"/>
+          <a:chOff x="0" y="0"/>
+          <a:chExt cx="0" cy="0"/>
+        </a:xfrm>
+      </p:grpSpPr>
+      <p:sp>
+        <p:nvSpPr>
+          <p:cNvPr id="60" name="TextBox 59">
+            <a:extLst>
+              <a:ext uri="{FF2B5EF4-FFF2-40B4-BE49-F238E27FC236}">
+                <a16:creationId xmlns:a16="http://schemas.microsoft.com/office/drawing/2014/main" id="{52049D08-E9EE-4BCE-942E-28ED4F39EE35}"/>
+              </a:ext>
+            </a:extLst>
+          </p:cNvPr>
+          <p:cNvSpPr txBox="1"/>
+          <p:nvPr/>
+        </p:nvSpPr>
+        <p:spPr>
+          <a:xfrm>
+            <a:off x="288130" y="1440482"/>
+            <a:ext cx="2428258" cy="261610"/>
+          </a:xfrm>
+          <a:prstGeom prst="rect">
+            <a:avLst/>
+          </a:prstGeom>
+          <a:noFill/>
+        </p:spPr>
+        <p:txBody>
+          <a:bodyPr wrap="square" rtlCol="0">
+            <a:spAutoFit/>
+          </a:bodyPr>
+          <a:lstStyle/>
+          <a:p>
+            <a:r>
+              <a:rPr lang="en-US" sz="1100" dirty="0">
+                <a:solidFill>
+                  <a:schemeClr val="tx1">
+                    <a:lumMod val="60000"/>
+                    <a:lumOff val="40000"/>
+                  </a:schemeClr>
+                </a:solidFill>
+              </a:rPr>
+              <a:t>system_LPC55S69_cm33_core0.h</a:t>
+            </a:r>
+          </a:p>
+        </p:txBody>
+      </p:sp>
+      <p:sp>
+        <p:nvSpPr>
+          <p:cNvPr id="6" name="Oval 5">
+            <a:extLst>
+              <a:ext uri="{FF2B5EF4-FFF2-40B4-BE49-F238E27FC236}">
+                <a16:creationId xmlns:a16="http://schemas.microsoft.com/office/drawing/2014/main" id="{352617A8-FA63-4EF0-9CD2-5D6637F325D3}"/>
+              </a:ext>
+            </a:extLst>
+          </p:cNvPr>
+          <p:cNvSpPr/>
+          <p:nvPr/>
+        </p:nvSpPr>
+        <p:spPr>
+          <a:xfrm>
+            <a:off x="288130" y="244591"/>
+            <a:ext cx="2448000" cy="376850"/>
+          </a:xfrm>
+          <a:prstGeom prst="ellipse">
+            <a:avLst/>
+          </a:prstGeom>
+          <a:solidFill>
+            <a:schemeClr val="accent6">
+              <a:lumMod val="50000"/>
+            </a:schemeClr>
+          </a:solidFill>
+          <a:ln>
+            <a:noFill/>
+          </a:ln>
+        </p:spPr>
+        <p:style>
+          <a:lnRef idx="2">
+            <a:schemeClr val="accent1">
+              <a:shade val="50000"/>
+            </a:schemeClr>
+          </a:lnRef>
+          <a:fillRef idx="1">
+            <a:schemeClr val="accent1"/>
+          </a:fillRef>
+          <a:effectRef idx="0">
+            <a:schemeClr val="accent1"/>
+          </a:effectRef>
+          <a:fontRef idx="minor">
+            <a:schemeClr val="lt1"/>
+          </a:fontRef>
+        </p:style>
+        <p:txBody>
+          <a:bodyPr rtlCol="0" anchor="ctr"/>
+          <a:lstStyle/>
+          <a:p>
+            <a:pPr algn="ctr"/>
+            <a:r>
+              <a:rPr lang="en-US" sz="1400" dirty="0"/>
+              <a:t>Reset</a:t>
+            </a:r>
+          </a:p>
+        </p:txBody>
+      </p:sp>
+      <p:sp>
+        <p:nvSpPr>
+          <p:cNvPr id="9" name="Rectangle 8">
+            <a:extLst>
+              <a:ext uri="{FF2B5EF4-FFF2-40B4-BE49-F238E27FC236}">
+                <a16:creationId xmlns:a16="http://schemas.microsoft.com/office/drawing/2014/main" id="{877A1B7A-CDEB-42E5-8297-E2F99B7CAB83}"/>
+              </a:ext>
+            </a:extLst>
+          </p:cNvPr>
+          <p:cNvSpPr/>
+          <p:nvPr/>
+        </p:nvSpPr>
+        <p:spPr>
+          <a:xfrm>
+            <a:off x="288130" y="852007"/>
+            <a:ext cx="2448000" cy="487414"/>
+          </a:xfrm>
+          <a:prstGeom prst="rect">
+            <a:avLst/>
+          </a:prstGeom>
+          <a:solidFill>
+            <a:srgbClr val="128CAB"/>
+          </a:solidFill>
+          <a:ln>
+            <a:noFill/>
+          </a:ln>
+        </p:spPr>
+        <p:style>
+          <a:lnRef idx="2">
+            <a:schemeClr val="accent1">
+              <a:shade val="50000"/>
+            </a:schemeClr>
+          </a:lnRef>
+          <a:fillRef idx="1">
+            <a:schemeClr val="accent1"/>
+          </a:fillRef>
+          <a:effectRef idx="0">
+            <a:schemeClr val="accent1"/>
+          </a:effectRef>
+          <a:fontRef idx="minor">
+            <a:schemeClr val="lt1"/>
+          </a:fontRef>
+        </p:style>
+        <p:txBody>
+          <a:bodyPr rtlCol="0" anchor="ctr"/>
+          <a:lstStyle/>
+          <a:p>
+            <a:pPr algn="ctr"/>
+            <a:r>
+              <a:rPr lang="en-US" sz="1400" dirty="0"/>
+              <a:t>Execute </a:t>
+            </a:r>
+          </a:p>
+          <a:p>
+            <a:pPr algn="ctr"/>
+            <a:r>
+              <a:rPr lang="en-US" sz="1400" dirty="0"/>
+              <a:t>Reset Handler</a:t>
+            </a:r>
+          </a:p>
+        </p:txBody>
+      </p:sp>
+      <p:cxnSp>
+        <p:nvCxnSpPr>
+          <p:cNvPr id="11" name="Straight Arrow Connector 10">
+            <a:extLst>
+              <a:ext uri="{FF2B5EF4-FFF2-40B4-BE49-F238E27FC236}">
+                <a16:creationId xmlns:a16="http://schemas.microsoft.com/office/drawing/2014/main" id="{D0F90F8C-AC58-4943-9620-51BDB2A93D9C}"/>
+              </a:ext>
+            </a:extLst>
+          </p:cNvPr>
+          <p:cNvCxnSpPr>
+            <a:cxnSpLocks/>
+            <a:stCxn id="6" idx="4"/>
+            <a:endCxn id="9" idx="0"/>
+          </p:cNvCxnSpPr>
+          <p:nvPr/>
+        </p:nvCxnSpPr>
+        <p:spPr>
+          <a:xfrm>
+            <a:off x="1512130" y="621441"/>
+            <a:ext cx="0" cy="230566"/>
+          </a:xfrm>
+          <a:prstGeom prst="straightConnector1">
+            <a:avLst/>
+          </a:prstGeom>
+          <a:ln w="9525" cap="flat" cmpd="sng" algn="ctr">
+            <a:solidFill>
+              <a:schemeClr val="dk1"/>
+            </a:solidFill>
+            <a:prstDash val="dash"/>
+            <a:round/>
+            <a:headEnd type="none" w="med" len="med"/>
+            <a:tailEnd type="triangle" w="med" len="med"/>
+          </a:ln>
+        </p:spPr>
+        <p:style>
+          <a:lnRef idx="0">
+            <a:scrgbClr r="0" g="0" b="0"/>
+          </a:lnRef>
+          <a:fillRef idx="0">
+            <a:scrgbClr r="0" g="0" b="0"/>
+          </a:fillRef>
+          <a:effectRef idx="0">
+            <a:scrgbClr r="0" g="0" b="0"/>
+          </a:effectRef>
+          <a:fontRef idx="minor">
+            <a:schemeClr val="tx1"/>
+          </a:fontRef>
+        </p:style>
+      </p:cxnSp>
+      <p:sp>
+        <p:nvSpPr>
+          <p:cNvPr id="16" name="Rectangle 15">
+            <a:extLst>
+              <a:ext uri="{FF2B5EF4-FFF2-40B4-BE49-F238E27FC236}">
+                <a16:creationId xmlns:a16="http://schemas.microsoft.com/office/drawing/2014/main" id="{51EC84FB-76DB-448E-A973-8ABF5E48E1F3}"/>
+              </a:ext>
+            </a:extLst>
+          </p:cNvPr>
+          <p:cNvSpPr/>
+          <p:nvPr/>
+        </p:nvSpPr>
+        <p:spPr>
+          <a:xfrm>
+            <a:off x="288130" y="1695879"/>
+            <a:ext cx="2448000" cy="360000"/>
+          </a:xfrm>
+          <a:prstGeom prst="rect">
+            <a:avLst/>
+          </a:prstGeom>
+          <a:solidFill>
+            <a:srgbClr val="128CAB"/>
+          </a:solidFill>
+          <a:ln>
+            <a:noFill/>
+          </a:ln>
+        </p:spPr>
+        <p:style>
+          <a:lnRef idx="2">
+            <a:schemeClr val="accent1">
+              <a:shade val="50000"/>
+            </a:schemeClr>
+          </a:lnRef>
+          <a:fillRef idx="1">
+            <a:schemeClr val="accent1"/>
+          </a:fillRef>
+          <a:effectRef idx="0">
+            <a:schemeClr val="accent1"/>
+          </a:effectRef>
+          <a:fontRef idx="minor">
+            <a:schemeClr val="lt1"/>
+          </a:fontRef>
+        </p:style>
+        <p:txBody>
+          <a:bodyPr rtlCol="0" anchor="ctr"/>
+          <a:lstStyle/>
+          <a:p>
+            <a:pPr algn="ctr"/>
+            <a:r>
+              <a:rPr lang="en-US" sz="1400" dirty="0" err="1">
+                <a:solidFill>
+                  <a:schemeClr val="bg1"/>
+                </a:solidFill>
+                <a:latin typeface="Courier New" panose="02070309020205020404" pitchFamily="49" charset="0"/>
+                <a:cs typeface="Courier New" panose="02070309020205020404" pitchFamily="49" charset="0"/>
+              </a:rPr>
+              <a:t>SystemInit</a:t>
+            </a:r>
+            <a:r>
+              <a:rPr lang="en-US" sz="1400" dirty="0">
+                <a:solidFill>
+                  <a:schemeClr val="bg1"/>
+                </a:solidFill>
+                <a:latin typeface="Courier New" panose="02070309020205020404" pitchFamily="49" charset="0"/>
+                <a:cs typeface="Courier New" panose="02070309020205020404" pitchFamily="49" charset="0"/>
+              </a:rPr>
+              <a:t>()</a:t>
+            </a:r>
+            <a:endParaRPr lang="en-US" sz="1400" dirty="0">
+              <a:solidFill>
+                <a:schemeClr val="bg1"/>
+              </a:solidFill>
+            </a:endParaRPr>
+          </a:p>
+        </p:txBody>
+      </p:sp>
+      <p:sp>
+        <p:nvSpPr>
+          <p:cNvPr id="17" name="Rectangle 16">
+            <a:extLst>
+              <a:ext uri="{FF2B5EF4-FFF2-40B4-BE49-F238E27FC236}">
+                <a16:creationId xmlns:a16="http://schemas.microsoft.com/office/drawing/2014/main" id="{B4CCBE86-CF6C-4174-AC74-1D4CBB06D893}"/>
+              </a:ext>
+            </a:extLst>
+          </p:cNvPr>
+          <p:cNvSpPr/>
+          <p:nvPr/>
+        </p:nvSpPr>
+        <p:spPr>
+          <a:xfrm>
+            <a:off x="288130" y="3444079"/>
+            <a:ext cx="2448000" cy="360000"/>
+          </a:xfrm>
+          <a:prstGeom prst="rect">
+            <a:avLst/>
+          </a:prstGeom>
+          <a:solidFill>
+            <a:srgbClr val="128CAB"/>
+          </a:solidFill>
+          <a:ln>
+            <a:noFill/>
+          </a:ln>
+        </p:spPr>
+        <p:style>
+          <a:lnRef idx="2">
+            <a:schemeClr val="accent1">
+              <a:shade val="50000"/>
+            </a:schemeClr>
+          </a:lnRef>
+          <a:fillRef idx="1">
+            <a:schemeClr val="accent1"/>
+          </a:fillRef>
+          <a:effectRef idx="0">
+            <a:schemeClr val="accent1"/>
+          </a:effectRef>
+          <a:fontRef idx="minor">
+            <a:schemeClr val="lt1"/>
+          </a:fontRef>
+        </p:style>
+        <p:txBody>
+          <a:bodyPr rtlCol="0" anchor="ctr"/>
+          <a:lstStyle/>
+          <a:p>
+            <a:pPr algn="ctr"/>
+            <a:r>
+              <a:rPr lang="en-US" sz="1400" dirty="0">
+                <a:latin typeface="Courier New" panose="02070309020205020404" pitchFamily="49" charset="0"/>
+                <a:cs typeface="Courier New" panose="02070309020205020404" pitchFamily="49" charset="0"/>
+              </a:rPr>
+              <a:t>__main(void)</a:t>
+            </a:r>
+          </a:p>
+        </p:txBody>
+      </p:sp>
+      <p:sp>
+        <p:nvSpPr>
+          <p:cNvPr id="30" name="Rectangle 29">
+            <a:extLst>
+              <a:ext uri="{FF2B5EF4-FFF2-40B4-BE49-F238E27FC236}">
+                <a16:creationId xmlns:a16="http://schemas.microsoft.com/office/drawing/2014/main" id="{71B69540-8240-4C98-8047-4209A7DA45A6}"/>
+              </a:ext>
+            </a:extLst>
+          </p:cNvPr>
+          <p:cNvSpPr/>
+          <p:nvPr/>
+        </p:nvSpPr>
+        <p:spPr>
+          <a:xfrm>
+            <a:off x="288130" y="2418758"/>
+            <a:ext cx="2448000" cy="360000"/>
+          </a:xfrm>
+          <a:prstGeom prst="rect">
+            <a:avLst/>
+          </a:prstGeom>
+          <a:solidFill>
+            <a:srgbClr val="128CAB"/>
+          </a:solidFill>
+          <a:ln>
+            <a:noFill/>
+          </a:ln>
+        </p:spPr>
+        <p:style>
+          <a:lnRef idx="2">
+            <a:schemeClr val="accent1">
+              <a:shade val="50000"/>
+            </a:schemeClr>
+          </a:lnRef>
+          <a:fillRef idx="1">
+            <a:schemeClr val="accent1"/>
+          </a:fillRef>
+          <a:effectRef idx="0">
+            <a:schemeClr val="accent1"/>
+          </a:effectRef>
+          <a:fontRef idx="minor">
+            <a:schemeClr val="lt1"/>
+          </a:fontRef>
+        </p:style>
+        <p:txBody>
+          <a:bodyPr rtlCol="0" anchor="ctr"/>
+          <a:lstStyle/>
+          <a:p>
+            <a:pPr algn="ctr"/>
+            <a:r>
+              <a:rPr lang="en-US" sz="1400" dirty="0" err="1">
+                <a:solidFill>
+                  <a:schemeClr val="bg1"/>
+                </a:solidFill>
+                <a:latin typeface="Courier New" panose="02070309020205020404" pitchFamily="49" charset="0"/>
+                <a:cs typeface="Courier New" panose="02070309020205020404" pitchFamily="49" charset="0"/>
+              </a:rPr>
+              <a:t>SystemInitHook</a:t>
+            </a:r>
+            <a:r>
+              <a:rPr lang="en-US" sz="1400" dirty="0">
+                <a:solidFill>
+                  <a:schemeClr val="bg1"/>
+                </a:solidFill>
+                <a:latin typeface="Courier New" panose="02070309020205020404" pitchFamily="49" charset="0"/>
+                <a:cs typeface="Courier New" panose="02070309020205020404" pitchFamily="49" charset="0"/>
+              </a:rPr>
+              <a:t>()</a:t>
+            </a:r>
+            <a:endParaRPr lang="en-US" sz="1400" dirty="0">
+              <a:solidFill>
+                <a:schemeClr val="bg1"/>
+              </a:solidFill>
+            </a:endParaRPr>
+          </a:p>
+        </p:txBody>
+      </p:sp>
+      <p:sp>
+        <p:nvSpPr>
+          <p:cNvPr id="32" name="Rectangle 31">
+            <a:extLst>
+              <a:ext uri="{FF2B5EF4-FFF2-40B4-BE49-F238E27FC236}">
+                <a16:creationId xmlns:a16="http://schemas.microsoft.com/office/drawing/2014/main" id="{67AF0B0F-3BB9-483F-8EA4-5CE68F88A609}"/>
+              </a:ext>
+            </a:extLst>
+          </p:cNvPr>
+          <p:cNvSpPr/>
+          <p:nvPr/>
+        </p:nvSpPr>
+        <p:spPr>
+          <a:xfrm>
+            <a:off x="3070630" y="2418758"/>
+            <a:ext cx="2448000" cy="360000"/>
+          </a:xfrm>
+          <a:prstGeom prst="rect">
+            <a:avLst/>
+          </a:prstGeom>
+          <a:solidFill>
+            <a:srgbClr val="128CAB"/>
+          </a:solidFill>
+          <a:ln>
+            <a:noFill/>
+          </a:ln>
+        </p:spPr>
+        <p:style>
+          <a:lnRef idx="2">
+            <a:schemeClr val="accent1">
+              <a:shade val="50000"/>
+            </a:schemeClr>
+          </a:lnRef>
+          <a:fillRef idx="1">
+            <a:schemeClr val="accent1"/>
+          </a:fillRef>
+          <a:effectRef idx="0">
+            <a:schemeClr val="accent1"/>
+          </a:effectRef>
+          <a:fontRef idx="minor">
+            <a:schemeClr val="lt1"/>
+          </a:fontRef>
+        </p:style>
+        <p:txBody>
+          <a:bodyPr rtlCol="0" anchor="ctr"/>
+          <a:lstStyle/>
+          <a:p>
+            <a:pPr algn="ctr"/>
+            <a:r>
+              <a:rPr lang="en-US" sz="1400" dirty="0" err="1">
+                <a:solidFill>
+                  <a:schemeClr val="bg1"/>
+                </a:solidFill>
+                <a:latin typeface="Courier New" panose="02070309020205020404" pitchFamily="49" charset="0"/>
+                <a:cs typeface="Courier New" panose="02070309020205020404" pitchFamily="49" charset="0"/>
+              </a:rPr>
+              <a:t>BOARD_InitTrustZone</a:t>
+            </a:r>
+            <a:r>
+              <a:rPr lang="en-US" sz="1400" dirty="0">
+                <a:solidFill>
+                  <a:schemeClr val="bg1"/>
+                </a:solidFill>
+                <a:latin typeface="Courier New" panose="02070309020205020404" pitchFamily="49" charset="0"/>
+                <a:cs typeface="Courier New" panose="02070309020205020404" pitchFamily="49" charset="0"/>
+              </a:rPr>
+              <a:t>()</a:t>
+            </a:r>
+            <a:endParaRPr lang="en-US" sz="1400" dirty="0">
+              <a:solidFill>
+                <a:schemeClr val="bg1"/>
+              </a:solidFill>
+            </a:endParaRPr>
+          </a:p>
+        </p:txBody>
+      </p:sp>
+      <p:sp>
+        <p:nvSpPr>
+          <p:cNvPr id="33" name="Rectangle 32">
+            <a:extLst>
+              <a:ext uri="{FF2B5EF4-FFF2-40B4-BE49-F238E27FC236}">
+                <a16:creationId xmlns:a16="http://schemas.microsoft.com/office/drawing/2014/main" id="{3368452A-B271-4347-9265-4E87A061FC22}"/>
+              </a:ext>
+            </a:extLst>
+          </p:cNvPr>
+          <p:cNvSpPr/>
+          <p:nvPr/>
+        </p:nvSpPr>
+        <p:spPr>
+          <a:xfrm>
+            <a:off x="5806102" y="2418758"/>
+            <a:ext cx="2448000" cy="720000"/>
+          </a:xfrm>
+          <a:prstGeom prst="rect">
+            <a:avLst/>
+          </a:prstGeom>
+          <a:solidFill>
+            <a:srgbClr val="128CAB"/>
+          </a:solidFill>
+          <a:ln>
+            <a:noFill/>
+          </a:ln>
+        </p:spPr>
+        <p:style>
+          <a:lnRef idx="2">
+            <a:schemeClr val="accent1">
+              <a:shade val="50000"/>
+            </a:schemeClr>
+          </a:lnRef>
+          <a:fillRef idx="1">
+            <a:schemeClr val="accent1"/>
+          </a:fillRef>
+          <a:effectRef idx="0">
+            <a:schemeClr val="accent1"/>
+          </a:effectRef>
+          <a:fontRef idx="minor">
+            <a:schemeClr val="lt1"/>
+          </a:fontRef>
+        </p:style>
+        <p:txBody>
+          <a:bodyPr rtlCol="0" anchor="ctr"/>
+          <a:lstStyle/>
+          <a:p>
+            <a:pPr algn="ctr"/>
+            <a:r>
+              <a:rPr lang="en-US" sz="1400" dirty="0" err="1">
+                <a:solidFill>
+                  <a:schemeClr val="bg1"/>
+                </a:solidFill>
+                <a:latin typeface="Courier New" panose="02070309020205020404" pitchFamily="49" charset="0"/>
+                <a:cs typeface="Courier New" panose="02070309020205020404" pitchFamily="49" charset="0"/>
+              </a:rPr>
+              <a:t>TZM_Config_MPC</a:t>
+            </a:r>
+            <a:r>
+              <a:rPr lang="en-US" sz="1400" dirty="0">
+                <a:solidFill>
+                  <a:schemeClr val="bg1"/>
+                </a:solidFill>
+                <a:latin typeface="Courier New" panose="02070309020205020404" pitchFamily="49" charset="0"/>
+                <a:cs typeface="Courier New" panose="02070309020205020404" pitchFamily="49" charset="0"/>
+              </a:rPr>
+              <a:t>();</a:t>
+            </a:r>
+          </a:p>
+          <a:p>
+            <a:pPr algn="ctr"/>
+            <a:r>
+              <a:rPr lang="en-US" sz="1400" dirty="0" err="1">
+                <a:solidFill>
+                  <a:schemeClr val="bg1"/>
+                </a:solidFill>
+                <a:latin typeface="Courier New" panose="02070309020205020404" pitchFamily="49" charset="0"/>
+                <a:cs typeface="Courier New" panose="02070309020205020404" pitchFamily="49" charset="0"/>
+              </a:rPr>
+              <a:t>TZM_Config_PPC</a:t>
+            </a:r>
+            <a:r>
+              <a:rPr lang="en-US" sz="1400" dirty="0">
+                <a:solidFill>
+                  <a:schemeClr val="bg1"/>
+                </a:solidFill>
+                <a:latin typeface="Courier New" panose="02070309020205020404" pitchFamily="49" charset="0"/>
+                <a:cs typeface="Courier New" panose="02070309020205020404" pitchFamily="49" charset="0"/>
+              </a:rPr>
+              <a:t>();</a:t>
+            </a:r>
+            <a:endParaRPr lang="en-US" sz="1400" dirty="0">
+              <a:solidFill>
+                <a:schemeClr val="bg1"/>
+              </a:solidFill>
+            </a:endParaRPr>
+          </a:p>
+          <a:p>
+            <a:pPr algn="ctr"/>
+            <a:r>
+              <a:rPr lang="en-US" sz="1400" dirty="0" err="1">
+                <a:solidFill>
+                  <a:schemeClr val="bg1"/>
+                </a:solidFill>
+                <a:latin typeface="Courier New" panose="02070309020205020404" pitchFamily="49" charset="0"/>
+                <a:cs typeface="Courier New" panose="02070309020205020404" pitchFamily="49" charset="0"/>
+              </a:rPr>
+              <a:t>TZM_Config_SAU</a:t>
+            </a:r>
+            <a:r>
+              <a:rPr lang="en-US" sz="1400" dirty="0">
+                <a:solidFill>
+                  <a:schemeClr val="bg1"/>
+                </a:solidFill>
+                <a:latin typeface="Courier New" panose="02070309020205020404" pitchFamily="49" charset="0"/>
+                <a:cs typeface="Courier New" panose="02070309020205020404" pitchFamily="49" charset="0"/>
+              </a:rPr>
+              <a:t>();</a:t>
+            </a:r>
+            <a:endParaRPr lang="en-US" sz="1400" dirty="0">
+              <a:solidFill>
+                <a:schemeClr val="bg1"/>
+              </a:solidFill>
+            </a:endParaRPr>
+          </a:p>
+        </p:txBody>
+      </p:sp>
+      <p:cxnSp>
+        <p:nvCxnSpPr>
+          <p:cNvPr id="38" name="Straight Arrow Connector 37">
+            <a:extLst>
+              <a:ext uri="{FF2B5EF4-FFF2-40B4-BE49-F238E27FC236}">
+                <a16:creationId xmlns:a16="http://schemas.microsoft.com/office/drawing/2014/main" id="{5402039D-AB17-4A55-B663-4D871DA12D5D}"/>
+              </a:ext>
+            </a:extLst>
+          </p:cNvPr>
+          <p:cNvCxnSpPr>
+            <a:cxnSpLocks/>
+            <a:stCxn id="9" idx="2"/>
+            <a:endCxn id="16" idx="0"/>
+          </p:cNvCxnSpPr>
+          <p:nvPr/>
+        </p:nvCxnSpPr>
+        <p:spPr>
+          <a:xfrm>
+            <a:off x="1512130" y="1339421"/>
+            <a:ext cx="0" cy="356458"/>
+          </a:xfrm>
+          <a:prstGeom prst="straightConnector1">
+            <a:avLst/>
+          </a:prstGeom>
+          <a:ln w="9525" cap="flat" cmpd="sng" algn="ctr">
+            <a:solidFill>
+              <a:schemeClr val="dk1"/>
+            </a:solidFill>
+            <a:prstDash val="dash"/>
+            <a:round/>
+            <a:headEnd type="none" w="med" len="med"/>
+            <a:tailEnd type="triangle" w="med" len="med"/>
+          </a:ln>
+        </p:spPr>
+        <p:style>
+          <a:lnRef idx="0">
+            <a:scrgbClr r="0" g="0" b="0"/>
+          </a:lnRef>
+          <a:fillRef idx="0">
+            <a:scrgbClr r="0" g="0" b="0"/>
+          </a:fillRef>
+          <a:effectRef idx="0">
+            <a:scrgbClr r="0" g="0" b="0"/>
+          </a:effectRef>
+          <a:fontRef idx="minor">
+            <a:schemeClr val="tx1"/>
+          </a:fontRef>
+        </p:style>
+      </p:cxnSp>
+      <p:cxnSp>
+        <p:nvCxnSpPr>
+          <p:cNvPr id="41" name="Straight Arrow Connector 40">
+            <a:extLst>
+              <a:ext uri="{FF2B5EF4-FFF2-40B4-BE49-F238E27FC236}">
+                <a16:creationId xmlns:a16="http://schemas.microsoft.com/office/drawing/2014/main" id="{AC456FC7-852C-47FE-BE02-3568B767D28D}"/>
+              </a:ext>
+            </a:extLst>
+          </p:cNvPr>
+          <p:cNvCxnSpPr>
+            <a:cxnSpLocks/>
+            <a:stCxn id="16" idx="2"/>
+            <a:endCxn id="30" idx="0"/>
+          </p:cNvCxnSpPr>
+          <p:nvPr/>
+        </p:nvCxnSpPr>
+        <p:spPr>
+          <a:xfrm>
+            <a:off x="1512130" y="2055879"/>
+            <a:ext cx="0" cy="362879"/>
+          </a:xfrm>
+          <a:prstGeom prst="straightConnector1">
+            <a:avLst/>
+          </a:prstGeom>
+          <a:ln w="9525" cap="flat" cmpd="sng" algn="ctr">
+            <a:solidFill>
+              <a:schemeClr val="dk1"/>
+            </a:solidFill>
+            <a:prstDash val="dash"/>
+            <a:round/>
+            <a:headEnd type="none" w="med" len="med"/>
+            <a:tailEnd type="triangle" w="med" len="med"/>
+          </a:ln>
+        </p:spPr>
+        <p:style>
+          <a:lnRef idx="0">
+            <a:scrgbClr r="0" g="0" b="0"/>
+          </a:lnRef>
+          <a:fillRef idx="0">
+            <a:scrgbClr r="0" g="0" b="0"/>
+          </a:fillRef>
+          <a:effectRef idx="0">
+            <a:scrgbClr r="0" g="0" b="0"/>
+          </a:effectRef>
+          <a:fontRef idx="minor">
+            <a:schemeClr val="tx1"/>
+          </a:fontRef>
+        </p:style>
+      </p:cxnSp>
+      <p:cxnSp>
+        <p:nvCxnSpPr>
+          <p:cNvPr id="44" name="Straight Arrow Connector 43">
+            <a:extLst>
+              <a:ext uri="{FF2B5EF4-FFF2-40B4-BE49-F238E27FC236}">
+                <a16:creationId xmlns:a16="http://schemas.microsoft.com/office/drawing/2014/main" id="{89777F31-018C-4906-AB4E-0F37C420F471}"/>
+              </a:ext>
+            </a:extLst>
+          </p:cNvPr>
+          <p:cNvCxnSpPr>
+            <a:cxnSpLocks/>
+            <a:stCxn id="30" idx="3"/>
+            <a:endCxn id="32" idx="1"/>
+          </p:cNvCxnSpPr>
+          <p:nvPr/>
+        </p:nvCxnSpPr>
+        <p:spPr>
+          <a:xfrm>
+            <a:off x="2736130" y="2598758"/>
+            <a:ext cx="334500" cy="0"/>
+          </a:xfrm>
+          <a:prstGeom prst="straightConnector1">
+            <a:avLst/>
+          </a:prstGeom>
+          <a:ln w="9525" cap="flat" cmpd="sng" algn="ctr">
+            <a:solidFill>
+              <a:schemeClr val="dk1"/>
+            </a:solidFill>
+            <a:prstDash val="dash"/>
+            <a:round/>
+            <a:headEnd type="none" w="med" len="med"/>
+            <a:tailEnd type="triangle" w="med" len="med"/>
+          </a:ln>
+        </p:spPr>
+        <p:style>
+          <a:lnRef idx="0">
+            <a:scrgbClr r="0" g="0" b="0"/>
+          </a:lnRef>
+          <a:fillRef idx="0">
+            <a:scrgbClr r="0" g="0" b="0"/>
+          </a:fillRef>
+          <a:effectRef idx="0">
+            <a:scrgbClr r="0" g="0" b="0"/>
+          </a:effectRef>
+          <a:fontRef idx="minor">
+            <a:schemeClr val="tx1"/>
+          </a:fontRef>
+        </p:style>
+      </p:cxnSp>
+      <p:cxnSp>
+        <p:nvCxnSpPr>
+          <p:cNvPr id="54" name="Connector: Elbow 53">
+            <a:extLst>
+              <a:ext uri="{FF2B5EF4-FFF2-40B4-BE49-F238E27FC236}">
+                <a16:creationId xmlns:a16="http://schemas.microsoft.com/office/drawing/2014/main" id="{F0DEC3D6-5C2E-4D43-839B-D929285399C8}"/>
+              </a:ext>
+            </a:extLst>
+          </p:cNvPr>
+          <p:cNvCxnSpPr>
+            <a:cxnSpLocks/>
+            <a:stCxn id="33" idx="2"/>
+            <a:endCxn id="17" idx="3"/>
+          </p:cNvCxnSpPr>
+          <p:nvPr/>
+        </p:nvCxnSpPr>
+        <p:spPr>
+          <a:xfrm rot="5400000">
+            <a:off x="4640456" y="1234432"/>
+            <a:ext cx="485321" cy="4293972"/>
+          </a:xfrm>
+          <a:prstGeom prst="bentConnector2">
+            <a:avLst/>
+          </a:prstGeom>
+          <a:ln w="9525" cmpd="sng">
+            <a:solidFill>
+              <a:schemeClr val="tx1"/>
+            </a:solidFill>
+            <a:prstDash val="dash"/>
+            <a:headEnd type="none" w="med" len="med"/>
+            <a:tailEnd type="triangle"/>
+          </a:ln>
+          <a:effectLst/>
+        </p:spPr>
+        <p:style>
+          <a:lnRef idx="2">
+            <a:schemeClr val="accent1"/>
+          </a:lnRef>
+          <a:fillRef idx="0">
+            <a:schemeClr val="accent1"/>
+          </a:fillRef>
+          <a:effectRef idx="1">
+            <a:schemeClr val="accent1"/>
+          </a:effectRef>
+          <a:fontRef idx="minor">
+            <a:schemeClr val="tx1"/>
+          </a:fontRef>
+        </p:style>
+      </p:cxnSp>
+      <p:cxnSp>
+        <p:nvCxnSpPr>
+          <p:cNvPr id="55" name="Connector: Elbow 54">
+            <a:extLst>
+              <a:ext uri="{FF2B5EF4-FFF2-40B4-BE49-F238E27FC236}">
+                <a16:creationId xmlns:a16="http://schemas.microsoft.com/office/drawing/2014/main" id="{7554D2E7-01A9-4504-B3E5-FAA87B006506}"/>
+              </a:ext>
+            </a:extLst>
+          </p:cNvPr>
+          <p:cNvCxnSpPr>
+            <a:cxnSpLocks/>
+            <a:stCxn id="32" idx="3"/>
+            <a:endCxn id="33" idx="1"/>
+          </p:cNvCxnSpPr>
+          <p:nvPr/>
+        </p:nvCxnSpPr>
+        <p:spPr>
+          <a:xfrm>
+            <a:off x="5518630" y="2598758"/>
+            <a:ext cx="287472" cy="180000"/>
+          </a:xfrm>
+          <a:prstGeom prst="bentConnector3">
+            <a:avLst>
+              <a:gd name="adj1" fmla="val 50000"/>
+            </a:avLst>
+          </a:prstGeom>
+          <a:ln w="9525" cmpd="sng">
+            <a:solidFill>
+              <a:schemeClr val="tx1"/>
+            </a:solidFill>
+            <a:prstDash val="dash"/>
+            <a:headEnd type="none" w="med" len="med"/>
+            <a:tailEnd type="triangle"/>
+          </a:ln>
+          <a:effectLst/>
+        </p:spPr>
+        <p:style>
+          <a:lnRef idx="2">
+            <a:schemeClr val="accent1"/>
+          </a:lnRef>
+          <a:fillRef idx="0">
+            <a:schemeClr val="accent1"/>
+          </a:fillRef>
+          <a:effectRef idx="1">
+            <a:schemeClr val="accent1"/>
+          </a:effectRef>
+          <a:fontRef idx="minor">
+            <a:schemeClr val="tx1"/>
+          </a:fontRef>
+        </p:style>
+      </p:cxnSp>
+      <p:sp>
+        <p:nvSpPr>
+          <p:cNvPr id="58" name="TextBox 57">
+            <a:extLst>
+              <a:ext uri="{FF2B5EF4-FFF2-40B4-BE49-F238E27FC236}">
+                <a16:creationId xmlns:a16="http://schemas.microsoft.com/office/drawing/2014/main" id="{C4A87B43-ACD5-494B-84BA-2EC7756A4968}"/>
+              </a:ext>
+            </a:extLst>
+          </p:cNvPr>
+          <p:cNvSpPr txBox="1"/>
+          <p:nvPr/>
+        </p:nvSpPr>
+        <p:spPr>
+          <a:xfrm>
+            <a:off x="3070407" y="2157147"/>
+            <a:ext cx="2428258" cy="261610"/>
+          </a:xfrm>
+          <a:prstGeom prst="rect">
+            <a:avLst/>
+          </a:prstGeom>
+          <a:noFill/>
+        </p:spPr>
+        <p:txBody>
+          <a:bodyPr wrap="square" rtlCol="0">
+            <a:spAutoFit/>
+          </a:bodyPr>
+          <a:lstStyle/>
+          <a:p>
+            <a:r>
+              <a:rPr lang="en-US" sz="1100" dirty="0" err="1">
+                <a:solidFill>
+                  <a:schemeClr val="tx1">
+                    <a:lumMod val="60000"/>
+                    <a:lumOff val="40000"/>
+                  </a:schemeClr>
+                </a:solidFill>
+              </a:rPr>
+              <a:t>tzm_config.c</a:t>
+            </a:r>
+            <a:endParaRPr lang="en-US" sz="1100" dirty="0">
+              <a:solidFill>
+                <a:schemeClr val="tx1">
+                  <a:lumMod val="60000"/>
+                  <a:lumOff val="40000"/>
+                </a:schemeClr>
+              </a:solidFill>
+            </a:endParaRPr>
+          </a:p>
+        </p:txBody>
+      </p:sp>
+      <p:sp>
+        <p:nvSpPr>
+          <p:cNvPr id="59" name="TextBox 58">
+            <a:extLst>
+              <a:ext uri="{FF2B5EF4-FFF2-40B4-BE49-F238E27FC236}">
+                <a16:creationId xmlns:a16="http://schemas.microsoft.com/office/drawing/2014/main" id="{3739D284-2208-47D8-AA23-FD7C8E7AA9B0}"/>
+              </a:ext>
+            </a:extLst>
+          </p:cNvPr>
+          <p:cNvSpPr txBox="1"/>
+          <p:nvPr/>
+        </p:nvSpPr>
+        <p:spPr>
+          <a:xfrm>
+            <a:off x="5806102" y="1818593"/>
+            <a:ext cx="2428258" cy="600164"/>
+          </a:xfrm>
+          <a:prstGeom prst="rect">
+            <a:avLst/>
+          </a:prstGeom>
+          <a:noFill/>
+        </p:spPr>
+        <p:txBody>
+          <a:bodyPr wrap="square" rtlCol="0">
+            <a:spAutoFit/>
+          </a:bodyPr>
+          <a:lstStyle/>
+          <a:p>
+            <a:r>
+              <a:rPr lang="en-US" sz="1100" dirty="0" err="1">
+                <a:solidFill>
+                  <a:schemeClr val="tx1">
+                    <a:lumMod val="60000"/>
+                    <a:lumOff val="40000"/>
+                  </a:schemeClr>
+                </a:solidFill>
+              </a:rPr>
+              <a:t>tzm_config_mpc.c</a:t>
+            </a:r>
+            <a:endParaRPr lang="en-US" sz="1100" dirty="0">
+              <a:solidFill>
+                <a:schemeClr val="tx1">
+                  <a:lumMod val="60000"/>
+                  <a:lumOff val="40000"/>
+                </a:schemeClr>
+              </a:solidFill>
+            </a:endParaRPr>
+          </a:p>
+          <a:p>
+            <a:r>
+              <a:rPr lang="en-US" sz="1100" dirty="0" err="1">
+                <a:solidFill>
+                  <a:schemeClr val="tx1">
+                    <a:lumMod val="60000"/>
+                    <a:lumOff val="40000"/>
+                  </a:schemeClr>
+                </a:solidFill>
+              </a:rPr>
+              <a:t>tzm_config_ppc.c</a:t>
+            </a:r>
+            <a:endParaRPr lang="en-US" sz="1100" dirty="0">
+              <a:solidFill>
+                <a:schemeClr val="tx1">
+                  <a:lumMod val="60000"/>
+                  <a:lumOff val="40000"/>
+                </a:schemeClr>
+              </a:solidFill>
+            </a:endParaRPr>
+          </a:p>
+          <a:p>
+            <a:r>
+              <a:rPr lang="en-US" sz="1100" dirty="0" err="1">
+                <a:solidFill>
+                  <a:schemeClr val="tx1">
+                    <a:lumMod val="60000"/>
+                    <a:lumOff val="40000"/>
+                  </a:schemeClr>
+                </a:solidFill>
+              </a:rPr>
+              <a:t>tzm_config_sau.c</a:t>
+            </a:r>
+            <a:endParaRPr lang="en-US" sz="1100" dirty="0">
+              <a:solidFill>
+                <a:schemeClr val="tx1">
+                  <a:lumMod val="60000"/>
+                  <a:lumOff val="40000"/>
+                </a:schemeClr>
+              </a:solidFill>
+            </a:endParaRPr>
+          </a:p>
+        </p:txBody>
+      </p:sp>
+      <p:sp>
+        <p:nvSpPr>
+          <p:cNvPr id="18" name="TextBox 17">
+            <a:extLst>
+              <a:ext uri="{FF2B5EF4-FFF2-40B4-BE49-F238E27FC236}">
+                <a16:creationId xmlns:a16="http://schemas.microsoft.com/office/drawing/2014/main" id="{1B4A1A03-7F89-41C5-9CB1-3770A7658147}"/>
+              </a:ext>
+            </a:extLst>
+          </p:cNvPr>
+          <p:cNvSpPr txBox="1"/>
+          <p:nvPr/>
+        </p:nvSpPr>
+        <p:spPr>
+          <a:xfrm>
+            <a:off x="288130" y="3182469"/>
+            <a:ext cx="2428258" cy="261610"/>
+          </a:xfrm>
+          <a:prstGeom prst="rect">
+            <a:avLst/>
+          </a:prstGeom>
+          <a:noFill/>
+        </p:spPr>
+        <p:txBody>
+          <a:bodyPr wrap="square" rtlCol="0">
+            <a:spAutoFit/>
+          </a:bodyPr>
+          <a:lstStyle/>
+          <a:p>
+            <a:r>
+              <a:rPr lang="en-US" sz="1100" dirty="0" err="1">
+                <a:solidFill>
+                  <a:schemeClr val="tx1">
+                    <a:lumMod val="60000"/>
+                    <a:lumOff val="40000"/>
+                  </a:schemeClr>
+                </a:solidFill>
+              </a:rPr>
+              <a:t>hello_world_s.c</a:t>
+            </a:r>
+            <a:endParaRPr lang="en-US" sz="1100" dirty="0">
+              <a:solidFill>
+                <a:schemeClr val="tx1">
+                  <a:lumMod val="60000"/>
+                  <a:lumOff val="40000"/>
+                </a:schemeClr>
+              </a:solidFill>
+            </a:endParaRPr>
+          </a:p>
+        </p:txBody>
+      </p:sp>
+      <p:sp>
+        <p:nvSpPr>
+          <p:cNvPr id="19" name="TextBox 18">
+            <a:extLst>
+              <a:ext uri="{FF2B5EF4-FFF2-40B4-BE49-F238E27FC236}">
+                <a16:creationId xmlns:a16="http://schemas.microsoft.com/office/drawing/2014/main" id="{28FF6988-323D-45F4-A740-E6F7B63FCB27}"/>
+              </a:ext>
+            </a:extLst>
+          </p:cNvPr>
+          <p:cNvSpPr txBox="1"/>
+          <p:nvPr/>
+        </p:nvSpPr>
+        <p:spPr>
+          <a:xfrm>
+            <a:off x="288130" y="2157148"/>
+            <a:ext cx="2428258" cy="261610"/>
+          </a:xfrm>
+          <a:prstGeom prst="rect">
+            <a:avLst/>
+          </a:prstGeom>
+          <a:noFill/>
+        </p:spPr>
+        <p:txBody>
+          <a:bodyPr wrap="square" rtlCol="0">
+            <a:spAutoFit/>
+          </a:bodyPr>
+          <a:lstStyle/>
+          <a:p>
+            <a:r>
+              <a:rPr lang="en-US" sz="1100" dirty="0" err="1">
+                <a:solidFill>
+                  <a:schemeClr val="tx1">
+                    <a:lumMod val="60000"/>
+                    <a:lumOff val="40000"/>
+                  </a:schemeClr>
+                </a:solidFill>
+              </a:rPr>
+              <a:t>hello_world_s.c</a:t>
+            </a:r>
+            <a:endParaRPr lang="en-US" sz="1100" dirty="0">
+              <a:solidFill>
+                <a:schemeClr val="tx1">
+                  <a:lumMod val="60000"/>
+                  <a:lumOff val="40000"/>
+                </a:schemeClr>
+              </a:solidFill>
+            </a:endParaRPr>
+          </a:p>
+        </p:txBody>
+      </p:sp>
+    </p:spTree>
+    <p:extLst>
+      <p:ext uri="{BB962C8B-B14F-4D97-AF65-F5344CB8AC3E}">
+        <p14:creationId xmlns:p14="http://schemas.microsoft.com/office/powerpoint/2010/main" val="469875603"/>
       </p:ext>
     </p:extLst>
   </p:cSld>
@@ -21864,52 +23007,6 @@
 
 <file path=customXml/item1.xml><?xml version="1.0" encoding="utf-8"?>
 <?mso-contentType ?>
-<spe:Receivers xmlns:spe="http://schemas.microsoft.com/sharepoint/events">
-  <Receiver>
-    <Name>Document ID Generator</Name>
-    <Synchronization>Synchronous</Synchronization>
-    <Type>10001</Type>
-    <SequenceNumber>1000</SequenceNumber>
-    <Assembly>Microsoft.Office.DocumentManagement, Version=14.0.0.0, Culture=neutral, PublicKeyToken=71e9bce111e9429c</Assembly>
-    <Class>Microsoft.Office.DocumentManagement.Internal.DocIdHandler</Class>
-    <Data/>
-    <Filter/>
-  </Receiver>
-  <Receiver>
-    <Name>Document ID Generator</Name>
-    <Synchronization>Synchronous</Synchronization>
-    <Type>10002</Type>
-    <SequenceNumber>1001</SequenceNumber>
-    <Assembly>Microsoft.Office.DocumentManagement, Version=14.0.0.0, Culture=neutral, PublicKeyToken=71e9bce111e9429c</Assembly>
-    <Class>Microsoft.Office.DocumentManagement.Internal.DocIdHandler</Class>
-    <Data/>
-    <Filter/>
-  </Receiver>
-  <Receiver>
-    <Name>Document ID Generator</Name>
-    <Synchronization>Synchronous</Synchronization>
-    <Type>10004</Type>
-    <SequenceNumber>1002</SequenceNumber>
-    <Assembly>Microsoft.Office.DocumentManagement, Version=14.0.0.0, Culture=neutral, PublicKeyToken=71e9bce111e9429c</Assembly>
-    <Class>Microsoft.Office.DocumentManagement.Internal.DocIdHandler</Class>
-    <Data/>
-    <Filter/>
-  </Receiver>
-  <Receiver>
-    <Name>Document ID Generator</Name>
-    <Synchronization>Synchronous</Synchronization>
-    <Type>10006</Type>
-    <SequenceNumber>1003</SequenceNumber>
-    <Assembly>Microsoft.Office.DocumentManagement, Version=14.0.0.0, Culture=neutral, PublicKeyToken=71e9bce111e9429c</Assembly>
-    <Class>Microsoft.Office.DocumentManagement.Internal.DocIdHandler</Class>
-    <Data/>
-    <Filter/>
-  </Receiver>
-</spe:Receivers>
-</file>
-
-<file path=customXml/item2.xml><?xml version="1.0" encoding="utf-8"?>
-<?mso-contentType ?>
 <FormTemplates xmlns="http://schemas.microsoft.com/sharepoint/v3/contenttype/forms">
   <Display>DocumentLibraryForm</Display>
   <Edit>DocumentLibraryForm</Edit>
@@ -21917,7 +23014,7 @@
 </FormTemplates>
 </file>
 
-<file path=customXml/item3.xml><?xml version="1.0" encoding="utf-8"?>
+<file path=customXml/item2.xml><?xml version="1.0" encoding="utf-8"?>
 <p:properties xmlns:p="http://schemas.microsoft.com/office/2006/metadata/properties" xmlns:xsi="http://www.w3.org/2001/XMLSchema-instance" xmlns:pc="http://schemas.microsoft.com/office/infopath/2007/PartnerControls">
   <documentManagement>
     <_dlc_DocId xmlns="f2ad5090-61a8-4b8c-ab70-68f4ff4d1933">ARM-ECM-0491503</_dlc_DocId>
@@ -21929,7 +23026,7 @@
 </p:properties>
 </file>
 
-<file path=customXml/item4.xml><?xml version="1.0" encoding="utf-8"?>
+<file path=customXml/item3.xml><?xml version="1.0" encoding="utf-8"?>
 <ct:contentTypeSchema xmlns:ct="http://schemas.microsoft.com/office/2006/metadata/contentType" xmlns:ma="http://schemas.microsoft.com/office/2006/metadata/properties/metaAttributes" ct:_="" ma:_="" ma:contentTypeName="Document" ma:contentTypeID="0x0101005953A7A3657A61428D34982CE3100E9A" ma:contentTypeVersion="0" ma:contentTypeDescription="Create a new document." ma:contentTypeScope="" ma:versionID="9d7dbb0d33bb298decf17a3b04476177">
   <xsd:schema xmlns:xsd="http://www.w3.org/2001/XMLSchema" xmlns:xs="http://www.w3.org/2001/XMLSchema" xmlns:p="http://schemas.microsoft.com/office/2006/metadata/properties" xmlns:ns2="f2ad5090-61a8-4b8c-ab70-68f4ff4d1933" targetNamespace="http://schemas.microsoft.com/office/2006/metadata/properties" ma:root="true" ma:fieldsID="653440191449dc6dbdd54d77bba038f8" ns2:_="">
     <xsd:import namespace="f2ad5090-61a8-4b8c-ab70-68f4ff4d1933"/>
@@ -22074,15 +23171,53 @@
 </ct:contentTypeSchema>
 </file>
 
-<file path=customXml/itemProps1.xml><?xml version="1.0" encoding="utf-8"?>
-<ds:datastoreItem xmlns:ds="http://schemas.openxmlformats.org/officeDocument/2006/customXml" ds:itemID="{75E05AB7-3B6A-492F-8FD0-7267B59BB88B}">
-  <ds:schemaRefs>
-    <ds:schemaRef ds:uri="http://schemas.microsoft.com/sharepoint/events"/>
-  </ds:schemaRefs>
-</ds:datastoreItem>
+<file path=customXml/item4.xml><?xml version="1.0" encoding="utf-8"?>
+<?mso-contentType ?>
+<spe:Receivers xmlns:spe="http://schemas.microsoft.com/sharepoint/events">
+  <Receiver>
+    <Name>Document ID Generator</Name>
+    <Synchronization>Synchronous</Synchronization>
+    <Type>10001</Type>
+    <SequenceNumber>1000</SequenceNumber>
+    <Assembly>Microsoft.Office.DocumentManagement, Version=14.0.0.0, Culture=neutral, PublicKeyToken=71e9bce111e9429c</Assembly>
+    <Class>Microsoft.Office.DocumentManagement.Internal.DocIdHandler</Class>
+    <Data/>
+    <Filter/>
+  </Receiver>
+  <Receiver>
+    <Name>Document ID Generator</Name>
+    <Synchronization>Synchronous</Synchronization>
+    <Type>10002</Type>
+    <SequenceNumber>1001</SequenceNumber>
+    <Assembly>Microsoft.Office.DocumentManagement, Version=14.0.0.0, Culture=neutral, PublicKeyToken=71e9bce111e9429c</Assembly>
+    <Class>Microsoft.Office.DocumentManagement.Internal.DocIdHandler</Class>
+    <Data/>
+    <Filter/>
+  </Receiver>
+  <Receiver>
+    <Name>Document ID Generator</Name>
+    <Synchronization>Synchronous</Synchronization>
+    <Type>10004</Type>
+    <SequenceNumber>1002</SequenceNumber>
+    <Assembly>Microsoft.Office.DocumentManagement, Version=14.0.0.0, Culture=neutral, PublicKeyToken=71e9bce111e9429c</Assembly>
+    <Class>Microsoft.Office.DocumentManagement.Internal.DocIdHandler</Class>
+    <Data/>
+    <Filter/>
+  </Receiver>
+  <Receiver>
+    <Name>Document ID Generator</Name>
+    <Synchronization>Synchronous</Synchronization>
+    <Type>10006</Type>
+    <SequenceNumber>1003</SequenceNumber>
+    <Assembly>Microsoft.Office.DocumentManagement, Version=14.0.0.0, Culture=neutral, PublicKeyToken=71e9bce111e9429c</Assembly>
+    <Class>Microsoft.Office.DocumentManagement.Internal.DocIdHandler</Class>
+    <Data/>
+    <Filter/>
+  </Receiver>
+</spe:Receivers>
 </file>
 
-<file path=customXml/itemProps2.xml><?xml version="1.0" encoding="utf-8"?>
+<file path=customXml/itemProps1.xml><?xml version="1.0" encoding="utf-8"?>
 <ds:datastoreItem xmlns:ds="http://schemas.openxmlformats.org/officeDocument/2006/customXml" ds:itemID="{007E157F-F4C7-4050-8D49-55DB8D1A3AC8}">
   <ds:schemaRefs>
     <ds:schemaRef ds:uri="http://schemas.microsoft.com/sharepoint/v3/contenttype/forms"/>
@@ -22090,7 +23225,7 @@
 </ds:datastoreItem>
 </file>
 
-<file path=customXml/itemProps3.xml><?xml version="1.0" encoding="utf-8"?>
+<file path=customXml/itemProps2.xml><?xml version="1.0" encoding="utf-8"?>
 <ds:datastoreItem xmlns:ds="http://schemas.openxmlformats.org/officeDocument/2006/customXml" ds:itemID="{659AFC57-EF78-4135-9503-D857AFA49F8B}">
   <ds:schemaRefs>
     <ds:schemaRef ds:uri="http://schemas.microsoft.com/office/2006/documentManagement/types"/>
@@ -22106,7 +23241,7 @@
 </ds:datastoreItem>
 </file>
 
-<file path=customXml/itemProps4.xml><?xml version="1.0" encoding="utf-8"?>
+<file path=customXml/itemProps3.xml><?xml version="1.0" encoding="utf-8"?>
 <ds:datastoreItem xmlns:ds="http://schemas.openxmlformats.org/officeDocument/2006/customXml" ds:itemID="{1CBA01FD-69E2-4D69-B064-01637DD45D7D}">
   <ds:schemaRefs>
     <ds:schemaRef ds:uri="http://schemas.microsoft.com/office/2006/metadata/contentType"/>
@@ -22122,4 +23257,12 @@
     <ds:schemaRef ds:uri="http://schemas.microsoft.com/internal/obd"/>
   </ds:schemaRefs>
 </ds:datastoreItem>
+</file>
+
+<file path=customXml/itemProps4.xml><?xml version="1.0" encoding="utf-8"?>
+<ds:datastoreItem xmlns:ds="http://schemas.openxmlformats.org/officeDocument/2006/customXml" ds:itemID="{75E05AB7-3B6A-492F-8FD0-7267B59BB88B}">
+  <ds:schemaRefs>
+    <ds:schemaRef ds:uri="http://schemas.microsoft.com/sharepoint/events"/>
+  </ds:schemaRefs>
+</ds:datastoreItem>
 </file>
--- a/CMSIS/DoxyGen/Zone/src/images/CMSIS_Zone.pptx
+++ b/CMSIS/DoxyGen/Zone/src/images/CMSIS_Zone.pptx
@@ -5,20 +5,21 @@
     <p:sldMasterId id="2147483726" r:id="rId5"/>
   </p:sldMasterIdLst>
   <p:notesMasterIdLst>
-    <p:notesMasterId r:id="rId14"/>
+    <p:notesMasterId r:id="rId15"/>
   </p:notesMasterIdLst>
   <p:handoutMasterIdLst>
-    <p:handoutMasterId r:id="rId15"/>
+    <p:handoutMasterId r:id="rId16"/>
   </p:handoutMasterIdLst>
   <p:sldIdLst>
     <p:sldId id="369" r:id="rId6"/>
     <p:sldId id="375" r:id="rId7"/>
     <p:sldId id="373" r:id="rId8"/>
-    <p:sldId id="377" r:id="rId9"/>
-    <p:sldId id="378" r:id="rId10"/>
-    <p:sldId id="374" r:id="rId11"/>
-    <p:sldId id="376" r:id="rId12"/>
-    <p:sldId id="379" r:id="rId13"/>
+    <p:sldId id="3171" r:id="rId9"/>
+    <p:sldId id="377" r:id="rId10"/>
+    <p:sldId id="378" r:id="rId11"/>
+    <p:sldId id="374" r:id="rId12"/>
+    <p:sldId id="376" r:id="rId13"/>
+    <p:sldId id="379" r:id="rId14"/>
   </p:sldIdLst>
   <p:sldSz cx="9144000" cy="5143500" type="screen16x9"/>
   <p:notesSz cx="6858000" cy="9144000"/>
@@ -253,7 +254,7 @@
               <a:rPr lang="en-US" smtClean="0">
                 <a:latin typeface="Gill Sans MT"/>
               </a:rPr>
-              <a:t>2019-07-04</a:t>
+              <a:t>9/2/2019</a:t>
             </a:fld>
             <a:endParaRPr lang="en-US" dirty="0">
               <a:latin typeface="Gill Sans MT"/>
@@ -432,7 +433,7 @@
             <a:fld id="{49FE4451-D2A5-554E-B842-8C4F3752E2A4}" type="datetimeFigureOut">
               <a:rPr lang="en-US" smtClean="0"/>
               <a:pPr/>
-              <a:t>2019-07-04</a:t>
+              <a:t>9/2/2019</a:t>
             </a:fld>
             <a:endParaRPr lang="en-US" dirty="0"/>
           </a:p>
@@ -1060,7 +1061,30 @@
           <a:bodyPr/>
           <a:lstStyle/>
           <a:p>
-            <a:endParaRPr lang="en-US" baseline="0" dirty="0"/>
+            <a:pPr marL="0" marR="0" lvl="0" indent="0" algn="l" defTabSz="914400" rtl="0" eaLnBrk="0" fontAlgn="base" latinLnBrk="0" hangingPunct="0">
+              <a:lnSpc>
+                <a:spcPct val="100000"/>
+              </a:lnSpc>
+              <a:spcBef>
+                <a:spcPct val="30000"/>
+              </a:spcBef>
+              <a:spcAft>
+                <a:spcPct val="0"/>
+              </a:spcAft>
+              <a:buClrTx/>
+              <a:buSzTx/>
+              <a:buFontTx/>
+              <a:buNone/>
+              <a:tabLst/>
+              <a:defRPr/>
+            </a:pPr>
+            <a:r>
+              <a:rPr lang="en-US" dirty="0"/>
+              <a:t>Walk thru slide</a:t>
+            </a:r>
+          </a:p>
+          <a:p>
+            <a:endParaRPr lang="en-GB" dirty="0"/>
           </a:p>
         </p:txBody>
       </p:sp>
@@ -1071,7 +1095,7 @@
             <a:spLocks noGrp="1"/>
           </p:cNvSpPr>
           <p:nvPr>
-            <p:ph type="sldNum" sz="quarter" idx="10"/>
+            <p:ph type="sldNum" sz="quarter" idx="5"/>
           </p:nvPr>
         </p:nvSpPr>
         <p:spPr/>
@@ -1079,18 +1103,24 @@
           <a:bodyPr/>
           <a:lstStyle/>
           <a:p>
-            <a:fld id="{15C21F19-84A7-D347-9BFC-DB9F02D4494D}" type="slidenum">
-              <a:rPr lang="en-US" smtClean="0"/>
+            <a:pPr>
+              <a:defRPr/>
+            </a:pPr>
+            <a:fld id="{7EFC29AE-2DE4-804C-87C9-5C71C5FB830F}" type="slidenum">
+              <a:rPr lang="en-US" altLang="en-US" smtClean="0"/>
+              <a:pPr>
+                <a:defRPr/>
+              </a:pPr>
               <a:t>4</a:t>
             </a:fld>
-            <a:endParaRPr lang="en-US"/>
+            <a:endParaRPr lang="en-US" altLang="en-US"/>
           </a:p>
         </p:txBody>
       </p:sp>
     </p:spTree>
     <p:extLst>
       <p:ext uri="{BB962C8B-B14F-4D97-AF65-F5344CB8AC3E}">
-        <p14:creationId xmlns:p14="http://schemas.microsoft.com/office/powerpoint/2010/main" val="201014760"/>
+        <p14:creationId xmlns:p14="http://schemas.microsoft.com/office/powerpoint/2010/main" val="2518343897"/>
       </p:ext>
     </p:extLst>
   </p:cSld>
@@ -1174,7 +1204,7 @@
     </p:spTree>
     <p:extLst>
       <p:ext uri="{BB962C8B-B14F-4D97-AF65-F5344CB8AC3E}">
-        <p14:creationId xmlns:p14="http://schemas.microsoft.com/office/powerpoint/2010/main" val="1809386468"/>
+        <p14:creationId xmlns:p14="http://schemas.microsoft.com/office/powerpoint/2010/main" val="201014760"/>
       </p:ext>
     </p:extLst>
   </p:cSld>
@@ -1258,7 +1288,7 @@
     </p:spTree>
     <p:extLst>
       <p:ext uri="{BB962C8B-B14F-4D97-AF65-F5344CB8AC3E}">
-        <p14:creationId xmlns:p14="http://schemas.microsoft.com/office/powerpoint/2010/main" val="201014760"/>
+        <p14:creationId xmlns:p14="http://schemas.microsoft.com/office/powerpoint/2010/main" val="1809386468"/>
       </p:ext>
     </p:extLst>
   </p:cSld>
@@ -1334,6 +1364,90 @@
             <a:fld id="{15C21F19-84A7-D347-9BFC-DB9F02D4494D}" type="slidenum">
               <a:rPr lang="en-US" smtClean="0"/>
               <a:t>7</a:t>
+            </a:fld>
+            <a:endParaRPr lang="en-US"/>
+          </a:p>
+        </p:txBody>
+      </p:sp>
+    </p:spTree>
+    <p:extLst>
+      <p:ext uri="{BB962C8B-B14F-4D97-AF65-F5344CB8AC3E}">
+        <p14:creationId xmlns:p14="http://schemas.microsoft.com/office/powerpoint/2010/main" val="201014760"/>
+      </p:ext>
+    </p:extLst>
+  </p:cSld>
+  <p:clrMapOvr>
+    <a:masterClrMapping/>
+  </p:clrMapOvr>
+</p:notes>
+</file>
+
+<file path=ppt/notesSlides/notesSlide7.xml><?xml version="1.0" encoding="utf-8"?>
+<p:notes xmlns:a="http://schemas.openxmlformats.org/drawingml/2006/main" xmlns:r="http://schemas.openxmlformats.org/officeDocument/2006/relationships" xmlns:p="http://schemas.openxmlformats.org/presentationml/2006/main">
+  <p:cSld>
+    <p:spTree>
+      <p:nvGrpSpPr>
+        <p:cNvPr id="1" name=""/>
+        <p:cNvGrpSpPr/>
+        <p:nvPr/>
+      </p:nvGrpSpPr>
+      <p:grpSpPr>
+        <a:xfrm>
+          <a:off x="0" y="0"/>
+          <a:ext cx="0" cy="0"/>
+          <a:chOff x="0" y="0"/>
+          <a:chExt cx="0" cy="0"/>
+        </a:xfrm>
+      </p:grpSpPr>
+      <p:sp>
+        <p:nvSpPr>
+          <p:cNvPr id="2" name="Slide Image Placeholder 1"/>
+          <p:cNvSpPr>
+            <a:spLocks noGrp="1" noRot="1" noChangeAspect="1"/>
+          </p:cNvSpPr>
+          <p:nvPr>
+            <p:ph type="sldImg"/>
+          </p:nvPr>
+        </p:nvSpPr>
+        <p:spPr/>
+      </p:sp>
+      <p:sp>
+        <p:nvSpPr>
+          <p:cNvPr id="3" name="Notes Placeholder 2"/>
+          <p:cNvSpPr>
+            <a:spLocks noGrp="1"/>
+          </p:cNvSpPr>
+          <p:nvPr>
+            <p:ph type="body" idx="1"/>
+          </p:nvPr>
+        </p:nvSpPr>
+        <p:spPr/>
+        <p:txBody>
+          <a:bodyPr/>
+          <a:lstStyle/>
+          <a:p>
+            <a:endParaRPr lang="en-US" baseline="0" dirty="0"/>
+          </a:p>
+        </p:txBody>
+      </p:sp>
+      <p:sp>
+        <p:nvSpPr>
+          <p:cNvPr id="4" name="Slide Number Placeholder 3"/>
+          <p:cNvSpPr>
+            <a:spLocks noGrp="1"/>
+          </p:cNvSpPr>
+          <p:nvPr>
+            <p:ph type="sldNum" sz="quarter" idx="10"/>
+          </p:nvPr>
+        </p:nvSpPr>
+        <p:spPr/>
+        <p:txBody>
+          <a:bodyPr/>
+          <a:lstStyle/>
+          <a:p>
+            <a:fld id="{15C21F19-84A7-D347-9BFC-DB9F02D4494D}" type="slidenum">
+              <a:rPr lang="en-US" smtClean="0"/>
+              <a:t>8</a:t>
             </a:fld>
             <a:endParaRPr lang="en-US"/>
           </a:p>
@@ -5114,6 +5228,240 @@
 </p:sldLayout>
 </file>
 
+<file path=ppt/slideLayouts/slideLayout21.xml><?xml version="1.0" encoding="utf-8"?>
+<p:sldLayout xmlns:a="http://schemas.openxmlformats.org/drawingml/2006/main" xmlns:r="http://schemas.openxmlformats.org/officeDocument/2006/relationships" xmlns:p="http://schemas.openxmlformats.org/presentationml/2006/main" userDrawn="1">
+  <p:cSld name="1 Column Slide with TOP level Bullet">
+    <p:spTree>
+      <p:nvGrpSpPr>
+        <p:cNvPr id="1" name=""/>
+        <p:cNvGrpSpPr/>
+        <p:nvPr/>
+      </p:nvGrpSpPr>
+      <p:grpSpPr>
+        <a:xfrm>
+          <a:off x="0" y="0"/>
+          <a:ext cx="0" cy="0"/>
+          <a:chOff x="0" y="0"/>
+          <a:chExt cx="0" cy="0"/>
+        </a:xfrm>
+      </p:grpSpPr>
+      <p:sp>
+        <p:nvSpPr>
+          <p:cNvPr id="2" name="Title 1"/>
+          <p:cNvSpPr>
+            <a:spLocks noGrp="1"/>
+          </p:cNvSpPr>
+          <p:nvPr>
+            <p:ph type="title" hasCustomPrompt="1"/>
+          </p:nvPr>
+        </p:nvSpPr>
+        <p:spPr>
+          <a:xfrm>
+            <a:off x="359569" y="357188"/>
+            <a:ext cx="8424863" cy="410369"/>
+          </a:xfrm>
+        </p:spPr>
+        <p:txBody>
+          <a:bodyPr anchor="t"/>
+          <a:lstStyle>
+            <a:lvl1pPr>
+              <a:defRPr b="0"/>
+            </a:lvl1pPr>
+          </a:lstStyle>
+          <a:p>
+            <a:r>
+              <a:rPr lang="en-US"/>
+              <a:t>Click to Edit Master Title Style</a:t>
+            </a:r>
+          </a:p>
+        </p:txBody>
+      </p:sp>
+      <p:sp>
+        <p:nvSpPr>
+          <p:cNvPr id="4" name="Text Placeholder 2"/>
+          <p:cNvSpPr>
+            <a:spLocks noGrp="1"/>
+          </p:cNvSpPr>
+          <p:nvPr>
+            <p:ph idx="1" hasCustomPrompt="1"/>
+          </p:nvPr>
+        </p:nvSpPr>
+        <p:spPr>
+          <a:xfrm>
+            <a:off x="359569" y="878334"/>
+            <a:ext cx="8424863" cy="3064669"/>
+          </a:xfrm>
+          <a:prstGeom prst="rect">
+            <a:avLst/>
+          </a:prstGeom>
+        </p:spPr>
+        <p:txBody>
+          <a:bodyPr/>
+          <a:lstStyle>
+            <a:lvl1pPr marL="257175" indent="-257175">
+              <a:lnSpc>
+                <a:spcPct val="100000"/>
+              </a:lnSpc>
+              <a:spcBef>
+                <a:spcPts val="450"/>
+              </a:spcBef>
+              <a:spcAft>
+                <a:spcPts val="0"/>
+              </a:spcAft>
+              <a:buClr>
+                <a:schemeClr val="accent1"/>
+              </a:buClr>
+              <a:buFont typeface="Arial" charset="0"/>
+              <a:buChar char="•"/>
+              <a:defRPr sz="1800">
+                <a:solidFill>
+                  <a:schemeClr val="tx2"/>
+                </a:solidFill>
+              </a:defRPr>
+            </a:lvl1pPr>
+            <a:lvl2pPr marL="504587">
+              <a:lnSpc>
+                <a:spcPct val="100000"/>
+              </a:lnSpc>
+              <a:spcAft>
+                <a:spcPts val="0"/>
+              </a:spcAft>
+              <a:defRPr sz="1500">
+                <a:solidFill>
+                  <a:schemeClr val="tx2"/>
+                </a:solidFill>
+              </a:defRPr>
+            </a:lvl2pPr>
+            <a:lvl3pPr marL="710327">
+              <a:lnSpc>
+                <a:spcPct val="100000"/>
+              </a:lnSpc>
+              <a:spcAft>
+                <a:spcPts val="0"/>
+              </a:spcAft>
+              <a:defRPr sz="1350">
+                <a:solidFill>
+                  <a:schemeClr val="tx2"/>
+                </a:solidFill>
+              </a:defRPr>
+            </a:lvl3pPr>
+            <a:lvl4pPr marL="969884">
+              <a:lnSpc>
+                <a:spcPct val="100000"/>
+              </a:lnSpc>
+              <a:spcAft>
+                <a:spcPts val="0"/>
+              </a:spcAft>
+              <a:defRPr sz="1350">
+                <a:solidFill>
+                  <a:schemeClr val="tx2"/>
+                </a:solidFill>
+              </a:defRPr>
+            </a:lvl4pPr>
+            <a:lvl5pPr marL="1138952">
+              <a:lnSpc>
+                <a:spcPct val="100000"/>
+              </a:lnSpc>
+              <a:spcAft>
+                <a:spcPts val="0"/>
+              </a:spcAft>
+              <a:defRPr sz="1350">
+                <a:solidFill>
+                  <a:schemeClr val="tx2"/>
+                </a:solidFill>
+              </a:defRPr>
+            </a:lvl5pPr>
+            <a:lvl6pPr>
+              <a:defRPr>
+                <a:solidFill>
+                  <a:schemeClr val="tx2"/>
+                </a:solidFill>
+              </a:defRPr>
+            </a:lvl6pPr>
+            <a:lvl7pPr>
+              <a:defRPr>
+                <a:solidFill>
+                  <a:schemeClr val="tx2"/>
+                </a:solidFill>
+              </a:defRPr>
+            </a:lvl7pPr>
+            <a:lvl8pPr>
+              <a:defRPr>
+                <a:solidFill>
+                  <a:schemeClr val="tx2"/>
+                </a:solidFill>
+              </a:defRPr>
+            </a:lvl8pPr>
+            <a:lvl9pPr>
+              <a:defRPr>
+                <a:solidFill>
+                  <a:schemeClr val="tx2"/>
+                </a:solidFill>
+              </a:defRPr>
+            </a:lvl9pPr>
+          </a:lstStyle>
+          <a:p>
+            <a:pPr lvl="0"/>
+            <a:r>
+              <a:rPr lang="en-US" noProof="0"/>
+              <a:t>Click to edit Master text styles with Top Level Bullet</a:t>
+            </a:r>
+          </a:p>
+          <a:p>
+            <a:pPr lvl="1"/>
+            <a:r>
+              <a:rPr lang="en-US" noProof="0"/>
+              <a:t>Second level</a:t>
+            </a:r>
+          </a:p>
+          <a:p>
+            <a:pPr lvl="2"/>
+            <a:r>
+              <a:rPr lang="en-US" noProof="0"/>
+              <a:t>Third level</a:t>
+            </a:r>
+          </a:p>
+          <a:p>
+            <a:pPr lvl="3"/>
+            <a:r>
+              <a:rPr lang="en-US" noProof="0"/>
+              <a:t>Fourth level</a:t>
+            </a:r>
+          </a:p>
+          <a:p>
+            <a:pPr lvl="4"/>
+            <a:r>
+              <a:rPr lang="en-US" noProof="0"/>
+              <a:t>Fifth level</a:t>
+            </a:r>
+          </a:p>
+        </p:txBody>
+      </p:sp>
+    </p:spTree>
+    <p:extLst>
+      <p:ext uri="{BB962C8B-B14F-4D97-AF65-F5344CB8AC3E}">
+        <p14:creationId xmlns:p14="http://schemas.microsoft.com/office/powerpoint/2010/main" val="2777407011"/>
+      </p:ext>
+    </p:extLst>
+  </p:cSld>
+  <p:clrMapOvr>
+    <a:masterClrMapping/>
+  </p:clrMapOvr>
+  <mc:AlternateContent xmlns:mc="http://schemas.openxmlformats.org/markup-compatibility/2006" xmlns:p14="http://schemas.microsoft.com/office/powerpoint/2010/main">
+    <mc:Choice Requires="p14">
+      <p:transition spd="med" p14:dur="700">
+        <p:fade/>
+      </p:transition>
+    </mc:Choice>
+    <mc:Fallback xmlns="">
+      <p:transition spd="med">
+        <p:fade/>
+      </p:transition>
+    </mc:Fallback>
+  </mc:AlternateContent>
+</p:sldLayout>
+</file>
+
 <file path=ppt/slideLayouts/slideLayout3.xml><?xml version="1.0" encoding="utf-8"?>
 <p:sldLayout xmlns:a="http://schemas.openxmlformats.org/drawingml/2006/main" xmlns:r="http://schemas.openxmlformats.org/officeDocument/2006/relationships" xmlns:p="http://schemas.openxmlformats.org/presentationml/2006/main" preserve="1" userDrawn="1">
   <p:cSld name="1 Column Slide">
@@ -7127,7 +7475,7 @@
           <p:nvPr/>
         </p:nvPicPr>
         <p:blipFill>
-          <a:blip r:embed="rId22" cstate="print">
+          <a:blip r:embed="rId23" cstate="print">
             <a:extLst>
               <a:ext uri="{28A0092B-C50C-407E-A947-70E740481C1C}">
                 <a14:useLocalDpi xmlns:a14="http://schemas.microsoft.com/office/drawing/2010/main"/>
@@ -7547,6 +7895,7 @@
     <p:sldLayoutId id="2147483744" r:id="rId18"/>
     <p:sldLayoutId id="2147483745" r:id="rId19"/>
     <p:sldLayoutId id="2147483746" r:id="rId20"/>
+    <p:sldLayoutId id="2147483747" r:id="rId21"/>
   </p:sldLayoutIdLst>
   <p:hf sldNum="0" hdr="0" ftr="0" dt="0"/>
   <p:txStyles>
@@ -15952,6 +16301,5034 @@
       </p:grpSpPr>
       <p:sp>
         <p:nvSpPr>
+          <p:cNvPr id="176" name="Rectangle 175">
+            <a:extLst>
+              <a:ext uri="{FF2B5EF4-FFF2-40B4-BE49-F238E27FC236}">
+                <a16:creationId xmlns:a16="http://schemas.microsoft.com/office/drawing/2014/main" id="{18E8C895-6B13-4EE0-AD2A-7F5FEA84D24D}"/>
+              </a:ext>
+            </a:extLst>
+          </p:cNvPr>
+          <p:cNvSpPr/>
+          <p:nvPr/>
+        </p:nvSpPr>
+        <p:spPr>
+          <a:xfrm>
+            <a:off x="4867455" y="1172438"/>
+            <a:ext cx="4020541" cy="2919939"/>
+          </a:xfrm>
+          <a:prstGeom prst="rect">
+            <a:avLst/>
+          </a:prstGeom>
+          <a:solidFill>
+            <a:schemeClr val="bg2"/>
+          </a:solidFill>
+          <a:ln w="28575">
+            <a:solidFill>
+              <a:schemeClr val="accent1">
+                <a:lumMod val="50000"/>
+              </a:schemeClr>
+            </a:solidFill>
+          </a:ln>
+        </p:spPr>
+        <p:style>
+          <a:lnRef idx="2">
+            <a:schemeClr val="accent1">
+              <a:shade val="50000"/>
+            </a:schemeClr>
+          </a:lnRef>
+          <a:fillRef idx="1">
+            <a:schemeClr val="accent1"/>
+          </a:fillRef>
+          <a:effectRef idx="0">
+            <a:schemeClr val="accent1"/>
+          </a:effectRef>
+          <a:fontRef idx="minor">
+            <a:schemeClr val="lt1"/>
+          </a:fontRef>
+        </p:style>
+        <p:txBody>
+          <a:bodyPr rtlCol="0" anchor="t"/>
+          <a:lstStyle/>
+          <a:p>
+            <a:pPr algn="r"/>
+            <a:endParaRPr lang="en-GB" sz="1500" b="1">
+              <a:solidFill>
+                <a:srgbClr val="FF0000"/>
+              </a:solidFill>
+            </a:endParaRPr>
+          </a:p>
+        </p:txBody>
+      </p:sp>
+      <p:sp>
+        <p:nvSpPr>
+          <p:cNvPr id="6" name="Rectangle 5">
+            <a:extLst>
+              <a:ext uri="{FF2B5EF4-FFF2-40B4-BE49-F238E27FC236}">
+                <a16:creationId xmlns:a16="http://schemas.microsoft.com/office/drawing/2014/main" id="{EE51308B-625C-4465-A250-D4850BD13476}"/>
+              </a:ext>
+            </a:extLst>
+          </p:cNvPr>
+          <p:cNvSpPr/>
+          <p:nvPr/>
+        </p:nvSpPr>
+        <p:spPr>
+          <a:xfrm>
+            <a:off x="359569" y="1408127"/>
+            <a:ext cx="4020541" cy="2867477"/>
+          </a:xfrm>
+          <a:prstGeom prst="rect">
+            <a:avLst/>
+          </a:prstGeom>
+          <a:solidFill>
+            <a:schemeClr val="bg2"/>
+          </a:solidFill>
+          <a:ln w="28575">
+            <a:solidFill>
+              <a:schemeClr val="accent1">
+                <a:lumMod val="50000"/>
+              </a:schemeClr>
+            </a:solidFill>
+          </a:ln>
+        </p:spPr>
+        <p:style>
+          <a:lnRef idx="2">
+            <a:schemeClr val="accent1">
+              <a:shade val="50000"/>
+            </a:schemeClr>
+          </a:lnRef>
+          <a:fillRef idx="1">
+            <a:schemeClr val="accent1"/>
+          </a:fillRef>
+          <a:effectRef idx="0">
+            <a:schemeClr val="accent1"/>
+          </a:effectRef>
+          <a:fontRef idx="minor">
+            <a:schemeClr val="lt1"/>
+          </a:fontRef>
+        </p:style>
+        <p:txBody>
+          <a:bodyPr rtlCol="0" anchor="t"/>
+          <a:lstStyle/>
+          <a:p>
+            <a:pPr algn="r"/>
+            <a:endParaRPr lang="en-GB" sz="1500" b="1">
+              <a:solidFill>
+                <a:srgbClr val="FF0000"/>
+              </a:solidFill>
+            </a:endParaRPr>
+          </a:p>
+        </p:txBody>
+      </p:sp>
+      <p:sp>
+        <p:nvSpPr>
+          <p:cNvPr id="2" name="Title 1"/>
+          <p:cNvSpPr>
+            <a:spLocks noGrp="1"/>
+          </p:cNvSpPr>
+          <p:nvPr>
+            <p:ph type="title"/>
+          </p:nvPr>
+        </p:nvSpPr>
+        <p:spPr/>
+        <p:txBody>
+          <a:bodyPr/>
+          <a:lstStyle/>
+          <a:p>
+            <a:r>
+              <a:rPr lang="en-US"/>
+              <a:t>CMSIS-Zone – Configuration Steps - Example</a:t>
+            </a:r>
+          </a:p>
+        </p:txBody>
+      </p:sp>
+      <p:sp>
+        <p:nvSpPr>
+          <p:cNvPr id="13" name="Text Placeholder 12">
+            <a:extLst>
+              <a:ext uri="{FF2B5EF4-FFF2-40B4-BE49-F238E27FC236}">
+                <a16:creationId xmlns:a16="http://schemas.microsoft.com/office/drawing/2014/main" id="{80D082FD-0DCC-2942-B6F1-EB062EF57D52}"/>
+              </a:ext>
+            </a:extLst>
+          </p:cNvPr>
+          <p:cNvSpPr>
+            <a:spLocks noGrp="1"/>
+          </p:cNvSpPr>
+          <p:nvPr>
+            <p:ph idx="1"/>
+          </p:nvPr>
+        </p:nvSpPr>
+        <p:spPr>
+          <a:xfrm>
+            <a:off x="359569" y="794903"/>
+            <a:ext cx="8424863" cy="336803"/>
+          </a:xfrm>
+        </p:spPr>
+        <p:txBody>
+          <a:bodyPr vert="horz" lIns="0" tIns="0" rIns="0" bIns="0" rtlCol="0" anchor="t">
+            <a:noAutofit/>
+          </a:bodyPr>
+          <a:lstStyle/>
+          <a:p>
+            <a:r>
+              <a:rPr lang="en-GB" sz="1500">
+                <a:ea typeface="ＭＳ Ｐゴシック"/>
+              </a:rPr>
+              <a:t>Step 1: split the multi-processor system into single processor sub-systems</a:t>
+            </a:r>
+            <a:endParaRPr lang="en-US" sz="1500">
+              <a:ea typeface="ＭＳ Ｐゴシック"/>
+            </a:endParaRPr>
+          </a:p>
+        </p:txBody>
+      </p:sp>
+      <p:sp>
+        <p:nvSpPr>
+          <p:cNvPr id="37" name="Rectangle 36"/>
+          <p:cNvSpPr/>
+          <p:nvPr/>
+        </p:nvSpPr>
+        <p:spPr>
+          <a:xfrm rot="16200000">
+            <a:off x="1438141" y="1969334"/>
+            <a:ext cx="810000" cy="270000"/>
+          </a:xfrm>
+          <a:prstGeom prst="rect">
+            <a:avLst/>
+          </a:prstGeom>
+          <a:solidFill>
+            <a:schemeClr val="accent1"/>
+          </a:solidFill>
+          <a:ln w="19050" cmpd="sng">
+            <a:noFill/>
+          </a:ln>
+          <a:effectLst/>
+        </p:spPr>
+        <p:style>
+          <a:lnRef idx="1">
+            <a:schemeClr val="accent1"/>
+          </a:lnRef>
+          <a:fillRef idx="3">
+            <a:schemeClr val="accent1"/>
+          </a:fillRef>
+          <a:effectRef idx="2">
+            <a:schemeClr val="accent1"/>
+          </a:effectRef>
+          <a:fontRef idx="minor">
+            <a:schemeClr val="lt1"/>
+          </a:fontRef>
+        </p:style>
+        <p:txBody>
+          <a:bodyPr lIns="0" tIns="35100" rIns="0" bIns="35100" rtlCol="0" anchor="ctr"/>
+          <a:lstStyle/>
+          <a:p>
+            <a:pPr algn="ctr" defTabSz="685800" eaLnBrk="0" fontAlgn="base" hangingPunct="0">
+              <a:lnSpc>
+                <a:spcPct val="80000"/>
+              </a:lnSpc>
+              <a:spcBef>
+                <a:spcPct val="0"/>
+              </a:spcBef>
+              <a:spcAft>
+                <a:spcPct val="0"/>
+              </a:spcAft>
+              <a:defRPr/>
+            </a:pPr>
+            <a:r>
+              <a:rPr lang="en-US" sz="1350">
+                <a:solidFill>
+                  <a:prstClr val="white"/>
+                </a:solidFill>
+                <a:latin typeface="Calibri"/>
+                <a:cs typeface="Calibri"/>
+              </a:rPr>
+              <a:t>SAU</a:t>
+            </a:r>
+          </a:p>
+        </p:txBody>
+      </p:sp>
+      <p:sp>
+        <p:nvSpPr>
+          <p:cNvPr id="145" name="Rectangle 144">
+            <a:extLst>
+              <a:ext uri="{FF2B5EF4-FFF2-40B4-BE49-F238E27FC236}">
+                <a16:creationId xmlns:a16="http://schemas.microsoft.com/office/drawing/2014/main" id="{91AC5636-85B4-4D00-AE52-96AB351C2B52}"/>
+              </a:ext>
+            </a:extLst>
+          </p:cNvPr>
+          <p:cNvSpPr/>
+          <p:nvPr/>
+        </p:nvSpPr>
+        <p:spPr>
+          <a:xfrm>
+            <a:off x="525706" y="3527385"/>
+            <a:ext cx="567000" cy="652810"/>
+          </a:xfrm>
+          <a:prstGeom prst="rect">
+            <a:avLst/>
+          </a:prstGeom>
+          <a:solidFill>
+            <a:schemeClr val="accent1">
+              <a:lumMod val="50000"/>
+            </a:schemeClr>
+          </a:solidFill>
+          <a:ln>
+            <a:noFill/>
+          </a:ln>
+          <a:effectLst/>
+        </p:spPr>
+        <p:style>
+          <a:lnRef idx="1">
+            <a:schemeClr val="accent1"/>
+          </a:lnRef>
+          <a:fillRef idx="3">
+            <a:schemeClr val="accent1"/>
+          </a:fillRef>
+          <a:effectRef idx="2">
+            <a:schemeClr val="accent1"/>
+          </a:effectRef>
+          <a:fontRef idx="minor">
+            <a:schemeClr val="lt1"/>
+          </a:fontRef>
+        </p:style>
+        <p:txBody>
+          <a:bodyPr lIns="0" rIns="0" rtlCol="0" anchor="t"/>
+          <a:lstStyle/>
+          <a:p>
+            <a:pPr algn="ctr" defTabSz="685800" eaLnBrk="0" fontAlgn="base" hangingPunct="0">
+              <a:lnSpc>
+                <a:spcPct val="80000"/>
+              </a:lnSpc>
+              <a:spcBef>
+                <a:spcPct val="0"/>
+              </a:spcBef>
+              <a:spcAft>
+                <a:spcPct val="0"/>
+              </a:spcAft>
+              <a:defRPr/>
+            </a:pPr>
+            <a:r>
+              <a:rPr lang="en-US" sz="1350">
+                <a:solidFill>
+                  <a:srgbClr val="E5ECEB"/>
+                </a:solidFill>
+                <a:latin typeface="Calibri"/>
+                <a:cs typeface="Calibri"/>
+              </a:rPr>
+              <a:t>SRAM</a:t>
+            </a:r>
+          </a:p>
+        </p:txBody>
+      </p:sp>
+      <p:cxnSp>
+        <p:nvCxnSpPr>
+          <p:cNvPr id="217" name="Straight Connector 216">
+            <a:extLst>
+              <a:ext uri="{FF2B5EF4-FFF2-40B4-BE49-F238E27FC236}">
+                <a16:creationId xmlns:a16="http://schemas.microsoft.com/office/drawing/2014/main" id="{E5580189-F80C-4499-8769-DBF24B8313BA}"/>
+              </a:ext>
+            </a:extLst>
+          </p:cNvPr>
+          <p:cNvCxnSpPr>
+            <a:cxnSpLocks/>
+            <a:endCxn id="145" idx="0"/>
+          </p:cNvCxnSpPr>
+          <p:nvPr/>
+        </p:nvCxnSpPr>
+        <p:spPr>
+          <a:xfrm flipH="1">
+            <a:off x="809206" y="2752578"/>
+            <a:ext cx="0" cy="774808"/>
+          </a:xfrm>
+          <a:prstGeom prst="line">
+            <a:avLst/>
+          </a:prstGeom>
+          <a:ln w="28575">
+            <a:solidFill>
+              <a:schemeClr val="accent6">
+                <a:lumMod val="75000"/>
+              </a:schemeClr>
+            </a:solidFill>
+            <a:headEnd type="none" w="med" len="med"/>
+            <a:tailEnd type="none" w="med" len="med"/>
+          </a:ln>
+          <a:effectLst/>
+        </p:spPr>
+        <p:style>
+          <a:lnRef idx="2">
+            <a:schemeClr val="accent1"/>
+          </a:lnRef>
+          <a:fillRef idx="0">
+            <a:schemeClr val="accent1"/>
+          </a:fillRef>
+          <a:effectRef idx="1">
+            <a:schemeClr val="accent1"/>
+          </a:effectRef>
+          <a:fontRef idx="minor">
+            <a:schemeClr val="tx1"/>
+          </a:fontRef>
+        </p:style>
+      </p:cxnSp>
+      <p:sp>
+        <p:nvSpPr>
+          <p:cNvPr id="88" name="Rectangle 87">
+            <a:extLst>
+              <a:ext uri="{FF2B5EF4-FFF2-40B4-BE49-F238E27FC236}">
+                <a16:creationId xmlns:a16="http://schemas.microsoft.com/office/drawing/2014/main" id="{4A020117-0912-4CF4-8B9B-58A957C17EDD}"/>
+              </a:ext>
+            </a:extLst>
+          </p:cNvPr>
+          <p:cNvSpPr/>
+          <p:nvPr/>
+        </p:nvSpPr>
+        <p:spPr>
+          <a:xfrm>
+            <a:off x="525706" y="3013382"/>
+            <a:ext cx="567000" cy="270000"/>
+          </a:xfrm>
+          <a:prstGeom prst="rect">
+            <a:avLst/>
+          </a:prstGeom>
+          <a:solidFill>
+            <a:schemeClr val="accent1"/>
+          </a:solidFill>
+          <a:ln w="19050" cmpd="sng">
+            <a:noFill/>
+          </a:ln>
+          <a:effectLst/>
+        </p:spPr>
+        <p:style>
+          <a:lnRef idx="1">
+            <a:schemeClr val="accent1"/>
+          </a:lnRef>
+          <a:fillRef idx="3">
+            <a:schemeClr val="accent1"/>
+          </a:fillRef>
+          <a:effectRef idx="2">
+            <a:schemeClr val="accent1"/>
+          </a:effectRef>
+          <a:fontRef idx="minor">
+            <a:schemeClr val="lt1"/>
+          </a:fontRef>
+        </p:style>
+        <p:txBody>
+          <a:bodyPr wrap="none" lIns="0" tIns="35100" rIns="0" rtlCol="0" anchor="ctr"/>
+          <a:lstStyle/>
+          <a:p>
+            <a:pPr algn="ctr" defTabSz="685800" eaLnBrk="0" fontAlgn="base" hangingPunct="0">
+              <a:lnSpc>
+                <a:spcPct val="80000"/>
+              </a:lnSpc>
+              <a:spcBef>
+                <a:spcPct val="0"/>
+              </a:spcBef>
+              <a:spcAft>
+                <a:spcPct val="0"/>
+              </a:spcAft>
+              <a:defRPr/>
+            </a:pPr>
+            <a:r>
+              <a:rPr lang="en-US" sz="1350">
+                <a:solidFill>
+                  <a:prstClr val="white"/>
+                </a:solidFill>
+                <a:latin typeface="Calibri"/>
+                <a:cs typeface="Calibri"/>
+              </a:rPr>
+              <a:t>MPC</a:t>
+            </a:r>
+            <a:endParaRPr lang="en-US" sz="825">
+              <a:solidFill>
+                <a:prstClr val="white"/>
+              </a:solidFill>
+              <a:latin typeface="Calibri"/>
+              <a:cs typeface="Calibri"/>
+            </a:endParaRPr>
+          </a:p>
+        </p:txBody>
+      </p:sp>
+      <p:cxnSp>
+        <p:nvCxnSpPr>
+          <p:cNvPr id="102" name="Straight Connector 101">
+            <a:extLst>
+              <a:ext uri="{FF2B5EF4-FFF2-40B4-BE49-F238E27FC236}">
+                <a16:creationId xmlns:a16="http://schemas.microsoft.com/office/drawing/2014/main" id="{6F0B4EA7-BB13-4A48-A5F1-0D18B2F8AB70}"/>
+              </a:ext>
+            </a:extLst>
+          </p:cNvPr>
+          <p:cNvCxnSpPr>
+            <a:cxnSpLocks/>
+          </p:cNvCxnSpPr>
+          <p:nvPr/>
+        </p:nvCxnSpPr>
+        <p:spPr>
+          <a:xfrm flipV="1">
+            <a:off x="1051777" y="2307057"/>
+            <a:ext cx="0" cy="472097"/>
+          </a:xfrm>
+          <a:prstGeom prst="line">
+            <a:avLst/>
+          </a:prstGeom>
+          <a:ln w="28575">
+            <a:solidFill>
+              <a:schemeClr val="accent6">
+                <a:lumMod val="75000"/>
+              </a:schemeClr>
+            </a:solidFill>
+            <a:headEnd type="none" w="med" len="med"/>
+            <a:tailEnd type="none" w="med" len="med"/>
+          </a:ln>
+          <a:effectLst/>
+        </p:spPr>
+        <p:style>
+          <a:lnRef idx="2">
+            <a:schemeClr val="accent1"/>
+          </a:lnRef>
+          <a:fillRef idx="0">
+            <a:schemeClr val="accent1"/>
+          </a:fillRef>
+          <a:effectRef idx="1">
+            <a:schemeClr val="accent1"/>
+          </a:effectRef>
+          <a:fontRef idx="minor">
+            <a:schemeClr val="tx1"/>
+          </a:fontRef>
+        </p:style>
+      </p:cxnSp>
+      <p:cxnSp>
+        <p:nvCxnSpPr>
+          <p:cNvPr id="103" name="Straight Connector 102">
+            <a:extLst>
+              <a:ext uri="{FF2B5EF4-FFF2-40B4-BE49-F238E27FC236}">
+                <a16:creationId xmlns:a16="http://schemas.microsoft.com/office/drawing/2014/main" id="{CFD8E10B-5F4D-4565-AF58-0D25F0317773}"/>
+              </a:ext>
+            </a:extLst>
+          </p:cNvPr>
+          <p:cNvCxnSpPr>
+            <a:cxnSpLocks/>
+            <a:stCxn id="37" idx="0"/>
+            <a:endCxn id="49" idx="3"/>
+          </p:cNvCxnSpPr>
+          <p:nvPr/>
+        </p:nvCxnSpPr>
+        <p:spPr>
+          <a:xfrm flipH="1">
+            <a:off x="1569143" y="2104334"/>
+            <a:ext cx="138998" cy="0"/>
+          </a:xfrm>
+          <a:prstGeom prst="line">
+            <a:avLst/>
+          </a:prstGeom>
+          <a:ln w="28575">
+            <a:solidFill>
+              <a:schemeClr val="accent6">
+                <a:lumMod val="75000"/>
+              </a:schemeClr>
+            </a:solidFill>
+            <a:headEnd type="none" w="med" len="med"/>
+            <a:tailEnd type="none" w="med" len="med"/>
+          </a:ln>
+          <a:effectLst/>
+        </p:spPr>
+        <p:style>
+          <a:lnRef idx="2">
+            <a:schemeClr val="accent1"/>
+          </a:lnRef>
+          <a:fillRef idx="0">
+            <a:schemeClr val="accent1"/>
+          </a:fillRef>
+          <a:effectRef idx="1">
+            <a:schemeClr val="accent1"/>
+          </a:effectRef>
+          <a:fontRef idx="minor">
+            <a:schemeClr val="tx1"/>
+          </a:fontRef>
+        </p:style>
+      </p:cxnSp>
+      <p:sp>
+        <p:nvSpPr>
+          <p:cNvPr id="49" name="Rectangle 48">
+            <a:extLst>
+              <a:ext uri="{FF2B5EF4-FFF2-40B4-BE49-F238E27FC236}">
+                <a16:creationId xmlns:a16="http://schemas.microsoft.com/office/drawing/2014/main" id="{E4742213-CC9F-4CBE-B508-43AE798D4DE3}"/>
+              </a:ext>
+            </a:extLst>
+          </p:cNvPr>
+          <p:cNvSpPr/>
+          <p:nvPr/>
+        </p:nvSpPr>
+        <p:spPr>
+          <a:xfrm>
+            <a:off x="525706" y="1699334"/>
+            <a:ext cx="1043438" cy="810000"/>
+          </a:xfrm>
+          <a:prstGeom prst="rect">
+            <a:avLst/>
+          </a:prstGeom>
+          <a:solidFill>
+            <a:schemeClr val="accent1">
+              <a:lumMod val="50000"/>
+            </a:schemeClr>
+          </a:solidFill>
+          <a:ln>
+            <a:noFill/>
+          </a:ln>
+          <a:effectLst/>
+        </p:spPr>
+        <p:style>
+          <a:lnRef idx="1">
+            <a:schemeClr val="accent1"/>
+          </a:lnRef>
+          <a:fillRef idx="3">
+            <a:schemeClr val="accent1"/>
+          </a:fillRef>
+          <a:effectRef idx="2">
+            <a:schemeClr val="accent1"/>
+          </a:effectRef>
+          <a:fontRef idx="minor">
+            <a:schemeClr val="lt1"/>
+          </a:fontRef>
+        </p:style>
+        <p:txBody>
+          <a:bodyPr lIns="0" tIns="35100" rIns="0" rtlCol="0" anchor="ctr"/>
+          <a:lstStyle/>
+          <a:p>
+            <a:pPr algn="ctr" defTabSz="685800" eaLnBrk="0" fontAlgn="base" hangingPunct="0">
+              <a:spcBef>
+                <a:spcPct val="0"/>
+              </a:spcBef>
+              <a:spcAft>
+                <a:spcPct val="0"/>
+              </a:spcAft>
+              <a:defRPr/>
+            </a:pPr>
+            <a:r>
+              <a:rPr lang="en-US" sz="1350">
+                <a:solidFill>
+                  <a:prstClr val="white"/>
+                </a:solidFill>
+                <a:latin typeface="Calibri"/>
+                <a:cs typeface="Calibri"/>
+              </a:rPr>
+              <a:t>Cortex-M33</a:t>
+            </a:r>
+            <a:br>
+              <a:rPr lang="en-US" sz="1350">
+                <a:solidFill>
+                  <a:prstClr val="white"/>
+                </a:solidFill>
+                <a:latin typeface="Calibri"/>
+                <a:cs typeface="Calibri"/>
+              </a:rPr>
+            </a:br>
+            <a:r>
+              <a:rPr lang="en-US" sz="825">
+                <a:solidFill>
+                  <a:prstClr val="white"/>
+                </a:solidFill>
+                <a:latin typeface="Calibri"/>
+                <a:cs typeface="Calibri"/>
+              </a:rPr>
+              <a:t>with </a:t>
+            </a:r>
+            <a:r>
+              <a:rPr lang="en-US" sz="825" err="1">
+                <a:solidFill>
+                  <a:prstClr val="white"/>
+                </a:solidFill>
+                <a:latin typeface="Calibri"/>
+                <a:cs typeface="Calibri"/>
+              </a:rPr>
+              <a:t>TrustZone</a:t>
+            </a:r>
+            <a:endParaRPr lang="en-US" sz="1350">
+              <a:solidFill>
+                <a:prstClr val="white"/>
+              </a:solidFill>
+              <a:latin typeface="Calibri"/>
+              <a:cs typeface="Calibri"/>
+            </a:endParaRPr>
+          </a:p>
+        </p:txBody>
+      </p:sp>
+      <p:cxnSp>
+        <p:nvCxnSpPr>
+          <p:cNvPr id="54" name="Straight Connector 53">
+            <a:extLst>
+              <a:ext uri="{FF2B5EF4-FFF2-40B4-BE49-F238E27FC236}">
+                <a16:creationId xmlns:a16="http://schemas.microsoft.com/office/drawing/2014/main" id="{E78F3B8A-FA30-4E01-8875-1BF910243BF9}"/>
+              </a:ext>
+            </a:extLst>
+          </p:cNvPr>
+          <p:cNvCxnSpPr>
+            <a:cxnSpLocks/>
+            <a:endCxn id="157" idx="0"/>
+          </p:cNvCxnSpPr>
+          <p:nvPr/>
+        </p:nvCxnSpPr>
+        <p:spPr>
+          <a:xfrm>
+            <a:off x="1441688" y="2834358"/>
+            <a:ext cx="0" cy="697838"/>
+          </a:xfrm>
+          <a:prstGeom prst="line">
+            <a:avLst/>
+          </a:prstGeom>
+          <a:ln w="28575">
+            <a:solidFill>
+              <a:schemeClr val="accent6">
+                <a:lumMod val="75000"/>
+              </a:schemeClr>
+            </a:solidFill>
+            <a:headEnd type="none" w="med" len="med"/>
+            <a:tailEnd type="none" w="med" len="med"/>
+          </a:ln>
+          <a:effectLst/>
+        </p:spPr>
+        <p:style>
+          <a:lnRef idx="2">
+            <a:schemeClr val="accent1"/>
+          </a:lnRef>
+          <a:fillRef idx="0">
+            <a:schemeClr val="accent1"/>
+          </a:fillRef>
+          <a:effectRef idx="1">
+            <a:schemeClr val="accent1"/>
+          </a:effectRef>
+          <a:fontRef idx="minor">
+            <a:schemeClr val="tx1"/>
+          </a:fontRef>
+        </p:style>
+      </p:cxnSp>
+      <p:sp>
+        <p:nvSpPr>
+          <p:cNvPr id="157" name="Rectangle 156">
+            <a:extLst>
+              <a:ext uri="{FF2B5EF4-FFF2-40B4-BE49-F238E27FC236}">
+                <a16:creationId xmlns:a16="http://schemas.microsoft.com/office/drawing/2014/main" id="{58D6632A-56DA-4B2B-8850-AE8976D10A5A}"/>
+              </a:ext>
+            </a:extLst>
+          </p:cNvPr>
+          <p:cNvSpPr/>
+          <p:nvPr/>
+        </p:nvSpPr>
+        <p:spPr>
+          <a:xfrm>
+            <a:off x="1158188" y="3532196"/>
+            <a:ext cx="567000" cy="648000"/>
+          </a:xfrm>
+          <a:prstGeom prst="rect">
+            <a:avLst/>
+          </a:prstGeom>
+          <a:solidFill>
+            <a:schemeClr val="accent1">
+              <a:lumMod val="50000"/>
+            </a:schemeClr>
+          </a:solidFill>
+          <a:ln>
+            <a:noFill/>
+          </a:ln>
+          <a:effectLst/>
+        </p:spPr>
+        <p:style>
+          <a:lnRef idx="1">
+            <a:schemeClr val="accent1"/>
+          </a:lnRef>
+          <a:fillRef idx="3">
+            <a:schemeClr val="accent1"/>
+          </a:fillRef>
+          <a:effectRef idx="2">
+            <a:schemeClr val="accent1"/>
+          </a:effectRef>
+          <a:fontRef idx="minor">
+            <a:schemeClr val="lt1"/>
+          </a:fontRef>
+        </p:style>
+        <p:txBody>
+          <a:bodyPr lIns="0" rIns="0" rtlCol="0" anchor="t"/>
+          <a:lstStyle/>
+          <a:p>
+            <a:pPr algn="ctr" defTabSz="685800" eaLnBrk="0" fontAlgn="base" hangingPunct="0">
+              <a:lnSpc>
+                <a:spcPct val="80000"/>
+              </a:lnSpc>
+              <a:spcBef>
+                <a:spcPct val="0"/>
+              </a:spcBef>
+              <a:spcAft>
+                <a:spcPct val="0"/>
+              </a:spcAft>
+              <a:defRPr/>
+            </a:pPr>
+            <a:r>
+              <a:rPr lang="en-US" sz="1350">
+                <a:solidFill>
+                  <a:srgbClr val="E5ECEB"/>
+                </a:solidFill>
+                <a:latin typeface="Calibri"/>
+                <a:cs typeface="Calibri"/>
+              </a:rPr>
+              <a:t>Flash</a:t>
+            </a:r>
+          </a:p>
+        </p:txBody>
+      </p:sp>
+      <p:sp>
+        <p:nvSpPr>
+          <p:cNvPr id="89" name="Rectangle 88">
+            <a:extLst>
+              <a:ext uri="{FF2B5EF4-FFF2-40B4-BE49-F238E27FC236}">
+                <a16:creationId xmlns:a16="http://schemas.microsoft.com/office/drawing/2014/main" id="{FD73DAFF-0CCA-4A68-A5C6-0165452B3C2F}"/>
+              </a:ext>
+            </a:extLst>
+          </p:cNvPr>
+          <p:cNvSpPr/>
+          <p:nvPr/>
+        </p:nvSpPr>
+        <p:spPr>
+          <a:xfrm>
+            <a:off x="1158188" y="3013382"/>
+            <a:ext cx="567000" cy="270000"/>
+          </a:xfrm>
+          <a:prstGeom prst="rect">
+            <a:avLst/>
+          </a:prstGeom>
+          <a:solidFill>
+            <a:schemeClr val="accent1"/>
+          </a:solidFill>
+          <a:ln w="19050" cmpd="sng">
+            <a:noFill/>
+          </a:ln>
+          <a:effectLst/>
+        </p:spPr>
+        <p:style>
+          <a:lnRef idx="1">
+            <a:schemeClr val="accent1"/>
+          </a:lnRef>
+          <a:fillRef idx="3">
+            <a:schemeClr val="accent1"/>
+          </a:fillRef>
+          <a:effectRef idx="2">
+            <a:schemeClr val="accent1"/>
+          </a:effectRef>
+          <a:fontRef idx="minor">
+            <a:schemeClr val="lt1"/>
+          </a:fontRef>
+        </p:style>
+        <p:txBody>
+          <a:bodyPr wrap="none" lIns="0" tIns="35100" rIns="0" rtlCol="0" anchor="ctr"/>
+          <a:lstStyle/>
+          <a:p>
+            <a:pPr lvl="0" algn="ctr">
+              <a:lnSpc>
+                <a:spcPct val="80000"/>
+              </a:lnSpc>
+              <a:defRPr/>
+            </a:pPr>
+            <a:r>
+              <a:rPr lang="en-US" sz="1350">
+                <a:solidFill>
+                  <a:prstClr val="white"/>
+                </a:solidFill>
+                <a:cs typeface="Calibri"/>
+              </a:rPr>
+              <a:t>MPC</a:t>
+            </a:r>
+            <a:endParaRPr lang="en-US" sz="825">
+              <a:solidFill>
+                <a:prstClr val="white"/>
+              </a:solidFill>
+              <a:cs typeface="Calibri"/>
+            </a:endParaRPr>
+          </a:p>
+        </p:txBody>
+      </p:sp>
+      <p:cxnSp>
+        <p:nvCxnSpPr>
+          <p:cNvPr id="59" name="Straight Connector 58">
+            <a:extLst>
+              <a:ext uri="{FF2B5EF4-FFF2-40B4-BE49-F238E27FC236}">
+                <a16:creationId xmlns:a16="http://schemas.microsoft.com/office/drawing/2014/main" id="{E409B209-4870-4773-BEC5-87A8B7DAF816}"/>
+              </a:ext>
+            </a:extLst>
+          </p:cNvPr>
+          <p:cNvCxnSpPr>
+            <a:cxnSpLocks/>
+            <a:endCxn id="71" idx="3"/>
+          </p:cNvCxnSpPr>
+          <p:nvPr/>
+        </p:nvCxnSpPr>
+        <p:spPr>
+          <a:xfrm flipV="1">
+            <a:off x="3872001" y="2514144"/>
+            <a:ext cx="0" cy="265010"/>
+          </a:xfrm>
+          <a:prstGeom prst="line">
+            <a:avLst/>
+          </a:prstGeom>
+          <a:ln w="28575">
+            <a:solidFill>
+              <a:schemeClr val="accent6">
+                <a:lumMod val="75000"/>
+              </a:schemeClr>
+            </a:solidFill>
+            <a:headEnd type="none" w="med" len="med"/>
+            <a:tailEnd type="none" w="med" len="med"/>
+          </a:ln>
+          <a:effectLst/>
+        </p:spPr>
+        <p:style>
+          <a:lnRef idx="2">
+            <a:schemeClr val="accent1"/>
+          </a:lnRef>
+          <a:fillRef idx="0">
+            <a:schemeClr val="accent1"/>
+          </a:fillRef>
+          <a:effectRef idx="1">
+            <a:schemeClr val="accent1"/>
+          </a:effectRef>
+          <a:fontRef idx="minor">
+            <a:schemeClr val="tx1"/>
+          </a:fontRef>
+        </p:style>
+      </p:cxnSp>
+      <p:sp>
+        <p:nvSpPr>
+          <p:cNvPr id="71" name="Rectangle 70">
+            <a:extLst>
+              <a:ext uri="{FF2B5EF4-FFF2-40B4-BE49-F238E27FC236}">
+                <a16:creationId xmlns:a16="http://schemas.microsoft.com/office/drawing/2014/main" id="{69595332-5518-4EB7-9668-57846266BB2F}"/>
+              </a:ext>
+            </a:extLst>
+          </p:cNvPr>
+          <p:cNvSpPr/>
+          <p:nvPr/>
+        </p:nvSpPr>
+        <p:spPr>
+          <a:xfrm rot="5400000">
+            <a:off x="3737091" y="2067153"/>
+            <a:ext cx="269820" cy="624161"/>
+          </a:xfrm>
+          <a:prstGeom prst="rect">
+            <a:avLst/>
+          </a:prstGeom>
+          <a:solidFill>
+            <a:schemeClr val="accent1">
+              <a:lumMod val="50000"/>
+            </a:schemeClr>
+          </a:solidFill>
+          <a:ln>
+            <a:noFill/>
+          </a:ln>
+        </p:spPr>
+        <p:style>
+          <a:lnRef idx="2">
+            <a:schemeClr val="accent5">
+              <a:shade val="50000"/>
+            </a:schemeClr>
+          </a:lnRef>
+          <a:fillRef idx="1">
+            <a:schemeClr val="accent5"/>
+          </a:fillRef>
+          <a:effectRef idx="0">
+            <a:schemeClr val="accent5"/>
+          </a:effectRef>
+          <a:fontRef idx="minor">
+            <a:schemeClr val="lt1"/>
+          </a:fontRef>
+        </p:style>
+        <p:txBody>
+          <a:bodyPr vert="vert270" rtlCol="0" anchor="ctr"/>
+          <a:lstStyle/>
+          <a:p>
+            <a:pPr algn="ctr" defTabSz="685800" eaLnBrk="0" fontAlgn="base" hangingPunct="0">
+              <a:spcBef>
+                <a:spcPct val="0"/>
+              </a:spcBef>
+              <a:spcAft>
+                <a:spcPct val="0"/>
+              </a:spcAft>
+              <a:defRPr/>
+            </a:pPr>
+            <a:r>
+              <a:rPr lang="en-US" sz="1350">
+                <a:solidFill>
+                  <a:srgbClr val="E5ECEB"/>
+                </a:solidFill>
+                <a:latin typeface="Calibri"/>
+              </a:rPr>
+              <a:t>DMA</a:t>
+            </a:r>
+          </a:p>
+        </p:txBody>
+      </p:sp>
+      <p:cxnSp>
+        <p:nvCxnSpPr>
+          <p:cNvPr id="86" name="Straight Connector 85">
+            <a:extLst>
+              <a:ext uri="{FF2B5EF4-FFF2-40B4-BE49-F238E27FC236}">
+                <a16:creationId xmlns:a16="http://schemas.microsoft.com/office/drawing/2014/main" id="{817637A0-14C8-4158-9422-402475F80B37}"/>
+              </a:ext>
+            </a:extLst>
+          </p:cNvPr>
+          <p:cNvCxnSpPr>
+            <a:cxnSpLocks/>
+            <a:endCxn id="87" idx="2"/>
+          </p:cNvCxnSpPr>
+          <p:nvPr/>
+        </p:nvCxnSpPr>
+        <p:spPr>
+          <a:xfrm flipV="1">
+            <a:off x="2781198" y="2509334"/>
+            <a:ext cx="1" cy="269820"/>
+          </a:xfrm>
+          <a:prstGeom prst="line">
+            <a:avLst/>
+          </a:prstGeom>
+          <a:ln w="28575">
+            <a:solidFill>
+              <a:schemeClr val="accent6">
+                <a:lumMod val="75000"/>
+              </a:schemeClr>
+            </a:solidFill>
+            <a:headEnd type="none" w="med" len="med"/>
+            <a:tailEnd type="none" w="med" len="med"/>
+          </a:ln>
+          <a:effectLst/>
+        </p:spPr>
+        <p:style>
+          <a:lnRef idx="2">
+            <a:schemeClr val="accent1"/>
+          </a:lnRef>
+          <a:fillRef idx="0">
+            <a:schemeClr val="accent1"/>
+          </a:fillRef>
+          <a:effectRef idx="1">
+            <a:schemeClr val="accent1"/>
+          </a:effectRef>
+          <a:fontRef idx="minor">
+            <a:schemeClr val="tx1"/>
+          </a:fontRef>
+        </p:style>
+      </p:cxnSp>
+      <p:sp>
+        <p:nvSpPr>
+          <p:cNvPr id="87" name="Rectangle 86">
+            <a:extLst>
+              <a:ext uri="{FF2B5EF4-FFF2-40B4-BE49-F238E27FC236}">
+                <a16:creationId xmlns:a16="http://schemas.microsoft.com/office/drawing/2014/main" id="{86A0FC92-1CBD-4C39-9888-18EFE5683F43}"/>
+              </a:ext>
+            </a:extLst>
+          </p:cNvPr>
+          <p:cNvSpPr/>
+          <p:nvPr/>
+        </p:nvSpPr>
+        <p:spPr>
+          <a:xfrm>
+            <a:off x="2247699" y="1699334"/>
+            <a:ext cx="1066999" cy="810000"/>
+          </a:xfrm>
+          <a:prstGeom prst="rect">
+            <a:avLst/>
+          </a:prstGeom>
+          <a:solidFill>
+            <a:schemeClr val="accent1">
+              <a:lumMod val="50000"/>
+            </a:schemeClr>
+          </a:solidFill>
+          <a:ln>
+            <a:noFill/>
+          </a:ln>
+          <a:effectLst/>
+        </p:spPr>
+        <p:style>
+          <a:lnRef idx="1">
+            <a:schemeClr val="accent1"/>
+          </a:lnRef>
+          <a:fillRef idx="3">
+            <a:schemeClr val="accent1"/>
+          </a:fillRef>
+          <a:effectRef idx="2">
+            <a:schemeClr val="accent1"/>
+          </a:effectRef>
+          <a:fontRef idx="minor">
+            <a:schemeClr val="lt1"/>
+          </a:fontRef>
+        </p:style>
+        <p:txBody>
+          <a:bodyPr lIns="0" tIns="35100" rIns="0" rtlCol="0" anchor="ctr"/>
+          <a:lstStyle/>
+          <a:p>
+            <a:pPr algn="ctr" defTabSz="685800" eaLnBrk="0" fontAlgn="base" hangingPunct="0">
+              <a:spcBef>
+                <a:spcPct val="0"/>
+              </a:spcBef>
+              <a:spcAft>
+                <a:spcPct val="0"/>
+              </a:spcAft>
+              <a:defRPr/>
+            </a:pPr>
+            <a:r>
+              <a:rPr lang="en-US" sz="1350">
+                <a:solidFill>
+                  <a:prstClr val="white"/>
+                </a:solidFill>
+                <a:latin typeface="Calibri"/>
+                <a:cs typeface="Calibri"/>
+              </a:rPr>
+              <a:t>Cortex-M33</a:t>
+            </a:r>
+          </a:p>
+        </p:txBody>
+      </p:sp>
+      <p:cxnSp>
+        <p:nvCxnSpPr>
+          <p:cNvPr id="116" name="Straight Connector 115">
+            <a:extLst>
+              <a:ext uri="{FF2B5EF4-FFF2-40B4-BE49-F238E27FC236}">
+                <a16:creationId xmlns:a16="http://schemas.microsoft.com/office/drawing/2014/main" id="{F3C50130-2B40-40F4-9A50-EA7E93352924}"/>
+              </a:ext>
+            </a:extLst>
+          </p:cNvPr>
+          <p:cNvCxnSpPr>
+            <a:cxnSpLocks/>
+          </p:cNvCxnSpPr>
+          <p:nvPr/>
+        </p:nvCxnSpPr>
+        <p:spPr>
+          <a:xfrm flipH="1">
+            <a:off x="1892696" y="3402780"/>
+            <a:ext cx="0" cy="135000"/>
+          </a:xfrm>
+          <a:prstGeom prst="line">
+            <a:avLst/>
+          </a:prstGeom>
+          <a:ln w="28575">
+            <a:solidFill>
+              <a:schemeClr val="accent6">
+                <a:lumMod val="75000"/>
+              </a:schemeClr>
+            </a:solidFill>
+            <a:headEnd type="none" w="med" len="med"/>
+            <a:tailEnd type="none" w="med" len="med"/>
+          </a:ln>
+          <a:effectLst/>
+        </p:spPr>
+        <p:style>
+          <a:lnRef idx="2">
+            <a:schemeClr val="accent1"/>
+          </a:lnRef>
+          <a:fillRef idx="0">
+            <a:schemeClr val="accent1"/>
+          </a:fillRef>
+          <a:effectRef idx="1">
+            <a:schemeClr val="accent1"/>
+          </a:effectRef>
+          <a:fontRef idx="minor">
+            <a:schemeClr val="tx1"/>
+          </a:fontRef>
+        </p:style>
+      </p:cxnSp>
+      <p:cxnSp>
+        <p:nvCxnSpPr>
+          <p:cNvPr id="117" name="Straight Connector 116">
+            <a:extLst>
+              <a:ext uri="{FF2B5EF4-FFF2-40B4-BE49-F238E27FC236}">
+                <a16:creationId xmlns:a16="http://schemas.microsoft.com/office/drawing/2014/main" id="{DD53B0A0-2CC9-40BC-AACF-5607FEFF7A41}"/>
+              </a:ext>
+            </a:extLst>
+          </p:cNvPr>
+          <p:cNvCxnSpPr>
+            <a:cxnSpLocks/>
+          </p:cNvCxnSpPr>
+          <p:nvPr/>
+        </p:nvCxnSpPr>
+        <p:spPr>
+          <a:xfrm flipH="1">
+            <a:off x="2121588" y="3401195"/>
+            <a:ext cx="0" cy="135000"/>
+          </a:xfrm>
+          <a:prstGeom prst="line">
+            <a:avLst/>
+          </a:prstGeom>
+          <a:ln w="28575">
+            <a:solidFill>
+              <a:schemeClr val="accent6">
+                <a:lumMod val="75000"/>
+              </a:schemeClr>
+            </a:solidFill>
+            <a:headEnd type="none" w="med" len="med"/>
+            <a:tailEnd type="none" w="med" len="med"/>
+          </a:ln>
+          <a:effectLst/>
+        </p:spPr>
+        <p:style>
+          <a:lnRef idx="2">
+            <a:schemeClr val="accent1"/>
+          </a:lnRef>
+          <a:fillRef idx="0">
+            <a:schemeClr val="accent1"/>
+          </a:fillRef>
+          <a:effectRef idx="1">
+            <a:schemeClr val="accent1"/>
+          </a:effectRef>
+          <a:fontRef idx="minor">
+            <a:schemeClr val="tx1"/>
+          </a:fontRef>
+        </p:style>
+      </p:cxnSp>
+      <p:cxnSp>
+        <p:nvCxnSpPr>
+          <p:cNvPr id="118" name="Straight Connector 117">
+            <a:extLst>
+              <a:ext uri="{FF2B5EF4-FFF2-40B4-BE49-F238E27FC236}">
+                <a16:creationId xmlns:a16="http://schemas.microsoft.com/office/drawing/2014/main" id="{B63AB66D-ECA1-4CD3-95F0-15AA513BE1DD}"/>
+              </a:ext>
+            </a:extLst>
+          </p:cNvPr>
+          <p:cNvCxnSpPr>
+            <a:cxnSpLocks/>
+          </p:cNvCxnSpPr>
+          <p:nvPr/>
+        </p:nvCxnSpPr>
+        <p:spPr>
+          <a:xfrm flipH="1">
+            <a:off x="2338624" y="3401195"/>
+            <a:ext cx="0" cy="135000"/>
+          </a:xfrm>
+          <a:prstGeom prst="line">
+            <a:avLst/>
+          </a:prstGeom>
+          <a:ln w="28575">
+            <a:solidFill>
+              <a:schemeClr val="accent6">
+                <a:lumMod val="75000"/>
+              </a:schemeClr>
+            </a:solidFill>
+            <a:headEnd type="none" w="med" len="med"/>
+            <a:tailEnd type="none" w="med" len="med"/>
+          </a:ln>
+          <a:effectLst/>
+        </p:spPr>
+        <p:style>
+          <a:lnRef idx="2">
+            <a:schemeClr val="accent1"/>
+          </a:lnRef>
+          <a:fillRef idx="0">
+            <a:schemeClr val="accent1"/>
+          </a:fillRef>
+          <a:effectRef idx="1">
+            <a:schemeClr val="accent1"/>
+          </a:effectRef>
+          <a:fontRef idx="minor">
+            <a:schemeClr val="tx1"/>
+          </a:fontRef>
+        </p:style>
+      </p:cxnSp>
+      <p:cxnSp>
+        <p:nvCxnSpPr>
+          <p:cNvPr id="119" name="Straight Connector 118">
+            <a:extLst>
+              <a:ext uri="{FF2B5EF4-FFF2-40B4-BE49-F238E27FC236}">
+                <a16:creationId xmlns:a16="http://schemas.microsoft.com/office/drawing/2014/main" id="{B261D5D3-7764-4F12-848E-82062C6E793B}"/>
+              </a:ext>
+            </a:extLst>
+          </p:cNvPr>
+          <p:cNvCxnSpPr>
+            <a:cxnSpLocks/>
+          </p:cNvCxnSpPr>
+          <p:nvPr/>
+        </p:nvCxnSpPr>
+        <p:spPr>
+          <a:xfrm flipH="1">
+            <a:off x="2580020" y="3401195"/>
+            <a:ext cx="0" cy="135000"/>
+          </a:xfrm>
+          <a:prstGeom prst="line">
+            <a:avLst/>
+          </a:prstGeom>
+          <a:ln w="28575">
+            <a:solidFill>
+              <a:schemeClr val="accent6">
+                <a:lumMod val="75000"/>
+              </a:schemeClr>
+            </a:solidFill>
+            <a:headEnd type="none" w="med" len="med"/>
+            <a:tailEnd type="none" w="med" len="med"/>
+          </a:ln>
+          <a:effectLst/>
+        </p:spPr>
+        <p:style>
+          <a:lnRef idx="2">
+            <a:schemeClr val="accent1"/>
+          </a:lnRef>
+          <a:fillRef idx="0">
+            <a:schemeClr val="accent1"/>
+          </a:fillRef>
+          <a:effectRef idx="1">
+            <a:schemeClr val="accent1"/>
+          </a:effectRef>
+          <a:fontRef idx="minor">
+            <a:schemeClr val="tx1"/>
+          </a:fontRef>
+        </p:style>
+      </p:cxnSp>
+      <p:cxnSp>
+        <p:nvCxnSpPr>
+          <p:cNvPr id="121" name="Straight Connector 120">
+            <a:extLst>
+              <a:ext uri="{FF2B5EF4-FFF2-40B4-BE49-F238E27FC236}">
+                <a16:creationId xmlns:a16="http://schemas.microsoft.com/office/drawing/2014/main" id="{D9EC0F83-4A3A-4122-81BB-AA6456B1124D}"/>
+              </a:ext>
+            </a:extLst>
+          </p:cNvPr>
+          <p:cNvCxnSpPr>
+            <a:cxnSpLocks/>
+            <a:endCxn id="109" idx="0"/>
+          </p:cNvCxnSpPr>
+          <p:nvPr/>
+        </p:nvCxnSpPr>
+        <p:spPr>
+          <a:xfrm>
+            <a:off x="3026271" y="2834359"/>
+            <a:ext cx="0" cy="701837"/>
+          </a:xfrm>
+          <a:prstGeom prst="line">
+            <a:avLst/>
+          </a:prstGeom>
+          <a:ln w="28575">
+            <a:solidFill>
+              <a:schemeClr val="accent6">
+                <a:lumMod val="75000"/>
+              </a:schemeClr>
+            </a:solidFill>
+            <a:headEnd type="none" w="med" len="med"/>
+            <a:tailEnd type="none" w="med" len="med"/>
+          </a:ln>
+          <a:effectLst/>
+        </p:spPr>
+        <p:style>
+          <a:lnRef idx="2">
+            <a:schemeClr val="accent1"/>
+          </a:lnRef>
+          <a:fillRef idx="0">
+            <a:schemeClr val="accent1"/>
+          </a:fillRef>
+          <a:effectRef idx="1">
+            <a:schemeClr val="accent1"/>
+          </a:effectRef>
+          <a:fontRef idx="minor">
+            <a:schemeClr val="tx1"/>
+          </a:fontRef>
+        </p:style>
+      </p:cxnSp>
+      <p:cxnSp>
+        <p:nvCxnSpPr>
+          <p:cNvPr id="122" name="Straight Connector 121">
+            <a:extLst>
+              <a:ext uri="{FF2B5EF4-FFF2-40B4-BE49-F238E27FC236}">
+                <a16:creationId xmlns:a16="http://schemas.microsoft.com/office/drawing/2014/main" id="{86EFAE34-E646-471C-A5F9-3D720C5B6CD6}"/>
+              </a:ext>
+            </a:extLst>
+          </p:cNvPr>
+          <p:cNvCxnSpPr>
+            <a:cxnSpLocks/>
+          </p:cNvCxnSpPr>
+          <p:nvPr/>
+        </p:nvCxnSpPr>
+        <p:spPr>
+          <a:xfrm flipH="1">
+            <a:off x="2797055" y="3401195"/>
+            <a:ext cx="0" cy="135000"/>
+          </a:xfrm>
+          <a:prstGeom prst="line">
+            <a:avLst/>
+          </a:prstGeom>
+          <a:ln w="28575">
+            <a:solidFill>
+              <a:schemeClr val="accent6">
+                <a:lumMod val="75000"/>
+              </a:schemeClr>
+            </a:solidFill>
+            <a:headEnd type="none" w="med" len="med"/>
+            <a:tailEnd type="none" w="med" len="med"/>
+          </a:ln>
+          <a:effectLst/>
+        </p:spPr>
+        <p:style>
+          <a:lnRef idx="2">
+            <a:schemeClr val="accent1"/>
+          </a:lnRef>
+          <a:fillRef idx="0">
+            <a:schemeClr val="accent1"/>
+          </a:fillRef>
+          <a:effectRef idx="1">
+            <a:schemeClr val="accent1"/>
+          </a:effectRef>
+          <a:fontRef idx="minor">
+            <a:schemeClr val="tx1"/>
+          </a:fontRef>
+        </p:style>
+      </p:cxnSp>
+      <p:cxnSp>
+        <p:nvCxnSpPr>
+          <p:cNvPr id="123" name="Straight Connector 122">
+            <a:extLst>
+              <a:ext uri="{FF2B5EF4-FFF2-40B4-BE49-F238E27FC236}">
+                <a16:creationId xmlns:a16="http://schemas.microsoft.com/office/drawing/2014/main" id="{9E323476-6765-4B31-8A04-F6C990255499}"/>
+              </a:ext>
+            </a:extLst>
+          </p:cNvPr>
+          <p:cNvCxnSpPr>
+            <a:cxnSpLocks/>
+          </p:cNvCxnSpPr>
+          <p:nvPr/>
+        </p:nvCxnSpPr>
+        <p:spPr>
+          <a:xfrm flipH="1">
+            <a:off x="3255487" y="3405983"/>
+            <a:ext cx="0" cy="135000"/>
+          </a:xfrm>
+          <a:prstGeom prst="line">
+            <a:avLst/>
+          </a:prstGeom>
+          <a:ln w="28575">
+            <a:solidFill>
+              <a:schemeClr val="accent6">
+                <a:lumMod val="75000"/>
+              </a:schemeClr>
+            </a:solidFill>
+            <a:headEnd type="none" w="med" len="med"/>
+            <a:tailEnd type="none" w="med" len="med"/>
+          </a:ln>
+          <a:effectLst/>
+        </p:spPr>
+        <p:style>
+          <a:lnRef idx="2">
+            <a:schemeClr val="accent1"/>
+          </a:lnRef>
+          <a:fillRef idx="0">
+            <a:schemeClr val="accent1"/>
+          </a:fillRef>
+          <a:effectRef idx="1">
+            <a:schemeClr val="accent1"/>
+          </a:effectRef>
+          <a:fontRef idx="minor">
+            <a:schemeClr val="tx1"/>
+          </a:fontRef>
+        </p:style>
+      </p:cxnSp>
+      <p:cxnSp>
+        <p:nvCxnSpPr>
+          <p:cNvPr id="124" name="Straight Connector 123">
+            <a:extLst>
+              <a:ext uri="{FF2B5EF4-FFF2-40B4-BE49-F238E27FC236}">
+                <a16:creationId xmlns:a16="http://schemas.microsoft.com/office/drawing/2014/main" id="{2D45E323-5524-44CF-8940-0C4DBDBCE797}"/>
+              </a:ext>
+            </a:extLst>
+          </p:cNvPr>
+          <p:cNvCxnSpPr>
+            <a:cxnSpLocks/>
+          </p:cNvCxnSpPr>
+          <p:nvPr/>
+        </p:nvCxnSpPr>
+        <p:spPr>
+          <a:xfrm flipH="1">
+            <a:off x="3496883" y="3405983"/>
+            <a:ext cx="0" cy="135000"/>
+          </a:xfrm>
+          <a:prstGeom prst="line">
+            <a:avLst/>
+          </a:prstGeom>
+          <a:ln w="28575">
+            <a:solidFill>
+              <a:schemeClr val="accent6">
+                <a:lumMod val="75000"/>
+              </a:schemeClr>
+            </a:solidFill>
+            <a:headEnd type="none" w="med" len="med"/>
+            <a:tailEnd type="none" w="med" len="med"/>
+          </a:ln>
+          <a:effectLst/>
+        </p:spPr>
+        <p:style>
+          <a:lnRef idx="2">
+            <a:schemeClr val="accent1"/>
+          </a:lnRef>
+          <a:fillRef idx="0">
+            <a:schemeClr val="accent1"/>
+          </a:fillRef>
+          <a:effectRef idx="1">
+            <a:schemeClr val="accent1"/>
+          </a:effectRef>
+          <a:fontRef idx="minor">
+            <a:schemeClr val="tx1"/>
+          </a:fontRef>
+        </p:style>
+      </p:cxnSp>
+      <p:cxnSp>
+        <p:nvCxnSpPr>
+          <p:cNvPr id="125" name="Straight Connector 124">
+            <a:extLst>
+              <a:ext uri="{FF2B5EF4-FFF2-40B4-BE49-F238E27FC236}">
+                <a16:creationId xmlns:a16="http://schemas.microsoft.com/office/drawing/2014/main" id="{46385D88-B164-450C-8731-CD0EC4C81892}"/>
+              </a:ext>
+            </a:extLst>
+          </p:cNvPr>
+          <p:cNvCxnSpPr>
+            <a:cxnSpLocks/>
+          </p:cNvCxnSpPr>
+          <p:nvPr/>
+        </p:nvCxnSpPr>
+        <p:spPr>
+          <a:xfrm flipH="1">
+            <a:off x="3711080" y="3405983"/>
+            <a:ext cx="0" cy="135000"/>
+          </a:xfrm>
+          <a:prstGeom prst="line">
+            <a:avLst/>
+          </a:prstGeom>
+          <a:ln w="28575">
+            <a:solidFill>
+              <a:schemeClr val="accent6">
+                <a:lumMod val="75000"/>
+              </a:schemeClr>
+            </a:solidFill>
+            <a:headEnd type="none" w="med" len="med"/>
+            <a:tailEnd type="none" w="med" len="med"/>
+          </a:ln>
+          <a:effectLst/>
+        </p:spPr>
+        <p:style>
+          <a:lnRef idx="2">
+            <a:schemeClr val="accent1"/>
+          </a:lnRef>
+          <a:fillRef idx="0">
+            <a:schemeClr val="accent1"/>
+          </a:fillRef>
+          <a:effectRef idx="1">
+            <a:schemeClr val="accent1"/>
+          </a:effectRef>
+          <a:fontRef idx="minor">
+            <a:schemeClr val="tx1"/>
+          </a:fontRef>
+        </p:style>
+      </p:cxnSp>
+      <p:cxnSp>
+        <p:nvCxnSpPr>
+          <p:cNvPr id="126" name="Straight Connector 125">
+            <a:extLst>
+              <a:ext uri="{FF2B5EF4-FFF2-40B4-BE49-F238E27FC236}">
+                <a16:creationId xmlns:a16="http://schemas.microsoft.com/office/drawing/2014/main" id="{D3F88047-938B-477F-AAFF-BF174266D1F3}"/>
+              </a:ext>
+            </a:extLst>
+          </p:cNvPr>
+          <p:cNvCxnSpPr>
+            <a:cxnSpLocks/>
+          </p:cNvCxnSpPr>
+          <p:nvPr/>
+        </p:nvCxnSpPr>
+        <p:spPr>
+          <a:xfrm flipH="1">
+            <a:off x="3943134" y="3405983"/>
+            <a:ext cx="0" cy="135000"/>
+          </a:xfrm>
+          <a:prstGeom prst="line">
+            <a:avLst/>
+          </a:prstGeom>
+          <a:ln w="28575">
+            <a:solidFill>
+              <a:schemeClr val="accent6">
+                <a:lumMod val="75000"/>
+              </a:schemeClr>
+            </a:solidFill>
+            <a:headEnd type="none" w="med" len="med"/>
+            <a:tailEnd type="none" w="med" len="med"/>
+          </a:ln>
+          <a:effectLst/>
+        </p:spPr>
+        <p:style>
+          <a:lnRef idx="2">
+            <a:schemeClr val="accent1"/>
+          </a:lnRef>
+          <a:fillRef idx="0">
+            <a:schemeClr val="accent1"/>
+          </a:fillRef>
+          <a:effectRef idx="1">
+            <a:schemeClr val="accent1"/>
+          </a:effectRef>
+          <a:fontRef idx="minor">
+            <a:schemeClr val="tx1"/>
+          </a:fontRef>
+        </p:style>
+      </p:cxnSp>
+      <p:cxnSp>
+        <p:nvCxnSpPr>
+          <p:cNvPr id="127" name="Straight Connector 126">
+            <a:extLst>
+              <a:ext uri="{FF2B5EF4-FFF2-40B4-BE49-F238E27FC236}">
+                <a16:creationId xmlns:a16="http://schemas.microsoft.com/office/drawing/2014/main" id="{C9CE477D-3DD4-48AC-ABF0-255D485FE9E7}"/>
+              </a:ext>
+            </a:extLst>
+          </p:cNvPr>
+          <p:cNvCxnSpPr>
+            <a:cxnSpLocks/>
+          </p:cNvCxnSpPr>
+          <p:nvPr/>
+        </p:nvCxnSpPr>
+        <p:spPr>
+          <a:xfrm flipH="1">
+            <a:off x="4161632" y="3405983"/>
+            <a:ext cx="0" cy="135000"/>
+          </a:xfrm>
+          <a:prstGeom prst="line">
+            <a:avLst/>
+          </a:prstGeom>
+          <a:ln w="28575">
+            <a:solidFill>
+              <a:schemeClr val="accent6">
+                <a:lumMod val="75000"/>
+              </a:schemeClr>
+            </a:solidFill>
+            <a:headEnd type="none" w="med" len="med"/>
+            <a:tailEnd type="none" w="med" len="med"/>
+          </a:ln>
+          <a:effectLst/>
+        </p:spPr>
+        <p:style>
+          <a:lnRef idx="2">
+            <a:schemeClr val="accent1"/>
+          </a:lnRef>
+          <a:fillRef idx="0">
+            <a:schemeClr val="accent1"/>
+          </a:fillRef>
+          <a:effectRef idx="1">
+            <a:schemeClr val="accent1"/>
+          </a:effectRef>
+          <a:fontRef idx="minor">
+            <a:schemeClr val="tx1"/>
+          </a:fontRef>
+        </p:style>
+      </p:cxnSp>
+      <p:cxnSp>
+        <p:nvCxnSpPr>
+          <p:cNvPr id="129" name="Straight Connector 128">
+            <a:extLst>
+              <a:ext uri="{FF2B5EF4-FFF2-40B4-BE49-F238E27FC236}">
+                <a16:creationId xmlns:a16="http://schemas.microsoft.com/office/drawing/2014/main" id="{D5894E20-5955-4DA3-80B3-BA380810736F}"/>
+              </a:ext>
+            </a:extLst>
+          </p:cNvPr>
+          <p:cNvCxnSpPr>
+            <a:cxnSpLocks/>
+          </p:cNvCxnSpPr>
+          <p:nvPr/>
+        </p:nvCxnSpPr>
+        <p:spPr>
+          <a:xfrm flipH="1">
+            <a:off x="1883251" y="3405983"/>
+            <a:ext cx="2289100" cy="0"/>
+          </a:xfrm>
+          <a:prstGeom prst="line">
+            <a:avLst/>
+          </a:prstGeom>
+          <a:ln w="28575">
+            <a:solidFill>
+              <a:schemeClr val="accent6">
+                <a:lumMod val="75000"/>
+              </a:schemeClr>
+            </a:solidFill>
+            <a:headEnd type="none" w="med" len="med"/>
+            <a:tailEnd type="none" w="med" len="med"/>
+          </a:ln>
+          <a:effectLst/>
+        </p:spPr>
+        <p:style>
+          <a:lnRef idx="2">
+            <a:schemeClr val="accent1"/>
+          </a:lnRef>
+          <a:fillRef idx="0">
+            <a:schemeClr val="accent1"/>
+          </a:fillRef>
+          <a:effectRef idx="1">
+            <a:schemeClr val="accent1"/>
+          </a:effectRef>
+          <a:fontRef idx="minor">
+            <a:schemeClr val="tx1"/>
+          </a:fontRef>
+        </p:style>
+      </p:cxnSp>
+      <p:sp>
+        <p:nvSpPr>
+          <p:cNvPr id="105" name="Rectangle 104">
+            <a:extLst>
+              <a:ext uri="{FF2B5EF4-FFF2-40B4-BE49-F238E27FC236}">
+                <a16:creationId xmlns:a16="http://schemas.microsoft.com/office/drawing/2014/main" id="{1475108E-4D4F-41A0-B63F-53E20D3A7A38}"/>
+              </a:ext>
+            </a:extLst>
+          </p:cNvPr>
+          <p:cNvSpPr/>
+          <p:nvPr/>
+        </p:nvSpPr>
+        <p:spPr>
+          <a:xfrm>
+            <a:off x="1785692" y="3536195"/>
+            <a:ext cx="189000" cy="648000"/>
+          </a:xfrm>
+          <a:prstGeom prst="rect">
+            <a:avLst/>
+          </a:prstGeom>
+          <a:solidFill>
+            <a:schemeClr val="accent1">
+              <a:lumMod val="50000"/>
+            </a:schemeClr>
+          </a:solidFill>
+          <a:ln>
+            <a:noFill/>
+          </a:ln>
+        </p:spPr>
+        <p:style>
+          <a:lnRef idx="2">
+            <a:schemeClr val="accent5">
+              <a:shade val="50000"/>
+            </a:schemeClr>
+          </a:lnRef>
+          <a:fillRef idx="1">
+            <a:schemeClr val="accent5"/>
+          </a:fillRef>
+          <a:effectRef idx="0">
+            <a:schemeClr val="accent5"/>
+          </a:effectRef>
+          <a:fontRef idx="minor">
+            <a:schemeClr val="lt1"/>
+          </a:fontRef>
+        </p:style>
+        <p:txBody>
+          <a:bodyPr vert="vert270" rtlCol="0" anchor="ctr"/>
+          <a:lstStyle/>
+          <a:p>
+            <a:pPr algn="ctr" defTabSz="685800" eaLnBrk="0" fontAlgn="base" hangingPunct="0">
+              <a:spcBef>
+                <a:spcPct val="0"/>
+              </a:spcBef>
+              <a:spcAft>
+                <a:spcPct val="0"/>
+              </a:spcAft>
+              <a:defRPr/>
+            </a:pPr>
+            <a:r>
+              <a:rPr lang="en-US" sz="1050">
+                <a:solidFill>
+                  <a:srgbClr val="E5ECEB"/>
+                </a:solidFill>
+                <a:latin typeface="Calibri"/>
+              </a:rPr>
+              <a:t>USB</a:t>
+            </a:r>
+          </a:p>
+        </p:txBody>
+      </p:sp>
+      <p:sp>
+        <p:nvSpPr>
+          <p:cNvPr id="106" name="Rectangle 105">
+            <a:extLst>
+              <a:ext uri="{FF2B5EF4-FFF2-40B4-BE49-F238E27FC236}">
+                <a16:creationId xmlns:a16="http://schemas.microsoft.com/office/drawing/2014/main" id="{3DECB84A-A5E0-4C8B-A8B6-6B0415B9D45C}"/>
+              </a:ext>
+            </a:extLst>
+          </p:cNvPr>
+          <p:cNvSpPr/>
+          <p:nvPr/>
+        </p:nvSpPr>
+        <p:spPr>
+          <a:xfrm>
+            <a:off x="2014908" y="3536195"/>
+            <a:ext cx="189000" cy="648000"/>
+          </a:xfrm>
+          <a:prstGeom prst="rect">
+            <a:avLst/>
+          </a:prstGeom>
+          <a:solidFill>
+            <a:schemeClr val="accent1">
+              <a:lumMod val="50000"/>
+            </a:schemeClr>
+          </a:solidFill>
+          <a:ln>
+            <a:noFill/>
+          </a:ln>
+        </p:spPr>
+        <p:style>
+          <a:lnRef idx="2">
+            <a:schemeClr val="accent5">
+              <a:shade val="50000"/>
+            </a:schemeClr>
+          </a:lnRef>
+          <a:fillRef idx="1">
+            <a:schemeClr val="accent5"/>
+          </a:fillRef>
+          <a:effectRef idx="0">
+            <a:schemeClr val="accent5"/>
+          </a:effectRef>
+          <a:fontRef idx="minor">
+            <a:schemeClr val="lt1"/>
+          </a:fontRef>
+        </p:style>
+        <p:txBody>
+          <a:bodyPr vert="vert270" rtlCol="0" anchor="ctr"/>
+          <a:lstStyle/>
+          <a:p>
+            <a:pPr algn="ctr" defTabSz="685800" eaLnBrk="0" fontAlgn="base" hangingPunct="0">
+              <a:spcBef>
+                <a:spcPct val="0"/>
+              </a:spcBef>
+              <a:spcAft>
+                <a:spcPct val="0"/>
+              </a:spcAft>
+              <a:defRPr/>
+            </a:pPr>
+            <a:r>
+              <a:rPr lang="en-US" sz="1050">
+                <a:solidFill>
+                  <a:srgbClr val="E5ECEB"/>
+                </a:solidFill>
+                <a:latin typeface="Calibri"/>
+              </a:rPr>
+              <a:t>SDIO</a:t>
+            </a:r>
+          </a:p>
+        </p:txBody>
+      </p:sp>
+      <p:sp>
+        <p:nvSpPr>
+          <p:cNvPr id="107" name="Rectangle 106">
+            <a:extLst>
+              <a:ext uri="{FF2B5EF4-FFF2-40B4-BE49-F238E27FC236}">
+                <a16:creationId xmlns:a16="http://schemas.microsoft.com/office/drawing/2014/main" id="{766D56E4-6E41-43F2-9E59-6568A491CC01}"/>
+              </a:ext>
+            </a:extLst>
+          </p:cNvPr>
+          <p:cNvSpPr/>
+          <p:nvPr/>
+        </p:nvSpPr>
+        <p:spPr>
+          <a:xfrm>
+            <a:off x="2473340" y="3536195"/>
+            <a:ext cx="189000" cy="648000"/>
+          </a:xfrm>
+          <a:prstGeom prst="rect">
+            <a:avLst/>
+          </a:prstGeom>
+          <a:solidFill>
+            <a:schemeClr val="accent1">
+              <a:lumMod val="50000"/>
+            </a:schemeClr>
+          </a:solidFill>
+          <a:ln>
+            <a:noFill/>
+          </a:ln>
+        </p:spPr>
+        <p:style>
+          <a:lnRef idx="2">
+            <a:schemeClr val="accent5">
+              <a:shade val="50000"/>
+            </a:schemeClr>
+          </a:lnRef>
+          <a:fillRef idx="1">
+            <a:schemeClr val="accent5"/>
+          </a:fillRef>
+          <a:effectRef idx="0">
+            <a:schemeClr val="accent5"/>
+          </a:effectRef>
+          <a:fontRef idx="minor">
+            <a:schemeClr val="lt1"/>
+          </a:fontRef>
+        </p:style>
+        <p:txBody>
+          <a:bodyPr vert="vert270" rtlCol="0" anchor="ctr"/>
+          <a:lstStyle/>
+          <a:p>
+            <a:pPr algn="ctr" defTabSz="685800" eaLnBrk="0" fontAlgn="base" hangingPunct="0">
+              <a:spcBef>
+                <a:spcPct val="0"/>
+              </a:spcBef>
+              <a:spcAft>
+                <a:spcPct val="0"/>
+              </a:spcAft>
+              <a:defRPr/>
+            </a:pPr>
+            <a:r>
+              <a:rPr lang="en-US" sz="1050">
+                <a:solidFill>
+                  <a:srgbClr val="E5ECEB"/>
+                </a:solidFill>
+                <a:latin typeface="Calibri"/>
+              </a:rPr>
+              <a:t>AES</a:t>
+            </a:r>
+          </a:p>
+        </p:txBody>
+      </p:sp>
+      <p:sp>
+        <p:nvSpPr>
+          <p:cNvPr id="108" name="Rectangle 107">
+            <a:extLst>
+              <a:ext uri="{FF2B5EF4-FFF2-40B4-BE49-F238E27FC236}">
+                <a16:creationId xmlns:a16="http://schemas.microsoft.com/office/drawing/2014/main" id="{F7AF2A67-F687-4448-9166-71CD4BDF2681}"/>
+              </a:ext>
+            </a:extLst>
+          </p:cNvPr>
+          <p:cNvSpPr/>
+          <p:nvPr/>
+        </p:nvSpPr>
+        <p:spPr>
+          <a:xfrm>
+            <a:off x="2702555" y="3536195"/>
+            <a:ext cx="189000" cy="648000"/>
+          </a:xfrm>
+          <a:prstGeom prst="rect">
+            <a:avLst/>
+          </a:prstGeom>
+          <a:solidFill>
+            <a:schemeClr val="accent1">
+              <a:lumMod val="50000"/>
+            </a:schemeClr>
+          </a:solidFill>
+          <a:ln>
+            <a:noFill/>
+          </a:ln>
+        </p:spPr>
+        <p:style>
+          <a:lnRef idx="2">
+            <a:schemeClr val="accent5">
+              <a:shade val="50000"/>
+            </a:schemeClr>
+          </a:lnRef>
+          <a:fillRef idx="1">
+            <a:schemeClr val="accent5"/>
+          </a:fillRef>
+          <a:effectRef idx="0">
+            <a:schemeClr val="accent5"/>
+          </a:effectRef>
+          <a:fontRef idx="minor">
+            <a:schemeClr val="lt1"/>
+          </a:fontRef>
+        </p:style>
+        <p:txBody>
+          <a:bodyPr vert="vert270" rtlCol="0" anchor="ctr"/>
+          <a:lstStyle/>
+          <a:p>
+            <a:pPr algn="ctr" defTabSz="685800" eaLnBrk="0" fontAlgn="base" hangingPunct="0">
+              <a:spcBef>
+                <a:spcPct val="0"/>
+              </a:spcBef>
+              <a:spcAft>
+                <a:spcPct val="0"/>
+              </a:spcAft>
+              <a:defRPr/>
+            </a:pPr>
+            <a:r>
+              <a:rPr lang="en-US" sz="1050">
+                <a:solidFill>
+                  <a:srgbClr val="E5ECEB"/>
+                </a:solidFill>
+                <a:latin typeface="Calibri"/>
+              </a:rPr>
+              <a:t>TRNG</a:t>
+            </a:r>
+          </a:p>
+        </p:txBody>
+      </p:sp>
+      <p:sp>
+        <p:nvSpPr>
+          <p:cNvPr id="109" name="Rectangle 108">
+            <a:extLst>
+              <a:ext uri="{FF2B5EF4-FFF2-40B4-BE49-F238E27FC236}">
+                <a16:creationId xmlns:a16="http://schemas.microsoft.com/office/drawing/2014/main" id="{CB0E9968-7917-47DA-A3CE-590306CD1EA4}"/>
+              </a:ext>
+            </a:extLst>
+          </p:cNvPr>
+          <p:cNvSpPr/>
+          <p:nvPr/>
+        </p:nvSpPr>
+        <p:spPr>
+          <a:xfrm>
+            <a:off x="2931771" y="3536195"/>
+            <a:ext cx="189000" cy="648000"/>
+          </a:xfrm>
+          <a:prstGeom prst="rect">
+            <a:avLst/>
+          </a:prstGeom>
+          <a:solidFill>
+            <a:schemeClr val="accent1">
+              <a:lumMod val="50000"/>
+            </a:schemeClr>
+          </a:solidFill>
+          <a:ln>
+            <a:noFill/>
+          </a:ln>
+        </p:spPr>
+        <p:style>
+          <a:lnRef idx="2">
+            <a:schemeClr val="accent5">
+              <a:shade val="50000"/>
+            </a:schemeClr>
+          </a:lnRef>
+          <a:fillRef idx="1">
+            <a:schemeClr val="accent5"/>
+          </a:fillRef>
+          <a:effectRef idx="0">
+            <a:schemeClr val="accent5"/>
+          </a:effectRef>
+          <a:fontRef idx="minor">
+            <a:schemeClr val="lt1"/>
+          </a:fontRef>
+        </p:style>
+        <p:txBody>
+          <a:bodyPr vert="vert270" rtlCol="0" anchor="ctr"/>
+          <a:lstStyle/>
+          <a:p>
+            <a:pPr algn="ctr" defTabSz="685800" eaLnBrk="0" fontAlgn="base" hangingPunct="0">
+              <a:spcBef>
+                <a:spcPct val="0"/>
+              </a:spcBef>
+              <a:spcAft>
+                <a:spcPct val="0"/>
+              </a:spcAft>
+              <a:defRPr/>
+            </a:pPr>
+            <a:r>
+              <a:rPr lang="en-US" sz="1050">
+                <a:solidFill>
+                  <a:srgbClr val="E5ECEB"/>
+                </a:solidFill>
+                <a:latin typeface="Calibri"/>
+              </a:rPr>
+              <a:t>USART</a:t>
+            </a:r>
+          </a:p>
+        </p:txBody>
+      </p:sp>
+      <p:sp>
+        <p:nvSpPr>
+          <p:cNvPr id="110" name="Rectangle 109">
+            <a:extLst>
+              <a:ext uri="{FF2B5EF4-FFF2-40B4-BE49-F238E27FC236}">
+                <a16:creationId xmlns:a16="http://schemas.microsoft.com/office/drawing/2014/main" id="{73A3AB5C-FA27-4A87-8222-48CAAEE98CD2}"/>
+              </a:ext>
+            </a:extLst>
+          </p:cNvPr>
+          <p:cNvSpPr/>
+          <p:nvPr/>
+        </p:nvSpPr>
+        <p:spPr>
+          <a:xfrm>
+            <a:off x="3848634" y="3536195"/>
+            <a:ext cx="189000" cy="648000"/>
+          </a:xfrm>
+          <a:prstGeom prst="rect">
+            <a:avLst/>
+          </a:prstGeom>
+          <a:solidFill>
+            <a:schemeClr val="accent1">
+              <a:lumMod val="50000"/>
+            </a:schemeClr>
+          </a:solidFill>
+          <a:ln>
+            <a:noFill/>
+          </a:ln>
+        </p:spPr>
+        <p:style>
+          <a:lnRef idx="2">
+            <a:schemeClr val="accent5">
+              <a:shade val="50000"/>
+            </a:schemeClr>
+          </a:lnRef>
+          <a:fillRef idx="1">
+            <a:schemeClr val="accent5"/>
+          </a:fillRef>
+          <a:effectRef idx="0">
+            <a:schemeClr val="accent5"/>
+          </a:effectRef>
+          <a:fontRef idx="minor">
+            <a:schemeClr val="lt1"/>
+          </a:fontRef>
+        </p:style>
+        <p:txBody>
+          <a:bodyPr vert="vert270" rtlCol="0" anchor="ctr"/>
+          <a:lstStyle/>
+          <a:p>
+            <a:pPr algn="ctr" defTabSz="685800" eaLnBrk="0" fontAlgn="base" hangingPunct="0">
+              <a:spcBef>
+                <a:spcPct val="0"/>
+              </a:spcBef>
+              <a:spcAft>
+                <a:spcPct val="0"/>
+              </a:spcAft>
+              <a:defRPr/>
+            </a:pPr>
+            <a:r>
+              <a:rPr lang="en-US" sz="1050">
+                <a:solidFill>
+                  <a:srgbClr val="E5ECEB"/>
+                </a:solidFill>
+                <a:latin typeface="Calibri"/>
+              </a:rPr>
+              <a:t>GPIO</a:t>
+            </a:r>
+          </a:p>
+        </p:txBody>
+      </p:sp>
+      <p:sp>
+        <p:nvSpPr>
+          <p:cNvPr id="111" name="Rectangle 110">
+            <a:extLst>
+              <a:ext uri="{FF2B5EF4-FFF2-40B4-BE49-F238E27FC236}">
+                <a16:creationId xmlns:a16="http://schemas.microsoft.com/office/drawing/2014/main" id="{B15D26A7-82E6-4F56-8B8F-E9CC6783EE7E}"/>
+              </a:ext>
+            </a:extLst>
+          </p:cNvPr>
+          <p:cNvSpPr/>
+          <p:nvPr/>
+        </p:nvSpPr>
+        <p:spPr>
+          <a:xfrm>
+            <a:off x="3619418" y="3536195"/>
+            <a:ext cx="189000" cy="648000"/>
+          </a:xfrm>
+          <a:prstGeom prst="rect">
+            <a:avLst/>
+          </a:prstGeom>
+          <a:solidFill>
+            <a:schemeClr val="accent1">
+              <a:lumMod val="50000"/>
+            </a:schemeClr>
+          </a:solidFill>
+          <a:ln>
+            <a:noFill/>
+          </a:ln>
+        </p:spPr>
+        <p:style>
+          <a:lnRef idx="2">
+            <a:schemeClr val="accent5">
+              <a:shade val="50000"/>
+            </a:schemeClr>
+          </a:lnRef>
+          <a:fillRef idx="1">
+            <a:schemeClr val="accent5"/>
+          </a:fillRef>
+          <a:effectRef idx="0">
+            <a:schemeClr val="accent5"/>
+          </a:effectRef>
+          <a:fontRef idx="minor">
+            <a:schemeClr val="lt1"/>
+          </a:fontRef>
+        </p:style>
+        <p:txBody>
+          <a:bodyPr vert="vert270" rtlCol="0" anchor="ctr"/>
+          <a:lstStyle/>
+          <a:p>
+            <a:pPr algn="ctr" defTabSz="685800" eaLnBrk="0" fontAlgn="base" hangingPunct="0">
+              <a:spcBef>
+                <a:spcPct val="0"/>
+              </a:spcBef>
+              <a:spcAft>
+                <a:spcPct val="0"/>
+              </a:spcAft>
+              <a:defRPr/>
+            </a:pPr>
+            <a:r>
+              <a:rPr lang="en-US" sz="1050">
+                <a:solidFill>
+                  <a:srgbClr val="E5ECEB"/>
+                </a:solidFill>
+                <a:latin typeface="Calibri"/>
+              </a:rPr>
+              <a:t>PWM</a:t>
+            </a:r>
+          </a:p>
+        </p:txBody>
+      </p:sp>
+      <p:sp>
+        <p:nvSpPr>
+          <p:cNvPr id="112" name="Rectangle 111">
+            <a:extLst>
+              <a:ext uri="{FF2B5EF4-FFF2-40B4-BE49-F238E27FC236}">
+                <a16:creationId xmlns:a16="http://schemas.microsoft.com/office/drawing/2014/main" id="{F8FD7740-EAA4-4043-AA59-5FC4AD2AA408}"/>
+              </a:ext>
+            </a:extLst>
+          </p:cNvPr>
+          <p:cNvSpPr/>
+          <p:nvPr/>
+        </p:nvSpPr>
+        <p:spPr>
+          <a:xfrm>
+            <a:off x="3160987" y="3536195"/>
+            <a:ext cx="189000" cy="648000"/>
+          </a:xfrm>
+          <a:prstGeom prst="rect">
+            <a:avLst/>
+          </a:prstGeom>
+          <a:solidFill>
+            <a:schemeClr val="accent1">
+              <a:lumMod val="50000"/>
+            </a:schemeClr>
+          </a:solidFill>
+          <a:ln>
+            <a:noFill/>
+          </a:ln>
+        </p:spPr>
+        <p:style>
+          <a:lnRef idx="2">
+            <a:schemeClr val="accent5">
+              <a:shade val="50000"/>
+            </a:schemeClr>
+          </a:lnRef>
+          <a:fillRef idx="1">
+            <a:schemeClr val="accent5"/>
+          </a:fillRef>
+          <a:effectRef idx="0">
+            <a:schemeClr val="accent5"/>
+          </a:effectRef>
+          <a:fontRef idx="minor">
+            <a:schemeClr val="lt1"/>
+          </a:fontRef>
+        </p:style>
+        <p:txBody>
+          <a:bodyPr vert="vert270" rtlCol="0" anchor="ctr"/>
+          <a:lstStyle/>
+          <a:p>
+            <a:pPr algn="ctr" defTabSz="685800" eaLnBrk="0" fontAlgn="base" hangingPunct="0">
+              <a:spcBef>
+                <a:spcPct val="0"/>
+              </a:spcBef>
+              <a:spcAft>
+                <a:spcPct val="0"/>
+              </a:spcAft>
+              <a:defRPr/>
+            </a:pPr>
+            <a:r>
+              <a:rPr lang="en-US" sz="1050">
+                <a:solidFill>
+                  <a:srgbClr val="E5ECEB"/>
+                </a:solidFill>
+                <a:latin typeface="Calibri"/>
+              </a:rPr>
+              <a:t>I2S</a:t>
+            </a:r>
+          </a:p>
+        </p:txBody>
+      </p:sp>
+      <p:sp>
+        <p:nvSpPr>
+          <p:cNvPr id="113" name="Rectangle 112">
+            <a:extLst>
+              <a:ext uri="{FF2B5EF4-FFF2-40B4-BE49-F238E27FC236}">
+                <a16:creationId xmlns:a16="http://schemas.microsoft.com/office/drawing/2014/main" id="{BC282828-01BE-49A0-BCEC-23CF870DD53B}"/>
+              </a:ext>
+            </a:extLst>
+          </p:cNvPr>
+          <p:cNvSpPr/>
+          <p:nvPr/>
+        </p:nvSpPr>
+        <p:spPr>
+          <a:xfrm>
+            <a:off x="4077851" y="3536195"/>
+            <a:ext cx="189000" cy="648000"/>
+          </a:xfrm>
+          <a:prstGeom prst="rect">
+            <a:avLst/>
+          </a:prstGeom>
+          <a:solidFill>
+            <a:schemeClr val="accent1">
+              <a:lumMod val="50000"/>
+            </a:schemeClr>
+          </a:solidFill>
+          <a:ln>
+            <a:noFill/>
+          </a:ln>
+        </p:spPr>
+        <p:style>
+          <a:lnRef idx="2">
+            <a:schemeClr val="accent5">
+              <a:shade val="50000"/>
+            </a:schemeClr>
+          </a:lnRef>
+          <a:fillRef idx="1">
+            <a:schemeClr val="accent5"/>
+          </a:fillRef>
+          <a:effectRef idx="0">
+            <a:schemeClr val="accent5"/>
+          </a:effectRef>
+          <a:fontRef idx="minor">
+            <a:schemeClr val="lt1"/>
+          </a:fontRef>
+        </p:style>
+        <p:txBody>
+          <a:bodyPr vert="vert270" rtlCol="0" anchor="ctr"/>
+          <a:lstStyle/>
+          <a:p>
+            <a:pPr algn="ctr" defTabSz="685800" eaLnBrk="0" fontAlgn="base" hangingPunct="0">
+              <a:spcBef>
+                <a:spcPct val="0"/>
+              </a:spcBef>
+              <a:spcAft>
+                <a:spcPct val="0"/>
+              </a:spcAft>
+              <a:defRPr/>
+            </a:pPr>
+            <a:r>
+              <a:rPr lang="en-US" sz="1050">
+                <a:solidFill>
+                  <a:srgbClr val="E5ECEB"/>
+                </a:solidFill>
+                <a:latin typeface="Calibri"/>
+              </a:rPr>
+              <a:t>RTC</a:t>
+            </a:r>
+          </a:p>
+        </p:txBody>
+      </p:sp>
+      <p:sp>
+        <p:nvSpPr>
+          <p:cNvPr id="114" name="Rectangle 113">
+            <a:extLst>
+              <a:ext uri="{FF2B5EF4-FFF2-40B4-BE49-F238E27FC236}">
+                <a16:creationId xmlns:a16="http://schemas.microsoft.com/office/drawing/2014/main" id="{5B3ECD33-822D-4B5D-ACBA-25A825CAE793}"/>
+              </a:ext>
+            </a:extLst>
+          </p:cNvPr>
+          <p:cNvSpPr/>
+          <p:nvPr/>
+        </p:nvSpPr>
+        <p:spPr>
+          <a:xfrm>
+            <a:off x="3390203" y="3536195"/>
+            <a:ext cx="189000" cy="648000"/>
+          </a:xfrm>
+          <a:prstGeom prst="rect">
+            <a:avLst/>
+          </a:prstGeom>
+          <a:solidFill>
+            <a:schemeClr val="accent1">
+              <a:lumMod val="50000"/>
+            </a:schemeClr>
+          </a:solidFill>
+          <a:ln>
+            <a:noFill/>
+          </a:ln>
+        </p:spPr>
+        <p:style>
+          <a:lnRef idx="2">
+            <a:schemeClr val="accent5">
+              <a:shade val="50000"/>
+            </a:schemeClr>
+          </a:lnRef>
+          <a:fillRef idx="1">
+            <a:schemeClr val="accent5"/>
+          </a:fillRef>
+          <a:effectRef idx="0">
+            <a:schemeClr val="accent5"/>
+          </a:effectRef>
+          <a:fontRef idx="minor">
+            <a:schemeClr val="lt1"/>
+          </a:fontRef>
+        </p:style>
+        <p:txBody>
+          <a:bodyPr vert="vert270" lIns="135000" rtlCol="0" anchor="ctr" anchorCtr="1"/>
+          <a:lstStyle/>
+          <a:p>
+            <a:pPr algn="ctr" defTabSz="685800" eaLnBrk="0" fontAlgn="base" hangingPunct="0">
+              <a:lnSpc>
+                <a:spcPct val="50000"/>
+              </a:lnSpc>
+              <a:spcBef>
+                <a:spcPct val="0"/>
+              </a:spcBef>
+              <a:spcAft>
+                <a:spcPct val="0"/>
+              </a:spcAft>
+              <a:defRPr/>
+            </a:pPr>
+            <a:r>
+              <a:rPr lang="en-US" sz="1050">
+                <a:solidFill>
+                  <a:srgbClr val="E5ECEB"/>
+                </a:solidFill>
+                <a:latin typeface="Calibri"/>
+              </a:rPr>
+              <a:t>I2C</a:t>
+            </a:r>
+          </a:p>
+        </p:txBody>
+      </p:sp>
+      <p:sp>
+        <p:nvSpPr>
+          <p:cNvPr id="115" name="Rectangle 114">
+            <a:extLst>
+              <a:ext uri="{FF2B5EF4-FFF2-40B4-BE49-F238E27FC236}">
+                <a16:creationId xmlns:a16="http://schemas.microsoft.com/office/drawing/2014/main" id="{CA25B370-65CD-4CCB-8E1C-B21D4FCBB442}"/>
+              </a:ext>
+            </a:extLst>
+          </p:cNvPr>
+          <p:cNvSpPr/>
+          <p:nvPr/>
+        </p:nvSpPr>
+        <p:spPr>
+          <a:xfrm>
+            <a:off x="2244124" y="3536195"/>
+            <a:ext cx="189000" cy="648000"/>
+          </a:xfrm>
+          <a:prstGeom prst="rect">
+            <a:avLst/>
+          </a:prstGeom>
+          <a:solidFill>
+            <a:schemeClr val="accent1">
+              <a:lumMod val="50000"/>
+            </a:schemeClr>
+          </a:solidFill>
+          <a:ln>
+            <a:noFill/>
+          </a:ln>
+        </p:spPr>
+        <p:style>
+          <a:lnRef idx="2">
+            <a:schemeClr val="accent5">
+              <a:shade val="50000"/>
+            </a:schemeClr>
+          </a:lnRef>
+          <a:fillRef idx="1">
+            <a:schemeClr val="accent5"/>
+          </a:fillRef>
+          <a:effectRef idx="0">
+            <a:schemeClr val="accent5"/>
+          </a:effectRef>
+          <a:fontRef idx="minor">
+            <a:schemeClr val="lt1"/>
+          </a:fontRef>
+        </p:style>
+        <p:txBody>
+          <a:bodyPr vert="vert270" rtlCol="0" anchor="ctr"/>
+          <a:lstStyle/>
+          <a:p>
+            <a:pPr algn="ctr" defTabSz="685800" eaLnBrk="0" fontAlgn="base" hangingPunct="0">
+              <a:spcBef>
+                <a:spcPct val="0"/>
+              </a:spcBef>
+              <a:spcAft>
+                <a:spcPct val="0"/>
+              </a:spcAft>
+              <a:defRPr/>
+            </a:pPr>
+            <a:r>
+              <a:rPr lang="en-US" sz="1050">
+                <a:solidFill>
+                  <a:srgbClr val="E5ECEB"/>
+                </a:solidFill>
+                <a:latin typeface="Calibri"/>
+              </a:rPr>
+              <a:t>SPI</a:t>
+            </a:r>
+          </a:p>
+        </p:txBody>
+      </p:sp>
+      <p:sp>
+        <p:nvSpPr>
+          <p:cNvPr id="130" name="Rectangle 129">
+            <a:extLst>
+              <a:ext uri="{FF2B5EF4-FFF2-40B4-BE49-F238E27FC236}">
+                <a16:creationId xmlns:a16="http://schemas.microsoft.com/office/drawing/2014/main" id="{2CCFCA0E-24C3-41ED-B4FC-13EBDCA51AFB}"/>
+              </a:ext>
+            </a:extLst>
+          </p:cNvPr>
+          <p:cNvSpPr/>
+          <p:nvPr/>
+        </p:nvSpPr>
+        <p:spPr>
+          <a:xfrm>
+            <a:off x="4729092" y="1408127"/>
+            <a:ext cx="4020541" cy="2867477"/>
+          </a:xfrm>
+          <a:prstGeom prst="rect">
+            <a:avLst/>
+          </a:prstGeom>
+          <a:solidFill>
+            <a:schemeClr val="bg2"/>
+          </a:solidFill>
+          <a:ln w="28575">
+            <a:solidFill>
+              <a:schemeClr val="accent1">
+                <a:lumMod val="50000"/>
+              </a:schemeClr>
+            </a:solidFill>
+          </a:ln>
+        </p:spPr>
+        <p:style>
+          <a:lnRef idx="2">
+            <a:schemeClr val="accent1">
+              <a:shade val="50000"/>
+            </a:schemeClr>
+          </a:lnRef>
+          <a:fillRef idx="1">
+            <a:schemeClr val="accent1"/>
+          </a:fillRef>
+          <a:effectRef idx="0">
+            <a:schemeClr val="accent1"/>
+          </a:effectRef>
+          <a:fontRef idx="minor">
+            <a:schemeClr val="lt1"/>
+          </a:fontRef>
+        </p:style>
+        <p:txBody>
+          <a:bodyPr rtlCol="0" anchor="t"/>
+          <a:lstStyle/>
+          <a:p>
+            <a:pPr algn="r"/>
+            <a:endParaRPr lang="en-GB" sz="1500" b="1">
+              <a:solidFill>
+                <a:srgbClr val="FF0000"/>
+              </a:solidFill>
+            </a:endParaRPr>
+          </a:p>
+        </p:txBody>
+      </p:sp>
+      <p:sp>
+        <p:nvSpPr>
+          <p:cNvPr id="132" name="Rectangle 131">
+            <a:extLst>
+              <a:ext uri="{FF2B5EF4-FFF2-40B4-BE49-F238E27FC236}">
+                <a16:creationId xmlns:a16="http://schemas.microsoft.com/office/drawing/2014/main" id="{316CC465-4D36-4EA4-ADB2-EC62D1C6BABB}"/>
+              </a:ext>
+            </a:extLst>
+          </p:cNvPr>
+          <p:cNvSpPr/>
+          <p:nvPr/>
+        </p:nvSpPr>
+        <p:spPr>
+          <a:xfrm>
+            <a:off x="4895229" y="3527385"/>
+            <a:ext cx="567000" cy="652810"/>
+          </a:xfrm>
+          <a:prstGeom prst="rect">
+            <a:avLst/>
+          </a:prstGeom>
+          <a:solidFill>
+            <a:schemeClr val="accent1">
+              <a:lumMod val="50000"/>
+            </a:schemeClr>
+          </a:solidFill>
+          <a:ln>
+            <a:noFill/>
+          </a:ln>
+          <a:effectLst/>
+        </p:spPr>
+        <p:style>
+          <a:lnRef idx="1">
+            <a:schemeClr val="accent1"/>
+          </a:lnRef>
+          <a:fillRef idx="3">
+            <a:schemeClr val="accent1"/>
+          </a:fillRef>
+          <a:effectRef idx="2">
+            <a:schemeClr val="accent1"/>
+          </a:effectRef>
+          <a:fontRef idx="minor">
+            <a:schemeClr val="lt1"/>
+          </a:fontRef>
+        </p:style>
+        <p:txBody>
+          <a:bodyPr lIns="0" rIns="0" rtlCol="0" anchor="t"/>
+          <a:lstStyle/>
+          <a:p>
+            <a:pPr algn="ctr" defTabSz="685800" eaLnBrk="0" fontAlgn="base" hangingPunct="0">
+              <a:lnSpc>
+                <a:spcPct val="80000"/>
+              </a:lnSpc>
+              <a:spcBef>
+                <a:spcPct val="0"/>
+              </a:spcBef>
+              <a:spcAft>
+                <a:spcPct val="0"/>
+              </a:spcAft>
+              <a:defRPr/>
+            </a:pPr>
+            <a:r>
+              <a:rPr lang="en-US" sz="1350">
+                <a:solidFill>
+                  <a:srgbClr val="E5ECEB"/>
+                </a:solidFill>
+                <a:latin typeface="Calibri"/>
+                <a:cs typeface="Calibri"/>
+              </a:rPr>
+              <a:t>SRAM</a:t>
+            </a:r>
+          </a:p>
+        </p:txBody>
+      </p:sp>
+      <p:cxnSp>
+        <p:nvCxnSpPr>
+          <p:cNvPr id="133" name="Straight Connector 132">
+            <a:extLst>
+              <a:ext uri="{FF2B5EF4-FFF2-40B4-BE49-F238E27FC236}">
+                <a16:creationId xmlns:a16="http://schemas.microsoft.com/office/drawing/2014/main" id="{2AFF8EAC-D7C2-42C5-B39E-079AD7CC94B8}"/>
+              </a:ext>
+            </a:extLst>
+          </p:cNvPr>
+          <p:cNvCxnSpPr>
+            <a:cxnSpLocks/>
+            <a:endCxn id="132" idx="0"/>
+          </p:cNvCxnSpPr>
+          <p:nvPr/>
+        </p:nvCxnSpPr>
+        <p:spPr>
+          <a:xfrm flipH="1">
+            <a:off x="5178729" y="2752578"/>
+            <a:ext cx="0" cy="774808"/>
+          </a:xfrm>
+          <a:prstGeom prst="line">
+            <a:avLst/>
+          </a:prstGeom>
+          <a:ln w="28575">
+            <a:solidFill>
+              <a:schemeClr val="accent6">
+                <a:lumMod val="75000"/>
+              </a:schemeClr>
+            </a:solidFill>
+            <a:headEnd type="none" w="med" len="med"/>
+            <a:tailEnd type="none" w="med" len="med"/>
+          </a:ln>
+          <a:effectLst/>
+        </p:spPr>
+        <p:style>
+          <a:lnRef idx="2">
+            <a:schemeClr val="accent1"/>
+          </a:lnRef>
+          <a:fillRef idx="0">
+            <a:schemeClr val="accent1"/>
+          </a:fillRef>
+          <a:effectRef idx="1">
+            <a:schemeClr val="accent1"/>
+          </a:effectRef>
+          <a:fontRef idx="minor">
+            <a:schemeClr val="tx1"/>
+          </a:fontRef>
+        </p:style>
+      </p:cxnSp>
+      <p:sp>
+        <p:nvSpPr>
+          <p:cNvPr id="134" name="Rectangle 133">
+            <a:extLst>
+              <a:ext uri="{FF2B5EF4-FFF2-40B4-BE49-F238E27FC236}">
+                <a16:creationId xmlns:a16="http://schemas.microsoft.com/office/drawing/2014/main" id="{324E2AF5-9A46-4ED9-8CAA-5E2BA213F0A2}"/>
+              </a:ext>
+            </a:extLst>
+          </p:cNvPr>
+          <p:cNvSpPr/>
+          <p:nvPr/>
+        </p:nvSpPr>
+        <p:spPr>
+          <a:xfrm>
+            <a:off x="4895229" y="3013382"/>
+            <a:ext cx="567000" cy="270000"/>
+          </a:xfrm>
+          <a:prstGeom prst="rect">
+            <a:avLst/>
+          </a:prstGeom>
+          <a:solidFill>
+            <a:schemeClr val="accent1"/>
+          </a:solidFill>
+          <a:ln w="19050" cmpd="sng">
+            <a:noFill/>
+          </a:ln>
+          <a:effectLst/>
+        </p:spPr>
+        <p:style>
+          <a:lnRef idx="1">
+            <a:schemeClr val="accent1"/>
+          </a:lnRef>
+          <a:fillRef idx="3">
+            <a:schemeClr val="accent1"/>
+          </a:fillRef>
+          <a:effectRef idx="2">
+            <a:schemeClr val="accent1"/>
+          </a:effectRef>
+          <a:fontRef idx="minor">
+            <a:schemeClr val="lt1"/>
+          </a:fontRef>
+        </p:style>
+        <p:txBody>
+          <a:bodyPr wrap="none" lIns="0" tIns="35100" rIns="0" rtlCol="0" anchor="ctr"/>
+          <a:lstStyle/>
+          <a:p>
+            <a:pPr algn="ctr" defTabSz="685800" eaLnBrk="0" fontAlgn="base" hangingPunct="0">
+              <a:lnSpc>
+                <a:spcPct val="80000"/>
+              </a:lnSpc>
+              <a:spcBef>
+                <a:spcPct val="0"/>
+              </a:spcBef>
+              <a:spcAft>
+                <a:spcPct val="0"/>
+              </a:spcAft>
+              <a:defRPr/>
+            </a:pPr>
+            <a:r>
+              <a:rPr lang="en-US" sz="1350">
+                <a:solidFill>
+                  <a:prstClr val="white"/>
+                </a:solidFill>
+                <a:latin typeface="Calibri"/>
+                <a:cs typeface="Calibri"/>
+              </a:rPr>
+              <a:t>MPC</a:t>
+            </a:r>
+            <a:endParaRPr lang="en-US" sz="825">
+              <a:solidFill>
+                <a:prstClr val="white"/>
+              </a:solidFill>
+              <a:latin typeface="Calibri"/>
+              <a:cs typeface="Calibri"/>
+            </a:endParaRPr>
+          </a:p>
+        </p:txBody>
+      </p:sp>
+      <p:cxnSp>
+        <p:nvCxnSpPr>
+          <p:cNvPr id="138" name="Straight Connector 137">
+            <a:extLst>
+              <a:ext uri="{FF2B5EF4-FFF2-40B4-BE49-F238E27FC236}">
+                <a16:creationId xmlns:a16="http://schemas.microsoft.com/office/drawing/2014/main" id="{6CBADFF3-B5B6-48E0-B044-282DA93A919F}"/>
+              </a:ext>
+            </a:extLst>
+          </p:cNvPr>
+          <p:cNvCxnSpPr>
+            <a:cxnSpLocks/>
+            <a:endCxn id="139" idx="0"/>
+          </p:cNvCxnSpPr>
+          <p:nvPr/>
+        </p:nvCxnSpPr>
+        <p:spPr>
+          <a:xfrm flipH="1">
+            <a:off x="5811212" y="2834358"/>
+            <a:ext cx="0" cy="697838"/>
+          </a:xfrm>
+          <a:prstGeom prst="line">
+            <a:avLst/>
+          </a:prstGeom>
+          <a:ln w="28575">
+            <a:solidFill>
+              <a:schemeClr val="accent6">
+                <a:lumMod val="75000"/>
+              </a:schemeClr>
+            </a:solidFill>
+            <a:headEnd type="none" w="med" len="med"/>
+            <a:tailEnd type="none" w="med" len="med"/>
+          </a:ln>
+          <a:effectLst/>
+        </p:spPr>
+        <p:style>
+          <a:lnRef idx="2">
+            <a:schemeClr val="accent1"/>
+          </a:lnRef>
+          <a:fillRef idx="0">
+            <a:schemeClr val="accent1"/>
+          </a:fillRef>
+          <a:effectRef idx="1">
+            <a:schemeClr val="accent1"/>
+          </a:effectRef>
+          <a:fontRef idx="minor">
+            <a:schemeClr val="tx1"/>
+          </a:fontRef>
+        </p:style>
+      </p:cxnSp>
+      <p:sp>
+        <p:nvSpPr>
+          <p:cNvPr id="139" name="Rectangle 138">
+            <a:extLst>
+              <a:ext uri="{FF2B5EF4-FFF2-40B4-BE49-F238E27FC236}">
+                <a16:creationId xmlns:a16="http://schemas.microsoft.com/office/drawing/2014/main" id="{DD1FA50B-E26E-4F75-A6BF-9AD753FFE1DA}"/>
+              </a:ext>
+            </a:extLst>
+          </p:cNvPr>
+          <p:cNvSpPr/>
+          <p:nvPr/>
+        </p:nvSpPr>
+        <p:spPr>
+          <a:xfrm>
+            <a:off x="5527712" y="3532196"/>
+            <a:ext cx="567000" cy="648000"/>
+          </a:xfrm>
+          <a:prstGeom prst="rect">
+            <a:avLst/>
+          </a:prstGeom>
+          <a:solidFill>
+            <a:schemeClr val="accent1">
+              <a:lumMod val="50000"/>
+            </a:schemeClr>
+          </a:solidFill>
+          <a:ln>
+            <a:noFill/>
+          </a:ln>
+          <a:effectLst/>
+        </p:spPr>
+        <p:style>
+          <a:lnRef idx="1">
+            <a:schemeClr val="accent1"/>
+          </a:lnRef>
+          <a:fillRef idx="3">
+            <a:schemeClr val="accent1"/>
+          </a:fillRef>
+          <a:effectRef idx="2">
+            <a:schemeClr val="accent1"/>
+          </a:effectRef>
+          <a:fontRef idx="minor">
+            <a:schemeClr val="lt1"/>
+          </a:fontRef>
+        </p:style>
+        <p:txBody>
+          <a:bodyPr lIns="0" rIns="0" rtlCol="0" anchor="t"/>
+          <a:lstStyle/>
+          <a:p>
+            <a:pPr algn="ctr" defTabSz="685800" eaLnBrk="0" fontAlgn="base" hangingPunct="0">
+              <a:lnSpc>
+                <a:spcPct val="80000"/>
+              </a:lnSpc>
+              <a:spcBef>
+                <a:spcPct val="0"/>
+              </a:spcBef>
+              <a:spcAft>
+                <a:spcPct val="0"/>
+              </a:spcAft>
+              <a:defRPr/>
+            </a:pPr>
+            <a:r>
+              <a:rPr lang="en-US" sz="1350">
+                <a:solidFill>
+                  <a:srgbClr val="E5ECEB"/>
+                </a:solidFill>
+                <a:latin typeface="Calibri"/>
+                <a:cs typeface="Calibri"/>
+              </a:rPr>
+              <a:t>Flash</a:t>
+            </a:r>
+          </a:p>
+        </p:txBody>
+      </p:sp>
+      <p:sp>
+        <p:nvSpPr>
+          <p:cNvPr id="140" name="Rectangle 139">
+            <a:extLst>
+              <a:ext uri="{FF2B5EF4-FFF2-40B4-BE49-F238E27FC236}">
+                <a16:creationId xmlns:a16="http://schemas.microsoft.com/office/drawing/2014/main" id="{469261ED-A28E-4484-A6AD-5FEC582260BA}"/>
+              </a:ext>
+            </a:extLst>
+          </p:cNvPr>
+          <p:cNvSpPr/>
+          <p:nvPr/>
+        </p:nvSpPr>
+        <p:spPr>
+          <a:xfrm>
+            <a:off x="5527712" y="3013382"/>
+            <a:ext cx="567000" cy="270000"/>
+          </a:xfrm>
+          <a:prstGeom prst="rect">
+            <a:avLst/>
+          </a:prstGeom>
+          <a:solidFill>
+            <a:schemeClr val="accent1"/>
+          </a:solidFill>
+          <a:ln w="19050" cmpd="sng">
+            <a:noFill/>
+          </a:ln>
+          <a:effectLst/>
+        </p:spPr>
+        <p:style>
+          <a:lnRef idx="1">
+            <a:schemeClr val="accent1"/>
+          </a:lnRef>
+          <a:fillRef idx="3">
+            <a:schemeClr val="accent1"/>
+          </a:fillRef>
+          <a:effectRef idx="2">
+            <a:schemeClr val="accent1"/>
+          </a:effectRef>
+          <a:fontRef idx="minor">
+            <a:schemeClr val="lt1"/>
+          </a:fontRef>
+        </p:style>
+        <p:txBody>
+          <a:bodyPr wrap="none" lIns="0" tIns="35100" rIns="0" rtlCol="0" anchor="ctr"/>
+          <a:lstStyle/>
+          <a:p>
+            <a:pPr lvl="0" algn="ctr">
+              <a:lnSpc>
+                <a:spcPct val="80000"/>
+              </a:lnSpc>
+              <a:defRPr/>
+            </a:pPr>
+            <a:r>
+              <a:rPr lang="en-US" sz="1350">
+                <a:solidFill>
+                  <a:prstClr val="white"/>
+                </a:solidFill>
+                <a:cs typeface="Calibri"/>
+              </a:rPr>
+              <a:t>MPC</a:t>
+            </a:r>
+            <a:endParaRPr lang="en-US" sz="825">
+              <a:solidFill>
+                <a:prstClr val="white"/>
+              </a:solidFill>
+              <a:cs typeface="Calibri"/>
+            </a:endParaRPr>
+          </a:p>
+        </p:txBody>
+      </p:sp>
+      <p:cxnSp>
+        <p:nvCxnSpPr>
+          <p:cNvPr id="149" name="Straight Connector 148">
+            <a:extLst>
+              <a:ext uri="{FF2B5EF4-FFF2-40B4-BE49-F238E27FC236}">
+                <a16:creationId xmlns:a16="http://schemas.microsoft.com/office/drawing/2014/main" id="{3E1325DA-CE89-4328-B9B6-16BCBB4F132E}"/>
+              </a:ext>
+            </a:extLst>
+          </p:cNvPr>
+          <p:cNvCxnSpPr>
+            <a:cxnSpLocks/>
+          </p:cNvCxnSpPr>
+          <p:nvPr/>
+        </p:nvCxnSpPr>
+        <p:spPr>
+          <a:xfrm flipH="1">
+            <a:off x="6491111" y="3401195"/>
+            <a:ext cx="0" cy="135000"/>
+          </a:xfrm>
+          <a:prstGeom prst="line">
+            <a:avLst/>
+          </a:prstGeom>
+          <a:ln w="28575">
+            <a:solidFill>
+              <a:schemeClr val="accent6">
+                <a:lumMod val="75000"/>
+              </a:schemeClr>
+            </a:solidFill>
+            <a:headEnd type="none" w="med" len="med"/>
+            <a:tailEnd type="none" w="med" len="med"/>
+          </a:ln>
+          <a:effectLst/>
+        </p:spPr>
+        <p:style>
+          <a:lnRef idx="2">
+            <a:schemeClr val="accent1"/>
+          </a:lnRef>
+          <a:fillRef idx="0">
+            <a:schemeClr val="accent1"/>
+          </a:fillRef>
+          <a:effectRef idx="1">
+            <a:schemeClr val="accent1"/>
+          </a:effectRef>
+          <a:fontRef idx="minor">
+            <a:schemeClr val="tx1"/>
+          </a:fontRef>
+        </p:style>
+      </p:cxnSp>
+      <p:cxnSp>
+        <p:nvCxnSpPr>
+          <p:cNvPr id="152" name="Straight Connector 151">
+            <a:extLst>
+              <a:ext uri="{FF2B5EF4-FFF2-40B4-BE49-F238E27FC236}">
+                <a16:creationId xmlns:a16="http://schemas.microsoft.com/office/drawing/2014/main" id="{91D912CA-4025-4089-988A-6B625CD3D9C1}"/>
+              </a:ext>
+            </a:extLst>
+          </p:cNvPr>
+          <p:cNvCxnSpPr>
+            <a:cxnSpLocks/>
+            <a:endCxn id="165" idx="0"/>
+          </p:cNvCxnSpPr>
+          <p:nvPr/>
+        </p:nvCxnSpPr>
+        <p:spPr>
+          <a:xfrm>
+            <a:off x="7395794" y="2834359"/>
+            <a:ext cx="0" cy="701837"/>
+          </a:xfrm>
+          <a:prstGeom prst="line">
+            <a:avLst/>
+          </a:prstGeom>
+          <a:ln w="28575">
+            <a:solidFill>
+              <a:schemeClr val="accent6">
+                <a:lumMod val="75000"/>
+              </a:schemeClr>
+            </a:solidFill>
+            <a:headEnd type="none" w="med" len="med"/>
+            <a:tailEnd type="none" w="med" len="med"/>
+          </a:ln>
+          <a:effectLst/>
+        </p:spPr>
+        <p:style>
+          <a:lnRef idx="2">
+            <a:schemeClr val="accent1"/>
+          </a:lnRef>
+          <a:fillRef idx="0">
+            <a:schemeClr val="accent1"/>
+          </a:fillRef>
+          <a:effectRef idx="1">
+            <a:schemeClr val="accent1"/>
+          </a:effectRef>
+          <a:fontRef idx="minor">
+            <a:schemeClr val="tx1"/>
+          </a:fontRef>
+        </p:style>
+      </p:cxnSp>
+      <p:cxnSp>
+        <p:nvCxnSpPr>
+          <p:cNvPr id="158" name="Straight Connector 157">
+            <a:extLst>
+              <a:ext uri="{FF2B5EF4-FFF2-40B4-BE49-F238E27FC236}">
+                <a16:creationId xmlns:a16="http://schemas.microsoft.com/office/drawing/2014/main" id="{E95E01EE-1905-4A8A-BD12-B2BA4192FD24}"/>
+              </a:ext>
+            </a:extLst>
+          </p:cNvPr>
+          <p:cNvCxnSpPr>
+            <a:cxnSpLocks/>
+          </p:cNvCxnSpPr>
+          <p:nvPr/>
+        </p:nvCxnSpPr>
+        <p:spPr>
+          <a:xfrm flipH="1">
+            <a:off x="8312657" y="3405983"/>
+            <a:ext cx="0" cy="135000"/>
+          </a:xfrm>
+          <a:prstGeom prst="line">
+            <a:avLst/>
+          </a:prstGeom>
+          <a:ln w="28575">
+            <a:solidFill>
+              <a:schemeClr val="accent6">
+                <a:lumMod val="75000"/>
+              </a:schemeClr>
+            </a:solidFill>
+            <a:headEnd type="none" w="med" len="med"/>
+            <a:tailEnd type="none" w="med" len="med"/>
+          </a:ln>
+          <a:effectLst/>
+        </p:spPr>
+        <p:style>
+          <a:lnRef idx="2">
+            <a:schemeClr val="accent1"/>
+          </a:lnRef>
+          <a:fillRef idx="0">
+            <a:schemeClr val="accent1"/>
+          </a:fillRef>
+          <a:effectRef idx="1">
+            <a:schemeClr val="accent1"/>
+          </a:effectRef>
+          <a:fontRef idx="minor">
+            <a:schemeClr val="tx1"/>
+          </a:fontRef>
+        </p:style>
+      </p:cxnSp>
+      <p:cxnSp>
+        <p:nvCxnSpPr>
+          <p:cNvPr id="159" name="Straight Connector 158">
+            <a:extLst>
+              <a:ext uri="{FF2B5EF4-FFF2-40B4-BE49-F238E27FC236}">
+                <a16:creationId xmlns:a16="http://schemas.microsoft.com/office/drawing/2014/main" id="{C21FDA0B-5664-4C51-820F-DF5916ABF027}"/>
+              </a:ext>
+            </a:extLst>
+          </p:cNvPr>
+          <p:cNvCxnSpPr>
+            <a:cxnSpLocks/>
+          </p:cNvCxnSpPr>
+          <p:nvPr/>
+        </p:nvCxnSpPr>
+        <p:spPr>
+          <a:xfrm flipH="1">
+            <a:off x="8531155" y="3405983"/>
+            <a:ext cx="0" cy="135000"/>
+          </a:xfrm>
+          <a:prstGeom prst="line">
+            <a:avLst/>
+          </a:prstGeom>
+          <a:ln w="28575">
+            <a:solidFill>
+              <a:schemeClr val="accent6">
+                <a:lumMod val="75000"/>
+              </a:schemeClr>
+            </a:solidFill>
+            <a:headEnd type="none" w="med" len="med"/>
+            <a:tailEnd type="none" w="med" len="med"/>
+          </a:ln>
+          <a:effectLst/>
+        </p:spPr>
+        <p:style>
+          <a:lnRef idx="2">
+            <a:schemeClr val="accent1"/>
+          </a:lnRef>
+          <a:fillRef idx="0">
+            <a:schemeClr val="accent1"/>
+          </a:fillRef>
+          <a:effectRef idx="1">
+            <a:schemeClr val="accent1"/>
+          </a:effectRef>
+          <a:fontRef idx="minor">
+            <a:schemeClr val="tx1"/>
+          </a:fontRef>
+        </p:style>
+      </p:cxnSp>
+      <p:cxnSp>
+        <p:nvCxnSpPr>
+          <p:cNvPr id="160" name="Straight Connector 159">
+            <a:extLst>
+              <a:ext uri="{FF2B5EF4-FFF2-40B4-BE49-F238E27FC236}">
+                <a16:creationId xmlns:a16="http://schemas.microsoft.com/office/drawing/2014/main" id="{297D7055-4A2E-42C5-B230-608B59AB4087}"/>
+              </a:ext>
+            </a:extLst>
+          </p:cNvPr>
+          <p:cNvCxnSpPr>
+            <a:cxnSpLocks/>
+          </p:cNvCxnSpPr>
+          <p:nvPr/>
+        </p:nvCxnSpPr>
+        <p:spPr>
+          <a:xfrm flipH="1">
+            <a:off x="6491112" y="3405983"/>
+            <a:ext cx="2050763" cy="0"/>
+          </a:xfrm>
+          <a:prstGeom prst="line">
+            <a:avLst/>
+          </a:prstGeom>
+          <a:ln w="28575">
+            <a:solidFill>
+              <a:schemeClr val="accent6">
+                <a:lumMod val="75000"/>
+              </a:schemeClr>
+            </a:solidFill>
+            <a:headEnd type="none" w="med" len="med"/>
+            <a:tailEnd type="none" w="med" len="med"/>
+          </a:ln>
+          <a:effectLst/>
+        </p:spPr>
+        <p:style>
+          <a:lnRef idx="2">
+            <a:schemeClr val="accent1"/>
+          </a:lnRef>
+          <a:fillRef idx="0">
+            <a:schemeClr val="accent1"/>
+          </a:fillRef>
+          <a:effectRef idx="1">
+            <a:schemeClr val="accent1"/>
+          </a:effectRef>
+          <a:fontRef idx="minor">
+            <a:schemeClr val="tx1"/>
+          </a:fontRef>
+        </p:style>
+      </p:cxnSp>
+      <p:sp>
+        <p:nvSpPr>
+          <p:cNvPr id="162" name="Rectangle 161">
+            <a:extLst>
+              <a:ext uri="{FF2B5EF4-FFF2-40B4-BE49-F238E27FC236}">
+                <a16:creationId xmlns:a16="http://schemas.microsoft.com/office/drawing/2014/main" id="{28E23E16-A4FB-41F0-999C-3BDF11EE757D}"/>
+              </a:ext>
+            </a:extLst>
+          </p:cNvPr>
+          <p:cNvSpPr/>
+          <p:nvPr/>
+        </p:nvSpPr>
+        <p:spPr>
+          <a:xfrm>
+            <a:off x="6384431" y="3536195"/>
+            <a:ext cx="189000" cy="648000"/>
+          </a:xfrm>
+          <a:prstGeom prst="rect">
+            <a:avLst/>
+          </a:prstGeom>
+          <a:solidFill>
+            <a:schemeClr val="accent1">
+              <a:lumMod val="50000"/>
+            </a:schemeClr>
+          </a:solidFill>
+          <a:ln>
+            <a:noFill/>
+          </a:ln>
+        </p:spPr>
+        <p:style>
+          <a:lnRef idx="2">
+            <a:schemeClr val="accent5">
+              <a:shade val="50000"/>
+            </a:schemeClr>
+          </a:lnRef>
+          <a:fillRef idx="1">
+            <a:schemeClr val="accent5"/>
+          </a:fillRef>
+          <a:effectRef idx="0">
+            <a:schemeClr val="accent5"/>
+          </a:effectRef>
+          <a:fontRef idx="minor">
+            <a:schemeClr val="lt1"/>
+          </a:fontRef>
+        </p:style>
+        <p:txBody>
+          <a:bodyPr vert="vert270" rtlCol="0" anchor="ctr"/>
+          <a:lstStyle/>
+          <a:p>
+            <a:pPr algn="ctr" defTabSz="685800" eaLnBrk="0" fontAlgn="base" hangingPunct="0">
+              <a:spcBef>
+                <a:spcPct val="0"/>
+              </a:spcBef>
+              <a:spcAft>
+                <a:spcPct val="0"/>
+              </a:spcAft>
+              <a:defRPr/>
+            </a:pPr>
+            <a:r>
+              <a:rPr lang="en-US" sz="1050">
+                <a:solidFill>
+                  <a:srgbClr val="E5ECEB"/>
+                </a:solidFill>
+                <a:latin typeface="Calibri"/>
+              </a:rPr>
+              <a:t>SDIO</a:t>
+            </a:r>
+          </a:p>
+        </p:txBody>
+      </p:sp>
+      <p:sp>
+        <p:nvSpPr>
+          <p:cNvPr id="165" name="Rectangle 164">
+            <a:extLst>
+              <a:ext uri="{FF2B5EF4-FFF2-40B4-BE49-F238E27FC236}">
+                <a16:creationId xmlns:a16="http://schemas.microsoft.com/office/drawing/2014/main" id="{50028E1C-4A01-482A-B88C-8DC8943E83C2}"/>
+              </a:ext>
+            </a:extLst>
+          </p:cNvPr>
+          <p:cNvSpPr/>
+          <p:nvPr/>
+        </p:nvSpPr>
+        <p:spPr>
+          <a:xfrm>
+            <a:off x="7301294" y="3536195"/>
+            <a:ext cx="189000" cy="648000"/>
+          </a:xfrm>
+          <a:prstGeom prst="rect">
+            <a:avLst/>
+          </a:prstGeom>
+          <a:solidFill>
+            <a:schemeClr val="accent1">
+              <a:lumMod val="50000"/>
+            </a:schemeClr>
+          </a:solidFill>
+          <a:ln>
+            <a:noFill/>
+          </a:ln>
+        </p:spPr>
+        <p:style>
+          <a:lnRef idx="2">
+            <a:schemeClr val="accent5">
+              <a:shade val="50000"/>
+            </a:schemeClr>
+          </a:lnRef>
+          <a:fillRef idx="1">
+            <a:schemeClr val="accent5"/>
+          </a:fillRef>
+          <a:effectRef idx="0">
+            <a:schemeClr val="accent5"/>
+          </a:effectRef>
+          <a:fontRef idx="minor">
+            <a:schemeClr val="lt1"/>
+          </a:fontRef>
+        </p:style>
+        <p:txBody>
+          <a:bodyPr vert="vert270" rtlCol="0" anchor="ctr"/>
+          <a:lstStyle/>
+          <a:p>
+            <a:pPr algn="ctr" defTabSz="685800" eaLnBrk="0" fontAlgn="base" hangingPunct="0">
+              <a:spcBef>
+                <a:spcPct val="0"/>
+              </a:spcBef>
+              <a:spcAft>
+                <a:spcPct val="0"/>
+              </a:spcAft>
+              <a:defRPr/>
+            </a:pPr>
+            <a:r>
+              <a:rPr lang="en-US" sz="1050">
+                <a:solidFill>
+                  <a:srgbClr val="E5ECEB"/>
+                </a:solidFill>
+                <a:latin typeface="Calibri"/>
+              </a:rPr>
+              <a:t>USART</a:t>
+            </a:r>
+          </a:p>
+        </p:txBody>
+      </p:sp>
+      <p:sp>
+        <p:nvSpPr>
+          <p:cNvPr id="166" name="Rectangle 165">
+            <a:extLst>
+              <a:ext uri="{FF2B5EF4-FFF2-40B4-BE49-F238E27FC236}">
+                <a16:creationId xmlns:a16="http://schemas.microsoft.com/office/drawing/2014/main" id="{D4258A0C-AB40-4A00-A98C-577A4B865FFD}"/>
+              </a:ext>
+            </a:extLst>
+          </p:cNvPr>
+          <p:cNvSpPr/>
+          <p:nvPr/>
+        </p:nvSpPr>
+        <p:spPr>
+          <a:xfrm>
+            <a:off x="8218157" y="3536195"/>
+            <a:ext cx="189000" cy="648000"/>
+          </a:xfrm>
+          <a:prstGeom prst="rect">
+            <a:avLst/>
+          </a:prstGeom>
+          <a:solidFill>
+            <a:schemeClr val="accent1">
+              <a:lumMod val="50000"/>
+            </a:schemeClr>
+          </a:solidFill>
+          <a:ln>
+            <a:noFill/>
+          </a:ln>
+        </p:spPr>
+        <p:style>
+          <a:lnRef idx="2">
+            <a:schemeClr val="accent5">
+              <a:shade val="50000"/>
+            </a:schemeClr>
+          </a:lnRef>
+          <a:fillRef idx="1">
+            <a:schemeClr val="accent5"/>
+          </a:fillRef>
+          <a:effectRef idx="0">
+            <a:schemeClr val="accent5"/>
+          </a:effectRef>
+          <a:fontRef idx="minor">
+            <a:schemeClr val="lt1"/>
+          </a:fontRef>
+        </p:style>
+        <p:txBody>
+          <a:bodyPr vert="vert270" rtlCol="0" anchor="ctr"/>
+          <a:lstStyle/>
+          <a:p>
+            <a:pPr algn="ctr" defTabSz="685800" eaLnBrk="0" fontAlgn="base" hangingPunct="0">
+              <a:spcBef>
+                <a:spcPct val="0"/>
+              </a:spcBef>
+              <a:spcAft>
+                <a:spcPct val="0"/>
+              </a:spcAft>
+              <a:defRPr/>
+            </a:pPr>
+            <a:r>
+              <a:rPr lang="en-US" sz="1050">
+                <a:solidFill>
+                  <a:srgbClr val="E5ECEB"/>
+                </a:solidFill>
+                <a:latin typeface="Calibri"/>
+              </a:rPr>
+              <a:t>GPIO</a:t>
+            </a:r>
+          </a:p>
+        </p:txBody>
+      </p:sp>
+      <p:sp>
+        <p:nvSpPr>
+          <p:cNvPr id="169" name="Rectangle 168">
+            <a:extLst>
+              <a:ext uri="{FF2B5EF4-FFF2-40B4-BE49-F238E27FC236}">
+                <a16:creationId xmlns:a16="http://schemas.microsoft.com/office/drawing/2014/main" id="{B805E546-80FF-4200-80C8-C6580A137E78}"/>
+              </a:ext>
+            </a:extLst>
+          </p:cNvPr>
+          <p:cNvSpPr/>
+          <p:nvPr/>
+        </p:nvSpPr>
+        <p:spPr>
+          <a:xfrm>
+            <a:off x="8447374" y="3536195"/>
+            <a:ext cx="189000" cy="648000"/>
+          </a:xfrm>
+          <a:prstGeom prst="rect">
+            <a:avLst/>
+          </a:prstGeom>
+          <a:solidFill>
+            <a:schemeClr val="accent1">
+              <a:lumMod val="50000"/>
+            </a:schemeClr>
+          </a:solidFill>
+          <a:ln>
+            <a:noFill/>
+          </a:ln>
+        </p:spPr>
+        <p:style>
+          <a:lnRef idx="2">
+            <a:schemeClr val="accent5">
+              <a:shade val="50000"/>
+            </a:schemeClr>
+          </a:lnRef>
+          <a:fillRef idx="1">
+            <a:schemeClr val="accent5"/>
+          </a:fillRef>
+          <a:effectRef idx="0">
+            <a:schemeClr val="accent5"/>
+          </a:effectRef>
+          <a:fontRef idx="minor">
+            <a:schemeClr val="lt1"/>
+          </a:fontRef>
+        </p:style>
+        <p:txBody>
+          <a:bodyPr vert="vert270" rtlCol="0" anchor="ctr"/>
+          <a:lstStyle/>
+          <a:p>
+            <a:pPr algn="ctr" defTabSz="685800" eaLnBrk="0" fontAlgn="base" hangingPunct="0">
+              <a:spcBef>
+                <a:spcPct val="0"/>
+              </a:spcBef>
+              <a:spcAft>
+                <a:spcPct val="0"/>
+              </a:spcAft>
+              <a:defRPr/>
+            </a:pPr>
+            <a:r>
+              <a:rPr lang="en-US" sz="1050">
+                <a:solidFill>
+                  <a:srgbClr val="E5ECEB"/>
+                </a:solidFill>
+                <a:latin typeface="Calibri"/>
+              </a:rPr>
+              <a:t>RTC</a:t>
+            </a:r>
+          </a:p>
+        </p:txBody>
+      </p:sp>
+      <p:sp>
+        <p:nvSpPr>
+          <p:cNvPr id="27" name="Rectangle 26">
+            <a:extLst>
+              <a:ext uri="{FF2B5EF4-FFF2-40B4-BE49-F238E27FC236}">
+                <a16:creationId xmlns:a16="http://schemas.microsoft.com/office/drawing/2014/main" id="{FDA7B3BA-4396-4E0C-A97C-8EE175E521EB}"/>
+              </a:ext>
+            </a:extLst>
+          </p:cNvPr>
+          <p:cNvSpPr/>
+          <p:nvPr/>
+        </p:nvSpPr>
+        <p:spPr>
+          <a:xfrm>
+            <a:off x="4895229" y="3771388"/>
+            <a:ext cx="567000" cy="408807"/>
+          </a:xfrm>
+          <a:prstGeom prst="rect">
+            <a:avLst/>
+          </a:prstGeom>
+          <a:solidFill>
+            <a:srgbClr val="7D868C"/>
+          </a:solidFill>
+          <a:ln>
+            <a:noFill/>
+          </a:ln>
+        </p:spPr>
+        <p:style>
+          <a:lnRef idx="2">
+            <a:schemeClr val="accent1">
+              <a:shade val="50000"/>
+            </a:schemeClr>
+          </a:lnRef>
+          <a:fillRef idx="1">
+            <a:schemeClr val="accent1"/>
+          </a:fillRef>
+          <a:effectRef idx="0">
+            <a:schemeClr val="accent1"/>
+          </a:effectRef>
+          <a:fontRef idx="minor">
+            <a:schemeClr val="lt1"/>
+          </a:fontRef>
+        </p:style>
+        <p:txBody>
+          <a:bodyPr rtlCol="0" anchor="ctr"/>
+          <a:lstStyle/>
+          <a:p>
+            <a:pPr algn="ctr"/>
+            <a:endParaRPr lang="en-US" sz="1200"/>
+          </a:p>
+        </p:txBody>
+      </p:sp>
+      <p:sp>
+        <p:nvSpPr>
+          <p:cNvPr id="172" name="Rectangle 171">
+            <a:extLst>
+              <a:ext uri="{FF2B5EF4-FFF2-40B4-BE49-F238E27FC236}">
+                <a16:creationId xmlns:a16="http://schemas.microsoft.com/office/drawing/2014/main" id="{4DF3E6BE-F994-4104-81FA-129E4DD2DED3}"/>
+              </a:ext>
+            </a:extLst>
+          </p:cNvPr>
+          <p:cNvSpPr/>
+          <p:nvPr/>
+        </p:nvSpPr>
+        <p:spPr>
+          <a:xfrm>
+            <a:off x="5529163" y="3953692"/>
+            <a:ext cx="565549" cy="230504"/>
+          </a:xfrm>
+          <a:prstGeom prst="rect">
+            <a:avLst/>
+          </a:prstGeom>
+          <a:solidFill>
+            <a:srgbClr val="7D868C"/>
+          </a:solidFill>
+          <a:ln>
+            <a:noFill/>
+          </a:ln>
+        </p:spPr>
+        <p:style>
+          <a:lnRef idx="2">
+            <a:schemeClr val="accent1">
+              <a:shade val="50000"/>
+            </a:schemeClr>
+          </a:lnRef>
+          <a:fillRef idx="1">
+            <a:schemeClr val="accent1"/>
+          </a:fillRef>
+          <a:effectRef idx="0">
+            <a:schemeClr val="accent1"/>
+          </a:effectRef>
+          <a:fontRef idx="minor">
+            <a:schemeClr val="lt1"/>
+          </a:fontRef>
+        </p:style>
+        <p:txBody>
+          <a:bodyPr rtlCol="0" anchor="ctr"/>
+          <a:lstStyle/>
+          <a:p>
+            <a:pPr algn="ctr"/>
+            <a:endParaRPr lang="en-US" sz="1200"/>
+          </a:p>
+        </p:txBody>
+      </p:sp>
+      <p:sp>
+        <p:nvSpPr>
+          <p:cNvPr id="21" name="Rectangle 20"/>
+          <p:cNvSpPr/>
+          <p:nvPr/>
+        </p:nvSpPr>
+        <p:spPr>
+          <a:xfrm>
+            <a:off x="525706" y="2672644"/>
+            <a:ext cx="3739130" cy="209262"/>
+          </a:xfrm>
+          <a:prstGeom prst="rect">
+            <a:avLst/>
+          </a:prstGeom>
+          <a:solidFill>
+            <a:schemeClr val="accent6"/>
+          </a:solidFill>
+          <a:ln>
+            <a:noFill/>
+          </a:ln>
+          <a:effectLst/>
+        </p:spPr>
+        <p:style>
+          <a:lnRef idx="1">
+            <a:schemeClr val="accent1"/>
+          </a:lnRef>
+          <a:fillRef idx="3">
+            <a:schemeClr val="accent1"/>
+          </a:fillRef>
+          <a:effectRef idx="2">
+            <a:schemeClr val="accent1"/>
+          </a:effectRef>
+          <a:fontRef idx="minor">
+            <a:schemeClr val="lt1"/>
+          </a:fontRef>
+        </p:style>
+        <p:txBody>
+          <a:bodyPr rtlCol="0" anchor="ctr"/>
+          <a:lstStyle/>
+          <a:p>
+            <a:pPr algn="ctr" defTabSz="685800" eaLnBrk="0" fontAlgn="base" hangingPunct="0">
+              <a:spcBef>
+                <a:spcPct val="0"/>
+              </a:spcBef>
+              <a:spcAft>
+                <a:spcPct val="0"/>
+              </a:spcAft>
+              <a:defRPr/>
+            </a:pPr>
+            <a:r>
+              <a:rPr lang="en-US" sz="825">
+                <a:solidFill>
+                  <a:prstClr val="white"/>
+                </a:solidFill>
+                <a:latin typeface="Calibri"/>
+                <a:cs typeface="Calibri"/>
+              </a:rPr>
+              <a:t>Multi-layer AHB5 interconnect</a:t>
+            </a:r>
+          </a:p>
+        </p:txBody>
+      </p:sp>
+      <p:sp>
+        <p:nvSpPr>
+          <p:cNvPr id="104" name="Rectangle 103">
+            <a:extLst>
+              <a:ext uri="{FF2B5EF4-FFF2-40B4-BE49-F238E27FC236}">
+                <a16:creationId xmlns:a16="http://schemas.microsoft.com/office/drawing/2014/main" id="{3246EF98-A602-4A95-A4BF-6597EE6E78B4}"/>
+              </a:ext>
+            </a:extLst>
+          </p:cNvPr>
+          <p:cNvSpPr/>
+          <p:nvPr/>
+        </p:nvSpPr>
+        <p:spPr>
+          <a:xfrm>
+            <a:off x="2702555" y="3014612"/>
+            <a:ext cx="648000" cy="270000"/>
+          </a:xfrm>
+          <a:prstGeom prst="rect">
+            <a:avLst/>
+          </a:prstGeom>
+          <a:solidFill>
+            <a:schemeClr val="accent1"/>
+          </a:solidFill>
+          <a:ln w="19050" cmpd="sng">
+            <a:noFill/>
+          </a:ln>
+          <a:effectLst/>
+        </p:spPr>
+        <p:style>
+          <a:lnRef idx="1">
+            <a:schemeClr val="accent1"/>
+          </a:lnRef>
+          <a:fillRef idx="3">
+            <a:schemeClr val="accent1"/>
+          </a:fillRef>
+          <a:effectRef idx="2">
+            <a:schemeClr val="accent1"/>
+          </a:effectRef>
+          <a:fontRef idx="minor">
+            <a:schemeClr val="lt1"/>
+          </a:fontRef>
+        </p:style>
+        <p:txBody>
+          <a:bodyPr wrap="none" lIns="0" tIns="35100" rIns="0" rtlCol="0" anchor="ctr"/>
+          <a:lstStyle/>
+          <a:p>
+            <a:pPr lvl="0" algn="ctr">
+              <a:lnSpc>
+                <a:spcPct val="80000"/>
+              </a:lnSpc>
+              <a:defRPr/>
+            </a:pPr>
+            <a:r>
+              <a:rPr lang="en-US" sz="1350">
+                <a:solidFill>
+                  <a:prstClr val="white"/>
+                </a:solidFill>
+                <a:cs typeface="Calibri"/>
+              </a:rPr>
+              <a:t>PPC</a:t>
+            </a:r>
+            <a:endParaRPr lang="en-US" sz="825">
+              <a:solidFill>
+                <a:prstClr val="white"/>
+              </a:solidFill>
+              <a:cs typeface="Calibri"/>
+            </a:endParaRPr>
+          </a:p>
+        </p:txBody>
+      </p:sp>
+      <p:sp>
+        <p:nvSpPr>
+          <p:cNvPr id="147" name="Rectangle 146">
+            <a:extLst>
+              <a:ext uri="{FF2B5EF4-FFF2-40B4-BE49-F238E27FC236}">
+                <a16:creationId xmlns:a16="http://schemas.microsoft.com/office/drawing/2014/main" id="{63967DBB-C209-4CB1-BB8A-C7F1C4E8B679}"/>
+              </a:ext>
+            </a:extLst>
+          </p:cNvPr>
+          <p:cNvSpPr/>
+          <p:nvPr/>
+        </p:nvSpPr>
+        <p:spPr>
+          <a:xfrm>
+            <a:off x="7072079" y="3014612"/>
+            <a:ext cx="648000" cy="270000"/>
+          </a:xfrm>
+          <a:prstGeom prst="rect">
+            <a:avLst/>
+          </a:prstGeom>
+          <a:solidFill>
+            <a:schemeClr val="accent1"/>
+          </a:solidFill>
+          <a:ln w="19050" cmpd="sng">
+            <a:noFill/>
+          </a:ln>
+          <a:effectLst/>
+        </p:spPr>
+        <p:style>
+          <a:lnRef idx="1">
+            <a:schemeClr val="accent1"/>
+          </a:lnRef>
+          <a:fillRef idx="3">
+            <a:schemeClr val="accent1"/>
+          </a:fillRef>
+          <a:effectRef idx="2">
+            <a:schemeClr val="accent1"/>
+          </a:effectRef>
+          <a:fontRef idx="minor">
+            <a:schemeClr val="lt1"/>
+          </a:fontRef>
+        </p:style>
+        <p:txBody>
+          <a:bodyPr wrap="none" lIns="0" tIns="35100" rIns="0" rtlCol="0" anchor="ctr"/>
+          <a:lstStyle/>
+          <a:p>
+            <a:pPr lvl="0" algn="ctr">
+              <a:lnSpc>
+                <a:spcPct val="80000"/>
+              </a:lnSpc>
+              <a:defRPr/>
+            </a:pPr>
+            <a:r>
+              <a:rPr lang="en-US" sz="1350">
+                <a:solidFill>
+                  <a:prstClr val="white"/>
+                </a:solidFill>
+                <a:cs typeface="Calibri"/>
+              </a:rPr>
+              <a:t>PPC</a:t>
+            </a:r>
+            <a:endParaRPr lang="en-US" sz="825">
+              <a:solidFill>
+                <a:prstClr val="white"/>
+              </a:solidFill>
+              <a:cs typeface="Calibri"/>
+            </a:endParaRPr>
+          </a:p>
+        </p:txBody>
+      </p:sp>
+      <p:sp>
+        <p:nvSpPr>
+          <p:cNvPr id="128" name="Rectangle 127">
+            <a:extLst>
+              <a:ext uri="{FF2B5EF4-FFF2-40B4-BE49-F238E27FC236}">
+                <a16:creationId xmlns:a16="http://schemas.microsoft.com/office/drawing/2014/main" id="{93C67C50-A9A6-40D4-9870-D1B0C3C14DA7}"/>
+              </a:ext>
+            </a:extLst>
+          </p:cNvPr>
+          <p:cNvSpPr/>
+          <p:nvPr/>
+        </p:nvSpPr>
+        <p:spPr>
+          <a:xfrm rot="16200000">
+            <a:off x="5807665" y="1963764"/>
+            <a:ext cx="810000" cy="270000"/>
+          </a:xfrm>
+          <a:prstGeom prst="rect">
+            <a:avLst/>
+          </a:prstGeom>
+          <a:solidFill>
+            <a:schemeClr val="accent1"/>
+          </a:solidFill>
+          <a:ln w="19050" cmpd="sng">
+            <a:noFill/>
+          </a:ln>
+          <a:effectLst/>
+        </p:spPr>
+        <p:style>
+          <a:lnRef idx="1">
+            <a:schemeClr val="accent1"/>
+          </a:lnRef>
+          <a:fillRef idx="3">
+            <a:schemeClr val="accent1"/>
+          </a:fillRef>
+          <a:effectRef idx="2">
+            <a:schemeClr val="accent1"/>
+          </a:effectRef>
+          <a:fontRef idx="minor">
+            <a:schemeClr val="lt1"/>
+          </a:fontRef>
+        </p:style>
+        <p:txBody>
+          <a:bodyPr lIns="0" tIns="35100" rIns="0" bIns="35100" rtlCol="0" anchor="ctr"/>
+          <a:lstStyle/>
+          <a:p>
+            <a:pPr algn="ctr" defTabSz="685800" eaLnBrk="0" fontAlgn="base" hangingPunct="0">
+              <a:lnSpc>
+                <a:spcPct val="80000"/>
+              </a:lnSpc>
+              <a:spcBef>
+                <a:spcPct val="0"/>
+              </a:spcBef>
+              <a:spcAft>
+                <a:spcPct val="0"/>
+              </a:spcAft>
+              <a:defRPr/>
+            </a:pPr>
+            <a:r>
+              <a:rPr lang="en-US" sz="1350">
+                <a:solidFill>
+                  <a:prstClr val="white"/>
+                </a:solidFill>
+                <a:latin typeface="Calibri"/>
+                <a:cs typeface="Calibri"/>
+              </a:rPr>
+              <a:t>SAU</a:t>
+            </a:r>
+          </a:p>
+        </p:txBody>
+      </p:sp>
+      <p:cxnSp>
+        <p:nvCxnSpPr>
+          <p:cNvPr id="131" name="Straight Connector 130">
+            <a:extLst>
+              <a:ext uri="{FF2B5EF4-FFF2-40B4-BE49-F238E27FC236}">
+                <a16:creationId xmlns:a16="http://schemas.microsoft.com/office/drawing/2014/main" id="{C9F11EB3-3F7D-4890-9F0A-3194E41850DF}"/>
+              </a:ext>
+            </a:extLst>
+          </p:cNvPr>
+          <p:cNvCxnSpPr>
+            <a:cxnSpLocks/>
+          </p:cNvCxnSpPr>
+          <p:nvPr/>
+        </p:nvCxnSpPr>
+        <p:spPr>
+          <a:xfrm flipV="1">
+            <a:off x="5421301" y="2301487"/>
+            <a:ext cx="0" cy="472097"/>
+          </a:xfrm>
+          <a:prstGeom prst="line">
+            <a:avLst/>
+          </a:prstGeom>
+          <a:ln w="28575">
+            <a:solidFill>
+              <a:schemeClr val="accent6">
+                <a:lumMod val="75000"/>
+              </a:schemeClr>
+            </a:solidFill>
+            <a:headEnd type="none" w="med" len="med"/>
+            <a:tailEnd type="none" w="med" len="med"/>
+          </a:ln>
+          <a:effectLst/>
+        </p:spPr>
+        <p:style>
+          <a:lnRef idx="2">
+            <a:schemeClr val="accent1"/>
+          </a:lnRef>
+          <a:fillRef idx="0">
+            <a:schemeClr val="accent1"/>
+          </a:fillRef>
+          <a:effectRef idx="1">
+            <a:schemeClr val="accent1"/>
+          </a:effectRef>
+          <a:fontRef idx="minor">
+            <a:schemeClr val="tx1"/>
+          </a:fontRef>
+        </p:style>
+      </p:cxnSp>
+      <p:cxnSp>
+        <p:nvCxnSpPr>
+          <p:cNvPr id="135" name="Straight Connector 134">
+            <a:extLst>
+              <a:ext uri="{FF2B5EF4-FFF2-40B4-BE49-F238E27FC236}">
+                <a16:creationId xmlns:a16="http://schemas.microsoft.com/office/drawing/2014/main" id="{9D0A5BBB-10A9-48E1-944F-A987BAF61A2A}"/>
+              </a:ext>
+            </a:extLst>
+          </p:cNvPr>
+          <p:cNvCxnSpPr>
+            <a:cxnSpLocks/>
+            <a:stCxn id="128" idx="0"/>
+            <a:endCxn id="136" idx="3"/>
+          </p:cNvCxnSpPr>
+          <p:nvPr/>
+        </p:nvCxnSpPr>
+        <p:spPr>
+          <a:xfrm flipH="1">
+            <a:off x="5938667" y="2098764"/>
+            <a:ext cx="138998" cy="0"/>
+          </a:xfrm>
+          <a:prstGeom prst="line">
+            <a:avLst/>
+          </a:prstGeom>
+          <a:ln w="28575">
+            <a:solidFill>
+              <a:schemeClr val="accent6">
+                <a:lumMod val="75000"/>
+              </a:schemeClr>
+            </a:solidFill>
+            <a:headEnd type="none" w="med" len="med"/>
+            <a:tailEnd type="none" w="med" len="med"/>
+          </a:ln>
+          <a:effectLst/>
+        </p:spPr>
+        <p:style>
+          <a:lnRef idx="2">
+            <a:schemeClr val="accent1"/>
+          </a:lnRef>
+          <a:fillRef idx="0">
+            <a:schemeClr val="accent1"/>
+          </a:fillRef>
+          <a:effectRef idx="1">
+            <a:schemeClr val="accent1"/>
+          </a:effectRef>
+          <a:fontRef idx="minor">
+            <a:schemeClr val="tx1"/>
+          </a:fontRef>
+        </p:style>
+      </p:cxnSp>
+      <p:sp>
+        <p:nvSpPr>
+          <p:cNvPr id="136" name="Rectangle 135">
+            <a:extLst>
+              <a:ext uri="{FF2B5EF4-FFF2-40B4-BE49-F238E27FC236}">
+                <a16:creationId xmlns:a16="http://schemas.microsoft.com/office/drawing/2014/main" id="{5F1BD543-B390-45CD-A409-85C395ED0495}"/>
+              </a:ext>
+            </a:extLst>
+          </p:cNvPr>
+          <p:cNvSpPr/>
+          <p:nvPr/>
+        </p:nvSpPr>
+        <p:spPr>
+          <a:xfrm>
+            <a:off x="4895230" y="1693764"/>
+            <a:ext cx="1043438" cy="810000"/>
+          </a:xfrm>
+          <a:prstGeom prst="rect">
+            <a:avLst/>
+          </a:prstGeom>
+          <a:solidFill>
+            <a:schemeClr val="accent1">
+              <a:lumMod val="50000"/>
+            </a:schemeClr>
+          </a:solidFill>
+          <a:ln>
+            <a:noFill/>
+          </a:ln>
+          <a:effectLst/>
+        </p:spPr>
+        <p:style>
+          <a:lnRef idx="1">
+            <a:schemeClr val="accent1"/>
+          </a:lnRef>
+          <a:fillRef idx="3">
+            <a:schemeClr val="accent1"/>
+          </a:fillRef>
+          <a:effectRef idx="2">
+            <a:schemeClr val="accent1"/>
+          </a:effectRef>
+          <a:fontRef idx="minor">
+            <a:schemeClr val="lt1"/>
+          </a:fontRef>
+        </p:style>
+        <p:txBody>
+          <a:bodyPr lIns="0" tIns="35100" rIns="0" rtlCol="0" anchor="ctr"/>
+          <a:lstStyle/>
+          <a:p>
+            <a:pPr algn="ctr" defTabSz="685800" eaLnBrk="0" fontAlgn="base" hangingPunct="0">
+              <a:spcBef>
+                <a:spcPct val="0"/>
+              </a:spcBef>
+              <a:spcAft>
+                <a:spcPct val="0"/>
+              </a:spcAft>
+              <a:defRPr/>
+            </a:pPr>
+            <a:r>
+              <a:rPr lang="en-US" sz="1350">
+                <a:solidFill>
+                  <a:prstClr val="white"/>
+                </a:solidFill>
+                <a:latin typeface="Calibri"/>
+                <a:cs typeface="Calibri"/>
+              </a:rPr>
+              <a:t>Cortex-M33</a:t>
+            </a:r>
+            <a:br>
+              <a:rPr lang="en-US" sz="1350">
+                <a:solidFill>
+                  <a:prstClr val="white"/>
+                </a:solidFill>
+                <a:latin typeface="Calibri"/>
+                <a:cs typeface="Calibri"/>
+              </a:rPr>
+            </a:br>
+            <a:r>
+              <a:rPr lang="en-US" sz="825">
+                <a:solidFill>
+                  <a:prstClr val="white"/>
+                </a:solidFill>
+                <a:latin typeface="Calibri"/>
+                <a:cs typeface="Calibri"/>
+              </a:rPr>
+              <a:t>with </a:t>
+            </a:r>
+            <a:r>
+              <a:rPr lang="en-US" sz="825" err="1">
+                <a:solidFill>
+                  <a:prstClr val="white"/>
+                </a:solidFill>
+                <a:latin typeface="Calibri"/>
+                <a:cs typeface="Calibri"/>
+              </a:rPr>
+              <a:t>TrustZone</a:t>
+            </a:r>
+            <a:endParaRPr lang="en-US" sz="1350">
+              <a:solidFill>
+                <a:prstClr val="white"/>
+              </a:solidFill>
+              <a:latin typeface="Calibri"/>
+              <a:cs typeface="Calibri"/>
+            </a:endParaRPr>
+          </a:p>
+        </p:txBody>
+      </p:sp>
+      <p:cxnSp>
+        <p:nvCxnSpPr>
+          <p:cNvPr id="137" name="Straight Connector 136">
+            <a:extLst>
+              <a:ext uri="{FF2B5EF4-FFF2-40B4-BE49-F238E27FC236}">
+                <a16:creationId xmlns:a16="http://schemas.microsoft.com/office/drawing/2014/main" id="{4502DD98-7DEA-4437-A8D8-DFAE06585CCD}"/>
+              </a:ext>
+            </a:extLst>
+          </p:cNvPr>
+          <p:cNvCxnSpPr>
+            <a:cxnSpLocks/>
+            <a:endCxn id="151" idx="3"/>
+          </p:cNvCxnSpPr>
+          <p:nvPr/>
+        </p:nvCxnSpPr>
+        <p:spPr>
+          <a:xfrm flipV="1">
+            <a:off x="8241525" y="2508574"/>
+            <a:ext cx="0" cy="265010"/>
+          </a:xfrm>
+          <a:prstGeom prst="line">
+            <a:avLst/>
+          </a:prstGeom>
+          <a:ln w="28575">
+            <a:solidFill>
+              <a:schemeClr val="accent6">
+                <a:lumMod val="75000"/>
+              </a:schemeClr>
+            </a:solidFill>
+            <a:headEnd type="none" w="med" len="med"/>
+            <a:tailEnd type="none" w="med" len="med"/>
+          </a:ln>
+          <a:effectLst/>
+        </p:spPr>
+        <p:style>
+          <a:lnRef idx="2">
+            <a:schemeClr val="accent1"/>
+          </a:lnRef>
+          <a:fillRef idx="0">
+            <a:schemeClr val="accent1"/>
+          </a:fillRef>
+          <a:effectRef idx="1">
+            <a:schemeClr val="accent1"/>
+          </a:effectRef>
+          <a:fontRef idx="minor">
+            <a:schemeClr val="tx1"/>
+          </a:fontRef>
+        </p:style>
+      </p:cxnSp>
+      <p:sp>
+        <p:nvSpPr>
+          <p:cNvPr id="151" name="Rectangle 150">
+            <a:extLst>
+              <a:ext uri="{FF2B5EF4-FFF2-40B4-BE49-F238E27FC236}">
+                <a16:creationId xmlns:a16="http://schemas.microsoft.com/office/drawing/2014/main" id="{019FB20E-0DDD-498B-9C09-48B93ED13313}"/>
+              </a:ext>
+            </a:extLst>
+          </p:cNvPr>
+          <p:cNvSpPr/>
+          <p:nvPr/>
+        </p:nvSpPr>
+        <p:spPr>
+          <a:xfrm rot="5400000">
+            <a:off x="8106615" y="2061583"/>
+            <a:ext cx="269820" cy="624161"/>
+          </a:xfrm>
+          <a:prstGeom prst="rect">
+            <a:avLst/>
+          </a:prstGeom>
+          <a:solidFill>
+            <a:schemeClr val="accent1">
+              <a:lumMod val="50000"/>
+            </a:schemeClr>
+          </a:solidFill>
+          <a:ln>
+            <a:noFill/>
+          </a:ln>
+        </p:spPr>
+        <p:style>
+          <a:lnRef idx="2">
+            <a:schemeClr val="accent5">
+              <a:shade val="50000"/>
+            </a:schemeClr>
+          </a:lnRef>
+          <a:fillRef idx="1">
+            <a:schemeClr val="accent5"/>
+          </a:fillRef>
+          <a:effectRef idx="0">
+            <a:schemeClr val="accent5"/>
+          </a:effectRef>
+          <a:fontRef idx="minor">
+            <a:schemeClr val="lt1"/>
+          </a:fontRef>
+        </p:style>
+        <p:txBody>
+          <a:bodyPr vert="vert270" rtlCol="0" anchor="ctr"/>
+          <a:lstStyle/>
+          <a:p>
+            <a:pPr algn="ctr" defTabSz="685800" eaLnBrk="0" fontAlgn="base" hangingPunct="0">
+              <a:spcBef>
+                <a:spcPct val="0"/>
+              </a:spcBef>
+              <a:spcAft>
+                <a:spcPct val="0"/>
+              </a:spcAft>
+              <a:defRPr/>
+            </a:pPr>
+            <a:r>
+              <a:rPr lang="en-US" sz="1350">
+                <a:solidFill>
+                  <a:srgbClr val="E5ECEB"/>
+                </a:solidFill>
+                <a:latin typeface="Calibri"/>
+              </a:rPr>
+              <a:t>DMA</a:t>
+            </a:r>
+          </a:p>
+        </p:txBody>
+      </p:sp>
+      <p:sp>
+        <p:nvSpPr>
+          <p:cNvPr id="146" name="Rectangle 145">
+            <a:extLst>
+              <a:ext uri="{FF2B5EF4-FFF2-40B4-BE49-F238E27FC236}">
+                <a16:creationId xmlns:a16="http://schemas.microsoft.com/office/drawing/2014/main" id="{D5FFBF58-30CF-4E2E-AA40-529956654684}"/>
+              </a:ext>
+            </a:extLst>
+          </p:cNvPr>
+          <p:cNvSpPr/>
+          <p:nvPr/>
+        </p:nvSpPr>
+        <p:spPr>
+          <a:xfrm>
+            <a:off x="4895229" y="2672644"/>
+            <a:ext cx="3739130" cy="209262"/>
+          </a:xfrm>
+          <a:prstGeom prst="rect">
+            <a:avLst/>
+          </a:prstGeom>
+          <a:solidFill>
+            <a:schemeClr val="accent6"/>
+          </a:solidFill>
+          <a:ln>
+            <a:noFill/>
+          </a:ln>
+          <a:effectLst/>
+        </p:spPr>
+        <p:style>
+          <a:lnRef idx="1">
+            <a:schemeClr val="accent1"/>
+          </a:lnRef>
+          <a:fillRef idx="3">
+            <a:schemeClr val="accent1"/>
+          </a:fillRef>
+          <a:effectRef idx="2">
+            <a:schemeClr val="accent1"/>
+          </a:effectRef>
+          <a:fontRef idx="minor">
+            <a:schemeClr val="lt1"/>
+          </a:fontRef>
+        </p:style>
+        <p:txBody>
+          <a:bodyPr rtlCol="0" anchor="ctr"/>
+          <a:lstStyle/>
+          <a:p>
+            <a:pPr algn="ctr" defTabSz="685800" eaLnBrk="0" fontAlgn="base" hangingPunct="0">
+              <a:spcBef>
+                <a:spcPct val="0"/>
+              </a:spcBef>
+              <a:spcAft>
+                <a:spcPct val="0"/>
+              </a:spcAft>
+              <a:defRPr/>
+            </a:pPr>
+            <a:r>
+              <a:rPr lang="en-US" sz="825">
+                <a:solidFill>
+                  <a:prstClr val="white"/>
+                </a:solidFill>
+                <a:latin typeface="Calibri"/>
+                <a:cs typeface="Calibri"/>
+              </a:rPr>
+              <a:t>Multi-layer AHB5 interconnect</a:t>
+            </a:r>
+          </a:p>
+        </p:txBody>
+      </p:sp>
+      <p:cxnSp>
+        <p:nvCxnSpPr>
+          <p:cNvPr id="168" name="Straight Connector 167">
+            <a:extLst>
+              <a:ext uri="{FF2B5EF4-FFF2-40B4-BE49-F238E27FC236}">
+                <a16:creationId xmlns:a16="http://schemas.microsoft.com/office/drawing/2014/main" id="{5E9F9A28-389C-4BF9-BF0D-28BCF5D703F6}"/>
+              </a:ext>
+            </a:extLst>
+          </p:cNvPr>
+          <p:cNvCxnSpPr>
+            <a:cxnSpLocks/>
+          </p:cNvCxnSpPr>
+          <p:nvPr/>
+        </p:nvCxnSpPr>
+        <p:spPr>
+          <a:xfrm flipH="1">
+            <a:off x="6947868" y="3402780"/>
+            <a:ext cx="0" cy="135000"/>
+          </a:xfrm>
+          <a:prstGeom prst="line">
+            <a:avLst/>
+          </a:prstGeom>
+          <a:ln w="28575">
+            <a:solidFill>
+              <a:schemeClr val="accent6">
+                <a:lumMod val="75000"/>
+              </a:schemeClr>
+            </a:solidFill>
+            <a:headEnd type="none" w="med" len="med"/>
+            <a:tailEnd type="none" w="med" len="med"/>
+          </a:ln>
+          <a:effectLst/>
+        </p:spPr>
+        <p:style>
+          <a:lnRef idx="2">
+            <a:schemeClr val="accent1"/>
+          </a:lnRef>
+          <a:fillRef idx="0">
+            <a:schemeClr val="accent1"/>
+          </a:fillRef>
+          <a:effectRef idx="1">
+            <a:schemeClr val="accent1"/>
+          </a:effectRef>
+          <a:fontRef idx="minor">
+            <a:schemeClr val="tx1"/>
+          </a:fontRef>
+        </p:style>
+      </p:cxnSp>
+      <p:cxnSp>
+        <p:nvCxnSpPr>
+          <p:cNvPr id="170" name="Straight Connector 169">
+            <a:extLst>
+              <a:ext uri="{FF2B5EF4-FFF2-40B4-BE49-F238E27FC236}">
+                <a16:creationId xmlns:a16="http://schemas.microsoft.com/office/drawing/2014/main" id="{24FEF964-AF34-4725-A9F3-AE97EE387A19}"/>
+              </a:ext>
+            </a:extLst>
+          </p:cNvPr>
+          <p:cNvCxnSpPr>
+            <a:cxnSpLocks/>
+          </p:cNvCxnSpPr>
+          <p:nvPr/>
+        </p:nvCxnSpPr>
+        <p:spPr>
+          <a:xfrm flipH="1">
+            <a:off x="7164904" y="3402780"/>
+            <a:ext cx="0" cy="135000"/>
+          </a:xfrm>
+          <a:prstGeom prst="line">
+            <a:avLst/>
+          </a:prstGeom>
+          <a:ln w="28575">
+            <a:solidFill>
+              <a:schemeClr val="accent6">
+                <a:lumMod val="75000"/>
+              </a:schemeClr>
+            </a:solidFill>
+            <a:headEnd type="none" w="med" len="med"/>
+            <a:tailEnd type="none" w="med" len="med"/>
+          </a:ln>
+          <a:effectLst/>
+        </p:spPr>
+        <p:style>
+          <a:lnRef idx="2">
+            <a:schemeClr val="accent1"/>
+          </a:lnRef>
+          <a:fillRef idx="0">
+            <a:schemeClr val="accent1"/>
+          </a:fillRef>
+          <a:effectRef idx="1">
+            <a:schemeClr val="accent1"/>
+          </a:effectRef>
+          <a:fontRef idx="minor">
+            <a:schemeClr val="tx1"/>
+          </a:fontRef>
+        </p:style>
+      </p:cxnSp>
+      <p:sp>
+        <p:nvSpPr>
+          <p:cNvPr id="173" name="Rectangle 172">
+            <a:extLst>
+              <a:ext uri="{FF2B5EF4-FFF2-40B4-BE49-F238E27FC236}">
+                <a16:creationId xmlns:a16="http://schemas.microsoft.com/office/drawing/2014/main" id="{8DBC1592-9636-4F97-A412-F392E16632DE}"/>
+              </a:ext>
+            </a:extLst>
+          </p:cNvPr>
+          <p:cNvSpPr/>
+          <p:nvPr/>
+        </p:nvSpPr>
+        <p:spPr>
+          <a:xfrm>
+            <a:off x="6841188" y="3537780"/>
+            <a:ext cx="189000" cy="648000"/>
+          </a:xfrm>
+          <a:prstGeom prst="rect">
+            <a:avLst/>
+          </a:prstGeom>
+          <a:solidFill>
+            <a:schemeClr val="accent1">
+              <a:lumMod val="50000"/>
+            </a:schemeClr>
+          </a:solidFill>
+          <a:ln>
+            <a:noFill/>
+          </a:ln>
+        </p:spPr>
+        <p:style>
+          <a:lnRef idx="2">
+            <a:schemeClr val="accent5">
+              <a:shade val="50000"/>
+            </a:schemeClr>
+          </a:lnRef>
+          <a:fillRef idx="1">
+            <a:schemeClr val="accent5"/>
+          </a:fillRef>
+          <a:effectRef idx="0">
+            <a:schemeClr val="accent5"/>
+          </a:effectRef>
+          <a:fontRef idx="minor">
+            <a:schemeClr val="lt1"/>
+          </a:fontRef>
+        </p:style>
+        <p:txBody>
+          <a:bodyPr vert="vert270" rtlCol="0" anchor="ctr"/>
+          <a:lstStyle/>
+          <a:p>
+            <a:pPr algn="ctr" defTabSz="685800" eaLnBrk="0" fontAlgn="base" hangingPunct="0">
+              <a:spcBef>
+                <a:spcPct val="0"/>
+              </a:spcBef>
+              <a:spcAft>
+                <a:spcPct val="0"/>
+              </a:spcAft>
+              <a:defRPr/>
+            </a:pPr>
+            <a:r>
+              <a:rPr lang="en-US" sz="1050">
+                <a:solidFill>
+                  <a:srgbClr val="E5ECEB"/>
+                </a:solidFill>
+                <a:latin typeface="Calibri"/>
+              </a:rPr>
+              <a:t>AES</a:t>
+            </a:r>
+          </a:p>
+        </p:txBody>
+      </p:sp>
+      <p:sp>
+        <p:nvSpPr>
+          <p:cNvPr id="174" name="Rectangle 173">
+            <a:extLst>
+              <a:ext uri="{FF2B5EF4-FFF2-40B4-BE49-F238E27FC236}">
+                <a16:creationId xmlns:a16="http://schemas.microsoft.com/office/drawing/2014/main" id="{AC2B220C-C1D2-445F-B73E-4707CE220FF0}"/>
+              </a:ext>
+            </a:extLst>
+          </p:cNvPr>
+          <p:cNvSpPr/>
+          <p:nvPr/>
+        </p:nvSpPr>
+        <p:spPr>
+          <a:xfrm>
+            <a:off x="7070404" y="3537780"/>
+            <a:ext cx="189000" cy="648000"/>
+          </a:xfrm>
+          <a:prstGeom prst="rect">
+            <a:avLst/>
+          </a:prstGeom>
+          <a:solidFill>
+            <a:schemeClr val="accent1">
+              <a:lumMod val="50000"/>
+            </a:schemeClr>
+          </a:solidFill>
+          <a:ln>
+            <a:noFill/>
+          </a:ln>
+        </p:spPr>
+        <p:style>
+          <a:lnRef idx="2">
+            <a:schemeClr val="accent5">
+              <a:shade val="50000"/>
+            </a:schemeClr>
+          </a:lnRef>
+          <a:fillRef idx="1">
+            <a:schemeClr val="accent5"/>
+          </a:fillRef>
+          <a:effectRef idx="0">
+            <a:schemeClr val="accent5"/>
+          </a:effectRef>
+          <a:fontRef idx="minor">
+            <a:schemeClr val="lt1"/>
+          </a:fontRef>
+        </p:style>
+        <p:txBody>
+          <a:bodyPr vert="vert270" rtlCol="0" anchor="ctr"/>
+          <a:lstStyle/>
+          <a:p>
+            <a:pPr algn="ctr" defTabSz="685800" eaLnBrk="0" fontAlgn="base" hangingPunct="0">
+              <a:spcBef>
+                <a:spcPct val="0"/>
+              </a:spcBef>
+              <a:spcAft>
+                <a:spcPct val="0"/>
+              </a:spcAft>
+              <a:defRPr/>
+            </a:pPr>
+            <a:r>
+              <a:rPr lang="en-US" sz="1050">
+                <a:solidFill>
+                  <a:srgbClr val="E5ECEB"/>
+                </a:solidFill>
+                <a:latin typeface="Calibri"/>
+              </a:rPr>
+              <a:t>TRNG</a:t>
+            </a:r>
+          </a:p>
+        </p:txBody>
+      </p:sp>
+      <p:sp>
+        <p:nvSpPr>
+          <p:cNvPr id="175" name="Text Placeholder 12">
+            <a:extLst>
+              <a:ext uri="{FF2B5EF4-FFF2-40B4-BE49-F238E27FC236}">
+                <a16:creationId xmlns:a16="http://schemas.microsoft.com/office/drawing/2014/main" id="{359B5ADF-9F72-4AFD-9E45-F2CAEC2D7D01}"/>
+              </a:ext>
+            </a:extLst>
+          </p:cNvPr>
+          <p:cNvSpPr txBox="1">
+            <a:spLocks/>
+          </p:cNvSpPr>
+          <p:nvPr/>
+        </p:nvSpPr>
+        <p:spPr>
+          <a:xfrm>
+            <a:off x="359569" y="4428590"/>
+            <a:ext cx="8424863" cy="336803"/>
+          </a:xfrm>
+          <a:prstGeom prst="rect">
+            <a:avLst/>
+          </a:prstGeom>
+        </p:spPr>
+        <p:txBody>
+          <a:bodyPr vert="horz" lIns="0" tIns="0" rIns="0" bIns="0" rtlCol="0" anchor="t">
+            <a:noAutofit/>
+          </a:bodyPr>
+          <a:lstStyle>
+            <a:lvl1pPr marL="342900" indent="-342900" algn="l" rtl="0" eaLnBrk="1" fontAlgn="base" hangingPunct="1">
+              <a:lnSpc>
+                <a:spcPct val="100000"/>
+              </a:lnSpc>
+              <a:spcBef>
+                <a:spcPts val="600"/>
+              </a:spcBef>
+              <a:spcAft>
+                <a:spcPts val="0"/>
+              </a:spcAft>
+              <a:buClr>
+                <a:schemeClr val="accent1"/>
+              </a:buClr>
+              <a:buFont typeface="Arial" charset="0"/>
+              <a:buChar char="•"/>
+              <a:defRPr sz="2400" kern="1200">
+                <a:solidFill>
+                  <a:schemeClr val="tx2"/>
+                </a:solidFill>
+                <a:latin typeface="+mn-lt"/>
+                <a:ea typeface="ＭＳ Ｐゴシック" charset="0"/>
+                <a:cs typeface="ＭＳ Ｐゴシック" charset="0"/>
+              </a:defRPr>
+            </a:lvl1pPr>
+            <a:lvl2pPr marL="672783" indent="-166688" algn="l" rtl="0" eaLnBrk="1" fontAlgn="base" hangingPunct="1">
+              <a:lnSpc>
+                <a:spcPct val="100000"/>
+              </a:lnSpc>
+              <a:spcBef>
+                <a:spcPts val="0"/>
+              </a:spcBef>
+              <a:spcAft>
+                <a:spcPts val="0"/>
+              </a:spcAft>
+              <a:buClr>
+                <a:schemeClr val="accent1"/>
+              </a:buClr>
+              <a:buSzPct val="80000"/>
+              <a:buFont typeface="Arial" charset="0"/>
+              <a:buChar char="•"/>
+              <a:defRPr sz="2000" kern="1200">
+                <a:solidFill>
+                  <a:schemeClr val="tx2"/>
+                </a:solidFill>
+                <a:latin typeface="+mn-lt"/>
+                <a:ea typeface="ＭＳ Ｐゴシック" charset="0"/>
+                <a:cs typeface="+mn-cs"/>
+              </a:defRPr>
+            </a:lvl2pPr>
+            <a:lvl3pPr marL="947103" indent="-166688" algn="l" rtl="0" eaLnBrk="1" fontAlgn="base" hangingPunct="1">
+              <a:lnSpc>
+                <a:spcPct val="100000"/>
+              </a:lnSpc>
+              <a:spcBef>
+                <a:spcPts val="0"/>
+              </a:spcBef>
+              <a:spcAft>
+                <a:spcPts val="0"/>
+              </a:spcAft>
+              <a:buClr>
+                <a:schemeClr val="accent1"/>
+              </a:buClr>
+              <a:buSzPct val="80000"/>
+              <a:buFont typeface="Calibri" charset="0"/>
+              <a:buChar char="–"/>
+              <a:defRPr sz="1800" kern="1200">
+                <a:solidFill>
+                  <a:schemeClr val="tx2"/>
+                </a:solidFill>
+                <a:latin typeface="+mn-lt"/>
+                <a:ea typeface="ＭＳ Ｐゴシック" charset="0"/>
+                <a:cs typeface="+mn-cs"/>
+              </a:defRPr>
+            </a:lvl3pPr>
+            <a:lvl4pPr marL="1293178" indent="-173038" algn="l" rtl="0" eaLnBrk="1" fontAlgn="base" hangingPunct="1">
+              <a:lnSpc>
+                <a:spcPct val="100000"/>
+              </a:lnSpc>
+              <a:spcBef>
+                <a:spcPts val="0"/>
+              </a:spcBef>
+              <a:spcAft>
+                <a:spcPts val="0"/>
+              </a:spcAft>
+              <a:buClr>
+                <a:schemeClr val="accent1"/>
+              </a:buClr>
+              <a:buSzPct val="80000"/>
+              <a:buFont typeface="Wingdings" charset="2"/>
+              <a:buChar char="§"/>
+              <a:defRPr sz="1800" kern="1200">
+                <a:solidFill>
+                  <a:schemeClr val="tx2"/>
+                </a:solidFill>
+                <a:latin typeface="+mn-lt"/>
+                <a:ea typeface="ＭＳ Ｐゴシック" charset="0"/>
+                <a:cs typeface="+mn-cs"/>
+              </a:defRPr>
+            </a:lvl4pPr>
+            <a:lvl5pPr marL="1518603" indent="-168275" algn="l" rtl="0" eaLnBrk="1" fontAlgn="base" hangingPunct="1">
+              <a:lnSpc>
+                <a:spcPct val="100000"/>
+              </a:lnSpc>
+              <a:spcBef>
+                <a:spcPts val="0"/>
+              </a:spcBef>
+              <a:spcAft>
+                <a:spcPts val="0"/>
+              </a:spcAft>
+              <a:buClr>
+                <a:schemeClr val="accent1"/>
+              </a:buClr>
+              <a:buSzPct val="80000"/>
+              <a:buFont typeface="Calibri" charset="0"/>
+              <a:buChar char="–"/>
+              <a:defRPr sz="1800" kern="1200">
+                <a:solidFill>
+                  <a:schemeClr val="tx2"/>
+                </a:solidFill>
+                <a:latin typeface="+mn-lt"/>
+                <a:ea typeface="ＭＳ Ｐゴシック" charset="0"/>
+                <a:cs typeface="+mn-cs"/>
+              </a:defRPr>
+            </a:lvl5pPr>
+            <a:lvl6pPr marL="1655064" indent="-164592" algn="l" defTabSz="914400" rtl="0" eaLnBrk="1" latinLnBrk="0" hangingPunct="1">
+              <a:lnSpc>
+                <a:spcPct val="100000"/>
+              </a:lnSpc>
+              <a:spcBef>
+                <a:spcPts val="0"/>
+              </a:spcBef>
+              <a:spcAft>
+                <a:spcPts val="0"/>
+              </a:spcAft>
+              <a:buClr>
+                <a:schemeClr val="accent1"/>
+              </a:buClr>
+              <a:buSzPct val="80000"/>
+              <a:buFont typeface="Wingdings" panose="05000000000000000000" pitchFamily="2" charset="2"/>
+              <a:buChar char="§"/>
+              <a:defRPr lang="en-US" sz="1600" kern="1200">
+                <a:solidFill>
+                  <a:schemeClr val="tx2"/>
+                </a:solidFill>
+                <a:latin typeface="+mn-lt"/>
+                <a:ea typeface="+mn-ea"/>
+                <a:cs typeface="+mn-cs"/>
+              </a:defRPr>
+            </a:lvl6pPr>
+            <a:lvl7pPr marL="1883664" indent="-164592" algn="l" defTabSz="914400" rtl="0" eaLnBrk="1" latinLnBrk="0" hangingPunct="1">
+              <a:lnSpc>
+                <a:spcPct val="100000"/>
+              </a:lnSpc>
+              <a:spcBef>
+                <a:spcPts val="0"/>
+              </a:spcBef>
+              <a:spcAft>
+                <a:spcPts val="0"/>
+              </a:spcAft>
+              <a:buClr>
+                <a:schemeClr val="accent1"/>
+              </a:buClr>
+              <a:buSzPct val="80000"/>
+              <a:buFont typeface="Calibri" panose="020F0502020204030204" pitchFamily="34" charset="0"/>
+              <a:buChar char="–"/>
+              <a:defRPr lang="en-US" sz="1600" kern="1200">
+                <a:solidFill>
+                  <a:schemeClr val="tx2"/>
+                </a:solidFill>
+                <a:latin typeface="+mn-lt"/>
+                <a:ea typeface="+mn-ea"/>
+                <a:cs typeface="+mn-cs"/>
+              </a:defRPr>
+            </a:lvl7pPr>
+            <a:lvl8pPr marL="2112264" indent="-164592" algn="l" defTabSz="914400" rtl="0" eaLnBrk="1" latinLnBrk="0" hangingPunct="1">
+              <a:lnSpc>
+                <a:spcPct val="100000"/>
+              </a:lnSpc>
+              <a:spcBef>
+                <a:spcPts val="0"/>
+              </a:spcBef>
+              <a:spcAft>
+                <a:spcPts val="0"/>
+              </a:spcAft>
+              <a:buClr>
+                <a:schemeClr val="accent1"/>
+              </a:buClr>
+              <a:buSzPct val="80000"/>
+              <a:buFont typeface="Wingdings" panose="05000000000000000000" pitchFamily="2" charset="2"/>
+              <a:buChar char="§"/>
+              <a:defRPr lang="en-US" sz="1600" kern="1200">
+                <a:solidFill>
+                  <a:schemeClr val="tx2"/>
+                </a:solidFill>
+                <a:latin typeface="+mn-lt"/>
+                <a:ea typeface="+mn-ea"/>
+                <a:cs typeface="+mn-cs"/>
+              </a:defRPr>
+            </a:lvl8pPr>
+            <a:lvl9pPr marL="2340864" indent="-164592" algn="l" defTabSz="914400" rtl="0" eaLnBrk="1" latinLnBrk="0" hangingPunct="1">
+              <a:lnSpc>
+                <a:spcPct val="100000"/>
+              </a:lnSpc>
+              <a:spcBef>
+                <a:spcPts val="0"/>
+              </a:spcBef>
+              <a:spcAft>
+                <a:spcPts val="0"/>
+              </a:spcAft>
+              <a:buClr>
+                <a:schemeClr val="accent1"/>
+              </a:buClr>
+              <a:buSzPct val="80000"/>
+              <a:buFont typeface="Calibri" panose="020F0502020204030204" pitchFamily="34" charset="0"/>
+              <a:buChar char="–"/>
+              <a:defRPr lang="en-US" sz="1600" kern="1200">
+                <a:solidFill>
+                  <a:schemeClr val="tx2"/>
+                </a:solidFill>
+                <a:latin typeface="+mn-lt"/>
+                <a:ea typeface="+mn-ea"/>
+                <a:cs typeface="+mn-cs"/>
+              </a:defRPr>
+            </a:lvl9pPr>
+          </a:lstStyle>
+          <a:p>
+            <a:r>
+              <a:rPr lang="en-GB" sz="1500">
+                <a:ea typeface="ＭＳ Ｐゴシック"/>
+              </a:rPr>
+              <a:t>Step 2: create the partitions for secure and non-secure execution</a:t>
+            </a:r>
+            <a:endParaRPr lang="en-US" sz="1500">
+              <a:ea typeface="ＭＳ Ｐゴシック"/>
+            </a:endParaRPr>
+          </a:p>
+        </p:txBody>
+      </p:sp>
+      <p:sp>
+        <p:nvSpPr>
+          <p:cNvPr id="17" name="TextBox 16">
+            <a:extLst>
+              <a:ext uri="{FF2B5EF4-FFF2-40B4-BE49-F238E27FC236}">
+                <a16:creationId xmlns:a16="http://schemas.microsoft.com/office/drawing/2014/main" id="{1D9A4B6C-FE1A-4473-88F7-A1A28B1C6D14}"/>
+              </a:ext>
+            </a:extLst>
+          </p:cNvPr>
+          <p:cNvSpPr txBox="1"/>
+          <p:nvPr/>
+        </p:nvSpPr>
+        <p:spPr>
+          <a:xfrm>
+            <a:off x="525705" y="1463310"/>
+            <a:ext cx="3764466" cy="145424"/>
+          </a:xfrm>
+          <a:prstGeom prst="rect">
+            <a:avLst/>
+          </a:prstGeom>
+          <a:noFill/>
+        </p:spPr>
+        <p:txBody>
+          <a:bodyPr wrap="square" lIns="0" tIns="0" rIns="0" bIns="0" rtlCol="0">
+            <a:spAutoFit/>
+          </a:bodyPr>
+          <a:lstStyle/>
+          <a:p>
+            <a:pPr defTabSz="685800">
+              <a:lnSpc>
+                <a:spcPct val="90000"/>
+              </a:lnSpc>
+              <a:spcAft>
+                <a:spcPts val="450"/>
+              </a:spcAft>
+            </a:pPr>
+            <a:r>
+              <a:rPr lang="en-US" sz="1050">
+                <a:solidFill>
+                  <a:schemeClr val="tx2"/>
+                </a:solidFill>
+              </a:rPr>
+              <a:t>Complete view of a multi-processor system</a:t>
+            </a:r>
+            <a:endParaRPr lang="en-GB" sz="1050" err="1">
+              <a:solidFill>
+                <a:schemeClr val="tx2"/>
+              </a:solidFill>
+            </a:endParaRPr>
+          </a:p>
+        </p:txBody>
+      </p:sp>
+      <p:sp>
+        <p:nvSpPr>
+          <p:cNvPr id="177" name="TextBox 176">
+            <a:extLst>
+              <a:ext uri="{FF2B5EF4-FFF2-40B4-BE49-F238E27FC236}">
+                <a16:creationId xmlns:a16="http://schemas.microsoft.com/office/drawing/2014/main" id="{7F784A35-4F80-4A39-A9B6-D93D9F459289}"/>
+              </a:ext>
+            </a:extLst>
+          </p:cNvPr>
+          <p:cNvSpPr txBox="1"/>
+          <p:nvPr/>
+        </p:nvSpPr>
+        <p:spPr>
+          <a:xfrm>
+            <a:off x="4901962" y="1462139"/>
+            <a:ext cx="3371633" cy="145424"/>
+          </a:xfrm>
+          <a:prstGeom prst="rect">
+            <a:avLst/>
+          </a:prstGeom>
+          <a:noFill/>
+        </p:spPr>
+        <p:txBody>
+          <a:bodyPr wrap="square" lIns="0" tIns="0" rIns="0" bIns="0" rtlCol="0">
+            <a:spAutoFit/>
+          </a:bodyPr>
+          <a:lstStyle/>
+          <a:p>
+            <a:pPr defTabSz="685800">
+              <a:lnSpc>
+                <a:spcPct val="90000"/>
+              </a:lnSpc>
+              <a:spcAft>
+                <a:spcPts val="450"/>
+              </a:spcAft>
+            </a:pPr>
+            <a:r>
+              <a:rPr lang="en-US" sz="1050">
+                <a:solidFill>
+                  <a:schemeClr val="tx2"/>
+                </a:solidFill>
+              </a:rPr>
+              <a:t>System view of processor core #1</a:t>
+            </a:r>
+            <a:endParaRPr lang="en-GB" sz="1050" err="1">
+              <a:solidFill>
+                <a:schemeClr val="tx2"/>
+              </a:solidFill>
+            </a:endParaRPr>
+          </a:p>
+        </p:txBody>
+      </p:sp>
+      <p:sp>
+        <p:nvSpPr>
+          <p:cNvPr id="178" name="TextBox 177">
+            <a:extLst>
+              <a:ext uri="{FF2B5EF4-FFF2-40B4-BE49-F238E27FC236}">
+                <a16:creationId xmlns:a16="http://schemas.microsoft.com/office/drawing/2014/main" id="{D0BCBF70-8D93-4D51-B2B9-F54F217E6117}"/>
+              </a:ext>
+            </a:extLst>
+          </p:cNvPr>
+          <p:cNvSpPr txBox="1"/>
+          <p:nvPr/>
+        </p:nvSpPr>
+        <p:spPr>
+          <a:xfrm>
+            <a:off x="5035525" y="1200530"/>
+            <a:ext cx="3371633" cy="145424"/>
+          </a:xfrm>
+          <a:prstGeom prst="rect">
+            <a:avLst/>
+          </a:prstGeom>
+          <a:noFill/>
+        </p:spPr>
+        <p:txBody>
+          <a:bodyPr wrap="square" lIns="0" tIns="0" rIns="0" bIns="0" rtlCol="0">
+            <a:spAutoFit/>
+          </a:bodyPr>
+          <a:lstStyle/>
+          <a:p>
+            <a:pPr defTabSz="685800">
+              <a:lnSpc>
+                <a:spcPct val="90000"/>
+              </a:lnSpc>
+              <a:spcAft>
+                <a:spcPts val="450"/>
+              </a:spcAft>
+            </a:pPr>
+            <a:r>
+              <a:rPr lang="en-US" sz="1050">
+                <a:solidFill>
+                  <a:schemeClr val="tx2"/>
+                </a:solidFill>
+              </a:rPr>
+              <a:t>System view of processor core #2</a:t>
+            </a:r>
+            <a:endParaRPr lang="en-GB" sz="1500" err="1">
+              <a:solidFill>
+                <a:schemeClr val="tx2"/>
+              </a:solidFill>
+            </a:endParaRPr>
+          </a:p>
+        </p:txBody>
+      </p:sp>
+      <p:sp>
+        <p:nvSpPr>
+          <p:cNvPr id="18" name="TextBox 17">
+            <a:extLst>
+              <a:ext uri="{FF2B5EF4-FFF2-40B4-BE49-F238E27FC236}">
+                <a16:creationId xmlns:a16="http://schemas.microsoft.com/office/drawing/2014/main" id="{95DCA7CB-481B-476D-B9D1-3BF6BC8F3A3C}"/>
+              </a:ext>
+            </a:extLst>
+          </p:cNvPr>
+          <p:cNvSpPr txBox="1"/>
+          <p:nvPr/>
+        </p:nvSpPr>
+        <p:spPr>
+          <a:xfrm>
+            <a:off x="739697" y="1707203"/>
+            <a:ext cx="571743" cy="114262"/>
+          </a:xfrm>
+          <a:prstGeom prst="rect">
+            <a:avLst/>
+          </a:prstGeom>
+          <a:noFill/>
+        </p:spPr>
+        <p:txBody>
+          <a:bodyPr wrap="square" lIns="0" tIns="0" rIns="0" bIns="0" rtlCol="0">
+            <a:spAutoFit/>
+          </a:bodyPr>
+          <a:lstStyle/>
+          <a:p>
+            <a:pPr algn="ctr" defTabSz="685800">
+              <a:lnSpc>
+                <a:spcPct val="90000"/>
+              </a:lnSpc>
+              <a:spcAft>
+                <a:spcPts val="450"/>
+              </a:spcAft>
+            </a:pPr>
+            <a:r>
+              <a:rPr lang="en-US" sz="825">
+                <a:solidFill>
+                  <a:schemeClr val="bg1"/>
+                </a:solidFill>
+              </a:rPr>
+              <a:t>Core #1</a:t>
+            </a:r>
+            <a:endParaRPr lang="en-GB" sz="825" err="1">
+              <a:solidFill>
+                <a:schemeClr val="bg1"/>
+              </a:solidFill>
+            </a:endParaRPr>
+          </a:p>
+        </p:txBody>
+      </p:sp>
+      <p:sp>
+        <p:nvSpPr>
+          <p:cNvPr id="179" name="TextBox 178">
+            <a:extLst>
+              <a:ext uri="{FF2B5EF4-FFF2-40B4-BE49-F238E27FC236}">
+                <a16:creationId xmlns:a16="http://schemas.microsoft.com/office/drawing/2014/main" id="{43411498-FC06-4E53-9958-C8FDA9AC7EFB}"/>
+              </a:ext>
+            </a:extLst>
+          </p:cNvPr>
+          <p:cNvSpPr txBox="1"/>
+          <p:nvPr/>
+        </p:nvSpPr>
+        <p:spPr>
+          <a:xfrm>
+            <a:off x="2454528" y="1707203"/>
+            <a:ext cx="571743" cy="114262"/>
+          </a:xfrm>
+          <a:prstGeom prst="rect">
+            <a:avLst/>
+          </a:prstGeom>
+          <a:noFill/>
+        </p:spPr>
+        <p:txBody>
+          <a:bodyPr wrap="square" lIns="0" tIns="0" rIns="0" bIns="0" rtlCol="0">
+            <a:spAutoFit/>
+          </a:bodyPr>
+          <a:lstStyle/>
+          <a:p>
+            <a:pPr algn="ctr" defTabSz="685800">
+              <a:lnSpc>
+                <a:spcPct val="90000"/>
+              </a:lnSpc>
+              <a:spcAft>
+                <a:spcPts val="450"/>
+              </a:spcAft>
+            </a:pPr>
+            <a:r>
+              <a:rPr lang="en-US" sz="825">
+                <a:solidFill>
+                  <a:schemeClr val="bg1"/>
+                </a:solidFill>
+              </a:rPr>
+              <a:t>Core #2</a:t>
+            </a:r>
+            <a:endParaRPr lang="en-GB" sz="825" err="1">
+              <a:solidFill>
+                <a:schemeClr val="bg1"/>
+              </a:solidFill>
+            </a:endParaRPr>
+          </a:p>
+        </p:txBody>
+      </p:sp>
+      <p:sp>
+        <p:nvSpPr>
+          <p:cNvPr id="180" name="TextBox 179">
+            <a:extLst>
+              <a:ext uri="{FF2B5EF4-FFF2-40B4-BE49-F238E27FC236}">
+                <a16:creationId xmlns:a16="http://schemas.microsoft.com/office/drawing/2014/main" id="{F8E98B83-9DCF-46C7-A361-35A52DF7E993}"/>
+              </a:ext>
+            </a:extLst>
+          </p:cNvPr>
+          <p:cNvSpPr txBox="1"/>
+          <p:nvPr/>
+        </p:nvSpPr>
+        <p:spPr>
+          <a:xfrm>
+            <a:off x="5131076" y="1713568"/>
+            <a:ext cx="571743" cy="114262"/>
+          </a:xfrm>
+          <a:prstGeom prst="rect">
+            <a:avLst/>
+          </a:prstGeom>
+          <a:noFill/>
+        </p:spPr>
+        <p:txBody>
+          <a:bodyPr wrap="square" lIns="0" tIns="0" rIns="0" bIns="0" rtlCol="0">
+            <a:spAutoFit/>
+          </a:bodyPr>
+          <a:lstStyle/>
+          <a:p>
+            <a:pPr algn="ctr" defTabSz="685800">
+              <a:lnSpc>
+                <a:spcPct val="90000"/>
+              </a:lnSpc>
+              <a:spcAft>
+                <a:spcPts val="450"/>
+              </a:spcAft>
+            </a:pPr>
+            <a:r>
+              <a:rPr lang="en-US" sz="825">
+                <a:solidFill>
+                  <a:schemeClr val="bg1"/>
+                </a:solidFill>
+              </a:rPr>
+              <a:t>Core #1</a:t>
+            </a:r>
+            <a:endParaRPr lang="en-GB" sz="825" err="1">
+              <a:solidFill>
+                <a:schemeClr val="bg1"/>
+              </a:solidFill>
+            </a:endParaRPr>
+          </a:p>
+        </p:txBody>
+      </p:sp>
+    </p:spTree>
+    <p:extLst>
+      <p:ext uri="{BB962C8B-B14F-4D97-AF65-F5344CB8AC3E}">
+        <p14:creationId xmlns:p14="http://schemas.microsoft.com/office/powerpoint/2010/main" val="1699400518"/>
+      </p:ext>
+    </p:extLst>
+  </p:cSld>
+  <p:clrMapOvr>
+    <a:masterClrMapping/>
+  </p:clrMapOvr>
+  <mc:AlternateContent xmlns:mc="http://schemas.openxmlformats.org/markup-compatibility/2006" xmlns:p14="http://schemas.microsoft.com/office/powerpoint/2010/main">
+    <mc:Choice Requires="p14">
+      <p:transition spd="med" p14:dur="700">
+        <p:fade/>
+      </p:transition>
+    </mc:Choice>
+    <mc:Fallback xmlns="">
+      <p:transition spd="med">
+        <p:fade/>
+      </p:transition>
+    </mc:Fallback>
+  </mc:AlternateContent>
+</p:sld>
+</file>
+
+<file path=ppt/slides/slide5.xml><?xml version="1.0" encoding="utf-8"?>
+<p:sld xmlns:a="http://schemas.openxmlformats.org/drawingml/2006/main" xmlns:r="http://schemas.openxmlformats.org/officeDocument/2006/relationships" xmlns:p="http://schemas.openxmlformats.org/presentationml/2006/main">
+  <p:cSld>
+    <p:spTree>
+      <p:nvGrpSpPr>
+        <p:cNvPr id="1" name=""/>
+        <p:cNvGrpSpPr/>
+        <p:nvPr/>
+      </p:nvGrpSpPr>
+      <p:grpSpPr>
+        <a:xfrm>
+          <a:off x="0" y="0"/>
+          <a:ext cx="0" cy="0"/>
+          <a:chOff x="0" y="0"/>
+          <a:chExt cx="0" cy="0"/>
+        </a:xfrm>
+      </p:grpSpPr>
+      <p:sp>
+        <p:nvSpPr>
           <p:cNvPr id="3" name="Pentagon 2"/>
           <p:cNvSpPr/>
           <p:nvPr/>
@@ -17282,7 +22659,7 @@
 </p:sld>
 </file>
 
-<file path=ppt/slides/slide5.xml><?xml version="1.0" encoding="utf-8"?>
+<file path=ppt/slides/slide6.xml><?xml version="1.0" encoding="utf-8"?>
 <p:sld xmlns:a="http://schemas.openxmlformats.org/drawingml/2006/main" xmlns:r="http://schemas.openxmlformats.org/officeDocument/2006/relationships" xmlns:p="http://schemas.openxmlformats.org/presentationml/2006/main">
   <p:cSld>
     <p:spTree>
@@ -17978,7 +23355,7 @@
 </p:sld>
 </file>
 
-<file path=ppt/slides/slide6.xml><?xml version="1.0" encoding="utf-8"?>
+<file path=ppt/slides/slide7.xml><?xml version="1.0" encoding="utf-8"?>
 <p:sld xmlns:a="http://schemas.openxmlformats.org/drawingml/2006/main" xmlns:r="http://schemas.openxmlformats.org/officeDocument/2006/relationships" xmlns:p="http://schemas.openxmlformats.org/presentationml/2006/main">
   <p:cSld>
     <p:spTree>
@@ -19836,7 +25213,7 @@
 </p:sld>
 </file>
 
-<file path=ppt/slides/slide7.xml><?xml version="1.0" encoding="utf-8"?>
+<file path=ppt/slides/slide8.xml><?xml version="1.0" encoding="utf-8"?>
 <p:sld xmlns:a="http://schemas.openxmlformats.org/drawingml/2006/main" xmlns:r="http://schemas.openxmlformats.org/officeDocument/2006/relationships" xmlns:p="http://schemas.openxmlformats.org/presentationml/2006/main">
   <p:cSld>
     <p:spTree>
@@ -20863,7 +26240,7 @@
 </p:sld>
 </file>
 
-<file path=ppt/slides/slide8.xml><?xml version="1.0" encoding="utf-8"?>
+<file path=ppt/slides/slide9.xml><?xml version="1.0" encoding="utf-8"?>
 <p:sld xmlns:a="http://schemas.openxmlformats.org/drawingml/2006/main" xmlns:r="http://schemas.openxmlformats.org/officeDocument/2006/relationships" xmlns:p="http://schemas.openxmlformats.org/presentationml/2006/main">
   <p:cSld>
     <p:spTree>
@@ -23006,15 +28383,6 @@
 </file>
 
 <file path=customXml/item1.xml><?xml version="1.0" encoding="utf-8"?>
-<?mso-contentType ?>
-<FormTemplates xmlns="http://schemas.microsoft.com/sharepoint/v3/contenttype/forms">
-  <Display>DocumentLibraryForm</Display>
-  <Edit>DocumentLibraryForm</Edit>
-  <New>DocumentLibraryForm</New>
-</FormTemplates>
-</file>
-
-<file path=customXml/item2.xml><?xml version="1.0" encoding="utf-8"?>
 <p:properties xmlns:p="http://schemas.microsoft.com/office/2006/metadata/properties" xmlns:xsi="http://www.w3.org/2001/XMLSchema-instance" xmlns:pc="http://schemas.microsoft.com/office/infopath/2007/PartnerControls">
   <documentManagement>
     <_dlc_DocId xmlns="f2ad5090-61a8-4b8c-ab70-68f4ff4d1933">ARM-ECM-0491503</_dlc_DocId>
@@ -23026,7 +28394,62 @@
 </p:properties>
 </file>
 
+<file path=customXml/item2.xml><?xml version="1.0" encoding="utf-8"?>
+<?mso-contentType ?>
+<FormTemplates xmlns="http://schemas.microsoft.com/sharepoint/v3/contenttype/forms">
+  <Display>DocumentLibraryForm</Display>
+  <Edit>DocumentLibraryForm</Edit>
+  <New>DocumentLibraryForm</New>
+</FormTemplates>
+</file>
+
 <file path=customXml/item3.xml><?xml version="1.0" encoding="utf-8"?>
+<?mso-contentType ?>
+<spe:Receivers xmlns:spe="http://schemas.microsoft.com/sharepoint/events">
+  <Receiver>
+    <Name>Document ID Generator</Name>
+    <Synchronization>Synchronous</Synchronization>
+    <Type>10001</Type>
+    <SequenceNumber>1000</SequenceNumber>
+    <Assembly>Microsoft.Office.DocumentManagement, Version=14.0.0.0, Culture=neutral, PublicKeyToken=71e9bce111e9429c</Assembly>
+    <Class>Microsoft.Office.DocumentManagement.Internal.DocIdHandler</Class>
+    <Data/>
+    <Filter/>
+  </Receiver>
+  <Receiver>
+    <Name>Document ID Generator</Name>
+    <Synchronization>Synchronous</Synchronization>
+    <Type>10002</Type>
+    <SequenceNumber>1001</SequenceNumber>
+    <Assembly>Microsoft.Office.DocumentManagement, Version=14.0.0.0, Culture=neutral, PublicKeyToken=71e9bce111e9429c</Assembly>
+    <Class>Microsoft.Office.DocumentManagement.Internal.DocIdHandler</Class>
+    <Data/>
+    <Filter/>
+  </Receiver>
+  <Receiver>
+    <Name>Document ID Generator</Name>
+    <Synchronization>Synchronous</Synchronization>
+    <Type>10004</Type>
+    <SequenceNumber>1002</SequenceNumber>
+    <Assembly>Microsoft.Office.DocumentManagement, Version=14.0.0.0, Culture=neutral, PublicKeyToken=71e9bce111e9429c</Assembly>
+    <Class>Microsoft.Office.DocumentManagement.Internal.DocIdHandler</Class>
+    <Data/>
+    <Filter/>
+  </Receiver>
+  <Receiver>
+    <Name>Document ID Generator</Name>
+    <Synchronization>Synchronous</Synchronization>
+    <Type>10006</Type>
+    <SequenceNumber>1003</SequenceNumber>
+    <Assembly>Microsoft.Office.DocumentManagement, Version=14.0.0.0, Culture=neutral, PublicKeyToken=71e9bce111e9429c</Assembly>
+    <Class>Microsoft.Office.DocumentManagement.Internal.DocIdHandler</Class>
+    <Data/>
+    <Filter/>
+  </Receiver>
+</spe:Receivers>
+</file>
+
+<file path=customXml/item4.xml><?xml version="1.0" encoding="utf-8"?>
 <ct:contentTypeSchema xmlns:ct="http://schemas.microsoft.com/office/2006/metadata/contentType" xmlns:ma="http://schemas.microsoft.com/office/2006/metadata/properties/metaAttributes" ct:_="" ma:_="" ma:contentTypeName="Document" ma:contentTypeID="0x0101005953A7A3657A61428D34982CE3100E9A" ma:contentTypeVersion="0" ma:contentTypeDescription="Create a new document." ma:contentTypeScope="" ma:versionID="9d7dbb0d33bb298decf17a3b04476177">
   <xsd:schema xmlns:xsd="http://www.w3.org/2001/XMLSchema" xmlns:xs="http://www.w3.org/2001/XMLSchema" xmlns:p="http://schemas.microsoft.com/office/2006/metadata/properties" xmlns:ns2="f2ad5090-61a8-4b8c-ab70-68f4ff4d1933" targetNamespace="http://schemas.microsoft.com/office/2006/metadata/properties" ma:root="true" ma:fieldsID="653440191449dc6dbdd54d77bba038f8" ns2:_="">
     <xsd:import namespace="f2ad5090-61a8-4b8c-ab70-68f4ff4d1933"/>
@@ -23171,61 +28594,7 @@
 </ct:contentTypeSchema>
 </file>
 
-<file path=customXml/item4.xml><?xml version="1.0" encoding="utf-8"?>
-<?mso-contentType ?>
-<spe:Receivers xmlns:spe="http://schemas.microsoft.com/sharepoint/events">
-  <Receiver>
-    <Name>Document ID Generator</Name>
-    <Synchronization>Synchronous</Synchronization>
-    <Type>10001</Type>
-    <SequenceNumber>1000</SequenceNumber>
-    <Assembly>Microsoft.Office.DocumentManagement, Version=14.0.0.0, Culture=neutral, PublicKeyToken=71e9bce111e9429c</Assembly>
-    <Class>Microsoft.Office.DocumentManagement.Internal.DocIdHandler</Class>
-    <Data/>
-    <Filter/>
-  </Receiver>
-  <Receiver>
-    <Name>Document ID Generator</Name>
-    <Synchronization>Synchronous</Synchronization>
-    <Type>10002</Type>
-    <SequenceNumber>1001</SequenceNumber>
-    <Assembly>Microsoft.Office.DocumentManagement, Version=14.0.0.0, Culture=neutral, PublicKeyToken=71e9bce111e9429c</Assembly>
-    <Class>Microsoft.Office.DocumentManagement.Internal.DocIdHandler</Class>
-    <Data/>
-    <Filter/>
-  </Receiver>
-  <Receiver>
-    <Name>Document ID Generator</Name>
-    <Synchronization>Synchronous</Synchronization>
-    <Type>10004</Type>
-    <SequenceNumber>1002</SequenceNumber>
-    <Assembly>Microsoft.Office.DocumentManagement, Version=14.0.0.0, Culture=neutral, PublicKeyToken=71e9bce111e9429c</Assembly>
-    <Class>Microsoft.Office.DocumentManagement.Internal.DocIdHandler</Class>
-    <Data/>
-    <Filter/>
-  </Receiver>
-  <Receiver>
-    <Name>Document ID Generator</Name>
-    <Synchronization>Synchronous</Synchronization>
-    <Type>10006</Type>
-    <SequenceNumber>1003</SequenceNumber>
-    <Assembly>Microsoft.Office.DocumentManagement, Version=14.0.0.0, Culture=neutral, PublicKeyToken=71e9bce111e9429c</Assembly>
-    <Class>Microsoft.Office.DocumentManagement.Internal.DocIdHandler</Class>
-    <Data/>
-    <Filter/>
-  </Receiver>
-</spe:Receivers>
-</file>
-
 <file path=customXml/itemProps1.xml><?xml version="1.0" encoding="utf-8"?>
-<ds:datastoreItem xmlns:ds="http://schemas.openxmlformats.org/officeDocument/2006/customXml" ds:itemID="{007E157F-F4C7-4050-8D49-55DB8D1A3AC8}">
-  <ds:schemaRefs>
-    <ds:schemaRef ds:uri="http://schemas.microsoft.com/sharepoint/v3/contenttype/forms"/>
-  </ds:schemaRefs>
-</ds:datastoreItem>
-</file>
-
-<file path=customXml/itemProps2.xml><?xml version="1.0" encoding="utf-8"?>
 <ds:datastoreItem xmlns:ds="http://schemas.openxmlformats.org/officeDocument/2006/customXml" ds:itemID="{659AFC57-EF78-4135-9503-D857AFA49F8B}">
   <ds:schemaRefs>
     <ds:schemaRef ds:uri="http://schemas.microsoft.com/office/2006/documentManagement/types"/>
@@ -23241,7 +28610,23 @@
 </ds:datastoreItem>
 </file>
 
+<file path=customXml/itemProps2.xml><?xml version="1.0" encoding="utf-8"?>
+<ds:datastoreItem xmlns:ds="http://schemas.openxmlformats.org/officeDocument/2006/customXml" ds:itemID="{007E157F-F4C7-4050-8D49-55DB8D1A3AC8}">
+  <ds:schemaRefs>
+    <ds:schemaRef ds:uri="http://schemas.microsoft.com/sharepoint/v3/contenttype/forms"/>
+  </ds:schemaRefs>
+</ds:datastoreItem>
+</file>
+
 <file path=customXml/itemProps3.xml><?xml version="1.0" encoding="utf-8"?>
+<ds:datastoreItem xmlns:ds="http://schemas.openxmlformats.org/officeDocument/2006/customXml" ds:itemID="{75E05AB7-3B6A-492F-8FD0-7267B59BB88B}">
+  <ds:schemaRefs>
+    <ds:schemaRef ds:uri="http://schemas.microsoft.com/sharepoint/events"/>
+  </ds:schemaRefs>
+</ds:datastoreItem>
+</file>
+
+<file path=customXml/itemProps4.xml><?xml version="1.0" encoding="utf-8"?>
 <ds:datastoreItem xmlns:ds="http://schemas.openxmlformats.org/officeDocument/2006/customXml" ds:itemID="{1CBA01FD-69E2-4D69-B064-01637DD45D7D}">
   <ds:schemaRefs>
     <ds:schemaRef ds:uri="http://schemas.microsoft.com/office/2006/metadata/contentType"/>
@@ -23257,12 +28642,4 @@
     <ds:schemaRef ds:uri="http://schemas.microsoft.com/internal/obd"/>
   </ds:schemaRefs>
 </ds:datastoreItem>
-</file>
-
-<file path=customXml/itemProps4.xml><?xml version="1.0" encoding="utf-8"?>
-<ds:datastoreItem xmlns:ds="http://schemas.openxmlformats.org/officeDocument/2006/customXml" ds:itemID="{75E05AB7-3B6A-492F-8FD0-7267B59BB88B}">
-  <ds:schemaRefs>
-    <ds:schemaRef ds:uri="http://schemas.microsoft.com/sharepoint/events"/>
-  </ds:schemaRefs>
-</ds:datastoreItem>
 </file>